--- a/presentation/jpoint2017.pptx
+++ b/presentation/jpoint2017.pptx
@@ -1,25 +1,25 @@
 
 <file path=ppt/presentation.xml><?xml version="1.0" encoding="utf-8"?>
-<p:presentation xmlns:a="http://schemas.openxmlformats.org/drawingml/2006/main" xmlns:r="http://schemas.openxmlformats.org/officeDocument/2006/relationships" xmlns:mc="http://schemas.openxmlformats.org/markup-compatibility/2006" xmlns:mv="urn:schemas-microsoft-com:mac:vml" xmlns:p="http://schemas.openxmlformats.org/presentationml/2006/main" xmlns:c="http://schemas.openxmlformats.org/drawingml/2006/chart" xmlns:dgm="http://schemas.openxmlformats.org/drawingml/2006/diagram" xmlns:o="urn:schemas-microsoft-com:office:office" xmlns:v="urn:schemas-microsoft-com:vml" xmlns:pvml="urn:schemas-microsoft-com:office:powerpoint" xmlns:com="http://schemas.openxmlformats.org/drawingml/2006/compatibility" xmlns:p14="http://schemas.microsoft.com/office/powerpoint/2010/main" autoCompressPictures="0" strictFirstAndLastChars="0" saveSubsetFonts="1">
+<p:presentation xmlns:a="http://schemas.openxmlformats.org/drawingml/2006/main" xmlns:r="http://schemas.openxmlformats.org/officeDocument/2006/relationships" xmlns:p="http://schemas.openxmlformats.org/presentationml/2006/main" strictFirstAndLastChars="0" saveSubsetFonts="1" autoCompressPictures="0">
   <p:sldMasterIdLst>
-    <p:sldMasterId id="2147483659" r:id="rId3"/>
+    <p:sldMasterId id="2147483659" r:id="rId1"/>
   </p:sldMasterIdLst>
   <p:notesMasterIdLst>
-    <p:notesMasterId r:id="rId4"/>
+    <p:notesMasterId r:id="rId9"/>
   </p:notesMasterIdLst>
   <p:sldIdLst>
-    <p:sldId id="256" r:id="rId5"/>
-    <p:sldId id="257" r:id="rId6"/>
-    <p:sldId id="258" r:id="rId7"/>
-    <p:sldId id="259" r:id="rId8"/>
-    <p:sldId id="260" r:id="rId9"/>
-    <p:sldId id="261" r:id="rId10"/>
-    <p:sldId id="262" r:id="rId11"/>
+    <p:sldId id="256" r:id="rId2"/>
+    <p:sldId id="257" r:id="rId3"/>
+    <p:sldId id="258" r:id="rId4"/>
+    <p:sldId id="259" r:id="rId5"/>
+    <p:sldId id="260" r:id="rId6"/>
+    <p:sldId id="261" r:id="rId7"/>
+    <p:sldId id="262" r:id="rId8"/>
   </p:sldIdLst>
-  <p:sldSz cy="5143500" cx="9144000"/>
+  <p:sldSz cx="9144000" cy="5143500" type="screen16x9"/>
   <p:notesSz cx="6858000" cy="9144000"/>
   <p:defaultTextStyle>
-    <a:defPPr lvl="0" marR="0" rtl="0" algn="l">
+    <a:defPPr marR="0" lvl="0" algn="l" rtl="0">
       <a:lnSpc>
         <a:spcPct val="100000"/>
       </a:lnSpc>
@@ -30,7 +30,7 @@
         <a:spcPts val="0"/>
       </a:spcAft>
     </a:defPPr>
-    <a:lvl1pPr lvl="0" marR="0" rtl="0" algn="l">
+    <a:lvl1pPr marR="0" lvl="0" algn="l" rtl="0">
       <a:lnSpc>
         <a:spcPct val="100000"/>
       </a:lnSpc>
@@ -41,7 +41,7 @@
         <a:spcPts val="0"/>
       </a:spcAft>
       <a:buNone/>
-      <a:defRPr b="0" i="0" sz="1400" u="none" cap="none" strike="noStrike">
+      <a:defRPr sz="1400" b="0" i="0" u="none" strike="noStrike" cap="none">
         <a:solidFill>
           <a:srgbClr val="000000"/>
         </a:solidFill>
@@ -51,7 +51,7 @@
         <a:sym typeface="Arial"/>
       </a:defRPr>
     </a:lvl1pPr>
-    <a:lvl2pPr lvl="1" marR="0" rtl="0" algn="l">
+    <a:lvl2pPr marR="0" lvl="1" algn="l" rtl="0">
       <a:lnSpc>
         <a:spcPct val="100000"/>
       </a:lnSpc>
@@ -62,7 +62,7 @@
         <a:spcPts val="0"/>
       </a:spcAft>
       <a:buNone/>
-      <a:defRPr b="0" i="0" sz="1400" u="none" cap="none" strike="noStrike">
+      <a:defRPr sz="1400" b="0" i="0" u="none" strike="noStrike" cap="none">
         <a:solidFill>
           <a:srgbClr val="000000"/>
         </a:solidFill>
@@ -72,7 +72,7 @@
         <a:sym typeface="Arial"/>
       </a:defRPr>
     </a:lvl2pPr>
-    <a:lvl3pPr lvl="2" marR="0" rtl="0" algn="l">
+    <a:lvl3pPr marR="0" lvl="2" algn="l" rtl="0">
       <a:lnSpc>
         <a:spcPct val="100000"/>
       </a:lnSpc>
@@ -83,7 +83,7 @@
         <a:spcPts val="0"/>
       </a:spcAft>
       <a:buNone/>
-      <a:defRPr b="0" i="0" sz="1400" u="none" cap="none" strike="noStrike">
+      <a:defRPr sz="1400" b="0" i="0" u="none" strike="noStrike" cap="none">
         <a:solidFill>
           <a:srgbClr val="000000"/>
         </a:solidFill>
@@ -93,7 +93,7 @@
         <a:sym typeface="Arial"/>
       </a:defRPr>
     </a:lvl3pPr>
-    <a:lvl4pPr lvl="3" marR="0" rtl="0" algn="l">
+    <a:lvl4pPr marR="0" lvl="3" algn="l" rtl="0">
       <a:lnSpc>
         <a:spcPct val="100000"/>
       </a:lnSpc>
@@ -104,7 +104,7 @@
         <a:spcPts val="0"/>
       </a:spcAft>
       <a:buNone/>
-      <a:defRPr b="0" i="0" sz="1400" u="none" cap="none" strike="noStrike">
+      <a:defRPr sz="1400" b="0" i="0" u="none" strike="noStrike" cap="none">
         <a:solidFill>
           <a:srgbClr val="000000"/>
         </a:solidFill>
@@ -114,7 +114,7 @@
         <a:sym typeface="Arial"/>
       </a:defRPr>
     </a:lvl4pPr>
-    <a:lvl5pPr lvl="4" marR="0" rtl="0" algn="l">
+    <a:lvl5pPr marR="0" lvl="4" algn="l" rtl="0">
       <a:lnSpc>
         <a:spcPct val="100000"/>
       </a:lnSpc>
@@ -125,7 +125,7 @@
         <a:spcPts val="0"/>
       </a:spcAft>
       <a:buNone/>
-      <a:defRPr b="0" i="0" sz="1400" u="none" cap="none" strike="noStrike">
+      <a:defRPr sz="1400" b="0" i="0" u="none" strike="noStrike" cap="none">
         <a:solidFill>
           <a:srgbClr val="000000"/>
         </a:solidFill>
@@ -135,7 +135,7 @@
         <a:sym typeface="Arial"/>
       </a:defRPr>
     </a:lvl5pPr>
-    <a:lvl6pPr lvl="5" marR="0" rtl="0" algn="l">
+    <a:lvl6pPr marR="0" lvl="5" algn="l" rtl="0">
       <a:lnSpc>
         <a:spcPct val="100000"/>
       </a:lnSpc>
@@ -146,7 +146,7 @@
         <a:spcPts val="0"/>
       </a:spcAft>
       <a:buNone/>
-      <a:defRPr b="0" i="0" sz="1400" u="none" cap="none" strike="noStrike">
+      <a:defRPr sz="1400" b="0" i="0" u="none" strike="noStrike" cap="none">
         <a:solidFill>
           <a:srgbClr val="000000"/>
         </a:solidFill>
@@ -156,7 +156,7 @@
         <a:sym typeface="Arial"/>
       </a:defRPr>
     </a:lvl6pPr>
-    <a:lvl7pPr lvl="6" marR="0" rtl="0" algn="l">
+    <a:lvl7pPr marR="0" lvl="6" algn="l" rtl="0">
       <a:lnSpc>
         <a:spcPct val="100000"/>
       </a:lnSpc>
@@ -167,7 +167,7 @@
         <a:spcPts val="0"/>
       </a:spcAft>
       <a:buNone/>
-      <a:defRPr b="0" i="0" sz="1400" u="none" cap="none" strike="noStrike">
+      <a:defRPr sz="1400" b="0" i="0" u="none" strike="noStrike" cap="none">
         <a:solidFill>
           <a:srgbClr val="000000"/>
         </a:solidFill>
@@ -177,7 +177,7 @@
         <a:sym typeface="Arial"/>
       </a:defRPr>
     </a:lvl7pPr>
-    <a:lvl8pPr lvl="7" marR="0" rtl="0" algn="l">
+    <a:lvl8pPr marR="0" lvl="7" algn="l" rtl="0">
       <a:lnSpc>
         <a:spcPct val="100000"/>
       </a:lnSpc>
@@ -188,7 +188,7 @@
         <a:spcPts val="0"/>
       </a:spcAft>
       <a:buNone/>
-      <a:defRPr b="0" i="0" sz="1400" u="none" cap="none" strike="noStrike">
+      <a:defRPr sz="1400" b="0" i="0" u="none" strike="noStrike" cap="none">
         <a:solidFill>
           <a:srgbClr val="000000"/>
         </a:solidFill>
@@ -198,7 +198,7 @@
         <a:sym typeface="Arial"/>
       </a:defRPr>
     </a:lvl8pPr>
-    <a:lvl9pPr lvl="8" marR="0" rtl="0" algn="l">
+    <a:lvl9pPr marR="0" lvl="8" algn="l" rtl="0">
       <a:lnSpc>
         <a:spcPct val="100000"/>
       </a:lnSpc>
@@ -209,7 +209,7 @@
         <a:spcPts val="0"/>
       </a:spcAft>
       <a:buNone/>
-      <a:defRPr b="0" i="0" sz="1400" u="none" cap="none" strike="noStrike">
+      <a:defRPr sz="1400" b="0" i="0" u="none" strike="noStrike" cap="none">
         <a:solidFill>
           <a:srgbClr val="000000"/>
         </a:solidFill>
@@ -224,11 +224,16 @@
 </file>
 
 <file path=ppt/notesMasters/notesMaster1.xml><?xml version="1.0" encoding="utf-8"?>
-<p:notesMaster xmlns:a="http://schemas.openxmlformats.org/drawingml/2006/main" xmlns:r="http://schemas.openxmlformats.org/officeDocument/2006/relationships" xmlns:mc="http://schemas.openxmlformats.org/markup-compatibility/2006" xmlns:mv="urn:schemas-microsoft-com:mac:vml" xmlns:p="http://schemas.openxmlformats.org/presentationml/2006/main" xmlns:c="http://schemas.openxmlformats.org/drawingml/2006/chart" xmlns:dgm="http://schemas.openxmlformats.org/drawingml/2006/diagram" xmlns:o="urn:schemas-microsoft-com:office:office" xmlns:v="urn:schemas-microsoft-com:vml" xmlns:pvml="urn:schemas-microsoft-com:office:powerpoint" xmlns:com="http://schemas.openxmlformats.org/drawingml/2006/compatibility" xmlns:p14="http://schemas.microsoft.com/office/powerpoint/2010/main">
+<p:notesMaster xmlns:a="http://schemas.openxmlformats.org/drawingml/2006/main" xmlns:r="http://schemas.openxmlformats.org/officeDocument/2006/relationships" xmlns:p="http://schemas.openxmlformats.org/presentationml/2006/main">
   <p:cSld>
+    <p:bg>
+      <p:bgRef idx="1001">
+        <a:schemeClr val="bg1"/>
+      </p:bgRef>
+    </p:bg>
     <p:spTree>
       <p:nvGrpSpPr>
-        <p:cNvPr id="2" name="Shape 2"/>
+        <p:cNvPr id="1" name="Shape 2"/>
         <p:cNvGrpSpPr/>
         <p:nvPr/>
       </p:nvGrpSpPr>
@@ -243,9 +248,11 @@
       <p:sp>
         <p:nvSpPr>
           <p:cNvPr id="3" name="Shape 3"/>
-          <p:cNvSpPr/>
+          <p:cNvSpPr>
+            <a:spLocks noGrp="1" noRot="1" noChangeAspect="1"/>
+          </p:cNvSpPr>
           <p:nvPr>
-            <p:ph idx="2" type="sldImg"/>
+            <p:ph type="sldImg" idx="2"/>
           </p:nvPr>
         </p:nvSpPr>
         <p:spPr>
@@ -254,8 +261,13 @@
             <a:ext cx="6096075" cy="3429000"/>
           </a:xfrm>
           <a:custGeom>
+            <a:avLst/>
+            <a:gdLst/>
+            <a:ahLst/>
+            <a:cxnLst/>
+            <a:rect l="0" t="0" r="0" b="0"/>
             <a:pathLst>
-              <a:path extrusionOk="0" h="120000" w="120000">
+              <a:path w="120000" h="120000" extrusionOk="0">
                 <a:moveTo>
                   <a:pt x="0" y="0"/>
                 </a:moveTo>
@@ -273,23 +285,25 @@
             </a:pathLst>
           </a:custGeom>
           <a:noFill/>
-          <a:ln cap="flat" cmpd="sng" w="9525">
+          <a:ln w="9525" cap="flat" cmpd="sng">
             <a:solidFill>
               <a:srgbClr val="000000"/>
             </a:solidFill>
             <a:prstDash val="solid"/>
             <a:round/>
-            <a:headEnd len="med" w="med" type="none"/>
-            <a:tailEnd len="med" w="med" type="none"/>
+            <a:headEnd type="none" w="med" len="med"/>
+            <a:tailEnd type="none" w="med" len="med"/>
           </a:ln>
         </p:spPr>
       </p:sp>
       <p:sp>
         <p:nvSpPr>
           <p:cNvPr id="4" name="Shape 4"/>
-          <p:cNvSpPr txBox="1"/>
+          <p:cNvSpPr txBox="1">
+            <a:spLocks noGrp="1"/>
+          </p:cNvSpPr>
           <p:nvPr>
-            <p:ph idx="1" type="body"/>
+            <p:ph type="body" idx="1"/>
           </p:nvPr>
         </p:nvSpPr>
         <p:spPr>
@@ -306,7 +320,7 @@
           </a:ln>
         </p:spPr>
         <p:txBody>
-          <a:bodyPr anchorCtr="0" anchor="t" bIns="91425" lIns="91425" rIns="91425" tIns="91425"/>
+          <a:bodyPr lIns="91425" tIns="91425" rIns="91425" bIns="91425" anchor="t" anchorCtr="0"/>
           <a:lstStyle>
             <a:lvl1pPr lvl="0">
               <a:spcBef>
@@ -363,21 +377,120 @@
               <a:defRPr sz="1100"/>
             </a:lvl9pPr>
           </a:lstStyle>
-          <a:p/>
+          <a:p>
+            <a:endParaRPr/>
+          </a:p>
         </p:txBody>
       </p:sp>
     </p:spTree>
+    <p:extLst>
+      <p:ext uri="{BB962C8B-B14F-4D97-AF65-F5344CB8AC3E}">
+        <p14:creationId xmlns:p14="http://schemas.microsoft.com/office/powerpoint/2010/main" val="3314830243"/>
+      </p:ext>
+    </p:extLst>
   </p:cSld>
-  <p:clrMap accent1="accent1" accent2="accent2" accent3="accent3" accent4="accent4" accent5="accent5" accent6="accent6" bg1="lt1" bg2="dk2" tx1="dk1" tx2="lt2" folHlink="folHlink" hlink="hlink"/>
+  <p:clrMap bg1="lt1" tx1="dk1" bg2="dk2" tx2="lt2" accent1="accent1" accent2="accent2" accent3="accent3" accent4="accent4" accent5="accent5" accent6="accent6" hlink="hlink" folHlink="folHlink"/>
+  <p:notesStyle>
+    <a:lvl1pPr marL="0" algn="l" defTabSz="914400" rtl="0" eaLnBrk="1" latinLnBrk="0" hangingPunct="1">
+      <a:defRPr sz="1200" kern="1200">
+        <a:solidFill>
+          <a:schemeClr val="tx1"/>
+        </a:solidFill>
+        <a:latin typeface="+mn-lt"/>
+        <a:ea typeface="+mn-ea"/>
+        <a:cs typeface="+mn-cs"/>
+      </a:defRPr>
+    </a:lvl1pPr>
+    <a:lvl2pPr marL="457200" algn="l" defTabSz="914400" rtl="0" eaLnBrk="1" latinLnBrk="0" hangingPunct="1">
+      <a:defRPr sz="1200" kern="1200">
+        <a:solidFill>
+          <a:schemeClr val="tx1"/>
+        </a:solidFill>
+        <a:latin typeface="+mn-lt"/>
+        <a:ea typeface="+mn-ea"/>
+        <a:cs typeface="+mn-cs"/>
+      </a:defRPr>
+    </a:lvl2pPr>
+    <a:lvl3pPr marL="914400" algn="l" defTabSz="914400" rtl="0" eaLnBrk="1" latinLnBrk="0" hangingPunct="1">
+      <a:defRPr sz="1200" kern="1200">
+        <a:solidFill>
+          <a:schemeClr val="tx1"/>
+        </a:solidFill>
+        <a:latin typeface="+mn-lt"/>
+        <a:ea typeface="+mn-ea"/>
+        <a:cs typeface="+mn-cs"/>
+      </a:defRPr>
+    </a:lvl3pPr>
+    <a:lvl4pPr marL="1371600" algn="l" defTabSz="914400" rtl="0" eaLnBrk="1" latinLnBrk="0" hangingPunct="1">
+      <a:defRPr sz="1200" kern="1200">
+        <a:solidFill>
+          <a:schemeClr val="tx1"/>
+        </a:solidFill>
+        <a:latin typeface="+mn-lt"/>
+        <a:ea typeface="+mn-ea"/>
+        <a:cs typeface="+mn-cs"/>
+      </a:defRPr>
+    </a:lvl4pPr>
+    <a:lvl5pPr marL="1828800" algn="l" defTabSz="914400" rtl="0" eaLnBrk="1" latinLnBrk="0" hangingPunct="1">
+      <a:defRPr sz="1200" kern="1200">
+        <a:solidFill>
+          <a:schemeClr val="tx1"/>
+        </a:solidFill>
+        <a:latin typeface="+mn-lt"/>
+        <a:ea typeface="+mn-ea"/>
+        <a:cs typeface="+mn-cs"/>
+      </a:defRPr>
+    </a:lvl5pPr>
+    <a:lvl6pPr marL="2286000" algn="l" defTabSz="914400" rtl="0" eaLnBrk="1" latinLnBrk="0" hangingPunct="1">
+      <a:defRPr sz="1200" kern="1200">
+        <a:solidFill>
+          <a:schemeClr val="tx1"/>
+        </a:solidFill>
+        <a:latin typeface="+mn-lt"/>
+        <a:ea typeface="+mn-ea"/>
+        <a:cs typeface="+mn-cs"/>
+      </a:defRPr>
+    </a:lvl6pPr>
+    <a:lvl7pPr marL="2743200" algn="l" defTabSz="914400" rtl="0" eaLnBrk="1" latinLnBrk="0" hangingPunct="1">
+      <a:defRPr sz="1200" kern="1200">
+        <a:solidFill>
+          <a:schemeClr val="tx1"/>
+        </a:solidFill>
+        <a:latin typeface="+mn-lt"/>
+        <a:ea typeface="+mn-ea"/>
+        <a:cs typeface="+mn-cs"/>
+      </a:defRPr>
+    </a:lvl7pPr>
+    <a:lvl8pPr marL="3200400" algn="l" defTabSz="914400" rtl="0" eaLnBrk="1" latinLnBrk="0" hangingPunct="1">
+      <a:defRPr sz="1200" kern="1200">
+        <a:solidFill>
+          <a:schemeClr val="tx1"/>
+        </a:solidFill>
+        <a:latin typeface="+mn-lt"/>
+        <a:ea typeface="+mn-ea"/>
+        <a:cs typeface="+mn-cs"/>
+      </a:defRPr>
+    </a:lvl8pPr>
+    <a:lvl9pPr marL="3657600" algn="l" defTabSz="914400" rtl="0" eaLnBrk="1" latinLnBrk="0" hangingPunct="1">
+      <a:defRPr sz="1200" kern="1200">
+        <a:solidFill>
+          <a:schemeClr val="tx1"/>
+        </a:solidFill>
+        <a:latin typeface="+mn-lt"/>
+        <a:ea typeface="+mn-ea"/>
+        <a:cs typeface="+mn-cs"/>
+      </a:defRPr>
+    </a:lvl9pPr>
+  </p:notesStyle>
 </p:notesMaster>
 </file>
 
 <file path=ppt/notesSlides/notesSlide1.xml><?xml version="1.0" encoding="utf-8"?>
-<p:notes xmlns:a="http://schemas.openxmlformats.org/drawingml/2006/main" xmlns:r="http://schemas.openxmlformats.org/officeDocument/2006/relationships" xmlns:mc="http://schemas.openxmlformats.org/markup-compatibility/2006" xmlns:mv="urn:schemas-microsoft-com:mac:vml" xmlns:p="http://schemas.openxmlformats.org/presentationml/2006/main" xmlns:c="http://schemas.openxmlformats.org/drawingml/2006/chart" xmlns:dgm="http://schemas.openxmlformats.org/drawingml/2006/diagram" xmlns:o="urn:schemas-microsoft-com:office:office" xmlns:v="urn:schemas-microsoft-com:vml" xmlns:pvml="urn:schemas-microsoft-com:office:powerpoint" xmlns:com="http://schemas.openxmlformats.org/drawingml/2006/compatibility" xmlns:p14="http://schemas.microsoft.com/office/powerpoint/2010/main" showMasterPhAnim="0" showMasterSp="0">
+<p:notes xmlns:a="http://schemas.openxmlformats.org/drawingml/2006/main" xmlns:r="http://schemas.openxmlformats.org/officeDocument/2006/relationships" xmlns:p="http://schemas.openxmlformats.org/presentationml/2006/main" showMasterSp="0" showMasterPhAnim="0">
   <p:cSld>
     <p:spTree>
       <p:nvGrpSpPr>
-        <p:cNvPr id="50" name="Shape 50"/>
+        <p:cNvPr id="1" name="Shape 50"/>
         <p:cNvGrpSpPr/>
         <p:nvPr/>
       </p:nvGrpSpPr>
@@ -392,9 +505,11 @@
       <p:sp>
         <p:nvSpPr>
           <p:cNvPr id="51" name="Shape 51"/>
-          <p:cNvSpPr/>
+          <p:cNvSpPr>
+            <a:spLocks noGrp="1" noRot="1" noChangeAspect="1"/>
+          </p:cNvSpPr>
           <p:nvPr>
-            <p:ph idx="2" type="sldImg"/>
+            <p:ph type="sldImg" idx="2"/>
           </p:nvPr>
         </p:nvSpPr>
         <p:spPr>
@@ -403,8 +518,13 @@
             <a:ext cx="6096075" cy="3429000"/>
           </a:xfrm>
           <a:custGeom>
+            <a:avLst/>
+            <a:gdLst/>
+            <a:ahLst/>
+            <a:cxnLst/>
+            <a:rect l="0" t="0" r="0" b="0"/>
             <a:pathLst>
-              <a:path extrusionOk="0" h="120000" w="120000">
+              <a:path w="120000" h="120000" extrusionOk="0">
                 <a:moveTo>
                   <a:pt x="0" y="0"/>
                 </a:moveTo>
@@ -426,9 +546,11 @@
       <p:sp>
         <p:nvSpPr>
           <p:cNvPr id="52" name="Shape 52"/>
-          <p:cNvSpPr txBox="1"/>
+          <p:cNvSpPr txBox="1">
+            <a:spLocks noGrp="1"/>
+          </p:cNvSpPr>
           <p:nvPr>
-            <p:ph idx="1" type="body"/>
+            <p:ph type="body" idx="1"/>
           </p:nvPr>
         </p:nvSpPr>
         <p:spPr>
@@ -441,7 +563,7 @@
           </a:prstGeom>
         </p:spPr>
         <p:txBody>
-          <a:bodyPr anchorCtr="0" anchor="t" bIns="91425" lIns="91425" rIns="91425" tIns="91425">
+          <a:bodyPr lIns="91425" tIns="91425" rIns="91425" bIns="91425" anchor="t" anchorCtr="0">
             <a:noAutofit/>
           </a:bodyPr>
           <a:lstStyle/>
@@ -452,14 +574,16 @@
               </a:spcBef>
               <a:buNone/>
             </a:pPr>
-            <a:r>
-              <a:t/>
-            </a:r>
             <a:endParaRPr/>
           </a:p>
         </p:txBody>
       </p:sp>
     </p:spTree>
+    <p:extLst>
+      <p:ext uri="{BB962C8B-B14F-4D97-AF65-F5344CB8AC3E}">
+        <p14:creationId xmlns:p14="http://schemas.microsoft.com/office/powerpoint/2010/main" val="898941176"/>
+      </p:ext>
+    </p:extLst>
   </p:cSld>
   <p:clrMapOvr>
     <a:masterClrMapping/>
@@ -468,11 +592,11 @@
 </file>
 
 <file path=ppt/notesSlides/notesSlide2.xml><?xml version="1.0" encoding="utf-8"?>
-<p:notes xmlns:a="http://schemas.openxmlformats.org/drawingml/2006/main" xmlns:r="http://schemas.openxmlformats.org/officeDocument/2006/relationships" xmlns:mc="http://schemas.openxmlformats.org/markup-compatibility/2006" xmlns:mv="urn:schemas-microsoft-com:mac:vml" xmlns:p="http://schemas.openxmlformats.org/presentationml/2006/main" xmlns:c="http://schemas.openxmlformats.org/drawingml/2006/chart" xmlns:dgm="http://schemas.openxmlformats.org/drawingml/2006/diagram" xmlns:o="urn:schemas-microsoft-com:office:office" xmlns:v="urn:schemas-microsoft-com:vml" xmlns:pvml="urn:schemas-microsoft-com:office:powerpoint" xmlns:com="http://schemas.openxmlformats.org/drawingml/2006/compatibility" xmlns:p14="http://schemas.microsoft.com/office/powerpoint/2010/main" showMasterPhAnim="0" showMasterSp="0">
+<p:notes xmlns:a="http://schemas.openxmlformats.org/drawingml/2006/main" xmlns:r="http://schemas.openxmlformats.org/officeDocument/2006/relationships" xmlns:p="http://schemas.openxmlformats.org/presentationml/2006/main" showMasterSp="0" showMasterPhAnim="0">
   <p:cSld>
     <p:spTree>
       <p:nvGrpSpPr>
-        <p:cNvPr id="57" name="Shape 57"/>
+        <p:cNvPr id="1" name="Shape 57"/>
         <p:cNvGrpSpPr/>
         <p:nvPr/>
       </p:nvGrpSpPr>
@@ -487,9 +611,11 @@
       <p:sp>
         <p:nvSpPr>
           <p:cNvPr id="58" name="Shape 58"/>
-          <p:cNvSpPr/>
+          <p:cNvSpPr>
+            <a:spLocks noGrp="1" noRot="1" noChangeAspect="1"/>
+          </p:cNvSpPr>
           <p:nvPr>
-            <p:ph idx="2" type="sldImg"/>
+            <p:ph type="sldImg" idx="2"/>
           </p:nvPr>
         </p:nvSpPr>
         <p:spPr>
@@ -498,8 +624,13 @@
             <a:ext cx="6096000" cy="3429000"/>
           </a:xfrm>
           <a:custGeom>
+            <a:avLst/>
+            <a:gdLst/>
+            <a:ahLst/>
+            <a:cxnLst/>
+            <a:rect l="0" t="0" r="0" b="0"/>
             <a:pathLst>
-              <a:path extrusionOk="0" h="120000" w="120000">
+              <a:path w="120000" h="120000" extrusionOk="0">
                 <a:moveTo>
                   <a:pt x="0" y="0"/>
                 </a:moveTo>
@@ -521,9 +652,11 @@
       <p:sp>
         <p:nvSpPr>
           <p:cNvPr id="59" name="Shape 59"/>
-          <p:cNvSpPr txBox="1"/>
+          <p:cNvSpPr txBox="1">
+            <a:spLocks noGrp="1"/>
+          </p:cNvSpPr>
           <p:nvPr>
-            <p:ph idx="1" type="body"/>
+            <p:ph type="body" idx="1"/>
           </p:nvPr>
         </p:nvSpPr>
         <p:spPr>
@@ -536,7 +669,7 @@
           </a:prstGeom>
         </p:spPr>
         <p:txBody>
-          <a:bodyPr anchorCtr="0" anchor="t" bIns="91425" lIns="91425" rIns="91425" tIns="91425">
+          <a:bodyPr lIns="91425" tIns="91425" rIns="91425" bIns="91425" anchor="t" anchorCtr="0">
             <a:noAutofit/>
           </a:bodyPr>
           <a:lstStyle/>
@@ -553,7 +686,7 @@
             </a:r>
           </a:p>
           <a:p>
-            <a:pPr indent="-228600" lvl="0" marL="457200" rtl="0">
+            <a:pPr marL="457200" lvl="0" indent="-228600" rtl="0">
               <a:spcBef>
                 <a:spcPts val="0"/>
               </a:spcBef>
@@ -565,7 +698,7 @@
             </a:r>
           </a:p>
           <a:p>
-            <a:pPr indent="-228600" lvl="0" marL="457200">
+            <a:pPr marL="457200" lvl="0" indent="-228600">
               <a:spcBef>
                 <a:spcPts val="0"/>
               </a:spcBef>
@@ -579,6 +712,11 @@
         </p:txBody>
       </p:sp>
     </p:spTree>
+    <p:extLst>
+      <p:ext uri="{BB962C8B-B14F-4D97-AF65-F5344CB8AC3E}">
+        <p14:creationId xmlns:p14="http://schemas.microsoft.com/office/powerpoint/2010/main" val="561631658"/>
+      </p:ext>
+    </p:extLst>
   </p:cSld>
   <p:clrMapOvr>
     <a:masterClrMapping/>
@@ -587,11 +725,11 @@
 </file>
 
 <file path=ppt/notesSlides/notesSlide3.xml><?xml version="1.0" encoding="utf-8"?>
-<p:notes xmlns:a="http://schemas.openxmlformats.org/drawingml/2006/main" xmlns:r="http://schemas.openxmlformats.org/officeDocument/2006/relationships" xmlns:mc="http://schemas.openxmlformats.org/markup-compatibility/2006" xmlns:mv="urn:schemas-microsoft-com:mac:vml" xmlns:p="http://schemas.openxmlformats.org/presentationml/2006/main" xmlns:c="http://schemas.openxmlformats.org/drawingml/2006/chart" xmlns:dgm="http://schemas.openxmlformats.org/drawingml/2006/diagram" xmlns:o="urn:schemas-microsoft-com:office:office" xmlns:v="urn:schemas-microsoft-com:vml" xmlns:pvml="urn:schemas-microsoft-com:office:powerpoint" xmlns:com="http://schemas.openxmlformats.org/drawingml/2006/compatibility" xmlns:p14="http://schemas.microsoft.com/office/powerpoint/2010/main" showMasterPhAnim="0" showMasterSp="0">
+<p:notes xmlns:a="http://schemas.openxmlformats.org/drawingml/2006/main" xmlns:r="http://schemas.openxmlformats.org/officeDocument/2006/relationships" xmlns:p="http://schemas.openxmlformats.org/presentationml/2006/main" showMasterSp="0" showMasterPhAnim="0">
   <p:cSld>
     <p:spTree>
       <p:nvGrpSpPr>
-        <p:cNvPr id="63" name="Shape 63"/>
+        <p:cNvPr id="1" name="Shape 63"/>
         <p:cNvGrpSpPr/>
         <p:nvPr/>
       </p:nvGrpSpPr>
@@ -606,9 +744,11 @@
       <p:sp>
         <p:nvSpPr>
           <p:cNvPr id="64" name="Shape 64"/>
-          <p:cNvSpPr/>
+          <p:cNvSpPr>
+            <a:spLocks noGrp="1" noRot="1" noChangeAspect="1"/>
+          </p:cNvSpPr>
           <p:nvPr>
-            <p:ph idx="2" type="sldImg"/>
+            <p:ph type="sldImg" idx="2"/>
           </p:nvPr>
         </p:nvSpPr>
         <p:spPr>
@@ -617,8 +757,13 @@
             <a:ext cx="6096000" cy="3429000"/>
           </a:xfrm>
           <a:custGeom>
+            <a:avLst/>
+            <a:gdLst/>
+            <a:ahLst/>
+            <a:cxnLst/>
+            <a:rect l="0" t="0" r="0" b="0"/>
             <a:pathLst>
-              <a:path extrusionOk="0" h="120000" w="120000">
+              <a:path w="120000" h="120000" extrusionOk="0">
                 <a:moveTo>
                   <a:pt x="0" y="0"/>
                 </a:moveTo>
@@ -640,9 +785,11 @@
       <p:sp>
         <p:nvSpPr>
           <p:cNvPr id="65" name="Shape 65"/>
-          <p:cNvSpPr txBox="1"/>
+          <p:cNvSpPr txBox="1">
+            <a:spLocks noGrp="1"/>
+          </p:cNvSpPr>
           <p:nvPr>
-            <p:ph idx="1" type="body"/>
+            <p:ph type="body" idx="1"/>
           </p:nvPr>
         </p:nvSpPr>
         <p:spPr>
@@ -655,7 +802,7 @@
           </a:prstGeom>
         </p:spPr>
         <p:txBody>
-          <a:bodyPr anchorCtr="0" anchor="t" bIns="91425" lIns="91425" rIns="91425" tIns="91425">
+          <a:bodyPr lIns="91425" tIns="91425" rIns="91425" bIns="91425" anchor="t" anchorCtr="0">
             <a:noAutofit/>
           </a:bodyPr>
           <a:lstStyle/>
@@ -672,7 +819,7 @@
             </a:r>
           </a:p>
           <a:p>
-            <a:pPr indent="-228600" lvl="0" marL="457200" rtl="0">
+            <a:pPr marL="457200" lvl="0" indent="-228600" rtl="0">
               <a:spcBef>
                 <a:spcPts val="0"/>
               </a:spcBef>
@@ -684,7 +831,7 @@
             </a:r>
           </a:p>
           <a:p>
-            <a:pPr indent="-228600" lvl="0" marL="457200" rtl="0">
+            <a:pPr marL="457200" lvl="0" indent="-228600" rtl="0">
               <a:spcBef>
                 <a:spcPts val="0"/>
               </a:spcBef>
@@ -696,7 +843,7 @@
             </a:r>
           </a:p>
           <a:p>
-            <a:pPr indent="-228600" lvl="0" marL="457200" rtl="0">
+            <a:pPr marL="457200" lvl="0" indent="-228600" rtl="0">
               <a:spcBef>
                 <a:spcPts val="0"/>
               </a:spcBef>
@@ -710,6 +857,11 @@
         </p:txBody>
       </p:sp>
     </p:spTree>
+    <p:extLst>
+      <p:ext uri="{BB962C8B-B14F-4D97-AF65-F5344CB8AC3E}">
+        <p14:creationId xmlns:p14="http://schemas.microsoft.com/office/powerpoint/2010/main" val="21381396"/>
+      </p:ext>
+    </p:extLst>
   </p:cSld>
   <p:clrMapOvr>
     <a:masterClrMapping/>
@@ -718,11 +870,11 @@
 </file>
 
 <file path=ppt/notesSlides/notesSlide4.xml><?xml version="1.0" encoding="utf-8"?>
-<p:notes xmlns:a="http://schemas.openxmlformats.org/drawingml/2006/main" xmlns:r="http://schemas.openxmlformats.org/officeDocument/2006/relationships" xmlns:mc="http://schemas.openxmlformats.org/markup-compatibility/2006" xmlns:mv="urn:schemas-microsoft-com:mac:vml" xmlns:p="http://schemas.openxmlformats.org/presentationml/2006/main" xmlns:c="http://schemas.openxmlformats.org/drawingml/2006/chart" xmlns:dgm="http://schemas.openxmlformats.org/drawingml/2006/diagram" xmlns:o="urn:schemas-microsoft-com:office:office" xmlns:v="urn:schemas-microsoft-com:vml" xmlns:pvml="urn:schemas-microsoft-com:office:powerpoint" xmlns:com="http://schemas.openxmlformats.org/drawingml/2006/compatibility" xmlns:p14="http://schemas.microsoft.com/office/powerpoint/2010/main" showMasterPhAnim="0" showMasterSp="0">
+<p:notes xmlns:a="http://schemas.openxmlformats.org/drawingml/2006/main" xmlns:r="http://schemas.openxmlformats.org/officeDocument/2006/relationships" xmlns:p="http://schemas.openxmlformats.org/presentationml/2006/main" showMasterSp="0" showMasterPhAnim="0">
   <p:cSld>
     <p:spTree>
       <p:nvGrpSpPr>
-        <p:cNvPr id="69" name="Shape 69"/>
+        <p:cNvPr id="1" name="Shape 69"/>
         <p:cNvGrpSpPr/>
         <p:nvPr/>
       </p:nvGrpSpPr>
@@ -737,19 +889,26 @@
       <p:sp>
         <p:nvSpPr>
           <p:cNvPr id="70" name="Shape 70"/>
-          <p:cNvSpPr/>
+          <p:cNvSpPr>
+            <a:spLocks noGrp="1" noRot="1" noChangeAspect="1"/>
+          </p:cNvSpPr>
           <p:nvPr>
-            <p:ph idx="2" type="sldImg"/>
+            <p:ph type="sldImg" idx="2"/>
           </p:nvPr>
         </p:nvSpPr>
         <p:spPr>
           <a:xfrm>
-            <a:off x="381300" y="685800"/>
+            <a:off x="381000" y="685800"/>
             <a:ext cx="6096000" cy="3429000"/>
           </a:xfrm>
           <a:custGeom>
+            <a:avLst/>
+            <a:gdLst/>
+            <a:ahLst/>
+            <a:cxnLst/>
+            <a:rect l="0" t="0" r="0" b="0"/>
             <a:pathLst>
-              <a:path extrusionOk="0" h="120000" w="120000">
+              <a:path w="120000" h="120000" extrusionOk="0">
                 <a:moveTo>
                   <a:pt x="0" y="0"/>
                 </a:moveTo>
@@ -771,9 +930,11 @@
       <p:sp>
         <p:nvSpPr>
           <p:cNvPr id="71" name="Shape 71"/>
-          <p:cNvSpPr txBox="1"/>
+          <p:cNvSpPr txBox="1">
+            <a:spLocks noGrp="1"/>
+          </p:cNvSpPr>
           <p:nvPr>
-            <p:ph idx="1" type="body"/>
+            <p:ph type="body" idx="1"/>
           </p:nvPr>
         </p:nvSpPr>
         <p:spPr>
@@ -786,7 +947,7 @@
           </a:prstGeom>
         </p:spPr>
         <p:txBody>
-          <a:bodyPr anchorCtr="0" anchor="t" bIns="91425" lIns="91425" rIns="91425" tIns="91425">
+          <a:bodyPr lIns="91425" tIns="91425" rIns="91425" bIns="91425" anchor="t" anchorCtr="0">
             <a:noAutofit/>
           </a:bodyPr>
           <a:lstStyle/>
@@ -797,14 +958,16 @@
               </a:spcBef>
               <a:buNone/>
             </a:pPr>
-            <a:r>
-              <a:t/>
-            </a:r>
             <a:endParaRPr/>
           </a:p>
         </p:txBody>
       </p:sp>
     </p:spTree>
+    <p:extLst>
+      <p:ext uri="{BB962C8B-B14F-4D97-AF65-F5344CB8AC3E}">
+        <p14:creationId xmlns:p14="http://schemas.microsoft.com/office/powerpoint/2010/main" val="156095509"/>
+      </p:ext>
+    </p:extLst>
   </p:cSld>
   <p:clrMapOvr>
     <a:masterClrMapping/>
@@ -813,11 +976,11 @@
 </file>
 
 <file path=ppt/notesSlides/notesSlide5.xml><?xml version="1.0" encoding="utf-8"?>
-<p:notes xmlns:a="http://schemas.openxmlformats.org/drawingml/2006/main" xmlns:r="http://schemas.openxmlformats.org/officeDocument/2006/relationships" xmlns:mc="http://schemas.openxmlformats.org/markup-compatibility/2006" xmlns:mv="urn:schemas-microsoft-com:mac:vml" xmlns:p="http://schemas.openxmlformats.org/presentationml/2006/main" xmlns:c="http://schemas.openxmlformats.org/drawingml/2006/chart" xmlns:dgm="http://schemas.openxmlformats.org/drawingml/2006/diagram" xmlns:o="urn:schemas-microsoft-com:office:office" xmlns:v="urn:schemas-microsoft-com:vml" xmlns:pvml="urn:schemas-microsoft-com:office:powerpoint" xmlns:com="http://schemas.openxmlformats.org/drawingml/2006/compatibility" xmlns:p14="http://schemas.microsoft.com/office/powerpoint/2010/main" showMasterPhAnim="0" showMasterSp="0">
+<p:notes xmlns:a="http://schemas.openxmlformats.org/drawingml/2006/main" xmlns:r="http://schemas.openxmlformats.org/officeDocument/2006/relationships" xmlns:p="http://schemas.openxmlformats.org/presentationml/2006/main" showMasterSp="0" showMasterPhAnim="0">
   <p:cSld>
     <p:spTree>
       <p:nvGrpSpPr>
-        <p:cNvPr id="76" name="Shape 76"/>
+        <p:cNvPr id="1" name="Shape 76"/>
         <p:cNvGrpSpPr/>
         <p:nvPr/>
       </p:nvGrpSpPr>
@@ -832,9 +995,11 @@
       <p:sp>
         <p:nvSpPr>
           <p:cNvPr id="77" name="Shape 77"/>
-          <p:cNvSpPr/>
+          <p:cNvSpPr>
+            <a:spLocks noGrp="1" noRot="1" noChangeAspect="1"/>
+          </p:cNvSpPr>
           <p:nvPr>
-            <p:ph idx="2" type="sldImg"/>
+            <p:ph type="sldImg" idx="2"/>
           </p:nvPr>
         </p:nvSpPr>
         <p:spPr>
@@ -843,8 +1008,13 @@
             <a:ext cx="6096000" cy="3429000"/>
           </a:xfrm>
           <a:custGeom>
+            <a:avLst/>
+            <a:gdLst/>
+            <a:ahLst/>
+            <a:cxnLst/>
+            <a:rect l="0" t="0" r="0" b="0"/>
             <a:pathLst>
-              <a:path extrusionOk="0" h="120000" w="120000">
+              <a:path w="120000" h="120000" extrusionOk="0">
                 <a:moveTo>
                   <a:pt x="0" y="0"/>
                 </a:moveTo>
@@ -866,9 +1036,11 @@
       <p:sp>
         <p:nvSpPr>
           <p:cNvPr id="78" name="Shape 78"/>
-          <p:cNvSpPr txBox="1"/>
+          <p:cNvSpPr txBox="1">
+            <a:spLocks noGrp="1"/>
+          </p:cNvSpPr>
           <p:nvPr>
-            <p:ph idx="1" type="body"/>
+            <p:ph type="body" idx="1"/>
           </p:nvPr>
         </p:nvSpPr>
         <p:spPr>
@@ -881,7 +1053,7 @@
           </a:prstGeom>
         </p:spPr>
         <p:txBody>
-          <a:bodyPr anchorCtr="0" anchor="t" bIns="91425" lIns="91425" rIns="91425" tIns="91425">
+          <a:bodyPr lIns="91425" tIns="91425" rIns="91425" bIns="91425" anchor="t" anchorCtr="0">
             <a:noAutofit/>
           </a:bodyPr>
           <a:lstStyle/>
@@ -900,6 +1072,11 @@
         </p:txBody>
       </p:sp>
     </p:spTree>
+    <p:extLst>
+      <p:ext uri="{BB962C8B-B14F-4D97-AF65-F5344CB8AC3E}">
+        <p14:creationId xmlns:p14="http://schemas.microsoft.com/office/powerpoint/2010/main" val="2132604076"/>
+      </p:ext>
+    </p:extLst>
   </p:cSld>
   <p:clrMapOvr>
     <a:masterClrMapping/>
@@ -908,11 +1085,11 @@
 </file>
 
 <file path=ppt/notesSlides/notesSlide6.xml><?xml version="1.0" encoding="utf-8"?>
-<p:notes xmlns:a="http://schemas.openxmlformats.org/drawingml/2006/main" xmlns:r="http://schemas.openxmlformats.org/officeDocument/2006/relationships" xmlns:mc="http://schemas.openxmlformats.org/markup-compatibility/2006" xmlns:mv="urn:schemas-microsoft-com:mac:vml" xmlns:p="http://schemas.openxmlformats.org/presentationml/2006/main" xmlns:c="http://schemas.openxmlformats.org/drawingml/2006/chart" xmlns:dgm="http://schemas.openxmlformats.org/drawingml/2006/diagram" xmlns:o="urn:schemas-microsoft-com:office:office" xmlns:v="urn:schemas-microsoft-com:vml" xmlns:pvml="urn:schemas-microsoft-com:office:powerpoint" xmlns:com="http://schemas.openxmlformats.org/drawingml/2006/compatibility" xmlns:p14="http://schemas.microsoft.com/office/powerpoint/2010/main" showMasterPhAnim="0" showMasterSp="0">
+<p:notes xmlns:a="http://schemas.openxmlformats.org/drawingml/2006/main" xmlns:r="http://schemas.openxmlformats.org/officeDocument/2006/relationships" xmlns:p="http://schemas.openxmlformats.org/presentationml/2006/main" showMasterSp="0" showMasterPhAnim="0">
   <p:cSld>
     <p:spTree>
       <p:nvGrpSpPr>
-        <p:cNvPr id="82" name="Shape 82"/>
+        <p:cNvPr id="1" name="Shape 82"/>
         <p:cNvGrpSpPr/>
         <p:nvPr/>
       </p:nvGrpSpPr>
@@ -927,19 +1104,26 @@
       <p:sp>
         <p:nvSpPr>
           <p:cNvPr id="83" name="Shape 83"/>
-          <p:cNvSpPr/>
+          <p:cNvSpPr>
+            <a:spLocks noGrp="1" noRot="1" noChangeAspect="1"/>
+          </p:cNvSpPr>
           <p:nvPr>
-            <p:ph idx="2" type="sldImg"/>
+            <p:ph type="sldImg" idx="2"/>
           </p:nvPr>
         </p:nvSpPr>
         <p:spPr>
           <a:xfrm>
-            <a:off x="381300" y="685800"/>
+            <a:off x="381000" y="685800"/>
             <a:ext cx="6096000" cy="3429000"/>
           </a:xfrm>
           <a:custGeom>
+            <a:avLst/>
+            <a:gdLst/>
+            <a:ahLst/>
+            <a:cxnLst/>
+            <a:rect l="0" t="0" r="0" b="0"/>
             <a:pathLst>
-              <a:path extrusionOk="0" h="120000" w="120000">
+              <a:path w="120000" h="120000" extrusionOk="0">
                 <a:moveTo>
                   <a:pt x="0" y="0"/>
                 </a:moveTo>
@@ -961,9 +1145,11 @@
       <p:sp>
         <p:nvSpPr>
           <p:cNvPr id="84" name="Shape 84"/>
-          <p:cNvSpPr txBox="1"/>
+          <p:cNvSpPr txBox="1">
+            <a:spLocks noGrp="1"/>
+          </p:cNvSpPr>
           <p:nvPr>
-            <p:ph idx="1" type="body"/>
+            <p:ph type="body" idx="1"/>
           </p:nvPr>
         </p:nvSpPr>
         <p:spPr>
@@ -976,7 +1162,7 @@
           </a:prstGeom>
         </p:spPr>
         <p:txBody>
-          <a:bodyPr anchorCtr="0" anchor="t" bIns="91425" lIns="91425" rIns="91425" tIns="91425">
+          <a:bodyPr lIns="91425" tIns="91425" rIns="91425" bIns="91425" anchor="t" anchorCtr="0">
             <a:noAutofit/>
           </a:bodyPr>
           <a:lstStyle/>
@@ -995,6 +1181,11 @@
         </p:txBody>
       </p:sp>
     </p:spTree>
+    <p:extLst>
+      <p:ext uri="{BB962C8B-B14F-4D97-AF65-F5344CB8AC3E}">
+        <p14:creationId xmlns:p14="http://schemas.microsoft.com/office/powerpoint/2010/main" val="936217032"/>
+      </p:ext>
+    </p:extLst>
   </p:cSld>
   <p:clrMapOvr>
     <a:masterClrMapping/>
@@ -1003,11 +1194,11 @@
 </file>
 
 <file path=ppt/notesSlides/notesSlide7.xml><?xml version="1.0" encoding="utf-8"?>
-<p:notes xmlns:a="http://schemas.openxmlformats.org/drawingml/2006/main" xmlns:r="http://schemas.openxmlformats.org/officeDocument/2006/relationships" xmlns:mc="http://schemas.openxmlformats.org/markup-compatibility/2006" xmlns:mv="urn:schemas-microsoft-com:mac:vml" xmlns:p="http://schemas.openxmlformats.org/presentationml/2006/main" xmlns:c="http://schemas.openxmlformats.org/drawingml/2006/chart" xmlns:dgm="http://schemas.openxmlformats.org/drawingml/2006/diagram" xmlns:o="urn:schemas-microsoft-com:office:office" xmlns:v="urn:schemas-microsoft-com:vml" xmlns:pvml="urn:schemas-microsoft-com:office:powerpoint" xmlns:com="http://schemas.openxmlformats.org/drawingml/2006/compatibility" xmlns:p14="http://schemas.microsoft.com/office/powerpoint/2010/main" showMasterPhAnim="0" showMasterSp="0">
+<p:notes xmlns:a="http://schemas.openxmlformats.org/drawingml/2006/main" xmlns:r="http://schemas.openxmlformats.org/officeDocument/2006/relationships" xmlns:p="http://schemas.openxmlformats.org/presentationml/2006/main" showMasterSp="0" showMasterPhAnim="0">
   <p:cSld>
     <p:spTree>
       <p:nvGrpSpPr>
-        <p:cNvPr id="104" name="Shape 104"/>
+        <p:cNvPr id="1" name="Shape 104"/>
         <p:cNvGrpSpPr/>
         <p:nvPr/>
       </p:nvGrpSpPr>
@@ -1022,9 +1213,11 @@
       <p:sp>
         <p:nvSpPr>
           <p:cNvPr id="105" name="Shape 105"/>
-          <p:cNvSpPr/>
+          <p:cNvSpPr>
+            <a:spLocks noGrp="1" noRot="1" noChangeAspect="1"/>
+          </p:cNvSpPr>
           <p:nvPr>
-            <p:ph idx="2" type="sldImg"/>
+            <p:ph type="sldImg" idx="2"/>
           </p:nvPr>
         </p:nvSpPr>
         <p:spPr>
@@ -1033,8 +1226,13 @@
             <a:ext cx="6096000" cy="3429000"/>
           </a:xfrm>
           <a:custGeom>
+            <a:avLst/>
+            <a:gdLst/>
+            <a:ahLst/>
+            <a:cxnLst/>
+            <a:rect l="0" t="0" r="0" b="0"/>
             <a:pathLst>
-              <a:path extrusionOk="0" h="120000" w="120000">
+              <a:path w="120000" h="120000" extrusionOk="0">
                 <a:moveTo>
                   <a:pt x="0" y="0"/>
                 </a:moveTo>
@@ -1056,9 +1254,11 @@
       <p:sp>
         <p:nvSpPr>
           <p:cNvPr id="106" name="Shape 106"/>
-          <p:cNvSpPr txBox="1"/>
+          <p:cNvSpPr txBox="1">
+            <a:spLocks noGrp="1"/>
+          </p:cNvSpPr>
           <p:nvPr>
-            <p:ph idx="1" type="body"/>
+            <p:ph type="body" idx="1"/>
           </p:nvPr>
         </p:nvSpPr>
         <p:spPr>
@@ -1071,7 +1271,7 @@
           </a:prstGeom>
         </p:spPr>
         <p:txBody>
-          <a:bodyPr anchorCtr="0" anchor="t" bIns="91425" lIns="91425" rIns="91425" tIns="91425">
+          <a:bodyPr lIns="91425" tIns="91425" rIns="91425" bIns="91425" anchor="t" anchorCtr="0">
             <a:noAutofit/>
           </a:bodyPr>
           <a:lstStyle/>
@@ -1082,14 +1282,16 @@
               </a:spcBef>
               <a:buNone/>
             </a:pPr>
-            <a:r>
-              <a:t/>
-            </a:r>
             <a:endParaRPr/>
           </a:p>
         </p:txBody>
       </p:sp>
     </p:spTree>
+    <p:extLst>
+      <p:ext uri="{BB962C8B-B14F-4D97-AF65-F5344CB8AC3E}">
+        <p14:creationId xmlns:p14="http://schemas.microsoft.com/office/powerpoint/2010/main" val="423073409"/>
+      </p:ext>
+    </p:extLst>
   </p:cSld>
   <p:clrMapOvr>
     <a:masterClrMapping/>
@@ -1098,11 +1300,11 @@
 </file>
 
 <file path=ppt/slideLayouts/slideLayout1.xml><?xml version="1.0" encoding="utf-8"?>
-<p:sldLayout xmlns:a="http://schemas.openxmlformats.org/drawingml/2006/main" xmlns:r="http://schemas.openxmlformats.org/officeDocument/2006/relationships" xmlns:mc="http://schemas.openxmlformats.org/markup-compatibility/2006" xmlns:mv="urn:schemas-microsoft-com:mac:vml" xmlns:p="http://schemas.openxmlformats.org/presentationml/2006/main" xmlns:c="http://schemas.openxmlformats.org/drawingml/2006/chart" xmlns:dgm="http://schemas.openxmlformats.org/drawingml/2006/diagram" xmlns:o="urn:schemas-microsoft-com:office:office" xmlns:v="urn:schemas-microsoft-com:vml" xmlns:pvml="urn:schemas-microsoft-com:office:powerpoint" xmlns:com="http://schemas.openxmlformats.org/drawingml/2006/compatibility" xmlns:p14="http://schemas.microsoft.com/office/powerpoint/2010/main" type="title">
+<p:sldLayout xmlns:a="http://schemas.openxmlformats.org/drawingml/2006/main" xmlns:r="http://schemas.openxmlformats.org/officeDocument/2006/relationships" xmlns:p="http://schemas.openxmlformats.org/presentationml/2006/main" type="title">
   <p:cSld name="Title slide">
     <p:spTree>
       <p:nvGrpSpPr>
-        <p:cNvPr id="9" name="Shape 9"/>
+        <p:cNvPr id="1" name="Shape 9"/>
         <p:cNvGrpSpPr/>
         <p:nvPr/>
       </p:nvGrpSpPr>
@@ -1117,7 +1319,9 @@
       <p:sp>
         <p:nvSpPr>
           <p:cNvPr id="10" name="Shape 10"/>
-          <p:cNvSpPr txBox="1"/>
+          <p:cNvSpPr txBox="1">
+            <a:spLocks noGrp="1"/>
+          </p:cNvSpPr>
           <p:nvPr>
             <p:ph type="ctrTitle"/>
           </p:nvPr>
@@ -1132,7 +1336,7 @@
           </a:prstGeom>
         </p:spPr>
         <p:txBody>
-          <a:bodyPr anchorCtr="0" anchor="b" bIns="91425" lIns="91425" rIns="91425" tIns="91425"/>
+          <a:bodyPr lIns="91425" tIns="91425" rIns="91425" bIns="91425" anchor="b" anchorCtr="0"/>
           <a:lstStyle>
             <a:lvl1pPr lvl="0" algn="ctr">
               <a:spcBef>
@@ -1198,15 +1402,19 @@
               <a:defRPr sz="5200"/>
             </a:lvl9pPr>
           </a:lstStyle>
-          <a:p/>
+          <a:p>
+            <a:endParaRPr/>
+          </a:p>
         </p:txBody>
       </p:sp>
       <p:sp>
         <p:nvSpPr>
           <p:cNvPr id="11" name="Shape 11"/>
-          <p:cNvSpPr txBox="1"/>
+          <p:cNvSpPr txBox="1">
+            <a:spLocks noGrp="1"/>
+          </p:cNvSpPr>
           <p:nvPr>
-            <p:ph idx="1" type="subTitle"/>
+            <p:ph type="subTitle" idx="1"/>
           </p:nvPr>
         </p:nvSpPr>
         <p:spPr>
@@ -1219,7 +1427,7 @@
           </a:prstGeom>
         </p:spPr>
         <p:txBody>
-          <a:bodyPr anchorCtr="0" anchor="t" bIns="91425" lIns="91425" rIns="91425" tIns="91425"/>
+          <a:bodyPr lIns="91425" tIns="91425" rIns="91425" bIns="91425" anchor="t" anchorCtr="0"/>
           <a:lstStyle>
             <a:lvl1pPr lvl="0" algn="ctr">
               <a:lnSpc>
@@ -1348,15 +1556,19 @@
               <a:defRPr sz="2800"/>
             </a:lvl9pPr>
           </a:lstStyle>
-          <a:p/>
+          <a:p>
+            <a:endParaRPr/>
+          </a:p>
         </p:txBody>
       </p:sp>
       <p:sp>
         <p:nvSpPr>
           <p:cNvPr id="12" name="Shape 12"/>
-          <p:cNvSpPr txBox="1"/>
+          <p:cNvSpPr txBox="1">
+            <a:spLocks noGrp="1"/>
+          </p:cNvSpPr>
           <p:nvPr>
-            <p:ph idx="12" type="sldNum"/>
+            <p:ph type="sldNum" idx="12"/>
           </p:nvPr>
         </p:nvSpPr>
         <p:spPr>
@@ -1369,7 +1581,7 @@
           </a:prstGeom>
         </p:spPr>
         <p:txBody>
-          <a:bodyPr anchorCtr="0" anchor="ctr" bIns="91425" lIns="91425" rIns="91425" tIns="91425">
+          <a:bodyPr lIns="91425" tIns="91425" rIns="91425" bIns="91425" anchor="ctr" anchorCtr="0">
             <a:noAutofit/>
           </a:bodyPr>
           <a:lstStyle/>
@@ -1384,6 +1596,7 @@
               <a:rPr lang="en-GB"/>
               <a:t>‹#›</a:t>
             </a:fld>
+            <a:endParaRPr lang="en-GB"/>
           </a:p>
         </p:txBody>
       </p:sp>
@@ -1396,11 +1609,11 @@
 </file>
 
 <file path=ppt/slideLayouts/slideLayout10.xml><?xml version="1.0" encoding="utf-8"?>
-<p:sldLayout xmlns:a="http://schemas.openxmlformats.org/drawingml/2006/main" xmlns:r="http://schemas.openxmlformats.org/officeDocument/2006/relationships" xmlns:mc="http://schemas.openxmlformats.org/markup-compatibility/2006" xmlns:mv="urn:schemas-microsoft-com:mac:vml" xmlns:p="http://schemas.openxmlformats.org/presentationml/2006/main" xmlns:c="http://schemas.openxmlformats.org/drawingml/2006/chart" xmlns:dgm="http://schemas.openxmlformats.org/drawingml/2006/diagram" xmlns:o="urn:schemas-microsoft-com:office:office" xmlns:v="urn:schemas-microsoft-com:vml" xmlns:pvml="urn:schemas-microsoft-com:office:powerpoint" xmlns:com="http://schemas.openxmlformats.org/drawingml/2006/compatibility" xmlns:p14="http://schemas.microsoft.com/office/powerpoint/2010/main">
+<p:sldLayout xmlns:a="http://schemas.openxmlformats.org/drawingml/2006/main" xmlns:r="http://schemas.openxmlformats.org/officeDocument/2006/relationships" xmlns:p="http://schemas.openxmlformats.org/presentationml/2006/main">
   <p:cSld name="Big number">
     <p:spTree>
       <p:nvGrpSpPr>
-        <p:cNvPr id="44" name="Shape 44"/>
+        <p:cNvPr id="1" name="Shape 44"/>
         <p:cNvGrpSpPr/>
         <p:nvPr/>
       </p:nvGrpSpPr>
@@ -1415,7 +1628,9 @@
       <p:sp>
         <p:nvSpPr>
           <p:cNvPr id="45" name="Shape 45"/>
-          <p:cNvSpPr txBox="1"/>
+          <p:cNvSpPr txBox="1">
+            <a:spLocks noGrp="1"/>
+          </p:cNvSpPr>
           <p:nvPr>
             <p:ph type="title"/>
           </p:nvPr>
@@ -1430,7 +1645,7 @@
           </a:prstGeom>
         </p:spPr>
         <p:txBody>
-          <a:bodyPr anchorCtr="0" anchor="b" bIns="91425" lIns="91425" rIns="91425" tIns="91425"/>
+          <a:bodyPr lIns="91425" tIns="91425" rIns="91425" bIns="91425" anchor="b" anchorCtr="0"/>
           <a:lstStyle>
             <a:lvl1pPr lvl="0" algn="ctr">
               <a:spcBef>
@@ -1496,15 +1711,19 @@
               <a:defRPr sz="12000"/>
             </a:lvl9pPr>
           </a:lstStyle>
-          <a:p/>
+          <a:p>
+            <a:endParaRPr/>
+          </a:p>
         </p:txBody>
       </p:sp>
       <p:sp>
         <p:nvSpPr>
           <p:cNvPr id="46" name="Shape 46"/>
-          <p:cNvSpPr txBox="1"/>
+          <p:cNvSpPr txBox="1">
+            <a:spLocks noGrp="1"/>
+          </p:cNvSpPr>
           <p:nvPr>
-            <p:ph idx="1" type="body"/>
+            <p:ph type="body" idx="1"/>
           </p:nvPr>
         </p:nvSpPr>
         <p:spPr>
@@ -1517,7 +1736,7 @@
           </a:prstGeom>
         </p:spPr>
         <p:txBody>
-          <a:bodyPr anchorCtr="0" anchor="t" bIns="91425" lIns="91425" rIns="91425" tIns="91425"/>
+          <a:bodyPr lIns="91425" tIns="91425" rIns="91425" bIns="91425" anchor="t" anchorCtr="0"/>
           <a:lstStyle>
             <a:lvl1pPr lvl="0" algn="ctr">
               <a:spcBef>
@@ -1574,15 +1793,19 @@
               <a:defRPr/>
             </a:lvl9pPr>
           </a:lstStyle>
-          <a:p/>
+          <a:p>
+            <a:endParaRPr/>
+          </a:p>
         </p:txBody>
       </p:sp>
       <p:sp>
         <p:nvSpPr>
           <p:cNvPr id="47" name="Shape 47"/>
-          <p:cNvSpPr txBox="1"/>
+          <p:cNvSpPr txBox="1">
+            <a:spLocks noGrp="1"/>
+          </p:cNvSpPr>
           <p:nvPr>
-            <p:ph idx="12" type="sldNum"/>
+            <p:ph type="sldNum" idx="12"/>
           </p:nvPr>
         </p:nvSpPr>
         <p:spPr>
@@ -1595,7 +1818,7 @@
           </a:prstGeom>
         </p:spPr>
         <p:txBody>
-          <a:bodyPr anchorCtr="0" anchor="ctr" bIns="91425" lIns="91425" rIns="91425" tIns="91425">
+          <a:bodyPr lIns="91425" tIns="91425" rIns="91425" bIns="91425" anchor="ctr" anchorCtr="0">
             <a:noAutofit/>
           </a:bodyPr>
           <a:lstStyle/>
@@ -1610,6 +1833,7 @@
               <a:rPr lang="en-GB"/>
               <a:t>‹#›</a:t>
             </a:fld>
+            <a:endParaRPr lang="en-GB"/>
           </a:p>
         </p:txBody>
       </p:sp>
@@ -1622,11 +1846,11 @@
 </file>
 
 <file path=ppt/slideLayouts/slideLayout11.xml><?xml version="1.0" encoding="utf-8"?>
-<p:sldLayout xmlns:a="http://schemas.openxmlformats.org/drawingml/2006/main" xmlns:r="http://schemas.openxmlformats.org/officeDocument/2006/relationships" xmlns:mc="http://schemas.openxmlformats.org/markup-compatibility/2006" xmlns:mv="urn:schemas-microsoft-com:mac:vml" xmlns:p="http://schemas.openxmlformats.org/presentationml/2006/main" xmlns:c="http://schemas.openxmlformats.org/drawingml/2006/chart" xmlns:dgm="http://schemas.openxmlformats.org/drawingml/2006/diagram" xmlns:o="urn:schemas-microsoft-com:office:office" xmlns:v="urn:schemas-microsoft-com:vml" xmlns:pvml="urn:schemas-microsoft-com:office:powerpoint" xmlns:com="http://schemas.openxmlformats.org/drawingml/2006/compatibility" xmlns:p14="http://schemas.microsoft.com/office/powerpoint/2010/main" type="blank">
+<p:sldLayout xmlns:a="http://schemas.openxmlformats.org/drawingml/2006/main" xmlns:r="http://schemas.openxmlformats.org/officeDocument/2006/relationships" xmlns:p="http://schemas.openxmlformats.org/presentationml/2006/main" type="blank">
   <p:cSld name="Blank">
     <p:spTree>
       <p:nvGrpSpPr>
-        <p:cNvPr id="48" name="Shape 48"/>
+        <p:cNvPr id="1" name="Shape 48"/>
         <p:cNvGrpSpPr/>
         <p:nvPr/>
       </p:nvGrpSpPr>
@@ -1641,9 +1865,11 @@
       <p:sp>
         <p:nvSpPr>
           <p:cNvPr id="49" name="Shape 49"/>
-          <p:cNvSpPr txBox="1"/>
+          <p:cNvSpPr txBox="1">
+            <a:spLocks noGrp="1"/>
+          </p:cNvSpPr>
           <p:nvPr>
-            <p:ph idx="12" type="sldNum"/>
+            <p:ph type="sldNum" idx="12"/>
           </p:nvPr>
         </p:nvSpPr>
         <p:spPr>
@@ -1656,7 +1882,7 @@
           </a:prstGeom>
         </p:spPr>
         <p:txBody>
-          <a:bodyPr anchorCtr="0" anchor="ctr" bIns="91425" lIns="91425" rIns="91425" tIns="91425">
+          <a:bodyPr lIns="91425" tIns="91425" rIns="91425" bIns="91425" anchor="ctr" anchorCtr="0">
             <a:noAutofit/>
           </a:bodyPr>
           <a:lstStyle/>
@@ -1671,6 +1897,7 @@
               <a:rPr lang="en-GB"/>
               <a:t>‹#›</a:t>
             </a:fld>
+            <a:endParaRPr lang="en-GB"/>
           </a:p>
         </p:txBody>
       </p:sp>
@@ -1683,11 +1910,11 @@
 </file>
 
 <file path=ppt/slideLayouts/slideLayout2.xml><?xml version="1.0" encoding="utf-8"?>
-<p:sldLayout xmlns:a="http://schemas.openxmlformats.org/drawingml/2006/main" xmlns:r="http://schemas.openxmlformats.org/officeDocument/2006/relationships" xmlns:mc="http://schemas.openxmlformats.org/markup-compatibility/2006" xmlns:mv="urn:schemas-microsoft-com:mac:vml" xmlns:p="http://schemas.openxmlformats.org/presentationml/2006/main" xmlns:c="http://schemas.openxmlformats.org/drawingml/2006/chart" xmlns:dgm="http://schemas.openxmlformats.org/drawingml/2006/diagram" xmlns:o="urn:schemas-microsoft-com:office:office" xmlns:v="urn:schemas-microsoft-com:vml" xmlns:pvml="urn:schemas-microsoft-com:office:powerpoint" xmlns:com="http://schemas.openxmlformats.org/drawingml/2006/compatibility" xmlns:p14="http://schemas.microsoft.com/office/powerpoint/2010/main" type="secHead">
+<p:sldLayout xmlns:a="http://schemas.openxmlformats.org/drawingml/2006/main" xmlns:r="http://schemas.openxmlformats.org/officeDocument/2006/relationships" xmlns:p="http://schemas.openxmlformats.org/presentationml/2006/main" type="secHead">
   <p:cSld name="Section header">
     <p:spTree>
       <p:nvGrpSpPr>
-        <p:cNvPr id="13" name="Shape 13"/>
+        <p:cNvPr id="1" name="Shape 13"/>
         <p:cNvGrpSpPr/>
         <p:nvPr/>
       </p:nvGrpSpPr>
@@ -1702,7 +1929,9 @@
       <p:sp>
         <p:nvSpPr>
           <p:cNvPr id="14" name="Shape 14"/>
-          <p:cNvSpPr txBox="1"/>
+          <p:cNvSpPr txBox="1">
+            <a:spLocks noGrp="1"/>
+          </p:cNvSpPr>
           <p:nvPr>
             <p:ph type="title"/>
           </p:nvPr>
@@ -1717,7 +1946,7 @@
           </a:prstGeom>
         </p:spPr>
         <p:txBody>
-          <a:bodyPr anchorCtr="0" anchor="ctr" bIns="91425" lIns="91425" rIns="91425" tIns="91425"/>
+          <a:bodyPr lIns="91425" tIns="91425" rIns="91425" bIns="91425" anchor="ctr" anchorCtr="0"/>
           <a:lstStyle>
             <a:lvl1pPr lvl="0" algn="ctr">
               <a:spcBef>
@@ -1783,15 +2012,19 @@
               <a:defRPr sz="3600"/>
             </a:lvl9pPr>
           </a:lstStyle>
-          <a:p/>
+          <a:p>
+            <a:endParaRPr/>
+          </a:p>
         </p:txBody>
       </p:sp>
       <p:sp>
         <p:nvSpPr>
           <p:cNvPr id="15" name="Shape 15"/>
-          <p:cNvSpPr txBox="1"/>
+          <p:cNvSpPr txBox="1">
+            <a:spLocks noGrp="1"/>
+          </p:cNvSpPr>
           <p:nvPr>
-            <p:ph idx="12" type="sldNum"/>
+            <p:ph type="sldNum" idx="12"/>
           </p:nvPr>
         </p:nvSpPr>
         <p:spPr>
@@ -1804,7 +2037,7 @@
           </a:prstGeom>
         </p:spPr>
         <p:txBody>
-          <a:bodyPr anchorCtr="0" anchor="ctr" bIns="91425" lIns="91425" rIns="91425" tIns="91425">
+          <a:bodyPr lIns="91425" tIns="91425" rIns="91425" bIns="91425" anchor="ctr" anchorCtr="0">
             <a:noAutofit/>
           </a:bodyPr>
           <a:lstStyle/>
@@ -1819,6 +2052,7 @@
               <a:rPr lang="en-GB"/>
               <a:t>‹#›</a:t>
             </a:fld>
+            <a:endParaRPr lang="en-GB"/>
           </a:p>
         </p:txBody>
       </p:sp>
@@ -1831,11 +2065,11 @@
 </file>
 
 <file path=ppt/slideLayouts/slideLayout3.xml><?xml version="1.0" encoding="utf-8"?>
-<p:sldLayout xmlns:a="http://schemas.openxmlformats.org/drawingml/2006/main" xmlns:r="http://schemas.openxmlformats.org/officeDocument/2006/relationships" xmlns:mc="http://schemas.openxmlformats.org/markup-compatibility/2006" xmlns:mv="urn:schemas-microsoft-com:mac:vml" xmlns:p="http://schemas.openxmlformats.org/presentationml/2006/main" xmlns:c="http://schemas.openxmlformats.org/drawingml/2006/chart" xmlns:dgm="http://schemas.openxmlformats.org/drawingml/2006/diagram" xmlns:o="urn:schemas-microsoft-com:office:office" xmlns:v="urn:schemas-microsoft-com:vml" xmlns:pvml="urn:schemas-microsoft-com:office:powerpoint" xmlns:com="http://schemas.openxmlformats.org/drawingml/2006/compatibility" xmlns:p14="http://schemas.microsoft.com/office/powerpoint/2010/main" type="tx">
+<p:sldLayout xmlns:a="http://schemas.openxmlformats.org/drawingml/2006/main" xmlns:r="http://schemas.openxmlformats.org/officeDocument/2006/relationships" xmlns:p="http://schemas.openxmlformats.org/presentationml/2006/main" type="tx">
   <p:cSld name="Title and body">
     <p:spTree>
       <p:nvGrpSpPr>
-        <p:cNvPr id="16" name="Shape 16"/>
+        <p:cNvPr id="1" name="Shape 16"/>
         <p:cNvGrpSpPr/>
         <p:nvPr/>
       </p:nvGrpSpPr>
@@ -1850,7 +2084,9 @@
       <p:sp>
         <p:nvSpPr>
           <p:cNvPr id="17" name="Shape 17"/>
-          <p:cNvSpPr txBox="1"/>
+          <p:cNvSpPr txBox="1">
+            <a:spLocks noGrp="1"/>
+          </p:cNvSpPr>
           <p:nvPr>
             <p:ph type="title"/>
           </p:nvPr>
@@ -1865,7 +2101,7 @@
           </a:prstGeom>
         </p:spPr>
         <p:txBody>
-          <a:bodyPr anchorCtr="0" anchor="t" bIns="91425" lIns="91425" rIns="91425" tIns="91425"/>
+          <a:bodyPr lIns="91425" tIns="91425" rIns="91425" bIns="91425" anchor="t" anchorCtr="0"/>
           <a:lstStyle>
             <a:lvl1pPr lvl="0">
               <a:spcBef>
@@ -1922,15 +2158,19 @@
               <a:defRPr/>
             </a:lvl9pPr>
           </a:lstStyle>
-          <a:p/>
+          <a:p>
+            <a:endParaRPr/>
+          </a:p>
         </p:txBody>
       </p:sp>
       <p:sp>
         <p:nvSpPr>
           <p:cNvPr id="18" name="Shape 18"/>
-          <p:cNvSpPr txBox="1"/>
+          <p:cNvSpPr txBox="1">
+            <a:spLocks noGrp="1"/>
+          </p:cNvSpPr>
           <p:nvPr>
-            <p:ph idx="1" type="body"/>
+            <p:ph type="body" idx="1"/>
           </p:nvPr>
         </p:nvSpPr>
         <p:spPr>
@@ -1943,7 +2183,7 @@
           </a:prstGeom>
         </p:spPr>
         <p:txBody>
-          <a:bodyPr anchorCtr="0" anchor="t" bIns="91425" lIns="91425" rIns="91425" tIns="91425"/>
+          <a:bodyPr lIns="91425" tIns="91425" rIns="91425" bIns="91425" anchor="t" anchorCtr="0"/>
           <a:lstStyle>
             <a:lvl1pPr lvl="0">
               <a:spcBef>
@@ -2000,15 +2240,19 @@
               <a:defRPr/>
             </a:lvl9pPr>
           </a:lstStyle>
-          <a:p/>
+          <a:p>
+            <a:endParaRPr/>
+          </a:p>
         </p:txBody>
       </p:sp>
       <p:sp>
         <p:nvSpPr>
           <p:cNvPr id="19" name="Shape 19"/>
-          <p:cNvSpPr txBox="1"/>
+          <p:cNvSpPr txBox="1">
+            <a:spLocks noGrp="1"/>
+          </p:cNvSpPr>
           <p:nvPr>
-            <p:ph idx="12" type="sldNum"/>
+            <p:ph type="sldNum" idx="12"/>
           </p:nvPr>
         </p:nvSpPr>
         <p:spPr>
@@ -2021,7 +2265,7 @@
           </a:prstGeom>
         </p:spPr>
         <p:txBody>
-          <a:bodyPr anchorCtr="0" anchor="ctr" bIns="91425" lIns="91425" rIns="91425" tIns="91425">
+          <a:bodyPr lIns="91425" tIns="91425" rIns="91425" bIns="91425" anchor="ctr" anchorCtr="0">
             <a:noAutofit/>
           </a:bodyPr>
           <a:lstStyle/>
@@ -2036,6 +2280,7 @@
               <a:rPr lang="en-GB"/>
               <a:t>‹#›</a:t>
             </a:fld>
+            <a:endParaRPr lang="en-GB"/>
           </a:p>
         </p:txBody>
       </p:sp>
@@ -2048,11 +2293,11 @@
 </file>
 
 <file path=ppt/slideLayouts/slideLayout4.xml><?xml version="1.0" encoding="utf-8"?>
-<p:sldLayout xmlns:a="http://schemas.openxmlformats.org/drawingml/2006/main" xmlns:r="http://schemas.openxmlformats.org/officeDocument/2006/relationships" xmlns:mc="http://schemas.openxmlformats.org/markup-compatibility/2006" xmlns:mv="urn:schemas-microsoft-com:mac:vml" xmlns:p="http://schemas.openxmlformats.org/presentationml/2006/main" xmlns:c="http://schemas.openxmlformats.org/drawingml/2006/chart" xmlns:dgm="http://schemas.openxmlformats.org/drawingml/2006/diagram" xmlns:o="urn:schemas-microsoft-com:office:office" xmlns:v="urn:schemas-microsoft-com:vml" xmlns:pvml="urn:schemas-microsoft-com:office:powerpoint" xmlns:com="http://schemas.openxmlformats.org/drawingml/2006/compatibility" xmlns:p14="http://schemas.microsoft.com/office/powerpoint/2010/main" type="twoColTx">
+<p:sldLayout xmlns:a="http://schemas.openxmlformats.org/drawingml/2006/main" xmlns:r="http://schemas.openxmlformats.org/officeDocument/2006/relationships" xmlns:p="http://schemas.openxmlformats.org/presentationml/2006/main" type="twoColTx">
   <p:cSld name="Title and two columns">
     <p:spTree>
       <p:nvGrpSpPr>
-        <p:cNvPr id="20" name="Shape 20"/>
+        <p:cNvPr id="1" name="Shape 20"/>
         <p:cNvGrpSpPr/>
         <p:nvPr/>
       </p:nvGrpSpPr>
@@ -2067,7 +2312,9 @@
       <p:sp>
         <p:nvSpPr>
           <p:cNvPr id="21" name="Shape 21"/>
-          <p:cNvSpPr txBox="1"/>
+          <p:cNvSpPr txBox="1">
+            <a:spLocks noGrp="1"/>
+          </p:cNvSpPr>
           <p:nvPr>
             <p:ph type="title"/>
           </p:nvPr>
@@ -2082,7 +2329,7 @@
           </a:prstGeom>
         </p:spPr>
         <p:txBody>
-          <a:bodyPr anchorCtr="0" anchor="t" bIns="91425" lIns="91425" rIns="91425" tIns="91425"/>
+          <a:bodyPr lIns="91425" tIns="91425" rIns="91425" bIns="91425" anchor="t" anchorCtr="0"/>
           <a:lstStyle>
             <a:lvl1pPr lvl="0">
               <a:spcBef>
@@ -2139,15 +2386,19 @@
               <a:defRPr/>
             </a:lvl9pPr>
           </a:lstStyle>
-          <a:p/>
+          <a:p>
+            <a:endParaRPr/>
+          </a:p>
         </p:txBody>
       </p:sp>
       <p:sp>
         <p:nvSpPr>
           <p:cNvPr id="22" name="Shape 22"/>
-          <p:cNvSpPr txBox="1"/>
+          <p:cNvSpPr txBox="1">
+            <a:spLocks noGrp="1"/>
+          </p:cNvSpPr>
           <p:nvPr>
-            <p:ph idx="1" type="body"/>
+            <p:ph type="body" idx="1"/>
           </p:nvPr>
         </p:nvSpPr>
         <p:spPr>
@@ -2160,7 +2411,7 @@
           </a:prstGeom>
         </p:spPr>
         <p:txBody>
-          <a:bodyPr anchorCtr="0" anchor="t" bIns="91425" lIns="91425" rIns="91425" tIns="91425"/>
+          <a:bodyPr lIns="91425" tIns="91425" rIns="91425" bIns="91425" anchor="t" anchorCtr="0"/>
           <a:lstStyle>
             <a:lvl1pPr lvl="0">
               <a:spcBef>
@@ -2226,15 +2477,19 @@
               <a:defRPr sz="1200"/>
             </a:lvl9pPr>
           </a:lstStyle>
-          <a:p/>
+          <a:p>
+            <a:endParaRPr/>
+          </a:p>
         </p:txBody>
       </p:sp>
       <p:sp>
         <p:nvSpPr>
           <p:cNvPr id="23" name="Shape 23"/>
-          <p:cNvSpPr txBox="1"/>
+          <p:cNvSpPr txBox="1">
+            <a:spLocks noGrp="1"/>
+          </p:cNvSpPr>
           <p:nvPr>
-            <p:ph idx="2" type="body"/>
+            <p:ph type="body" idx="2"/>
           </p:nvPr>
         </p:nvSpPr>
         <p:spPr>
@@ -2247,7 +2502,7 @@
           </a:prstGeom>
         </p:spPr>
         <p:txBody>
-          <a:bodyPr anchorCtr="0" anchor="t" bIns="91425" lIns="91425" rIns="91425" tIns="91425"/>
+          <a:bodyPr lIns="91425" tIns="91425" rIns="91425" bIns="91425" anchor="t" anchorCtr="0"/>
           <a:lstStyle>
             <a:lvl1pPr lvl="0">
               <a:spcBef>
@@ -2313,15 +2568,19 @@
               <a:defRPr sz="1200"/>
             </a:lvl9pPr>
           </a:lstStyle>
-          <a:p/>
+          <a:p>
+            <a:endParaRPr/>
+          </a:p>
         </p:txBody>
       </p:sp>
       <p:sp>
         <p:nvSpPr>
           <p:cNvPr id="24" name="Shape 24"/>
-          <p:cNvSpPr txBox="1"/>
+          <p:cNvSpPr txBox="1">
+            <a:spLocks noGrp="1"/>
+          </p:cNvSpPr>
           <p:nvPr>
-            <p:ph idx="12" type="sldNum"/>
+            <p:ph type="sldNum" idx="12"/>
           </p:nvPr>
         </p:nvSpPr>
         <p:spPr>
@@ -2334,7 +2593,7 @@
           </a:prstGeom>
         </p:spPr>
         <p:txBody>
-          <a:bodyPr anchorCtr="0" anchor="ctr" bIns="91425" lIns="91425" rIns="91425" tIns="91425">
+          <a:bodyPr lIns="91425" tIns="91425" rIns="91425" bIns="91425" anchor="ctr" anchorCtr="0">
             <a:noAutofit/>
           </a:bodyPr>
           <a:lstStyle/>
@@ -2349,6 +2608,7 @@
               <a:rPr lang="en-GB"/>
               <a:t>‹#›</a:t>
             </a:fld>
+            <a:endParaRPr lang="en-GB"/>
           </a:p>
         </p:txBody>
       </p:sp>
@@ -2361,11 +2621,11 @@
 </file>
 
 <file path=ppt/slideLayouts/slideLayout5.xml><?xml version="1.0" encoding="utf-8"?>
-<p:sldLayout xmlns:a="http://schemas.openxmlformats.org/drawingml/2006/main" xmlns:r="http://schemas.openxmlformats.org/officeDocument/2006/relationships" xmlns:mc="http://schemas.openxmlformats.org/markup-compatibility/2006" xmlns:mv="urn:schemas-microsoft-com:mac:vml" xmlns:p="http://schemas.openxmlformats.org/presentationml/2006/main" xmlns:c="http://schemas.openxmlformats.org/drawingml/2006/chart" xmlns:dgm="http://schemas.openxmlformats.org/drawingml/2006/diagram" xmlns:o="urn:schemas-microsoft-com:office:office" xmlns:v="urn:schemas-microsoft-com:vml" xmlns:pvml="urn:schemas-microsoft-com:office:powerpoint" xmlns:com="http://schemas.openxmlformats.org/drawingml/2006/compatibility" xmlns:p14="http://schemas.microsoft.com/office/powerpoint/2010/main" type="titleOnly">
+<p:sldLayout xmlns:a="http://schemas.openxmlformats.org/drawingml/2006/main" xmlns:r="http://schemas.openxmlformats.org/officeDocument/2006/relationships" xmlns:p="http://schemas.openxmlformats.org/presentationml/2006/main" type="titleOnly">
   <p:cSld name="Title only">
     <p:spTree>
       <p:nvGrpSpPr>
-        <p:cNvPr id="25" name="Shape 25"/>
+        <p:cNvPr id="1" name="Shape 25"/>
         <p:cNvGrpSpPr/>
         <p:nvPr/>
       </p:nvGrpSpPr>
@@ -2380,7 +2640,9 @@
       <p:sp>
         <p:nvSpPr>
           <p:cNvPr id="26" name="Shape 26"/>
-          <p:cNvSpPr txBox="1"/>
+          <p:cNvSpPr txBox="1">
+            <a:spLocks noGrp="1"/>
+          </p:cNvSpPr>
           <p:nvPr>
             <p:ph type="title"/>
           </p:nvPr>
@@ -2395,7 +2657,7 @@
           </a:prstGeom>
         </p:spPr>
         <p:txBody>
-          <a:bodyPr anchorCtr="0" anchor="t" bIns="91425" lIns="91425" rIns="91425" tIns="91425"/>
+          <a:bodyPr lIns="91425" tIns="91425" rIns="91425" bIns="91425" anchor="t" anchorCtr="0"/>
           <a:lstStyle>
             <a:lvl1pPr lvl="0">
               <a:spcBef>
@@ -2452,15 +2714,19 @@
               <a:defRPr/>
             </a:lvl9pPr>
           </a:lstStyle>
-          <a:p/>
+          <a:p>
+            <a:endParaRPr/>
+          </a:p>
         </p:txBody>
       </p:sp>
       <p:sp>
         <p:nvSpPr>
           <p:cNvPr id="27" name="Shape 27"/>
-          <p:cNvSpPr txBox="1"/>
+          <p:cNvSpPr txBox="1">
+            <a:spLocks noGrp="1"/>
+          </p:cNvSpPr>
           <p:nvPr>
-            <p:ph idx="12" type="sldNum"/>
+            <p:ph type="sldNum" idx="12"/>
           </p:nvPr>
         </p:nvSpPr>
         <p:spPr>
@@ -2473,7 +2739,7 @@
           </a:prstGeom>
         </p:spPr>
         <p:txBody>
-          <a:bodyPr anchorCtr="0" anchor="ctr" bIns="91425" lIns="91425" rIns="91425" tIns="91425">
+          <a:bodyPr lIns="91425" tIns="91425" rIns="91425" bIns="91425" anchor="ctr" anchorCtr="0">
             <a:noAutofit/>
           </a:bodyPr>
           <a:lstStyle/>
@@ -2488,6 +2754,7 @@
               <a:rPr lang="en-GB"/>
               <a:t>‹#›</a:t>
             </a:fld>
+            <a:endParaRPr lang="en-GB"/>
           </a:p>
         </p:txBody>
       </p:sp>
@@ -2500,11 +2767,11 @@
 </file>
 
 <file path=ppt/slideLayouts/slideLayout6.xml><?xml version="1.0" encoding="utf-8"?>
-<p:sldLayout xmlns:a="http://schemas.openxmlformats.org/drawingml/2006/main" xmlns:r="http://schemas.openxmlformats.org/officeDocument/2006/relationships" xmlns:mc="http://schemas.openxmlformats.org/markup-compatibility/2006" xmlns:mv="urn:schemas-microsoft-com:mac:vml" xmlns:p="http://schemas.openxmlformats.org/presentationml/2006/main" xmlns:c="http://schemas.openxmlformats.org/drawingml/2006/chart" xmlns:dgm="http://schemas.openxmlformats.org/drawingml/2006/diagram" xmlns:o="urn:schemas-microsoft-com:office:office" xmlns:v="urn:schemas-microsoft-com:vml" xmlns:pvml="urn:schemas-microsoft-com:office:powerpoint" xmlns:com="http://schemas.openxmlformats.org/drawingml/2006/compatibility" xmlns:p14="http://schemas.microsoft.com/office/powerpoint/2010/main">
+<p:sldLayout xmlns:a="http://schemas.openxmlformats.org/drawingml/2006/main" xmlns:r="http://schemas.openxmlformats.org/officeDocument/2006/relationships" xmlns:p="http://schemas.openxmlformats.org/presentationml/2006/main">
   <p:cSld name="One column text">
     <p:spTree>
       <p:nvGrpSpPr>
-        <p:cNvPr id="28" name="Shape 28"/>
+        <p:cNvPr id="1" name="Shape 28"/>
         <p:cNvGrpSpPr/>
         <p:nvPr/>
       </p:nvGrpSpPr>
@@ -2519,7 +2786,9 @@
       <p:sp>
         <p:nvSpPr>
           <p:cNvPr id="29" name="Shape 29"/>
-          <p:cNvSpPr txBox="1"/>
+          <p:cNvSpPr txBox="1">
+            <a:spLocks noGrp="1"/>
+          </p:cNvSpPr>
           <p:nvPr>
             <p:ph type="title"/>
           </p:nvPr>
@@ -2534,7 +2803,7 @@
           </a:prstGeom>
         </p:spPr>
         <p:txBody>
-          <a:bodyPr anchorCtr="0" anchor="b" bIns="91425" lIns="91425" rIns="91425" tIns="91425"/>
+          <a:bodyPr lIns="91425" tIns="91425" rIns="91425" bIns="91425" anchor="b" anchorCtr="0"/>
           <a:lstStyle>
             <a:lvl1pPr lvl="0">
               <a:spcBef>
@@ -2600,15 +2869,19 @@
               <a:defRPr sz="2400"/>
             </a:lvl9pPr>
           </a:lstStyle>
-          <a:p/>
+          <a:p>
+            <a:endParaRPr/>
+          </a:p>
         </p:txBody>
       </p:sp>
       <p:sp>
         <p:nvSpPr>
           <p:cNvPr id="30" name="Shape 30"/>
-          <p:cNvSpPr txBox="1"/>
+          <p:cNvSpPr txBox="1">
+            <a:spLocks noGrp="1"/>
+          </p:cNvSpPr>
           <p:nvPr>
-            <p:ph idx="1" type="body"/>
+            <p:ph type="body" idx="1"/>
           </p:nvPr>
         </p:nvSpPr>
         <p:spPr>
@@ -2621,7 +2894,7 @@
           </a:prstGeom>
         </p:spPr>
         <p:txBody>
-          <a:bodyPr anchorCtr="0" anchor="t" bIns="91425" lIns="91425" rIns="91425" tIns="91425"/>
+          <a:bodyPr lIns="91425" tIns="91425" rIns="91425" bIns="91425" anchor="t" anchorCtr="0"/>
           <a:lstStyle>
             <a:lvl1pPr lvl="0">
               <a:spcBef>
@@ -2687,15 +2960,19 @@
               <a:defRPr sz="1200"/>
             </a:lvl9pPr>
           </a:lstStyle>
-          <a:p/>
+          <a:p>
+            <a:endParaRPr/>
+          </a:p>
         </p:txBody>
       </p:sp>
       <p:sp>
         <p:nvSpPr>
           <p:cNvPr id="31" name="Shape 31"/>
-          <p:cNvSpPr txBox="1"/>
+          <p:cNvSpPr txBox="1">
+            <a:spLocks noGrp="1"/>
+          </p:cNvSpPr>
           <p:nvPr>
-            <p:ph idx="12" type="sldNum"/>
+            <p:ph type="sldNum" idx="12"/>
           </p:nvPr>
         </p:nvSpPr>
         <p:spPr>
@@ -2708,7 +2985,7 @@
           </a:prstGeom>
         </p:spPr>
         <p:txBody>
-          <a:bodyPr anchorCtr="0" anchor="ctr" bIns="91425" lIns="91425" rIns="91425" tIns="91425">
+          <a:bodyPr lIns="91425" tIns="91425" rIns="91425" bIns="91425" anchor="ctr" anchorCtr="0">
             <a:noAutofit/>
           </a:bodyPr>
           <a:lstStyle/>
@@ -2723,6 +3000,7 @@
               <a:rPr lang="en-GB"/>
               <a:t>‹#›</a:t>
             </a:fld>
+            <a:endParaRPr lang="en-GB"/>
           </a:p>
         </p:txBody>
       </p:sp>
@@ -2735,11 +3013,11 @@
 </file>
 
 <file path=ppt/slideLayouts/slideLayout7.xml><?xml version="1.0" encoding="utf-8"?>
-<p:sldLayout xmlns:a="http://schemas.openxmlformats.org/drawingml/2006/main" xmlns:r="http://schemas.openxmlformats.org/officeDocument/2006/relationships" xmlns:mc="http://schemas.openxmlformats.org/markup-compatibility/2006" xmlns:mv="urn:schemas-microsoft-com:mac:vml" xmlns:p="http://schemas.openxmlformats.org/presentationml/2006/main" xmlns:c="http://schemas.openxmlformats.org/drawingml/2006/chart" xmlns:dgm="http://schemas.openxmlformats.org/drawingml/2006/diagram" xmlns:o="urn:schemas-microsoft-com:office:office" xmlns:v="urn:schemas-microsoft-com:vml" xmlns:pvml="urn:schemas-microsoft-com:office:powerpoint" xmlns:com="http://schemas.openxmlformats.org/drawingml/2006/compatibility" xmlns:p14="http://schemas.microsoft.com/office/powerpoint/2010/main">
+<p:sldLayout xmlns:a="http://schemas.openxmlformats.org/drawingml/2006/main" xmlns:r="http://schemas.openxmlformats.org/officeDocument/2006/relationships" xmlns:p="http://schemas.openxmlformats.org/presentationml/2006/main">
   <p:cSld name="Main point">
     <p:spTree>
       <p:nvGrpSpPr>
-        <p:cNvPr id="32" name="Shape 32"/>
+        <p:cNvPr id="1" name="Shape 32"/>
         <p:cNvGrpSpPr/>
         <p:nvPr/>
       </p:nvGrpSpPr>
@@ -2754,7 +3032,9 @@
       <p:sp>
         <p:nvSpPr>
           <p:cNvPr id="33" name="Shape 33"/>
-          <p:cNvSpPr txBox="1"/>
+          <p:cNvSpPr txBox="1">
+            <a:spLocks noGrp="1"/>
+          </p:cNvSpPr>
           <p:nvPr>
             <p:ph type="title"/>
           </p:nvPr>
@@ -2769,7 +3049,7 @@
           </a:prstGeom>
         </p:spPr>
         <p:txBody>
-          <a:bodyPr anchorCtr="0" anchor="ctr" bIns="91425" lIns="91425" rIns="91425" tIns="91425"/>
+          <a:bodyPr lIns="91425" tIns="91425" rIns="91425" bIns="91425" anchor="ctr" anchorCtr="0"/>
           <a:lstStyle>
             <a:lvl1pPr lvl="0">
               <a:spcBef>
@@ -2835,15 +3115,19 @@
               <a:defRPr sz="4800"/>
             </a:lvl9pPr>
           </a:lstStyle>
-          <a:p/>
+          <a:p>
+            <a:endParaRPr/>
+          </a:p>
         </p:txBody>
       </p:sp>
       <p:sp>
         <p:nvSpPr>
           <p:cNvPr id="34" name="Shape 34"/>
-          <p:cNvSpPr txBox="1"/>
+          <p:cNvSpPr txBox="1">
+            <a:spLocks noGrp="1"/>
+          </p:cNvSpPr>
           <p:nvPr>
-            <p:ph idx="12" type="sldNum"/>
+            <p:ph type="sldNum" idx="12"/>
           </p:nvPr>
         </p:nvSpPr>
         <p:spPr>
@@ -2856,7 +3140,7 @@
           </a:prstGeom>
         </p:spPr>
         <p:txBody>
-          <a:bodyPr anchorCtr="0" anchor="ctr" bIns="91425" lIns="91425" rIns="91425" tIns="91425">
+          <a:bodyPr lIns="91425" tIns="91425" rIns="91425" bIns="91425" anchor="ctr" anchorCtr="0">
             <a:noAutofit/>
           </a:bodyPr>
           <a:lstStyle/>
@@ -2871,6 +3155,7 @@
               <a:rPr lang="en-GB"/>
               <a:t>‹#›</a:t>
             </a:fld>
+            <a:endParaRPr lang="en-GB"/>
           </a:p>
         </p:txBody>
       </p:sp>
@@ -2883,11 +3168,11 @@
 </file>
 
 <file path=ppt/slideLayouts/slideLayout8.xml><?xml version="1.0" encoding="utf-8"?>
-<p:sldLayout xmlns:a="http://schemas.openxmlformats.org/drawingml/2006/main" xmlns:r="http://schemas.openxmlformats.org/officeDocument/2006/relationships" xmlns:mc="http://schemas.openxmlformats.org/markup-compatibility/2006" xmlns:mv="urn:schemas-microsoft-com:mac:vml" xmlns:p="http://schemas.openxmlformats.org/presentationml/2006/main" xmlns:c="http://schemas.openxmlformats.org/drawingml/2006/chart" xmlns:dgm="http://schemas.openxmlformats.org/drawingml/2006/diagram" xmlns:o="urn:schemas-microsoft-com:office:office" xmlns:v="urn:schemas-microsoft-com:vml" xmlns:pvml="urn:schemas-microsoft-com:office:powerpoint" xmlns:com="http://schemas.openxmlformats.org/drawingml/2006/compatibility" xmlns:p14="http://schemas.microsoft.com/office/powerpoint/2010/main">
+<p:sldLayout xmlns:a="http://schemas.openxmlformats.org/drawingml/2006/main" xmlns:r="http://schemas.openxmlformats.org/officeDocument/2006/relationships" xmlns:p="http://schemas.openxmlformats.org/presentationml/2006/main">
   <p:cSld name="Section title and description">
     <p:spTree>
       <p:nvGrpSpPr>
-        <p:cNvPr id="35" name="Shape 35"/>
+        <p:cNvPr id="1" name="Shape 35"/>
         <p:cNvGrpSpPr/>
         <p:nvPr/>
       </p:nvGrpSpPr>
@@ -2921,7 +3206,7 @@
           </a:ln>
         </p:spPr>
         <p:txBody>
-          <a:bodyPr anchorCtr="0" anchor="ctr" bIns="91425" lIns="91425" rIns="91425" tIns="91425">
+          <a:bodyPr lIns="91425" tIns="91425" rIns="91425" bIns="91425" anchor="ctr" anchorCtr="0">
             <a:noAutofit/>
           </a:bodyPr>
           <a:lstStyle/>
@@ -2932,9 +3217,6 @@
               </a:spcBef>
               <a:buNone/>
             </a:pPr>
-            <a:r>
-              <a:t/>
-            </a:r>
             <a:endParaRPr/>
           </a:p>
         </p:txBody>
@@ -2942,7 +3224,9 @@
       <p:sp>
         <p:nvSpPr>
           <p:cNvPr id="37" name="Shape 37"/>
-          <p:cNvSpPr txBox="1"/>
+          <p:cNvSpPr txBox="1">
+            <a:spLocks noGrp="1"/>
+          </p:cNvSpPr>
           <p:nvPr>
             <p:ph type="title"/>
           </p:nvPr>
@@ -2957,7 +3241,7 @@
           </a:prstGeom>
         </p:spPr>
         <p:txBody>
-          <a:bodyPr anchorCtr="0" anchor="b" bIns="91425" lIns="91425" rIns="91425" tIns="91425"/>
+          <a:bodyPr lIns="91425" tIns="91425" rIns="91425" bIns="91425" anchor="b" anchorCtr="0"/>
           <a:lstStyle>
             <a:lvl1pPr lvl="0" algn="ctr">
               <a:spcBef>
@@ -3023,15 +3307,19 @@
               <a:defRPr sz="4200"/>
             </a:lvl9pPr>
           </a:lstStyle>
-          <a:p/>
+          <a:p>
+            <a:endParaRPr/>
+          </a:p>
         </p:txBody>
       </p:sp>
       <p:sp>
         <p:nvSpPr>
           <p:cNvPr id="38" name="Shape 38"/>
-          <p:cNvSpPr txBox="1"/>
+          <p:cNvSpPr txBox="1">
+            <a:spLocks noGrp="1"/>
+          </p:cNvSpPr>
           <p:nvPr>
-            <p:ph idx="1" type="subTitle"/>
+            <p:ph type="subTitle" idx="1"/>
           </p:nvPr>
         </p:nvSpPr>
         <p:spPr>
@@ -3044,7 +3332,7 @@
           </a:prstGeom>
         </p:spPr>
         <p:txBody>
-          <a:bodyPr anchorCtr="0" anchor="t" bIns="91425" lIns="91425" rIns="91425" tIns="91425"/>
+          <a:bodyPr lIns="91425" tIns="91425" rIns="91425" bIns="91425" anchor="t" anchorCtr="0"/>
           <a:lstStyle>
             <a:lvl1pPr lvl="0" algn="ctr">
               <a:lnSpc>
@@ -3173,15 +3461,19 @@
               <a:defRPr sz="2100"/>
             </a:lvl9pPr>
           </a:lstStyle>
-          <a:p/>
+          <a:p>
+            <a:endParaRPr/>
+          </a:p>
         </p:txBody>
       </p:sp>
       <p:sp>
         <p:nvSpPr>
           <p:cNvPr id="39" name="Shape 39"/>
-          <p:cNvSpPr txBox="1"/>
+          <p:cNvSpPr txBox="1">
+            <a:spLocks noGrp="1"/>
+          </p:cNvSpPr>
           <p:nvPr>
-            <p:ph idx="2" type="body"/>
+            <p:ph type="body" idx="2"/>
           </p:nvPr>
         </p:nvSpPr>
         <p:spPr>
@@ -3194,7 +3486,7 @@
           </a:prstGeom>
         </p:spPr>
         <p:txBody>
-          <a:bodyPr anchorCtr="0" anchor="ctr" bIns="91425" lIns="91425" rIns="91425" tIns="91425"/>
+          <a:bodyPr lIns="91425" tIns="91425" rIns="91425" bIns="91425" anchor="ctr" anchorCtr="0"/>
           <a:lstStyle>
             <a:lvl1pPr lvl="0">
               <a:spcBef>
@@ -3251,15 +3543,19 @@
               <a:defRPr/>
             </a:lvl9pPr>
           </a:lstStyle>
-          <a:p/>
+          <a:p>
+            <a:endParaRPr/>
+          </a:p>
         </p:txBody>
       </p:sp>
       <p:sp>
         <p:nvSpPr>
           <p:cNvPr id="40" name="Shape 40"/>
-          <p:cNvSpPr txBox="1"/>
+          <p:cNvSpPr txBox="1">
+            <a:spLocks noGrp="1"/>
+          </p:cNvSpPr>
           <p:nvPr>
-            <p:ph idx="12" type="sldNum"/>
+            <p:ph type="sldNum" idx="12"/>
           </p:nvPr>
         </p:nvSpPr>
         <p:spPr>
@@ -3272,7 +3568,7 @@
           </a:prstGeom>
         </p:spPr>
         <p:txBody>
-          <a:bodyPr anchorCtr="0" anchor="ctr" bIns="91425" lIns="91425" rIns="91425" tIns="91425">
+          <a:bodyPr lIns="91425" tIns="91425" rIns="91425" bIns="91425" anchor="ctr" anchorCtr="0">
             <a:noAutofit/>
           </a:bodyPr>
           <a:lstStyle/>
@@ -3287,6 +3583,7 @@
               <a:rPr lang="en-GB"/>
               <a:t>‹#›</a:t>
             </a:fld>
+            <a:endParaRPr lang="en-GB"/>
           </a:p>
         </p:txBody>
       </p:sp>
@@ -3299,11 +3596,11 @@
 </file>
 
 <file path=ppt/slideLayouts/slideLayout9.xml><?xml version="1.0" encoding="utf-8"?>
-<p:sldLayout xmlns:a="http://schemas.openxmlformats.org/drawingml/2006/main" xmlns:r="http://schemas.openxmlformats.org/officeDocument/2006/relationships" xmlns:mc="http://schemas.openxmlformats.org/markup-compatibility/2006" xmlns:mv="urn:schemas-microsoft-com:mac:vml" xmlns:p="http://schemas.openxmlformats.org/presentationml/2006/main" xmlns:c="http://schemas.openxmlformats.org/drawingml/2006/chart" xmlns:dgm="http://schemas.openxmlformats.org/drawingml/2006/diagram" xmlns:o="urn:schemas-microsoft-com:office:office" xmlns:v="urn:schemas-microsoft-com:vml" xmlns:pvml="urn:schemas-microsoft-com:office:powerpoint" xmlns:com="http://schemas.openxmlformats.org/drawingml/2006/compatibility" xmlns:p14="http://schemas.microsoft.com/office/powerpoint/2010/main">
+<p:sldLayout xmlns:a="http://schemas.openxmlformats.org/drawingml/2006/main" xmlns:r="http://schemas.openxmlformats.org/officeDocument/2006/relationships" xmlns:p="http://schemas.openxmlformats.org/presentationml/2006/main">
   <p:cSld name="Caption">
     <p:spTree>
       <p:nvGrpSpPr>
-        <p:cNvPr id="41" name="Shape 41"/>
+        <p:cNvPr id="1" name="Shape 41"/>
         <p:cNvGrpSpPr/>
         <p:nvPr/>
       </p:nvGrpSpPr>
@@ -3318,9 +3615,11 @@
       <p:sp>
         <p:nvSpPr>
           <p:cNvPr id="42" name="Shape 42"/>
-          <p:cNvSpPr txBox="1"/>
+          <p:cNvSpPr txBox="1">
+            <a:spLocks noGrp="1"/>
+          </p:cNvSpPr>
           <p:nvPr>
-            <p:ph idx="1" type="body"/>
+            <p:ph type="body" idx="1"/>
           </p:nvPr>
         </p:nvSpPr>
         <p:spPr>
@@ -3333,7 +3632,7 @@
           </a:prstGeom>
         </p:spPr>
         <p:txBody>
-          <a:bodyPr anchorCtr="0" anchor="ctr" bIns="91425" lIns="91425" rIns="91425" tIns="91425"/>
+          <a:bodyPr lIns="91425" tIns="91425" rIns="91425" bIns="91425" anchor="ctr" anchorCtr="0"/>
           <a:lstStyle>
             <a:lvl1pPr lvl="0">
               <a:lnSpc>
@@ -3349,15 +3648,19 @@
               <a:defRPr/>
             </a:lvl1pPr>
           </a:lstStyle>
-          <a:p/>
+          <a:p>
+            <a:endParaRPr/>
+          </a:p>
         </p:txBody>
       </p:sp>
       <p:sp>
         <p:nvSpPr>
           <p:cNvPr id="43" name="Shape 43"/>
-          <p:cNvSpPr txBox="1"/>
+          <p:cNvSpPr txBox="1">
+            <a:spLocks noGrp="1"/>
+          </p:cNvSpPr>
           <p:nvPr>
-            <p:ph idx="12" type="sldNum"/>
+            <p:ph type="sldNum" idx="12"/>
           </p:nvPr>
         </p:nvSpPr>
         <p:spPr>
@@ -3370,7 +3673,7 @@
           </a:prstGeom>
         </p:spPr>
         <p:txBody>
-          <a:bodyPr anchorCtr="0" anchor="ctr" bIns="91425" lIns="91425" rIns="91425" tIns="91425">
+          <a:bodyPr lIns="91425" tIns="91425" rIns="91425" bIns="91425" anchor="ctr" anchorCtr="0">
             <a:noAutofit/>
           </a:bodyPr>
           <a:lstStyle/>
@@ -3385,6 +3688,7 @@
               <a:rPr lang="en-GB"/>
               <a:t>‹#›</a:t>
             </a:fld>
+            <a:endParaRPr lang="en-GB"/>
           </a:p>
         </p:txBody>
       </p:sp>
@@ -3397,18 +3701,19 @@
 </file>
 
 <file path=ppt/slideMasters/slideMaster1.xml><?xml version="1.0" encoding="utf-8"?>
-<p:sldMaster xmlns:a="http://schemas.openxmlformats.org/drawingml/2006/main" xmlns:r="http://schemas.openxmlformats.org/officeDocument/2006/relationships" xmlns:mc="http://schemas.openxmlformats.org/markup-compatibility/2006" xmlns:mv="urn:schemas-microsoft-com:mac:vml" xmlns:p="http://schemas.openxmlformats.org/presentationml/2006/main" xmlns:c="http://schemas.openxmlformats.org/drawingml/2006/chart" xmlns:dgm="http://schemas.openxmlformats.org/drawingml/2006/diagram" xmlns:o="urn:schemas-microsoft-com:office:office" xmlns:v="urn:schemas-microsoft-com:vml" xmlns:pvml="urn:schemas-microsoft-com:office:powerpoint" xmlns:com="http://schemas.openxmlformats.org/drawingml/2006/compatibility" xmlns:p14="http://schemas.microsoft.com/office/powerpoint/2010/main">
+<p:sldMaster xmlns:a="http://schemas.openxmlformats.org/drawingml/2006/main" xmlns:r="http://schemas.openxmlformats.org/officeDocument/2006/relationships" xmlns:p="http://schemas.openxmlformats.org/presentationml/2006/main">
   <p:cSld>
     <p:bg>
       <p:bgPr>
         <a:solidFill>
           <a:schemeClr val="lt1"/>
         </a:solidFill>
+        <a:effectLst/>
       </p:bgPr>
     </p:bg>
     <p:spTree>
       <p:nvGrpSpPr>
-        <p:cNvPr id="5" name="Shape 5"/>
+        <p:cNvPr id="1" name="Shape 5"/>
         <p:cNvGrpSpPr/>
         <p:nvPr/>
       </p:nvGrpSpPr>
@@ -3423,7 +3728,9 @@
       <p:sp>
         <p:nvSpPr>
           <p:cNvPr id="6" name="Shape 6"/>
-          <p:cNvSpPr txBox="1"/>
+          <p:cNvSpPr txBox="1">
+            <a:spLocks noGrp="1"/>
+          </p:cNvSpPr>
           <p:nvPr>
             <p:ph type="title"/>
           </p:nvPr>
@@ -3442,7 +3749,7 @@
           </a:ln>
         </p:spPr>
         <p:txBody>
-          <a:bodyPr anchorCtr="0" anchor="t" bIns="91425" lIns="91425" rIns="91425" tIns="91425"/>
+          <a:bodyPr lIns="91425" tIns="91425" rIns="91425" bIns="91425" anchor="t" anchorCtr="0"/>
           <a:lstStyle>
             <a:lvl1pPr lvl="0">
               <a:spcBef>
@@ -3580,15 +3887,19 @@
               </a:defRPr>
             </a:lvl9pPr>
           </a:lstStyle>
-          <a:p/>
+          <a:p>
+            <a:endParaRPr/>
+          </a:p>
         </p:txBody>
       </p:sp>
       <p:sp>
         <p:nvSpPr>
           <p:cNvPr id="7" name="Shape 7"/>
-          <p:cNvSpPr txBox="1"/>
+          <p:cNvSpPr txBox="1">
+            <a:spLocks noGrp="1"/>
+          </p:cNvSpPr>
           <p:nvPr>
-            <p:ph idx="1" type="body"/>
+            <p:ph type="body" idx="1"/>
           </p:nvPr>
         </p:nvSpPr>
         <p:spPr>
@@ -3605,7 +3916,7 @@
           </a:ln>
         </p:spPr>
         <p:txBody>
-          <a:bodyPr anchorCtr="0" anchor="t" bIns="91425" lIns="91425" rIns="91425" tIns="91425"/>
+          <a:bodyPr lIns="91425" tIns="91425" rIns="91425" bIns="91425" anchor="t" anchorCtr="0"/>
           <a:lstStyle>
             <a:lvl1pPr lvl="0">
               <a:lnSpc>
@@ -3780,15 +4091,19 @@
               </a:defRPr>
             </a:lvl9pPr>
           </a:lstStyle>
-          <a:p/>
+          <a:p>
+            <a:endParaRPr/>
+          </a:p>
         </p:txBody>
       </p:sp>
       <p:sp>
         <p:nvSpPr>
           <p:cNvPr id="8" name="Shape 8"/>
-          <p:cNvSpPr txBox="1"/>
+          <p:cNvSpPr txBox="1">
+            <a:spLocks noGrp="1"/>
+          </p:cNvSpPr>
           <p:nvPr>
-            <p:ph idx="12" type="sldNum"/>
+            <p:ph type="sldNum" idx="12"/>
           </p:nvPr>
         </p:nvSpPr>
         <p:spPr>
@@ -3805,7 +4120,7 @@
           </a:ln>
         </p:spPr>
         <p:txBody>
-          <a:bodyPr anchorCtr="0" anchor="ctr" bIns="91425" lIns="91425" rIns="91425" tIns="91425">
+          <a:bodyPr lIns="91425" tIns="91425" rIns="91425" bIns="91425" anchor="ctr" anchorCtr="0">
             <a:noAutofit/>
           </a:bodyPr>
           <a:lstStyle/>
@@ -3824,12 +4139,17 @@
               </a:rPr>
               <a:t>‹#›</a:t>
             </a:fld>
+            <a:endParaRPr lang="en-GB" sz="1000">
+              <a:solidFill>
+                <a:schemeClr val="dk2"/>
+              </a:solidFill>
+            </a:endParaRPr>
           </a:p>
         </p:txBody>
       </p:sp>
     </p:spTree>
   </p:cSld>
-  <p:clrMap accent1="accent1" accent2="accent2" accent3="accent3" accent4="accent4" accent5="accent5" accent6="accent6" bg1="lt1" bg2="dk2" tx1="dk1" tx2="lt2" folHlink="folHlink" hlink="hlink"/>
+  <p:clrMap bg1="lt1" tx1="dk1" bg2="dk2" tx2="lt2" accent1="accent1" accent2="accent2" accent3="accent3" accent4="accent4" accent5="accent5" accent6="accent6" hlink="hlink" folHlink="folHlink"/>
   <p:sldLayoutIdLst>
     <p:sldLayoutId id="2147483648" r:id="rId1"/>
     <p:sldLayoutId id="2147483649" r:id="rId2"/>
@@ -3843,10 +4163,10 @@
     <p:sldLayoutId id="2147483657" r:id="rId10"/>
     <p:sldLayoutId id="2147483658" r:id="rId11"/>
   </p:sldLayoutIdLst>
-  <p:hf dt="0" ftr="0" hdr="0"/>
+  <p:hf hdr="0" ftr="0" dt="0"/>
   <p:txStyles>
     <p:titleStyle>
-      <a:defPPr lvl="0" marR="0" rtl="0" algn="l">
+      <a:defPPr marR="0" lvl="0" algn="l" rtl="0">
         <a:lnSpc>
           <a:spcPct val="100000"/>
         </a:lnSpc>
@@ -3857,7 +4177,7 @@
           <a:spcPts val="0"/>
         </a:spcAft>
       </a:defPPr>
-      <a:lvl1pPr lvl="0" marR="0" rtl="0" algn="l">
+      <a:lvl1pPr marR="0" lvl="0" algn="l" rtl="0">
         <a:lnSpc>
           <a:spcPct val="100000"/>
         </a:lnSpc>
@@ -3868,7 +4188,7 @@
           <a:spcPts val="0"/>
         </a:spcAft>
         <a:buNone/>
-        <a:defRPr b="0" i="0" sz="1400" u="none" cap="none" strike="noStrike">
+        <a:defRPr sz="1400" b="0" i="0" u="none" strike="noStrike" cap="none">
           <a:solidFill>
             <a:srgbClr val="000000"/>
           </a:solidFill>
@@ -3880,7 +4200,7 @@
       </a:lvl1pPr>
     </p:titleStyle>
     <p:bodyStyle>
-      <a:defPPr lvl="0" marR="0" rtl="0" algn="l">
+      <a:defPPr marR="0" lvl="0" algn="l" rtl="0">
         <a:lnSpc>
           <a:spcPct val="100000"/>
         </a:lnSpc>
@@ -3891,7 +4211,7 @@
           <a:spcPts val="0"/>
         </a:spcAft>
       </a:defPPr>
-      <a:lvl1pPr lvl="0" marR="0" rtl="0" algn="l">
+      <a:lvl1pPr marR="0" lvl="0" algn="l" rtl="0">
         <a:lnSpc>
           <a:spcPct val="100000"/>
         </a:lnSpc>
@@ -3902,7 +4222,7 @@
           <a:spcPts val="0"/>
         </a:spcAft>
         <a:buNone/>
-        <a:defRPr b="0" i="0" sz="1400" u="none" cap="none" strike="noStrike">
+        <a:defRPr sz="1400" b="0" i="0" u="none" strike="noStrike" cap="none">
           <a:solidFill>
             <a:srgbClr val="000000"/>
           </a:solidFill>
@@ -3912,7 +4232,7 @@
           <a:sym typeface="Arial"/>
         </a:defRPr>
       </a:lvl1pPr>
-      <a:lvl2pPr lvl="1" marR="0" rtl="0" algn="l">
+      <a:lvl2pPr marR="0" lvl="1" algn="l" rtl="0">
         <a:lnSpc>
           <a:spcPct val="100000"/>
         </a:lnSpc>
@@ -3923,7 +4243,7 @@
           <a:spcPts val="0"/>
         </a:spcAft>
         <a:buNone/>
-        <a:defRPr b="0" i="0" sz="1400" u="none" cap="none" strike="noStrike">
+        <a:defRPr sz="1400" b="0" i="0" u="none" strike="noStrike" cap="none">
           <a:solidFill>
             <a:srgbClr val="000000"/>
           </a:solidFill>
@@ -3933,7 +4253,7 @@
           <a:sym typeface="Arial"/>
         </a:defRPr>
       </a:lvl2pPr>
-      <a:lvl3pPr lvl="2" marR="0" rtl="0" algn="l">
+      <a:lvl3pPr marR="0" lvl="2" algn="l" rtl="0">
         <a:lnSpc>
           <a:spcPct val="100000"/>
         </a:lnSpc>
@@ -3944,7 +4264,7 @@
           <a:spcPts val="0"/>
         </a:spcAft>
         <a:buNone/>
-        <a:defRPr b="0" i="0" sz="1400" u="none" cap="none" strike="noStrike">
+        <a:defRPr sz="1400" b="0" i="0" u="none" strike="noStrike" cap="none">
           <a:solidFill>
             <a:srgbClr val="000000"/>
           </a:solidFill>
@@ -3954,7 +4274,7 @@
           <a:sym typeface="Arial"/>
         </a:defRPr>
       </a:lvl3pPr>
-      <a:lvl4pPr lvl="3" marR="0" rtl="0" algn="l">
+      <a:lvl4pPr marR="0" lvl="3" algn="l" rtl="0">
         <a:lnSpc>
           <a:spcPct val="100000"/>
         </a:lnSpc>
@@ -3965,7 +4285,7 @@
           <a:spcPts val="0"/>
         </a:spcAft>
         <a:buNone/>
-        <a:defRPr b="0" i="0" sz="1400" u="none" cap="none" strike="noStrike">
+        <a:defRPr sz="1400" b="0" i="0" u="none" strike="noStrike" cap="none">
           <a:solidFill>
             <a:srgbClr val="000000"/>
           </a:solidFill>
@@ -3975,7 +4295,7 @@
           <a:sym typeface="Arial"/>
         </a:defRPr>
       </a:lvl4pPr>
-      <a:lvl5pPr lvl="4" marR="0" rtl="0" algn="l">
+      <a:lvl5pPr marR="0" lvl="4" algn="l" rtl="0">
         <a:lnSpc>
           <a:spcPct val="100000"/>
         </a:lnSpc>
@@ -3986,7 +4306,7 @@
           <a:spcPts val="0"/>
         </a:spcAft>
         <a:buNone/>
-        <a:defRPr b="0" i="0" sz="1400" u="none" cap="none" strike="noStrike">
+        <a:defRPr sz="1400" b="0" i="0" u="none" strike="noStrike" cap="none">
           <a:solidFill>
             <a:srgbClr val="000000"/>
           </a:solidFill>
@@ -3996,7 +4316,7 @@
           <a:sym typeface="Arial"/>
         </a:defRPr>
       </a:lvl5pPr>
-      <a:lvl6pPr lvl="5" marR="0" rtl="0" algn="l">
+      <a:lvl6pPr marR="0" lvl="5" algn="l" rtl="0">
         <a:lnSpc>
           <a:spcPct val="100000"/>
         </a:lnSpc>
@@ -4007,7 +4327,7 @@
           <a:spcPts val="0"/>
         </a:spcAft>
         <a:buNone/>
-        <a:defRPr b="0" i="0" sz="1400" u="none" cap="none" strike="noStrike">
+        <a:defRPr sz="1400" b="0" i="0" u="none" strike="noStrike" cap="none">
           <a:solidFill>
             <a:srgbClr val="000000"/>
           </a:solidFill>
@@ -4017,7 +4337,7 @@
           <a:sym typeface="Arial"/>
         </a:defRPr>
       </a:lvl6pPr>
-      <a:lvl7pPr lvl="6" marR="0" rtl="0" algn="l">
+      <a:lvl7pPr marR="0" lvl="6" algn="l" rtl="0">
         <a:lnSpc>
           <a:spcPct val="100000"/>
         </a:lnSpc>
@@ -4028,7 +4348,7 @@
           <a:spcPts val="0"/>
         </a:spcAft>
         <a:buNone/>
-        <a:defRPr b="0" i="0" sz="1400" u="none" cap="none" strike="noStrike">
+        <a:defRPr sz="1400" b="0" i="0" u="none" strike="noStrike" cap="none">
           <a:solidFill>
             <a:srgbClr val="000000"/>
           </a:solidFill>
@@ -4038,7 +4358,7 @@
           <a:sym typeface="Arial"/>
         </a:defRPr>
       </a:lvl7pPr>
-      <a:lvl8pPr lvl="7" marR="0" rtl="0" algn="l">
+      <a:lvl8pPr marR="0" lvl="7" algn="l" rtl="0">
         <a:lnSpc>
           <a:spcPct val="100000"/>
         </a:lnSpc>
@@ -4049,7 +4369,7 @@
           <a:spcPts val="0"/>
         </a:spcAft>
         <a:buNone/>
-        <a:defRPr b="0" i="0" sz="1400" u="none" cap="none" strike="noStrike">
+        <a:defRPr sz="1400" b="0" i="0" u="none" strike="noStrike" cap="none">
           <a:solidFill>
             <a:srgbClr val="000000"/>
           </a:solidFill>
@@ -4059,7 +4379,7 @@
           <a:sym typeface="Arial"/>
         </a:defRPr>
       </a:lvl8pPr>
-      <a:lvl9pPr lvl="8" marR="0" rtl="0" algn="l">
+      <a:lvl9pPr marR="0" lvl="8" algn="l" rtl="0">
         <a:lnSpc>
           <a:spcPct val="100000"/>
         </a:lnSpc>
@@ -4070,7 +4390,7 @@
           <a:spcPts val="0"/>
         </a:spcAft>
         <a:buNone/>
-        <a:defRPr b="0" i="0" sz="1400" u="none" cap="none" strike="noStrike">
+        <a:defRPr sz="1400" b="0" i="0" u="none" strike="noStrike" cap="none">
           <a:solidFill>
             <a:srgbClr val="000000"/>
           </a:solidFill>
@@ -4082,7 +4402,7 @@
       </a:lvl9pPr>
     </p:bodyStyle>
     <p:otherStyle>
-      <a:defPPr lvl="0" marR="0" rtl="0" algn="l">
+      <a:defPPr marR="0" lvl="0" algn="l" rtl="0">
         <a:lnSpc>
           <a:spcPct val="100000"/>
         </a:lnSpc>
@@ -4093,7 +4413,7 @@
           <a:spcPts val="0"/>
         </a:spcAft>
       </a:defPPr>
-      <a:lvl1pPr lvl="0" marR="0" rtl="0" algn="l">
+      <a:lvl1pPr marR="0" lvl="0" algn="l" rtl="0">
         <a:lnSpc>
           <a:spcPct val="100000"/>
         </a:lnSpc>
@@ -4104,7 +4424,7 @@
           <a:spcPts val="0"/>
         </a:spcAft>
         <a:buNone/>
-        <a:defRPr b="0" i="0" sz="1400" u="none" cap="none" strike="noStrike">
+        <a:defRPr sz="1400" b="0" i="0" u="none" strike="noStrike" cap="none">
           <a:solidFill>
             <a:srgbClr val="000000"/>
           </a:solidFill>
@@ -4114,7 +4434,7 @@
           <a:sym typeface="Arial"/>
         </a:defRPr>
       </a:lvl1pPr>
-      <a:lvl2pPr lvl="1" marR="0" rtl="0" algn="l">
+      <a:lvl2pPr marR="0" lvl="1" algn="l" rtl="0">
         <a:lnSpc>
           <a:spcPct val="100000"/>
         </a:lnSpc>
@@ -4125,7 +4445,7 @@
           <a:spcPts val="0"/>
         </a:spcAft>
         <a:buNone/>
-        <a:defRPr b="0" i="0" sz="1400" u="none" cap="none" strike="noStrike">
+        <a:defRPr sz="1400" b="0" i="0" u="none" strike="noStrike" cap="none">
           <a:solidFill>
             <a:srgbClr val="000000"/>
           </a:solidFill>
@@ -4135,7 +4455,7 @@
           <a:sym typeface="Arial"/>
         </a:defRPr>
       </a:lvl2pPr>
-      <a:lvl3pPr lvl="2" marR="0" rtl="0" algn="l">
+      <a:lvl3pPr marR="0" lvl="2" algn="l" rtl="0">
         <a:lnSpc>
           <a:spcPct val="100000"/>
         </a:lnSpc>
@@ -4146,7 +4466,7 @@
           <a:spcPts val="0"/>
         </a:spcAft>
         <a:buNone/>
-        <a:defRPr b="0" i="0" sz="1400" u="none" cap="none" strike="noStrike">
+        <a:defRPr sz="1400" b="0" i="0" u="none" strike="noStrike" cap="none">
           <a:solidFill>
             <a:srgbClr val="000000"/>
           </a:solidFill>
@@ -4156,7 +4476,7 @@
           <a:sym typeface="Arial"/>
         </a:defRPr>
       </a:lvl3pPr>
-      <a:lvl4pPr lvl="3" marR="0" rtl="0" algn="l">
+      <a:lvl4pPr marR="0" lvl="3" algn="l" rtl="0">
         <a:lnSpc>
           <a:spcPct val="100000"/>
         </a:lnSpc>
@@ -4167,7 +4487,7 @@
           <a:spcPts val="0"/>
         </a:spcAft>
         <a:buNone/>
-        <a:defRPr b="0" i="0" sz="1400" u="none" cap="none" strike="noStrike">
+        <a:defRPr sz="1400" b="0" i="0" u="none" strike="noStrike" cap="none">
           <a:solidFill>
             <a:srgbClr val="000000"/>
           </a:solidFill>
@@ -4177,7 +4497,7 @@
           <a:sym typeface="Arial"/>
         </a:defRPr>
       </a:lvl4pPr>
-      <a:lvl5pPr lvl="4" marR="0" rtl="0" algn="l">
+      <a:lvl5pPr marR="0" lvl="4" algn="l" rtl="0">
         <a:lnSpc>
           <a:spcPct val="100000"/>
         </a:lnSpc>
@@ -4188,7 +4508,7 @@
           <a:spcPts val="0"/>
         </a:spcAft>
         <a:buNone/>
-        <a:defRPr b="0" i="0" sz="1400" u="none" cap="none" strike="noStrike">
+        <a:defRPr sz="1400" b="0" i="0" u="none" strike="noStrike" cap="none">
           <a:solidFill>
             <a:srgbClr val="000000"/>
           </a:solidFill>
@@ -4198,7 +4518,7 @@
           <a:sym typeface="Arial"/>
         </a:defRPr>
       </a:lvl5pPr>
-      <a:lvl6pPr lvl="5" marR="0" rtl="0" algn="l">
+      <a:lvl6pPr marR="0" lvl="5" algn="l" rtl="0">
         <a:lnSpc>
           <a:spcPct val="100000"/>
         </a:lnSpc>
@@ -4209,7 +4529,7 @@
           <a:spcPts val="0"/>
         </a:spcAft>
         <a:buNone/>
-        <a:defRPr b="0" i="0" sz="1400" u="none" cap="none" strike="noStrike">
+        <a:defRPr sz="1400" b="0" i="0" u="none" strike="noStrike" cap="none">
           <a:solidFill>
             <a:srgbClr val="000000"/>
           </a:solidFill>
@@ -4219,7 +4539,7 @@
           <a:sym typeface="Arial"/>
         </a:defRPr>
       </a:lvl6pPr>
-      <a:lvl7pPr lvl="6" marR="0" rtl="0" algn="l">
+      <a:lvl7pPr marR="0" lvl="6" algn="l" rtl="0">
         <a:lnSpc>
           <a:spcPct val="100000"/>
         </a:lnSpc>
@@ -4230,7 +4550,7 @@
           <a:spcPts val="0"/>
         </a:spcAft>
         <a:buNone/>
-        <a:defRPr b="0" i="0" sz="1400" u="none" cap="none" strike="noStrike">
+        <a:defRPr sz="1400" b="0" i="0" u="none" strike="noStrike" cap="none">
           <a:solidFill>
             <a:srgbClr val="000000"/>
           </a:solidFill>
@@ -4240,7 +4560,7 @@
           <a:sym typeface="Arial"/>
         </a:defRPr>
       </a:lvl7pPr>
-      <a:lvl8pPr lvl="7" marR="0" rtl="0" algn="l">
+      <a:lvl8pPr marR="0" lvl="7" algn="l" rtl="0">
         <a:lnSpc>
           <a:spcPct val="100000"/>
         </a:lnSpc>
@@ -4251,7 +4571,7 @@
           <a:spcPts val="0"/>
         </a:spcAft>
         <a:buNone/>
-        <a:defRPr b="0" i="0" sz="1400" u="none" cap="none" strike="noStrike">
+        <a:defRPr sz="1400" b="0" i="0" u="none" strike="noStrike" cap="none">
           <a:solidFill>
             <a:srgbClr val="000000"/>
           </a:solidFill>
@@ -4261,7 +4581,7 @@
           <a:sym typeface="Arial"/>
         </a:defRPr>
       </a:lvl8pPr>
-      <a:lvl9pPr lvl="8" marR="0" rtl="0" algn="l">
+      <a:lvl9pPr marR="0" lvl="8" algn="l" rtl="0">
         <a:lnSpc>
           <a:spcPct val="100000"/>
         </a:lnSpc>
@@ -4272,7 +4592,7 @@
           <a:spcPts val="0"/>
         </a:spcAft>
         <a:buNone/>
-        <a:defRPr b="0" i="0" sz="1400" u="none" cap="none" strike="noStrike">
+        <a:defRPr sz="1400" b="0" i="0" u="none" strike="noStrike" cap="none">
           <a:solidFill>
             <a:srgbClr val="000000"/>
           </a:solidFill>
@@ -4288,11 +4608,11 @@
 </file>
 
 <file path=ppt/slides/slide1.xml><?xml version="1.0" encoding="utf-8"?>
-<p:sld xmlns:a="http://schemas.openxmlformats.org/drawingml/2006/main" xmlns:r="http://schemas.openxmlformats.org/officeDocument/2006/relationships" xmlns:mc="http://schemas.openxmlformats.org/markup-compatibility/2006" xmlns:mv="urn:schemas-microsoft-com:mac:vml" xmlns:p="http://schemas.openxmlformats.org/presentationml/2006/main" xmlns:c="http://schemas.openxmlformats.org/drawingml/2006/chart" xmlns:dgm="http://schemas.openxmlformats.org/drawingml/2006/diagram" xmlns:o="urn:schemas-microsoft-com:office:office" xmlns:v="urn:schemas-microsoft-com:vml" xmlns:pvml="urn:schemas-microsoft-com:office:powerpoint" xmlns:com="http://schemas.openxmlformats.org/drawingml/2006/compatibility" xmlns:p14="http://schemas.microsoft.com/office/powerpoint/2010/main">
+<p:sld xmlns:a="http://schemas.openxmlformats.org/drawingml/2006/main" xmlns:r="http://schemas.openxmlformats.org/officeDocument/2006/relationships" xmlns:p="http://schemas.openxmlformats.org/presentationml/2006/main">
   <p:cSld>
     <p:spTree>
       <p:nvGrpSpPr>
-        <p:cNvPr id="53" name="Shape 53"/>
+        <p:cNvPr id="1" name="Shape 53"/>
         <p:cNvGrpSpPr/>
         <p:nvPr/>
       </p:nvGrpSpPr>
@@ -4324,7 +4644,7 @@
           </a:ln>
         </p:spPr>
         <p:txBody>
-          <a:bodyPr anchorCtr="0" anchor="t" bIns="91425" lIns="91425" rIns="91425" tIns="91425">
+          <a:bodyPr lIns="91425" tIns="91425" rIns="91425" bIns="91425" anchor="t" anchorCtr="0">
             <a:noAutofit/>
           </a:bodyPr>
           <a:lstStyle/>
@@ -4359,9 +4679,6 @@
               </a:spcBef>
               <a:buNone/>
             </a:pPr>
-            <a:r>
-              <a:t/>
-            </a:r>
             <a:endParaRPr sz="1800"/>
           </a:p>
           <a:p>
@@ -4381,9 +4698,11 @@
       <p:sp>
         <p:nvSpPr>
           <p:cNvPr id="55" name="Shape 55"/>
-          <p:cNvSpPr txBox="1"/>
+          <p:cNvSpPr txBox="1">
+            <a:spLocks noGrp="1"/>
+          </p:cNvSpPr>
           <p:nvPr>
-            <p:ph idx="12" type="sldNum"/>
+            <p:ph type="sldNum" idx="12"/>
           </p:nvPr>
         </p:nvSpPr>
         <p:spPr>
@@ -4396,7 +4715,7 @@
           </a:prstGeom>
         </p:spPr>
         <p:txBody>
-          <a:bodyPr anchorCtr="0" anchor="ctr" bIns="91425" lIns="91425" rIns="91425" tIns="91425">
+          <a:bodyPr lIns="91425" tIns="91425" rIns="91425" bIns="91425" anchor="ctr" anchorCtr="0">
             <a:noAutofit/>
           </a:bodyPr>
           <a:lstStyle/>
@@ -4409,14 +4728,15 @@
             </a:pPr>
             <a:fld id="{00000000-1234-1234-1234-123412341234}" type="slidenum">
               <a:rPr lang="en-GB"/>
-              <a:t>‹#›</a:t>
+              <a:t>1</a:t>
             </a:fld>
+            <a:endParaRPr lang="en-GB"/>
           </a:p>
         </p:txBody>
       </p:sp>
       <p:pic>
         <p:nvPicPr>
-          <p:cNvPr descr="hibernate_ogm_600px.png" id="56" name="Shape 56"/>
+          <p:cNvPr id="56" name="Shape 56" descr="hibernate_ogm_600px.png"/>
           <p:cNvPicPr preferRelativeResize="0"/>
           <p:nvPr/>
         </p:nvPicPr>
@@ -4447,15 +4767,22 @@
   <p:clrMapOvr>
     <a:masterClrMapping/>
   </p:clrMapOvr>
+  <p:timing>
+    <p:tnLst>
+      <p:par>
+        <p:cTn id="1" dur="indefinite" restart="never" nodeType="tmRoot"/>
+      </p:par>
+    </p:tnLst>
+  </p:timing>
 </p:sld>
 </file>
 
 <file path=ppt/slides/slide2.xml><?xml version="1.0" encoding="utf-8"?>
-<p:sld xmlns:a="http://schemas.openxmlformats.org/drawingml/2006/main" xmlns:r="http://schemas.openxmlformats.org/officeDocument/2006/relationships" xmlns:mc="http://schemas.openxmlformats.org/markup-compatibility/2006" xmlns:mv="urn:schemas-microsoft-com:mac:vml" xmlns:p="http://schemas.openxmlformats.org/presentationml/2006/main" xmlns:c="http://schemas.openxmlformats.org/drawingml/2006/chart" xmlns:dgm="http://schemas.openxmlformats.org/drawingml/2006/diagram" xmlns:o="urn:schemas-microsoft-com:office:office" xmlns:v="urn:schemas-microsoft-com:vml" xmlns:pvml="urn:schemas-microsoft-com:office:powerpoint" xmlns:com="http://schemas.openxmlformats.org/drawingml/2006/compatibility" xmlns:p14="http://schemas.microsoft.com/office/powerpoint/2010/main">
+<p:sld xmlns:a="http://schemas.openxmlformats.org/drawingml/2006/main" xmlns:r="http://schemas.openxmlformats.org/officeDocument/2006/relationships" xmlns:p="http://schemas.openxmlformats.org/presentationml/2006/main">
   <p:cSld>
     <p:spTree>
       <p:nvGrpSpPr>
-        <p:cNvPr id="60" name="Shape 60"/>
+        <p:cNvPr id="1" name="Shape 60"/>
         <p:cNvGrpSpPr/>
         <p:nvPr/>
       </p:nvGrpSpPr>
@@ -4487,12 +4814,12 @@
           </a:ln>
         </p:spPr>
         <p:txBody>
-          <a:bodyPr anchorCtr="0" anchor="t" bIns="91425" lIns="91425" rIns="91425" tIns="91425">
+          <a:bodyPr lIns="91425" tIns="91425" rIns="91425" bIns="91425" anchor="t" anchorCtr="0">
             <a:noAutofit/>
           </a:bodyPr>
           <a:lstStyle/>
           <a:p>
-            <a:pPr indent="-355600" lvl="0" marL="457200">
+            <a:pPr marL="457200" lvl="0" indent="-355600">
               <a:lnSpc>
                 <a:spcPct val="200000"/>
               </a:lnSpc>
@@ -4503,12 +4830,12 @@
               <a:buAutoNum type="arabicPeriod"/>
             </a:pPr>
             <a:r>
-              <a:rPr b="1" lang="en-GB" sz="2000"/>
+              <a:rPr lang="en-GB" sz="2000" b="1"/>
               <a:t>Why JPA for NoSQL storages?</a:t>
             </a:r>
           </a:p>
           <a:p>
-            <a:pPr indent="-342900" lvl="1" marL="914400" rtl="0">
+            <a:pPr marL="914400" lvl="1" indent="-342900" rtl="0">
               <a:lnSpc>
                 <a:spcPct val="150000"/>
               </a:lnSpc>
@@ -4519,24 +4846,12 @@
               <a:buAutoNum type="arabicPeriod"/>
             </a:pPr>
             <a:r>
-              <a:rPr b="1" lang="en-GB" sz="1800"/>
-              <a:t>Standard</a:t>
+              <a:rPr lang="en-GB" sz="1800" b="1"/>
+              <a:t>Standard way for declare and describe domain model</a:t>
             </a:r>
-            <a:r>
-              <a:rPr b="1" lang="en-GB" sz="1800"/>
-              <a:t> way for declare and </a:t>
-            </a:r>
-            <a:r>
-              <a:rPr b="1" lang="en-GB" sz="1800"/>
-              <a:t>describe</a:t>
-            </a:r>
-            <a:r>
-              <a:rPr b="1" lang="en-GB" sz="1800"/>
-              <a:t> domain model</a:t>
-            </a:r>
-          </a:p>
-          <a:p>
-            <a:pPr indent="-342900" lvl="1" marL="914400" rtl="0">
+          </a:p>
+          <a:p>
+            <a:pPr marL="914400" lvl="1" indent="-342900" rtl="0">
               <a:lnSpc>
                 <a:spcPct val="150000"/>
               </a:lnSpc>
@@ -4547,12 +4862,12 @@
               <a:buAutoNum type="arabicPeriod"/>
             </a:pPr>
             <a:r>
-              <a:rPr b="1" lang="en-GB" sz="1800"/>
+              <a:rPr lang="en-GB" sz="1800" b="1"/>
               <a:t>Common way for working with entities</a:t>
             </a:r>
           </a:p>
           <a:p>
-            <a:pPr indent="-342900" lvl="1" marL="914400">
+            <a:pPr marL="914400" lvl="1" indent="-342900">
               <a:lnSpc>
                 <a:spcPct val="150000"/>
               </a:lnSpc>
@@ -4563,26 +4878,20 @@
               <a:buAutoNum type="arabicPeriod"/>
             </a:pPr>
             <a:r>
-              <a:rPr b="1" lang="en-GB" sz="1800"/>
-              <a:t>One way for working with </a:t>
+              <a:rPr lang="en-GB" sz="1800" b="1"/>
+              <a:t>One way for working with different storages </a:t>
             </a:r>
-            <a:r>
-              <a:rPr b="1" lang="en-GB" sz="1800"/>
-              <a:t>different storages</a:t>
-            </a:r>
-            <a:r>
-              <a:rPr b="1" lang="en-GB" sz="1800"/>
-              <a:t> </a:t>
-            </a:r>
           </a:p>
         </p:txBody>
       </p:sp>
       <p:sp>
         <p:nvSpPr>
           <p:cNvPr id="62" name="Shape 62"/>
-          <p:cNvSpPr txBox="1"/>
+          <p:cNvSpPr txBox="1">
+            <a:spLocks noGrp="1"/>
+          </p:cNvSpPr>
           <p:nvPr>
-            <p:ph idx="12" type="sldNum"/>
+            <p:ph type="sldNum" idx="12"/>
           </p:nvPr>
         </p:nvSpPr>
         <p:spPr>
@@ -4595,7 +4904,7 @@
           </a:prstGeom>
         </p:spPr>
         <p:txBody>
-          <a:bodyPr anchorCtr="0" anchor="ctr" bIns="91425" lIns="91425" rIns="91425" tIns="91425">
+          <a:bodyPr lIns="91425" tIns="91425" rIns="91425" bIns="91425" anchor="ctr" anchorCtr="0">
             <a:noAutofit/>
           </a:bodyPr>
           <a:lstStyle/>
@@ -4608,8 +4917,9 @@
             </a:pPr>
             <a:fld id="{00000000-1234-1234-1234-123412341234}" type="slidenum">
               <a:rPr lang="en-GB"/>
-              <a:t>‹#›</a:t>
+              <a:t>2</a:t>
             </a:fld>
+            <a:endParaRPr lang="en-GB"/>
           </a:p>
         </p:txBody>
       </p:sp>
@@ -4618,15 +4928,22 @@
   <p:clrMapOvr>
     <a:masterClrMapping/>
   </p:clrMapOvr>
+  <p:timing>
+    <p:tnLst>
+      <p:par>
+        <p:cTn id="1" dur="indefinite" restart="never" nodeType="tmRoot"/>
+      </p:par>
+    </p:tnLst>
+  </p:timing>
 </p:sld>
 </file>
 
 <file path=ppt/slides/slide3.xml><?xml version="1.0" encoding="utf-8"?>
-<p:sld xmlns:a="http://schemas.openxmlformats.org/drawingml/2006/main" xmlns:r="http://schemas.openxmlformats.org/officeDocument/2006/relationships" xmlns:mc="http://schemas.openxmlformats.org/markup-compatibility/2006" xmlns:mv="urn:schemas-microsoft-com:mac:vml" xmlns:p="http://schemas.openxmlformats.org/presentationml/2006/main" xmlns:c="http://schemas.openxmlformats.org/drawingml/2006/chart" xmlns:dgm="http://schemas.openxmlformats.org/drawingml/2006/diagram" xmlns:o="urn:schemas-microsoft-com:office:office" xmlns:v="urn:schemas-microsoft-com:vml" xmlns:pvml="urn:schemas-microsoft-com:office:powerpoint" xmlns:com="http://schemas.openxmlformats.org/drawingml/2006/compatibility" xmlns:p14="http://schemas.microsoft.com/office/powerpoint/2010/main">
+<p:sld xmlns:a="http://schemas.openxmlformats.org/drawingml/2006/main" xmlns:r="http://schemas.openxmlformats.org/officeDocument/2006/relationships" xmlns:p="http://schemas.openxmlformats.org/presentationml/2006/main">
   <p:cSld>
     <p:spTree>
       <p:nvGrpSpPr>
-        <p:cNvPr id="66" name="Shape 66"/>
+        <p:cNvPr id="1" name="Shape 66"/>
         <p:cNvGrpSpPr/>
         <p:nvPr/>
       </p:nvGrpSpPr>
@@ -4658,12 +4975,12 @@
           </a:ln>
         </p:spPr>
         <p:txBody>
-          <a:bodyPr anchorCtr="0" anchor="t" bIns="91425" lIns="91425" rIns="91425" tIns="91425">
+          <a:bodyPr lIns="91425" tIns="91425" rIns="91425" bIns="91425" anchor="t" anchorCtr="0">
             <a:noAutofit/>
           </a:bodyPr>
           <a:lstStyle/>
           <a:p>
-            <a:pPr indent="-355600" lvl="0" marL="457200" rtl="0">
+            <a:pPr marL="457200" lvl="0" indent="-355600" rtl="0">
               <a:lnSpc>
                 <a:spcPct val="200000"/>
               </a:lnSpc>
@@ -4674,12 +4991,12 @@
               <a:buAutoNum type="arabicPeriod" startAt="2"/>
             </a:pPr>
             <a:r>
-              <a:rPr b="1" lang="en-GB" sz="2000"/>
+              <a:rPr lang="en-GB" sz="2000" b="1"/>
               <a:t>Introduction the project</a:t>
             </a:r>
           </a:p>
           <a:p>
-            <a:pPr indent="-342900" lvl="1" marL="914400" rtl="0">
+            <a:pPr marL="914400" lvl="1" indent="-342900" rtl="0">
               <a:lnSpc>
                 <a:spcPct val="150000"/>
               </a:lnSpc>
@@ -4690,12 +5007,12 @@
               <a:buAutoNum type="arabicPeriod"/>
             </a:pPr>
             <a:r>
-              <a:rPr b="1" lang="en-GB" sz="1800"/>
+              <a:rPr lang="en-GB" sz="1800" b="1"/>
               <a:t>Main goals</a:t>
             </a:r>
           </a:p>
           <a:p>
-            <a:pPr indent="-342900" lvl="1" marL="914400" rtl="0">
+            <a:pPr marL="914400" lvl="1" indent="-342900" rtl="0">
               <a:lnSpc>
                 <a:spcPct val="150000"/>
               </a:lnSpc>
@@ -4706,12 +5023,12 @@
               <a:buAutoNum type="arabicPeriod"/>
             </a:pPr>
             <a:r>
-              <a:rPr b="1" lang="en-GB" sz="1800"/>
+              <a:rPr lang="en-GB" sz="1800" b="1"/>
               <a:t>Main targets</a:t>
             </a:r>
           </a:p>
           <a:p>
-            <a:pPr indent="-342900" lvl="1" marL="914400" rtl="0">
+            <a:pPr marL="914400" lvl="1" indent="-342900" rtl="0">
               <a:lnSpc>
                 <a:spcPct val="150000"/>
               </a:lnSpc>
@@ -4722,26 +5039,20 @@
               <a:buAutoNum type="arabicPeriod"/>
             </a:pPr>
             <a:r>
-              <a:rPr b="1" lang="en-GB" sz="1800"/>
-              <a:t>Main </a:t>
+              <a:rPr lang="en-GB" sz="1800" b="1"/>
+              <a:t>Main achievements </a:t>
             </a:r>
-            <a:r>
-              <a:rPr b="1" lang="en-GB" sz="1800"/>
-              <a:t>achievements</a:t>
-            </a:r>
-            <a:r>
-              <a:rPr b="1" lang="en-GB" sz="1800"/>
-              <a:t> </a:t>
-            </a:r>
           </a:p>
         </p:txBody>
       </p:sp>
       <p:sp>
         <p:nvSpPr>
           <p:cNvPr id="68" name="Shape 68"/>
-          <p:cNvSpPr txBox="1"/>
+          <p:cNvSpPr txBox="1">
+            <a:spLocks noGrp="1"/>
+          </p:cNvSpPr>
           <p:nvPr>
-            <p:ph idx="12" type="sldNum"/>
+            <p:ph type="sldNum" idx="12"/>
           </p:nvPr>
         </p:nvSpPr>
         <p:spPr>
@@ -4754,7 +5065,7 @@
           </a:prstGeom>
         </p:spPr>
         <p:txBody>
-          <a:bodyPr anchorCtr="0" anchor="ctr" bIns="91425" lIns="91425" rIns="91425" tIns="91425">
+          <a:bodyPr lIns="91425" tIns="91425" rIns="91425" bIns="91425" anchor="ctr" anchorCtr="0">
             <a:noAutofit/>
           </a:bodyPr>
           <a:lstStyle/>
@@ -4767,8 +5078,9 @@
             </a:pPr>
             <a:fld id="{00000000-1234-1234-1234-123412341234}" type="slidenum">
               <a:rPr lang="en-GB"/>
-              <a:t>‹#›</a:t>
+              <a:t>3</a:t>
             </a:fld>
+            <a:endParaRPr lang="en-GB"/>
           </a:p>
         </p:txBody>
       </p:sp>
@@ -4777,15 +5089,22 @@
   <p:clrMapOvr>
     <a:masterClrMapping/>
   </p:clrMapOvr>
+  <p:timing>
+    <p:tnLst>
+      <p:par>
+        <p:cTn id="1" dur="indefinite" restart="never" nodeType="tmRoot"/>
+      </p:par>
+    </p:tnLst>
+  </p:timing>
 </p:sld>
 </file>
 
 <file path=ppt/slides/slide4.xml><?xml version="1.0" encoding="utf-8"?>
-<p:sld xmlns:a="http://schemas.openxmlformats.org/drawingml/2006/main" xmlns:r="http://schemas.openxmlformats.org/officeDocument/2006/relationships" xmlns:mc="http://schemas.openxmlformats.org/markup-compatibility/2006" xmlns:mv="urn:schemas-microsoft-com:mac:vml" xmlns:p="http://schemas.openxmlformats.org/presentationml/2006/main" xmlns:c="http://schemas.openxmlformats.org/drawingml/2006/chart" xmlns:dgm="http://schemas.openxmlformats.org/drawingml/2006/diagram" xmlns:o="urn:schemas-microsoft-com:office:office" xmlns:v="urn:schemas-microsoft-com:vml" xmlns:pvml="urn:schemas-microsoft-com:office:powerpoint" xmlns:com="http://schemas.openxmlformats.org/drawingml/2006/compatibility" xmlns:p14="http://schemas.microsoft.com/office/powerpoint/2010/main">
+<p:sld xmlns:a="http://schemas.openxmlformats.org/drawingml/2006/main" xmlns:r="http://schemas.openxmlformats.org/officeDocument/2006/relationships" xmlns:p="http://schemas.openxmlformats.org/presentationml/2006/main">
   <p:cSld>
     <p:spTree>
       <p:nvGrpSpPr>
-        <p:cNvPr id="72" name="Shape 72"/>
+        <p:cNvPr id="1" name="Shape 72"/>
         <p:cNvGrpSpPr/>
         <p:nvPr/>
       </p:nvGrpSpPr>
@@ -4805,8 +5124,8 @@
         </p:nvSpPr>
         <p:spPr>
           <a:xfrm>
-            <a:off x="524850" y="431550"/>
-            <a:ext cx="8117700" cy="577500"/>
+            <a:off x="524850" y="419100"/>
+            <a:ext cx="8117700" cy="589950"/>
           </a:xfrm>
           <a:prstGeom prst="rect">
             <a:avLst/>
@@ -4817,12 +5136,12 @@
           </a:ln>
         </p:spPr>
         <p:txBody>
-          <a:bodyPr anchorCtr="0" anchor="t" bIns="91425" lIns="91425" rIns="91425" tIns="91425">
+          <a:bodyPr lIns="91425" tIns="91425" rIns="91425" bIns="91425" anchor="t" anchorCtr="0">
             <a:noAutofit/>
           </a:bodyPr>
           <a:lstStyle/>
           <a:p>
-            <a:pPr indent="-355600" lvl="0" marL="457200" rtl="0">
+            <a:pPr marL="457200" lvl="0" indent="-355600" rtl="0">
               <a:lnSpc>
                 <a:spcPct val="200000"/>
               </a:lnSpc>
@@ -4833,12 +5152,12 @@
               <a:buAutoNum type="arabicPeriod" startAt="3"/>
             </a:pPr>
             <a:r>
-              <a:rPr b="1" lang="en-GB" sz="2000"/>
+              <a:rPr lang="en-GB" sz="2000" b="1" dirty="0"/>
               <a:t>Supported types of storages</a:t>
             </a:r>
           </a:p>
           <a:p>
-            <a:pPr indent="0" lvl="0" marL="457200" rtl="0">
+            <a:pPr marL="457200" lvl="0" indent="0" rtl="0">
               <a:lnSpc>
                 <a:spcPct val="150000"/>
               </a:lnSpc>
@@ -4847,19 +5166,18 @@
               </a:spcBef>
               <a:buNone/>
             </a:pPr>
-            <a:r>
-              <a:t/>
-            </a:r>
-            <a:endParaRPr b="1" sz="1800"/>
+            <a:endParaRPr sz="1800" b="1" dirty="0"/>
           </a:p>
         </p:txBody>
       </p:sp>
       <p:sp>
         <p:nvSpPr>
           <p:cNvPr id="74" name="Shape 74"/>
-          <p:cNvSpPr txBox="1"/>
+          <p:cNvSpPr txBox="1">
+            <a:spLocks noGrp="1"/>
+          </p:cNvSpPr>
           <p:nvPr>
-            <p:ph idx="12" type="sldNum"/>
+            <p:ph type="sldNum" idx="12"/>
           </p:nvPr>
         </p:nvSpPr>
         <p:spPr>
@@ -4872,7 +5190,7 @@
           </a:prstGeom>
         </p:spPr>
         <p:txBody>
-          <a:bodyPr anchorCtr="0" anchor="ctr" bIns="91425" lIns="91425" rIns="91425" tIns="91425">
+          <a:bodyPr lIns="91425" tIns="91425" rIns="91425" bIns="91425" anchor="ctr" anchorCtr="0">
             <a:noAutofit/>
           </a:bodyPr>
           <a:lstStyle/>
@@ -4885,20 +5203,27 @@
             </a:pPr>
             <a:fld id="{00000000-1234-1234-1234-123412341234}" type="slidenum">
               <a:rPr lang="en-GB"/>
-              <a:t>‹#›</a:t>
+              <a:t>4</a:t>
             </a:fld>
+            <a:endParaRPr lang="en-GB"/>
           </a:p>
         </p:txBody>
       </p:sp>
       <p:pic>
         <p:nvPicPr>
-          <p:cNvPr descr="nosql.png" id="75" name="Shape 75"/>
-          <p:cNvPicPr preferRelativeResize="0"/>
+          <p:cNvPr id="6" name="Рисунок 5"/>
+          <p:cNvPicPr>
+            <a:picLocks noChangeAspect="1"/>
+          </p:cNvPicPr>
           <p:nvPr/>
         </p:nvPicPr>
         <p:blipFill>
           <a:blip r:embed="rId3">
-            <a:alphaModFix/>
+            <a:extLst>
+              <a:ext uri="{28A0092B-C50C-407E-A947-70E740481C1C}">
+                <a14:useLocalDpi xmlns:a14="http://schemas.microsoft.com/office/drawing/2010/main" val="0"/>
+              </a:ext>
+            </a:extLst>
           </a:blip>
           <a:stretch>
             <a:fillRect/>
@@ -4906,16 +5231,12 @@
         </p:blipFill>
         <p:spPr>
           <a:xfrm>
-            <a:off x="1248750" y="904850"/>
-            <a:ext cx="6157424" cy="3972624"/>
+            <a:off x="839175" y="1046416"/>
+            <a:ext cx="6816298" cy="3924000"/>
           </a:xfrm>
           <a:prstGeom prst="rect">
             <a:avLst/>
           </a:prstGeom>
-          <a:noFill/>
-          <a:ln>
-            <a:noFill/>
-          </a:ln>
         </p:spPr>
       </p:pic>
     </p:spTree>
@@ -4923,15 +5244,22 @@
   <p:clrMapOvr>
     <a:masterClrMapping/>
   </p:clrMapOvr>
+  <p:timing>
+    <p:tnLst>
+      <p:par>
+        <p:cTn id="1" dur="indefinite" restart="never" nodeType="tmRoot"/>
+      </p:par>
+    </p:tnLst>
+  </p:timing>
 </p:sld>
 </file>
 
 <file path=ppt/slides/slide5.xml><?xml version="1.0" encoding="utf-8"?>
-<p:sld xmlns:a="http://schemas.openxmlformats.org/drawingml/2006/main" xmlns:r="http://schemas.openxmlformats.org/officeDocument/2006/relationships" xmlns:mc="http://schemas.openxmlformats.org/markup-compatibility/2006" xmlns:mv="urn:schemas-microsoft-com:mac:vml" xmlns:p="http://schemas.openxmlformats.org/presentationml/2006/main" xmlns:c="http://schemas.openxmlformats.org/drawingml/2006/chart" xmlns:dgm="http://schemas.openxmlformats.org/drawingml/2006/diagram" xmlns:o="urn:schemas-microsoft-com:office:office" xmlns:v="urn:schemas-microsoft-com:vml" xmlns:pvml="urn:schemas-microsoft-com:office:powerpoint" xmlns:com="http://schemas.openxmlformats.org/drawingml/2006/compatibility" xmlns:p14="http://schemas.microsoft.com/office/powerpoint/2010/main">
+<p:sld xmlns:a="http://schemas.openxmlformats.org/drawingml/2006/main" xmlns:r="http://schemas.openxmlformats.org/officeDocument/2006/relationships" xmlns:p="http://schemas.openxmlformats.org/presentationml/2006/main">
   <p:cSld>
     <p:spTree>
       <p:nvGrpSpPr>
-        <p:cNvPr id="79" name="Shape 79"/>
+        <p:cNvPr id="1" name="Shape 79"/>
         <p:cNvGrpSpPr/>
         <p:nvPr/>
       </p:nvGrpSpPr>
@@ -4946,9 +5274,11 @@
       <p:sp>
         <p:nvSpPr>
           <p:cNvPr id="80" name="Shape 80"/>
-          <p:cNvSpPr txBox="1"/>
+          <p:cNvSpPr txBox="1">
+            <a:spLocks noGrp="1"/>
+          </p:cNvSpPr>
           <p:nvPr>
-            <p:ph idx="12" type="sldNum"/>
+            <p:ph type="sldNum" idx="12"/>
           </p:nvPr>
         </p:nvSpPr>
         <p:spPr>
@@ -4961,7 +5291,7 @@
           </a:prstGeom>
         </p:spPr>
         <p:txBody>
-          <a:bodyPr anchorCtr="0" anchor="ctr" bIns="91425" lIns="91425" rIns="91425" tIns="91425">
+          <a:bodyPr lIns="91425" tIns="91425" rIns="91425" bIns="91425" anchor="ctr" anchorCtr="0">
             <a:noAutofit/>
           </a:bodyPr>
           <a:lstStyle/>
@@ -4974,8 +5304,9 @@
             </a:pPr>
             <a:fld id="{00000000-1234-1234-1234-123412341234}" type="slidenum">
               <a:rPr lang="en-GB"/>
-              <a:t>‹#›</a:t>
+              <a:t>5</a:t>
             </a:fld>
+            <a:endParaRPr lang="en-GB"/>
           </a:p>
         </p:txBody>
       </p:sp>
@@ -4999,12 +5330,12 @@
           </a:ln>
         </p:spPr>
         <p:txBody>
-          <a:bodyPr anchorCtr="0" anchor="t" bIns="91425" lIns="91425" rIns="91425" tIns="91425">
+          <a:bodyPr lIns="91425" tIns="91425" rIns="91425" bIns="91425" anchor="t" anchorCtr="0">
             <a:noAutofit/>
           </a:bodyPr>
           <a:lstStyle/>
           <a:p>
-            <a:pPr indent="-355600" lvl="0" marL="457200" rtl="0">
+            <a:pPr marL="457200" lvl="0" indent="-355600" rtl="0">
               <a:lnSpc>
                 <a:spcPct val="200000"/>
               </a:lnSpc>
@@ -5015,12 +5346,12 @@
               <a:buAutoNum type="arabicPeriod" startAt="3"/>
             </a:pPr>
             <a:r>
-              <a:rPr b="1" lang="en-GB" sz="2000"/>
+              <a:rPr lang="en-GB" sz="2000" b="1"/>
               <a:t>Supported types of data storage</a:t>
             </a:r>
           </a:p>
           <a:p>
-            <a:pPr indent="-342900" lvl="1" marL="914400" rtl="0">
+            <a:pPr marL="914400" lvl="1" indent="-342900" rtl="0">
               <a:lnSpc>
                 <a:spcPct val="150000"/>
               </a:lnSpc>
@@ -5031,12 +5362,12 @@
               <a:buAutoNum type="arabicPeriod"/>
             </a:pPr>
             <a:r>
-              <a:rPr b="1" lang="en-GB" sz="1800"/>
+              <a:rPr lang="en-GB" sz="1800" b="1"/>
               <a:t>Graph storage</a:t>
             </a:r>
           </a:p>
           <a:p>
-            <a:pPr indent="-342900" lvl="1" marL="914400" rtl="0">
+            <a:pPr marL="914400" lvl="1" indent="-342900" rtl="0">
               <a:lnSpc>
                 <a:spcPct val="150000"/>
               </a:lnSpc>
@@ -5047,12 +5378,12 @@
               <a:buAutoNum type="arabicPeriod"/>
             </a:pPr>
             <a:r>
-              <a:rPr b="1" lang="en-GB" sz="1800"/>
+              <a:rPr lang="en-GB" sz="1800" b="1"/>
               <a:t>Document storage</a:t>
             </a:r>
           </a:p>
           <a:p>
-            <a:pPr indent="-342900" lvl="1" marL="914400" rtl="0">
+            <a:pPr marL="914400" lvl="1" indent="-342900" rtl="0">
               <a:lnSpc>
                 <a:spcPct val="150000"/>
               </a:lnSpc>
@@ -5063,12 +5394,12 @@
               <a:buAutoNum type="arabicPeriod"/>
             </a:pPr>
             <a:r>
-              <a:rPr b="1" lang="en-GB" sz="1800"/>
+              <a:rPr lang="en-GB" sz="1800" b="1"/>
               <a:t>Key-value storage</a:t>
             </a:r>
           </a:p>
           <a:p>
-            <a:pPr indent="-342900" lvl="1" marL="914400" rtl="0">
+            <a:pPr marL="914400" lvl="1" indent="-342900" rtl="0">
               <a:lnSpc>
                 <a:spcPct val="150000"/>
               </a:lnSpc>
@@ -5079,7 +5410,7 @@
               <a:buAutoNum type="arabicPeriod"/>
             </a:pPr>
             <a:r>
-              <a:rPr b="1" lang="en-GB" sz="1800"/>
+              <a:rPr lang="en-GB" sz="1800" b="1"/>
               <a:t>Column-oriented storage</a:t>
             </a:r>
           </a:p>
@@ -5090,15 +5421,22 @@
   <p:clrMapOvr>
     <a:masterClrMapping/>
   </p:clrMapOvr>
+  <p:timing>
+    <p:tnLst>
+      <p:par>
+        <p:cTn id="1" dur="indefinite" restart="never" nodeType="tmRoot"/>
+      </p:par>
+    </p:tnLst>
+  </p:timing>
 </p:sld>
 </file>
 
 <file path=ppt/slides/slide6.xml><?xml version="1.0" encoding="utf-8"?>
-<p:sld xmlns:a="http://schemas.openxmlformats.org/drawingml/2006/main" xmlns:r="http://schemas.openxmlformats.org/officeDocument/2006/relationships" xmlns:mc="http://schemas.openxmlformats.org/markup-compatibility/2006" xmlns:mv="urn:schemas-microsoft-com:mac:vml" xmlns:p="http://schemas.openxmlformats.org/presentationml/2006/main" xmlns:c="http://schemas.openxmlformats.org/drawingml/2006/chart" xmlns:dgm="http://schemas.openxmlformats.org/drawingml/2006/diagram" xmlns:o="urn:schemas-microsoft-com:office:office" xmlns:v="urn:schemas-microsoft-com:vml" xmlns:pvml="urn:schemas-microsoft-com:office:powerpoint" xmlns:com="http://schemas.openxmlformats.org/drawingml/2006/compatibility" xmlns:p14="http://schemas.microsoft.com/office/powerpoint/2010/main">
+<p:sld xmlns:a="http://schemas.openxmlformats.org/drawingml/2006/main" xmlns:r="http://schemas.openxmlformats.org/officeDocument/2006/relationships" xmlns:p="http://schemas.openxmlformats.org/presentationml/2006/main">
   <p:cSld>
     <p:spTree>
       <p:nvGrpSpPr>
-        <p:cNvPr id="85" name="Shape 85"/>
+        <p:cNvPr id="1" name="Shape 85"/>
         <p:cNvGrpSpPr/>
         <p:nvPr/>
       </p:nvGrpSpPr>
@@ -5118,43 +5456,39 @@
         </p:nvSpPr>
         <p:spPr>
           <a:xfrm>
-            <a:off x="524650" y="3499000"/>
+            <a:off x="524650" y="3622825"/>
             <a:ext cx="7722000" cy="1032600"/>
           </a:xfrm>
           <a:prstGeom prst="rect">
             <a:avLst/>
           </a:prstGeom>
           <a:noFill/>
-          <a:ln cap="flat" cmpd="sng" w="19050">
+          <a:ln w="19050" cap="flat" cmpd="sng">
             <a:solidFill>
               <a:srgbClr val="000000"/>
             </a:solidFill>
             <a:prstDash val="dot"/>
             <a:round/>
-            <a:headEnd len="med" w="med" type="none"/>
-            <a:tailEnd len="med" w="med" type="none"/>
+            <a:headEnd type="none" w="med" len="med"/>
+            <a:tailEnd type="none" w="med" len="med"/>
           </a:ln>
         </p:spPr>
         <p:txBody>
-          <a:bodyPr anchorCtr="0" anchor="t" bIns="91425" lIns="91425" rIns="91425" tIns="91425">
+          <a:bodyPr lIns="91425" tIns="91425" rIns="91425" bIns="91425" anchor="t" anchorCtr="0">
             <a:noAutofit/>
           </a:bodyPr>
           <a:lstStyle/>
           <a:p>
-            <a:pPr lvl="0" rtl="0" algn="ctr">
+            <a:pPr lvl="0" algn="ctr" rtl="0">
               <a:spcBef>
                 <a:spcPts val="0"/>
               </a:spcBef>
               <a:buNone/>
             </a:pPr>
             <a:r>
-              <a:rPr b="1" lang="en-GB"/>
-              <a:t>Hibernate OGM Module for Concrete</a:t>
+              <a:rPr lang="en-GB" b="1"/>
+              <a:t>Hibernate OGM Module for Concrete Storage </a:t>
             </a:r>
-            <a:r>
-              <a:rPr b="1" lang="en-GB"/>
-              <a:t> Storage </a:t>
-            </a:r>
           </a:p>
           <a:p>
             <a:pPr lvl="0" rtl="0">
@@ -5163,9 +5497,6 @@
               </a:spcBef>
               <a:buNone/>
             </a:pPr>
-            <a:r>
-              <a:t/>
-            </a:r>
             <a:endParaRPr/>
           </a:p>
         </p:txBody>
@@ -5190,12 +5521,12 @@
           </a:ln>
         </p:spPr>
         <p:txBody>
-          <a:bodyPr anchorCtr="0" anchor="t" bIns="91425" lIns="91425" rIns="91425" tIns="91425">
+          <a:bodyPr lIns="91425" tIns="91425" rIns="91425" bIns="91425" anchor="t" anchorCtr="0">
             <a:noAutofit/>
           </a:bodyPr>
           <a:lstStyle/>
           <a:p>
-            <a:pPr indent="-355600" lvl="0" marL="457200" rtl="0">
+            <a:pPr marL="457200" lvl="0" indent="-355600" rtl="0">
               <a:lnSpc>
                 <a:spcPct val="200000"/>
               </a:lnSpc>
@@ -5206,12 +5537,12 @@
               <a:buAutoNum type="arabicPeriod" startAt="3"/>
             </a:pPr>
             <a:r>
-              <a:rPr b="1" lang="en-GB" sz="2000"/>
+              <a:rPr lang="en-GB" sz="2000" b="1"/>
               <a:t>Architecture</a:t>
             </a:r>
           </a:p>
           <a:p>
-            <a:pPr indent="0" lvl="0" marL="457200" rtl="0">
+            <a:pPr marL="457200" lvl="0" indent="0" rtl="0">
               <a:lnSpc>
                 <a:spcPct val="150000"/>
               </a:lnSpc>
@@ -5220,10 +5551,7 @@
               </a:spcBef>
               <a:buNone/>
             </a:pPr>
-            <a:r>
-              <a:t/>
-            </a:r>
-            <a:endParaRPr b="1" sz="1800"/>
+            <a:endParaRPr sz="1800" b="1"/>
           </a:p>
         </p:txBody>
       </p:sp>
@@ -5235,37 +5563,37 @@
         </p:nvSpPr>
         <p:spPr>
           <a:xfrm>
-            <a:off x="5481725" y="981123"/>
+            <a:off x="5481725" y="1104948"/>
             <a:ext cx="2765100" cy="647400"/>
           </a:xfrm>
           <a:prstGeom prst="rect">
             <a:avLst/>
           </a:prstGeom>
           <a:noFill/>
-          <a:ln cap="flat" cmpd="sng" w="19050">
+          <a:ln w="19050" cap="flat" cmpd="sng">
             <a:solidFill>
               <a:srgbClr val="000000"/>
             </a:solidFill>
             <a:prstDash val="solid"/>
             <a:round/>
-            <a:headEnd len="med" w="med" type="none"/>
-            <a:tailEnd len="med" w="med" type="none"/>
+            <a:headEnd type="none" w="med" len="med"/>
+            <a:tailEnd type="none" w="med" len="med"/>
           </a:ln>
         </p:spPr>
         <p:txBody>
-          <a:bodyPr anchorCtr="0" anchor="ctr" bIns="91425" lIns="91425" rIns="91425" tIns="91425">
+          <a:bodyPr lIns="91425" tIns="91425" rIns="91425" bIns="91425" anchor="ctr" anchorCtr="0">
             <a:noAutofit/>
           </a:bodyPr>
           <a:lstStyle/>
           <a:p>
-            <a:pPr lvl="0" rtl="0" algn="ctr">
+            <a:pPr lvl="0" algn="ctr" rtl="0">
               <a:spcBef>
                 <a:spcPts val="0"/>
               </a:spcBef>
               <a:buNone/>
             </a:pPr>
             <a:r>
-              <a:rPr b="1" lang="en-GB" sz="1800"/>
+              <a:rPr lang="en-GB" sz="1800" b="1"/>
               <a:t>Hibernate ORM Core</a:t>
             </a:r>
           </a:p>
@@ -5276,9 +5604,6 @@
               </a:spcBef>
               <a:buNone/>
             </a:pPr>
-            <a:r>
-              <a:t/>
-            </a:r>
             <a:endParaRPr/>
           </a:p>
         </p:txBody>
@@ -5291,25 +5616,25 @@
         </p:nvSpPr>
         <p:spPr>
           <a:xfrm>
-            <a:off x="524850" y="927200"/>
+            <a:off x="524850" y="1051025"/>
             <a:ext cx="3627300" cy="750900"/>
           </a:xfrm>
           <a:prstGeom prst="rect">
             <a:avLst/>
           </a:prstGeom>
           <a:noFill/>
-          <a:ln cap="flat" cmpd="sng" w="19050">
+          <a:ln w="19050" cap="flat" cmpd="sng">
             <a:solidFill>
               <a:srgbClr val="000000"/>
             </a:solidFill>
             <a:prstDash val="solid"/>
             <a:round/>
-            <a:headEnd len="med" w="med" type="none"/>
-            <a:tailEnd len="med" w="med" type="none"/>
+            <a:headEnd type="none" w="med" len="med"/>
+            <a:tailEnd type="none" w="med" len="med"/>
           </a:ln>
         </p:spPr>
         <p:txBody>
-          <a:bodyPr anchorCtr="0" anchor="t" bIns="91425" lIns="91425" rIns="91425" tIns="91425">
+          <a:bodyPr lIns="91425" tIns="91425" rIns="91425" bIns="91425" anchor="t" anchorCtr="0">
             <a:noAutofit/>
           </a:bodyPr>
           <a:lstStyle/>
@@ -5380,9 +5705,6 @@
               </a:spcBef>
               <a:buNone/>
             </a:pPr>
-            <a:r>
-              <a:t/>
-            </a:r>
             <a:endParaRPr/>
           </a:p>
         </p:txBody>
@@ -5398,21 +5720,21 @@
         </p:nvCxnSpPr>
         <p:spPr>
           <a:xfrm>
-            <a:off x="4152150" y="1302650"/>
+            <a:off x="4152150" y="1426475"/>
             <a:ext cx="1329600" cy="2100"/>
           </a:xfrm>
           <a:prstGeom prst="straightConnector1">
             <a:avLst/>
           </a:prstGeom>
           <a:noFill/>
-          <a:ln cap="flat" cmpd="sng" w="28575">
+          <a:ln w="28575" cap="flat" cmpd="sng">
             <a:solidFill>
               <a:schemeClr val="dk2"/>
             </a:solidFill>
             <a:prstDash val="solid"/>
             <a:round/>
-            <a:headEnd len="lg" w="lg" type="none"/>
-            <a:tailEnd len="lg" w="lg" type="triangle"/>
+            <a:headEnd type="none" w="lg" len="lg"/>
+            <a:tailEnd type="triangle" w="lg" len="lg"/>
           </a:ln>
         </p:spPr>
       </p:cxnSp>
@@ -5424,37 +5746,37 @@
         </p:nvSpPr>
         <p:spPr>
           <a:xfrm>
-            <a:off x="524850" y="2137225"/>
+            <a:off x="524850" y="2261050"/>
             <a:ext cx="7722000" cy="647400"/>
           </a:xfrm>
           <a:prstGeom prst="rect">
             <a:avLst/>
           </a:prstGeom>
           <a:noFill/>
-          <a:ln cap="flat" cmpd="sng" w="19050">
+          <a:ln w="19050" cap="flat" cmpd="sng">
             <a:solidFill>
               <a:srgbClr val="000000"/>
             </a:solidFill>
             <a:prstDash val="solid"/>
             <a:round/>
-            <a:headEnd len="med" w="med" type="none"/>
-            <a:tailEnd len="med" w="med" type="none"/>
+            <a:headEnd type="none" w="med" len="med"/>
+            <a:tailEnd type="none" w="med" len="med"/>
           </a:ln>
         </p:spPr>
         <p:txBody>
-          <a:bodyPr anchorCtr="0" anchor="ctr" bIns="91425" lIns="91425" rIns="91425" tIns="91425">
+          <a:bodyPr lIns="91425" tIns="91425" rIns="91425" bIns="91425" anchor="ctr" anchorCtr="0">
             <a:noAutofit/>
           </a:bodyPr>
           <a:lstStyle/>
           <a:p>
-            <a:pPr lvl="0" rtl="0" algn="ctr">
+            <a:pPr lvl="0" algn="ctr" rtl="0">
               <a:spcBef>
                 <a:spcPts val="0"/>
               </a:spcBef>
               <a:buNone/>
             </a:pPr>
             <a:r>
-              <a:rPr b="1" lang="en-GB" sz="1800"/>
+              <a:rPr lang="en-GB" sz="1800" b="1"/>
               <a:t>Hibernate OGM Core</a:t>
             </a:r>
           </a:p>
@@ -5465,9 +5787,6 @@
               </a:spcBef>
               <a:buNone/>
             </a:pPr>
-            <a:r>
-              <a:t/>
-            </a:r>
             <a:endParaRPr/>
           </a:p>
         </p:txBody>
@@ -5483,23 +5802,23 @@
         </p:nvCxnSpPr>
         <p:spPr>
           <a:xfrm rot="5400000">
-            <a:off x="5370725" y="643773"/>
+            <a:off x="5370725" y="767598"/>
             <a:ext cx="508800" cy="2478300"/>
           </a:xfrm>
           <a:prstGeom prst="bentConnector3">
             <a:avLst>
-              <a:gd fmla="val 35235" name="adj1"/>
+              <a:gd name="adj1" fmla="val 35235"/>
             </a:avLst>
           </a:prstGeom>
           <a:noFill/>
-          <a:ln cap="flat" cmpd="sng" w="28575">
+          <a:ln w="28575" cap="flat" cmpd="sng">
             <a:solidFill>
               <a:schemeClr val="dk2"/>
             </a:solidFill>
             <a:prstDash val="solid"/>
             <a:round/>
-            <a:headEnd len="lg" w="lg" type="none"/>
-            <a:tailEnd len="lg" w="lg" type="triangle"/>
+            <a:headEnd type="none" w="lg" len="lg"/>
+            <a:tailEnd type="triangle" w="lg" len="lg"/>
           </a:ln>
         </p:spPr>
       </p:cxnSp>
@@ -5511,37 +5830,37 @@
         </p:nvSpPr>
         <p:spPr>
           <a:xfrm>
-            <a:off x="4502025" y="3894127"/>
+            <a:off x="4502025" y="4017952"/>
             <a:ext cx="3627300" cy="502800"/>
           </a:xfrm>
           <a:prstGeom prst="rect">
             <a:avLst/>
           </a:prstGeom>
           <a:noFill/>
-          <a:ln cap="flat" cmpd="sng" w="19050">
+          <a:ln w="19050" cap="flat" cmpd="sng">
             <a:solidFill>
               <a:srgbClr val="000000"/>
             </a:solidFill>
             <a:prstDash val="solid"/>
             <a:round/>
-            <a:headEnd len="med" w="med" type="none"/>
-            <a:tailEnd len="med" w="med" type="none"/>
+            <a:headEnd type="none" w="med" len="med"/>
+            <a:tailEnd type="none" w="med" len="med"/>
           </a:ln>
         </p:spPr>
         <p:txBody>
-          <a:bodyPr anchorCtr="0" anchor="ctr" bIns="91425" lIns="91425" rIns="91425" tIns="91425">
+          <a:bodyPr lIns="91425" tIns="91425" rIns="91425" bIns="91425" anchor="ctr" anchorCtr="0">
             <a:noAutofit/>
           </a:bodyPr>
           <a:lstStyle/>
           <a:p>
-            <a:pPr lvl="0" rtl="0" algn="ctr">
+            <a:pPr lvl="0" algn="ctr" rtl="0">
               <a:spcBef>
                 <a:spcPts val="0"/>
               </a:spcBef>
               <a:buNone/>
             </a:pPr>
             <a:r>
-              <a:rPr b="1" lang="en-GB" sz="1800"/>
+              <a:rPr lang="en-GB" sz="1800" b="1"/>
               <a:t>DatastorageProvider</a:t>
             </a:r>
           </a:p>
@@ -5552,9 +5871,6 @@
               </a:spcBef>
               <a:buNone/>
             </a:pPr>
-            <a:r>
-              <a:t/>
-            </a:r>
             <a:endParaRPr/>
           </a:p>
         </p:txBody>
@@ -5567,37 +5883,37 @@
         </p:nvSpPr>
         <p:spPr>
           <a:xfrm>
-            <a:off x="621235" y="3891125"/>
+            <a:off x="621235" y="4014950"/>
             <a:ext cx="3486600" cy="502800"/>
           </a:xfrm>
           <a:prstGeom prst="rect">
             <a:avLst/>
           </a:prstGeom>
           <a:noFill/>
-          <a:ln cap="flat" cmpd="sng" w="19050">
+          <a:ln w="19050" cap="flat" cmpd="sng">
             <a:solidFill>
               <a:srgbClr val="000000"/>
             </a:solidFill>
             <a:prstDash val="solid"/>
             <a:round/>
-            <a:headEnd len="med" w="med" type="none"/>
-            <a:tailEnd len="med" w="med" type="none"/>
+            <a:headEnd type="none" w="med" len="med"/>
+            <a:tailEnd type="none" w="med" len="med"/>
           </a:ln>
         </p:spPr>
         <p:txBody>
-          <a:bodyPr anchorCtr="0" anchor="ctr" bIns="91425" lIns="91425" rIns="91425" tIns="91425">
+          <a:bodyPr lIns="91425" tIns="91425" rIns="91425" bIns="91425" anchor="ctr" anchorCtr="0">
             <a:noAutofit/>
           </a:bodyPr>
           <a:lstStyle/>
           <a:p>
-            <a:pPr lvl="0" rtl="0" algn="ctr">
+            <a:pPr lvl="0" algn="ctr" rtl="0">
               <a:spcBef>
                 <a:spcPts val="0"/>
               </a:spcBef>
               <a:buNone/>
             </a:pPr>
             <a:r>
-              <a:rPr b="1" lang="en-GB" sz="1800"/>
+              <a:rPr lang="en-GB" sz="1800" b="1"/>
               <a:t>GridDialect</a:t>
             </a:r>
           </a:p>
@@ -5608,9 +5924,6 @@
               </a:spcBef>
               <a:buNone/>
             </a:pPr>
-            <a:r>
-              <a:t/>
-            </a:r>
             <a:endParaRPr/>
           </a:p>
         </p:txBody>
@@ -5623,21 +5936,21 @@
         </p:nvCxnSpPr>
         <p:spPr>
           <a:xfrm>
-            <a:off x="7291473" y="2793350"/>
+            <a:off x="7291473" y="2917175"/>
             <a:ext cx="0" cy="688200"/>
           </a:xfrm>
           <a:prstGeom prst="straightConnector1">
             <a:avLst/>
           </a:prstGeom>
           <a:noFill/>
-          <a:ln cap="flat" cmpd="sng" w="28575">
+          <a:ln w="28575" cap="flat" cmpd="sng">
             <a:solidFill>
               <a:schemeClr val="dk2"/>
             </a:solidFill>
             <a:prstDash val="solid"/>
             <a:round/>
-            <a:headEnd len="lg" w="lg" type="none"/>
-            <a:tailEnd len="lg" w="lg" type="triangle"/>
+            <a:headEnd type="none" w="lg" len="lg"/>
+            <a:tailEnd type="triangle" w="lg" len="lg"/>
           </a:ln>
         </p:spPr>
       </p:cxnSp>
@@ -5649,7 +5962,7 @@
         </p:nvSpPr>
         <p:spPr>
           <a:xfrm>
-            <a:off x="7297103" y="2931225"/>
+            <a:off x="7297103" y="3055050"/>
             <a:ext cx="933600" cy="326400"/>
           </a:xfrm>
           <a:prstGeom prst="rect">
@@ -5661,7 +5974,7 @@
           </a:ln>
         </p:spPr>
         <p:txBody>
-          <a:bodyPr anchorCtr="0" anchor="t" bIns="91425" lIns="91425" rIns="91425" tIns="91425">
+          <a:bodyPr lIns="91425" tIns="91425" rIns="91425" bIns="91425" anchor="t" anchorCtr="0">
             <a:noAutofit/>
           </a:bodyPr>
           <a:lstStyle/>
@@ -5687,7 +6000,7 @@
         </p:nvSpPr>
         <p:spPr>
           <a:xfrm>
-            <a:off x="572095" y="2978612"/>
+            <a:off x="572095" y="3102437"/>
             <a:ext cx="1166399" cy="326400"/>
           </a:xfrm>
           <a:prstGeom prst="rect">
@@ -5699,12 +6012,12 @@
           </a:ln>
         </p:spPr>
         <p:txBody>
-          <a:bodyPr anchorCtr="0" anchor="t" bIns="91425" lIns="91425" rIns="91425" tIns="91425">
+          <a:bodyPr lIns="91425" tIns="91425" rIns="91425" bIns="91425" anchor="t" anchorCtr="0">
             <a:noAutofit/>
           </a:bodyPr>
           <a:lstStyle/>
           <a:p>
-            <a:pPr lvl="0" rtl="0" algn="ctr">
+            <a:pPr lvl="0" algn="ctr" rtl="0">
               <a:spcBef>
                 <a:spcPts val="0"/>
               </a:spcBef>
@@ -5725,7 +6038,7 @@
         </p:nvSpPr>
         <p:spPr>
           <a:xfrm>
-            <a:off x="5028994" y="2978625"/>
+            <a:off x="5028994" y="3102450"/>
             <a:ext cx="1449300" cy="326400"/>
           </a:xfrm>
           <a:prstGeom prst="rect">
@@ -5737,12 +6050,12 @@
           </a:ln>
         </p:spPr>
         <p:txBody>
-          <a:bodyPr anchorCtr="0" anchor="t" bIns="91425" lIns="91425" rIns="91425" tIns="91425">
+          <a:bodyPr lIns="91425" tIns="91425" rIns="91425" bIns="91425" anchor="t" anchorCtr="0">
             <a:noAutofit/>
           </a:bodyPr>
           <a:lstStyle/>
           <a:p>
-            <a:pPr lvl="0" rtl="0" algn="ctr">
+            <a:pPr lvl="0" algn="ctr" rtl="0">
               <a:spcBef>
                 <a:spcPts val="0"/>
               </a:spcBef>
@@ -5763,7 +6076,7 @@
         </p:nvSpPr>
         <p:spPr>
           <a:xfrm>
-            <a:off x="2460783" y="2978625"/>
+            <a:off x="2460783" y="3102450"/>
             <a:ext cx="1354499" cy="326400"/>
           </a:xfrm>
           <a:prstGeom prst="rect">
@@ -5775,12 +6088,12 @@
           </a:ln>
         </p:spPr>
         <p:txBody>
-          <a:bodyPr anchorCtr="0" anchor="t" bIns="91425" lIns="91425" rIns="91425" tIns="91425">
+          <a:bodyPr lIns="91425" tIns="91425" rIns="91425" bIns="91425" anchor="t" anchorCtr="0">
             <a:noAutofit/>
           </a:bodyPr>
           <a:lstStyle/>
           <a:p>
-            <a:pPr lvl="0" rtl="0" algn="ctr">
+            <a:pPr lvl="0" algn="ctr" rtl="0">
               <a:spcBef>
                 <a:spcPts val="0"/>
               </a:spcBef>
@@ -5796,9 +6109,11 @@
       <p:sp>
         <p:nvSpPr>
           <p:cNvPr id="100" name="Shape 100"/>
-          <p:cNvSpPr txBox="1"/>
+          <p:cNvSpPr txBox="1">
+            <a:spLocks noGrp="1"/>
+          </p:cNvSpPr>
           <p:nvPr>
-            <p:ph idx="12" type="sldNum"/>
+            <p:ph type="sldNum" idx="12"/>
           </p:nvPr>
         </p:nvSpPr>
         <p:spPr>
@@ -5811,7 +6126,7 @@
           </a:prstGeom>
         </p:spPr>
         <p:txBody>
-          <a:bodyPr anchorCtr="0" anchor="ctr" bIns="91425" lIns="91425" rIns="91425" tIns="91425">
+          <a:bodyPr lIns="91425" tIns="91425" rIns="91425" bIns="91425" anchor="ctr" anchorCtr="0">
             <a:noAutofit/>
           </a:bodyPr>
           <a:lstStyle/>
@@ -5824,8 +6139,9 @@
             </a:pPr>
             <a:fld id="{00000000-1234-1234-1234-123412341234}" type="slidenum">
               <a:rPr lang="en-GB"/>
-              <a:t>‹#›</a:t>
+              <a:t>6</a:t>
             </a:fld>
+            <a:endParaRPr lang="en-GB"/>
           </a:p>
         </p:txBody>
       </p:sp>
@@ -5837,21 +6153,21 @@
         </p:nvCxnSpPr>
         <p:spPr>
           <a:xfrm>
-            <a:off x="553170" y="2777320"/>
+            <a:off x="553170" y="2901145"/>
             <a:ext cx="0" cy="688199"/>
           </a:xfrm>
           <a:prstGeom prst="straightConnector1">
             <a:avLst/>
           </a:prstGeom>
           <a:noFill/>
-          <a:ln cap="flat" cmpd="sng" w="28575">
+          <a:ln w="28575" cap="flat" cmpd="sng">
             <a:solidFill>
               <a:schemeClr val="dk2"/>
             </a:solidFill>
             <a:prstDash val="solid"/>
             <a:round/>
-            <a:headEnd len="lg" w="lg" type="none"/>
-            <a:tailEnd len="lg" w="lg" type="triangle"/>
+            <a:headEnd type="none" w="lg" len="lg"/>
+            <a:tailEnd type="triangle" w="lg" len="lg"/>
           </a:ln>
         </p:spPr>
       </p:cxnSp>
@@ -5863,21 +6179,21 @@
         </p:nvCxnSpPr>
         <p:spPr>
           <a:xfrm>
-            <a:off x="5040719" y="2797712"/>
+            <a:off x="5040719" y="2921537"/>
             <a:ext cx="0" cy="688200"/>
           </a:xfrm>
           <a:prstGeom prst="straightConnector1">
             <a:avLst/>
           </a:prstGeom>
           <a:noFill/>
-          <a:ln cap="flat" cmpd="sng" w="28575">
+          <a:ln w="28575" cap="flat" cmpd="sng">
             <a:solidFill>
               <a:schemeClr val="dk2"/>
             </a:solidFill>
             <a:prstDash val="solid"/>
             <a:round/>
-            <a:headEnd len="lg" w="lg" type="triangle"/>
-            <a:tailEnd len="lg" w="lg" type="triangle"/>
+            <a:headEnd type="triangle" w="lg" len="lg"/>
+            <a:tailEnd type="triangle" w="lg" len="lg"/>
           </a:ln>
         </p:spPr>
       </p:cxnSp>
@@ -5889,21 +6205,21 @@
         </p:nvCxnSpPr>
         <p:spPr>
           <a:xfrm>
-            <a:off x="2495070" y="2795569"/>
+            <a:off x="2495070" y="2919394"/>
             <a:ext cx="0" cy="688200"/>
           </a:xfrm>
           <a:prstGeom prst="straightConnector1">
             <a:avLst/>
           </a:prstGeom>
           <a:noFill/>
-          <a:ln cap="flat" cmpd="sng" w="28575">
+          <a:ln w="28575" cap="flat" cmpd="sng">
             <a:solidFill>
               <a:schemeClr val="dk2"/>
             </a:solidFill>
             <a:prstDash val="solid"/>
             <a:round/>
-            <a:headEnd len="lg" w="lg" type="triangle"/>
-            <a:tailEnd len="lg" w="lg" type="triangle"/>
+            <a:headEnd type="triangle" w="lg" len="lg"/>
+            <a:tailEnd type="triangle" w="lg" len="lg"/>
           </a:ln>
         </p:spPr>
       </p:cxnSp>
@@ -5912,15 +6228,22 @@
   <p:clrMapOvr>
     <a:masterClrMapping/>
   </p:clrMapOvr>
+  <p:timing>
+    <p:tnLst>
+      <p:par>
+        <p:cTn id="1" dur="indefinite" restart="never" nodeType="tmRoot"/>
+      </p:par>
+    </p:tnLst>
+  </p:timing>
 </p:sld>
 </file>
 
 <file path=ppt/slides/slide7.xml><?xml version="1.0" encoding="utf-8"?>
-<p:sld xmlns:a="http://schemas.openxmlformats.org/drawingml/2006/main" xmlns:r="http://schemas.openxmlformats.org/officeDocument/2006/relationships" xmlns:mc="http://schemas.openxmlformats.org/markup-compatibility/2006" xmlns:mv="urn:schemas-microsoft-com:mac:vml" xmlns:p="http://schemas.openxmlformats.org/presentationml/2006/main" xmlns:c="http://schemas.openxmlformats.org/drawingml/2006/chart" xmlns:dgm="http://schemas.openxmlformats.org/drawingml/2006/diagram" xmlns:o="urn:schemas-microsoft-com:office:office" xmlns:v="urn:schemas-microsoft-com:vml" xmlns:pvml="urn:schemas-microsoft-com:office:powerpoint" xmlns:com="http://schemas.openxmlformats.org/drawingml/2006/compatibility" xmlns:p14="http://schemas.microsoft.com/office/powerpoint/2010/main">
+<p:sld xmlns:a="http://schemas.openxmlformats.org/drawingml/2006/main" xmlns:r="http://schemas.openxmlformats.org/officeDocument/2006/relationships" xmlns:p="http://schemas.openxmlformats.org/presentationml/2006/main">
   <p:cSld>
     <p:spTree>
       <p:nvGrpSpPr>
-        <p:cNvPr id="107" name="Shape 107"/>
+        <p:cNvPr id="1" name="Shape 107"/>
         <p:cNvGrpSpPr/>
         <p:nvPr/>
       </p:nvGrpSpPr>
@@ -5952,7 +6275,7 @@
           </a:ln>
         </p:spPr>
         <p:txBody>
-          <a:bodyPr anchorCtr="0" anchor="t" bIns="91425" lIns="91425" rIns="91425" tIns="91425">
+          <a:bodyPr lIns="91425" tIns="91425" rIns="91425" bIns="91425" anchor="t" anchorCtr="0">
             <a:noAutofit/>
           </a:bodyPr>
           <a:lstStyle/>
@@ -5964,7 +6287,7 @@
               <a:buNone/>
             </a:pPr>
             <a:r>
-              <a:rPr b="1" lang="en-GB" sz="4800"/>
+              <a:rPr lang="en-GB" sz="4800" b="1"/>
               <a:t>Q&amp;A</a:t>
             </a:r>
           </a:p>
@@ -5973,9 +6296,11 @@
       <p:sp>
         <p:nvSpPr>
           <p:cNvPr id="109" name="Shape 109"/>
-          <p:cNvSpPr txBox="1"/>
+          <p:cNvSpPr txBox="1">
+            <a:spLocks noGrp="1"/>
+          </p:cNvSpPr>
           <p:nvPr>
-            <p:ph idx="12" type="sldNum"/>
+            <p:ph type="sldNum" idx="12"/>
           </p:nvPr>
         </p:nvSpPr>
         <p:spPr>
@@ -5988,7 +6313,7 @@
           </a:prstGeom>
         </p:spPr>
         <p:txBody>
-          <a:bodyPr anchorCtr="0" anchor="ctr" bIns="91425" lIns="91425" rIns="91425" tIns="91425">
+          <a:bodyPr lIns="91425" tIns="91425" rIns="91425" bIns="91425" anchor="ctr" anchorCtr="0">
             <a:noAutofit/>
           </a:bodyPr>
           <a:lstStyle/>
@@ -6001,8 +6326,9 @@
             </a:pPr>
             <a:fld id="{00000000-1234-1234-1234-123412341234}" type="slidenum">
               <a:rPr lang="en-GB"/>
-              <a:t>‹#›</a:t>
+              <a:t>7</a:t>
             </a:fld>
+            <a:endParaRPr lang="en-GB"/>
           </a:p>
         </p:txBody>
       </p:sp>
@@ -6011,11 +6337,18 @@
   <p:clrMapOvr>
     <a:masterClrMapping/>
   </p:clrMapOvr>
+  <p:timing>
+    <p:tnLst>
+      <p:par>
+        <p:cTn id="1" dur="indefinite" restart="never" nodeType="tmRoot"/>
+      </p:par>
+    </p:tnLst>
+  </p:timing>
 </p:sld>
 </file>
 
 <file path=ppt/theme/theme1.xml><?xml version="1.0" encoding="utf-8"?>
-<a:theme xmlns:a="http://schemas.openxmlformats.org/drawingml/2006/main" xmlns:r="http://schemas.openxmlformats.org/officeDocument/2006/relationships" name="simple-light-2">
+<a:theme xmlns:a="http://schemas.openxmlformats.org/drawingml/2006/main" name="simple-light-2">
   <a:themeElements>
     <a:clrScheme name="Simple Light">
       <a:dk1>
@@ -6290,11 +6623,13 @@
       </a:bgFillStyleLst>
     </a:fmtScheme>
   </a:themeElements>
+  <a:objectDefaults/>
+  <a:extraClrSchemeLst/>
 </a:theme>
 </file>
 
 <file path=ppt/theme/theme2.xml><?xml version="1.0" encoding="utf-8"?>
-<a:theme xmlns:a="http://schemas.openxmlformats.org/drawingml/2006/main" xmlns:r="http://schemas.openxmlformats.org/officeDocument/2006/relationships" name="Custom Theme">
+<a:theme xmlns:a="http://schemas.openxmlformats.org/drawingml/2006/main" name="Custom Theme">
   <a:themeElements>
     <a:clrScheme name="Default">
       <a:dk1>
@@ -6569,5 +6904,7 @@
       </a:bgFillStyleLst>
     </a:fmtScheme>
   </a:themeElements>
+  <a:objectDefaults/>
+  <a:extraClrSchemeLst/>
 </a:theme>
 </file>
--- a/presentation/jpoint2017.pptx
+++ b/presentation/jpoint2017.pptx
@@ -5,7 +5,7 @@
     <p:sldMasterId id="2147483659" r:id="rId1"/>
   </p:sldMasterIdLst>
   <p:notesMasterIdLst>
-    <p:notesMasterId r:id="rId9"/>
+    <p:notesMasterId r:id="rId12"/>
   </p:notesMasterIdLst>
   <p:sldIdLst>
     <p:sldId id="256" r:id="rId2"/>
@@ -13,8 +13,11 @@
     <p:sldId id="258" r:id="rId4"/>
     <p:sldId id="259" r:id="rId5"/>
     <p:sldId id="260" r:id="rId6"/>
-    <p:sldId id="261" r:id="rId7"/>
-    <p:sldId id="262" r:id="rId8"/>
+    <p:sldId id="263" r:id="rId7"/>
+    <p:sldId id="264" r:id="rId8"/>
+    <p:sldId id="261" r:id="rId9"/>
+    <p:sldId id="265" r:id="rId10"/>
+    <p:sldId id="262" r:id="rId11"/>
   </p:sldIdLst>
   <p:sldSz cx="9144000" cy="5143500" type="screen16x9"/>
   <p:notesSz cx="6858000" cy="9144000"/>
@@ -220,6 +223,11 @@
       </a:defRPr>
     </a:lvl9pPr>
   </p:defaultTextStyle>
+  <p:extLst>
+    <p:ext uri="{EFAFB233-063F-42B5-8137-9DF3F51BA10A}">
+      <p15:sldGuideLst xmlns:p15="http://schemas.microsoft.com/office/powerpoint/2012/main"/>
+    </p:ext>
+  </p:extLst>
 </p:presentation>
 </file>
 
@@ -591,6 +599,112 @@
 </p:notes>
 </file>
 
+<file path=ppt/notesSlides/notesSlide10.xml><?xml version="1.0" encoding="utf-8"?>
+<p:notes xmlns:a="http://schemas.openxmlformats.org/drawingml/2006/main" xmlns:r="http://schemas.openxmlformats.org/officeDocument/2006/relationships" xmlns:p="http://schemas.openxmlformats.org/presentationml/2006/main" showMasterSp="0" showMasterPhAnim="0">
+  <p:cSld>
+    <p:spTree>
+      <p:nvGrpSpPr>
+        <p:cNvPr id="1" name="Shape 104"/>
+        <p:cNvGrpSpPr/>
+        <p:nvPr/>
+      </p:nvGrpSpPr>
+      <p:grpSpPr>
+        <a:xfrm>
+          <a:off x="0" y="0"/>
+          <a:ext cx="0" cy="0"/>
+          <a:chOff x="0" y="0"/>
+          <a:chExt cx="0" cy="0"/>
+        </a:xfrm>
+      </p:grpSpPr>
+      <p:sp>
+        <p:nvSpPr>
+          <p:cNvPr id="105" name="Shape 105"/>
+          <p:cNvSpPr>
+            <a:spLocks noGrp="1" noRot="1" noChangeAspect="1"/>
+          </p:cNvSpPr>
+          <p:nvPr>
+            <p:ph type="sldImg" idx="2"/>
+          </p:nvPr>
+        </p:nvSpPr>
+        <p:spPr>
+          <a:xfrm>
+            <a:off x="381000" y="685800"/>
+            <a:ext cx="6096000" cy="3429000"/>
+          </a:xfrm>
+          <a:custGeom>
+            <a:avLst/>
+            <a:gdLst/>
+            <a:ahLst/>
+            <a:cxnLst/>
+            <a:rect l="0" t="0" r="0" b="0"/>
+            <a:pathLst>
+              <a:path w="120000" h="120000" extrusionOk="0">
+                <a:moveTo>
+                  <a:pt x="0" y="0"/>
+                </a:moveTo>
+                <a:lnTo>
+                  <a:pt x="120000" y="0"/>
+                </a:lnTo>
+                <a:lnTo>
+                  <a:pt x="120000" y="120000"/>
+                </a:lnTo>
+                <a:lnTo>
+                  <a:pt x="0" y="120000"/>
+                </a:lnTo>
+                <a:close/>
+              </a:path>
+            </a:pathLst>
+          </a:custGeom>
+        </p:spPr>
+      </p:sp>
+      <p:sp>
+        <p:nvSpPr>
+          <p:cNvPr id="106" name="Shape 106"/>
+          <p:cNvSpPr txBox="1">
+            <a:spLocks noGrp="1"/>
+          </p:cNvSpPr>
+          <p:nvPr>
+            <p:ph type="body" idx="1"/>
+          </p:nvPr>
+        </p:nvSpPr>
+        <p:spPr>
+          <a:xfrm>
+            <a:off x="685800" y="4343400"/>
+            <a:ext cx="5486400" cy="4114800"/>
+          </a:xfrm>
+          <a:prstGeom prst="rect">
+            <a:avLst/>
+          </a:prstGeom>
+        </p:spPr>
+        <p:txBody>
+          <a:bodyPr lIns="91425" tIns="91425" rIns="91425" bIns="91425" anchor="t" anchorCtr="0">
+            <a:noAutofit/>
+          </a:bodyPr>
+          <a:lstStyle/>
+          <a:p>
+            <a:pPr lvl="0">
+              <a:spcBef>
+                <a:spcPts val="0"/>
+              </a:spcBef>
+              <a:buNone/>
+            </a:pPr>
+            <a:endParaRPr/>
+          </a:p>
+        </p:txBody>
+      </p:sp>
+    </p:spTree>
+    <p:extLst>
+      <p:ext uri="{BB962C8B-B14F-4D97-AF65-F5344CB8AC3E}">
+        <p14:creationId xmlns:p14="http://schemas.microsoft.com/office/powerpoint/2010/main" val="423073409"/>
+      </p:ext>
+    </p:extLst>
+  </p:cSld>
+  <p:clrMapOvr>
+    <a:masterClrMapping/>
+  </p:clrMapOvr>
+</p:notes>
+</file>
+
 <file path=ppt/notesSlides/notesSlide2.xml><?xml version="1.0" encoding="utf-8"?>
 <p:notes xmlns:a="http://schemas.openxmlformats.org/drawingml/2006/main" xmlns:r="http://schemas.openxmlformats.org/officeDocument/2006/relationships" xmlns:p="http://schemas.openxmlformats.org/presentationml/2006/main" showMasterSp="0" showMasterPhAnim="0">
   <p:cSld>
@@ -1089,7 +1203,7 @@
   <p:cSld>
     <p:spTree>
       <p:nvGrpSpPr>
-        <p:cNvPr id="1" name="Shape 82"/>
+        <p:cNvPr id="1" name="Shape 76"/>
         <p:cNvGrpSpPr/>
         <p:nvPr/>
       </p:nvGrpSpPr>
@@ -1103,7 +1217,7 @@
       </p:grpSpPr>
       <p:sp>
         <p:nvSpPr>
-          <p:cNvPr id="83" name="Shape 83"/>
+          <p:cNvPr id="77" name="Shape 77"/>
           <p:cNvSpPr>
             <a:spLocks noGrp="1" noRot="1" noChangeAspect="1"/>
           </p:cNvSpPr>
@@ -1144,7 +1258,7 @@
       </p:sp>
       <p:sp>
         <p:nvSpPr>
-          <p:cNvPr id="84" name="Shape 84"/>
+          <p:cNvPr id="78" name="Shape 78"/>
           <p:cNvSpPr txBox="1">
             <a:spLocks noGrp="1"/>
           </p:cNvSpPr>
@@ -1167,7 +1281,7 @@
           </a:bodyPr>
           <a:lstStyle/>
           <a:p>
-            <a:pPr lvl="0" rtl="0">
+            <a:pPr lvl="0">
               <a:spcBef>
                 <a:spcPts val="0"/>
               </a:spcBef>
@@ -1175,7 +1289,7 @@
             </a:pPr>
             <a:r>
               <a:rPr lang="en-GB"/>
-              <a:t>Image with architecture of HIbernate OGM</a:t>
+              <a:t>Talk about how each type store data </a:t>
             </a:r>
           </a:p>
         </p:txBody>
@@ -1183,7 +1297,7 @@
     </p:spTree>
     <p:extLst>
       <p:ext uri="{BB962C8B-B14F-4D97-AF65-F5344CB8AC3E}">
-        <p14:creationId xmlns:p14="http://schemas.microsoft.com/office/powerpoint/2010/main" val="936217032"/>
+        <p14:creationId xmlns:p14="http://schemas.microsoft.com/office/powerpoint/2010/main" val="2868767192"/>
       </p:ext>
     </p:extLst>
   </p:cSld>
@@ -1198,7 +1312,7 @@
   <p:cSld>
     <p:spTree>
       <p:nvGrpSpPr>
-        <p:cNvPr id="1" name="Shape 104"/>
+        <p:cNvPr id="1" name="Shape 76"/>
         <p:cNvGrpSpPr/>
         <p:nvPr/>
       </p:nvGrpSpPr>
@@ -1212,7 +1326,7 @@
       </p:grpSpPr>
       <p:sp>
         <p:nvSpPr>
-          <p:cNvPr id="105" name="Shape 105"/>
+          <p:cNvPr id="77" name="Shape 77"/>
           <p:cNvSpPr>
             <a:spLocks noGrp="1" noRot="1" noChangeAspect="1"/>
           </p:cNvSpPr>
@@ -1222,7 +1336,7 @@
         </p:nvSpPr>
         <p:spPr>
           <a:xfrm>
-            <a:off x="381300" y="685800"/>
+            <a:off x="381000" y="685800"/>
             <a:ext cx="6096000" cy="3429000"/>
           </a:xfrm>
           <a:custGeom>
@@ -1253,7 +1367,7 @@
       </p:sp>
       <p:sp>
         <p:nvSpPr>
-          <p:cNvPr id="106" name="Shape 106"/>
+          <p:cNvPr id="78" name="Shape 78"/>
           <p:cNvSpPr txBox="1">
             <a:spLocks noGrp="1"/>
           </p:cNvSpPr>
@@ -1282,14 +1396,235 @@
               </a:spcBef>
               <a:buNone/>
             </a:pPr>
-            <a:endParaRPr/>
+            <a:r>
+              <a:rPr lang="en-GB"/>
+              <a:t>Talk about how each type store data </a:t>
+            </a:r>
           </a:p>
         </p:txBody>
       </p:sp>
     </p:spTree>
     <p:extLst>
       <p:ext uri="{BB962C8B-B14F-4D97-AF65-F5344CB8AC3E}">
-        <p14:creationId xmlns:p14="http://schemas.microsoft.com/office/powerpoint/2010/main" val="423073409"/>
+        <p14:creationId xmlns:p14="http://schemas.microsoft.com/office/powerpoint/2010/main" val="4222113696"/>
+      </p:ext>
+    </p:extLst>
+  </p:cSld>
+  <p:clrMapOvr>
+    <a:masterClrMapping/>
+  </p:clrMapOvr>
+</p:notes>
+</file>
+
+<file path=ppt/notesSlides/notesSlide8.xml><?xml version="1.0" encoding="utf-8"?>
+<p:notes xmlns:a="http://schemas.openxmlformats.org/drawingml/2006/main" xmlns:r="http://schemas.openxmlformats.org/officeDocument/2006/relationships" xmlns:p="http://schemas.openxmlformats.org/presentationml/2006/main" showMasterSp="0" showMasterPhAnim="0">
+  <p:cSld>
+    <p:spTree>
+      <p:nvGrpSpPr>
+        <p:cNvPr id="1" name="Shape 82"/>
+        <p:cNvGrpSpPr/>
+        <p:nvPr/>
+      </p:nvGrpSpPr>
+      <p:grpSpPr>
+        <a:xfrm>
+          <a:off x="0" y="0"/>
+          <a:ext cx="0" cy="0"/>
+          <a:chOff x="0" y="0"/>
+          <a:chExt cx="0" cy="0"/>
+        </a:xfrm>
+      </p:grpSpPr>
+      <p:sp>
+        <p:nvSpPr>
+          <p:cNvPr id="83" name="Shape 83"/>
+          <p:cNvSpPr>
+            <a:spLocks noGrp="1" noRot="1" noChangeAspect="1"/>
+          </p:cNvSpPr>
+          <p:nvPr>
+            <p:ph type="sldImg" idx="2"/>
+          </p:nvPr>
+        </p:nvSpPr>
+        <p:spPr>
+          <a:xfrm>
+            <a:off x="381000" y="685800"/>
+            <a:ext cx="6096000" cy="3429000"/>
+          </a:xfrm>
+          <a:custGeom>
+            <a:avLst/>
+            <a:gdLst/>
+            <a:ahLst/>
+            <a:cxnLst/>
+            <a:rect l="0" t="0" r="0" b="0"/>
+            <a:pathLst>
+              <a:path w="120000" h="120000" extrusionOk="0">
+                <a:moveTo>
+                  <a:pt x="0" y="0"/>
+                </a:moveTo>
+                <a:lnTo>
+                  <a:pt x="120000" y="0"/>
+                </a:lnTo>
+                <a:lnTo>
+                  <a:pt x="120000" y="120000"/>
+                </a:lnTo>
+                <a:lnTo>
+                  <a:pt x="0" y="120000"/>
+                </a:lnTo>
+                <a:close/>
+              </a:path>
+            </a:pathLst>
+          </a:custGeom>
+        </p:spPr>
+      </p:sp>
+      <p:sp>
+        <p:nvSpPr>
+          <p:cNvPr id="84" name="Shape 84"/>
+          <p:cNvSpPr txBox="1">
+            <a:spLocks noGrp="1"/>
+          </p:cNvSpPr>
+          <p:nvPr>
+            <p:ph type="body" idx="1"/>
+          </p:nvPr>
+        </p:nvSpPr>
+        <p:spPr>
+          <a:xfrm>
+            <a:off x="685800" y="4343400"/>
+            <a:ext cx="5486400" cy="4114800"/>
+          </a:xfrm>
+          <a:prstGeom prst="rect">
+            <a:avLst/>
+          </a:prstGeom>
+        </p:spPr>
+        <p:txBody>
+          <a:bodyPr lIns="91425" tIns="91425" rIns="91425" bIns="91425" anchor="t" anchorCtr="0">
+            <a:noAutofit/>
+          </a:bodyPr>
+          <a:lstStyle/>
+          <a:p>
+            <a:pPr lvl="0" rtl="0">
+              <a:spcBef>
+                <a:spcPts val="0"/>
+              </a:spcBef>
+              <a:buNone/>
+            </a:pPr>
+            <a:r>
+              <a:rPr lang="en-GB"/>
+              <a:t>Image with architecture of HIbernate OGM</a:t>
+            </a:r>
+          </a:p>
+        </p:txBody>
+      </p:sp>
+    </p:spTree>
+    <p:extLst>
+      <p:ext uri="{BB962C8B-B14F-4D97-AF65-F5344CB8AC3E}">
+        <p14:creationId xmlns:p14="http://schemas.microsoft.com/office/powerpoint/2010/main" val="936217032"/>
+      </p:ext>
+    </p:extLst>
+  </p:cSld>
+  <p:clrMapOvr>
+    <a:masterClrMapping/>
+  </p:clrMapOvr>
+</p:notes>
+</file>
+
+<file path=ppt/notesSlides/notesSlide9.xml><?xml version="1.0" encoding="utf-8"?>
+<p:notes xmlns:a="http://schemas.openxmlformats.org/drawingml/2006/main" xmlns:r="http://schemas.openxmlformats.org/officeDocument/2006/relationships" xmlns:p="http://schemas.openxmlformats.org/presentationml/2006/main" showMasterSp="0" showMasterPhAnim="0">
+  <p:cSld>
+    <p:spTree>
+      <p:nvGrpSpPr>
+        <p:cNvPr id="1" name="Shape 76"/>
+        <p:cNvGrpSpPr/>
+        <p:nvPr/>
+      </p:nvGrpSpPr>
+      <p:grpSpPr>
+        <a:xfrm>
+          <a:off x="0" y="0"/>
+          <a:ext cx="0" cy="0"/>
+          <a:chOff x="0" y="0"/>
+          <a:chExt cx="0" cy="0"/>
+        </a:xfrm>
+      </p:grpSpPr>
+      <p:sp>
+        <p:nvSpPr>
+          <p:cNvPr id="77" name="Shape 77"/>
+          <p:cNvSpPr>
+            <a:spLocks noGrp="1" noRot="1" noChangeAspect="1"/>
+          </p:cNvSpPr>
+          <p:nvPr>
+            <p:ph type="sldImg" idx="2"/>
+          </p:nvPr>
+        </p:nvSpPr>
+        <p:spPr>
+          <a:xfrm>
+            <a:off x="381000" y="685800"/>
+            <a:ext cx="6096000" cy="3429000"/>
+          </a:xfrm>
+          <a:custGeom>
+            <a:avLst/>
+            <a:gdLst/>
+            <a:ahLst/>
+            <a:cxnLst/>
+            <a:rect l="0" t="0" r="0" b="0"/>
+            <a:pathLst>
+              <a:path w="120000" h="120000" extrusionOk="0">
+                <a:moveTo>
+                  <a:pt x="0" y="0"/>
+                </a:moveTo>
+                <a:lnTo>
+                  <a:pt x="120000" y="0"/>
+                </a:lnTo>
+                <a:lnTo>
+                  <a:pt x="120000" y="120000"/>
+                </a:lnTo>
+                <a:lnTo>
+                  <a:pt x="0" y="120000"/>
+                </a:lnTo>
+                <a:close/>
+              </a:path>
+            </a:pathLst>
+          </a:custGeom>
+        </p:spPr>
+      </p:sp>
+      <p:sp>
+        <p:nvSpPr>
+          <p:cNvPr id="78" name="Shape 78"/>
+          <p:cNvSpPr txBox="1">
+            <a:spLocks noGrp="1"/>
+          </p:cNvSpPr>
+          <p:nvPr>
+            <p:ph type="body" idx="1"/>
+          </p:nvPr>
+        </p:nvSpPr>
+        <p:spPr>
+          <a:xfrm>
+            <a:off x="685800" y="4343400"/>
+            <a:ext cx="5486400" cy="4114800"/>
+          </a:xfrm>
+          <a:prstGeom prst="rect">
+            <a:avLst/>
+          </a:prstGeom>
+        </p:spPr>
+        <p:txBody>
+          <a:bodyPr lIns="91425" tIns="91425" rIns="91425" bIns="91425" anchor="t" anchorCtr="0">
+            <a:noAutofit/>
+          </a:bodyPr>
+          <a:lstStyle/>
+          <a:p>
+            <a:pPr lvl="0">
+              <a:spcBef>
+                <a:spcPts val="0"/>
+              </a:spcBef>
+              <a:buNone/>
+            </a:pPr>
+            <a:r>
+              <a:rPr lang="en-GB"/>
+              <a:t>Talk about how each type store data </a:t>
+            </a:r>
+          </a:p>
+        </p:txBody>
+      </p:sp>
+    </p:spTree>
+    <p:extLst>
+      <p:ext uri="{BB962C8B-B14F-4D97-AF65-F5344CB8AC3E}">
+        <p14:creationId xmlns:p14="http://schemas.microsoft.com/office/powerpoint/2010/main" val="4260200067"/>
       </p:ext>
     </p:extLst>
   </p:cSld>
@@ -4777,6 +5112,115 @@
 </p:sld>
 </file>
 
+<file path=ppt/slides/slide10.xml><?xml version="1.0" encoding="utf-8"?>
+<p:sld xmlns:a="http://schemas.openxmlformats.org/drawingml/2006/main" xmlns:r="http://schemas.openxmlformats.org/officeDocument/2006/relationships" xmlns:p="http://schemas.openxmlformats.org/presentationml/2006/main">
+  <p:cSld>
+    <p:spTree>
+      <p:nvGrpSpPr>
+        <p:cNvPr id="1" name="Shape 107"/>
+        <p:cNvGrpSpPr/>
+        <p:nvPr/>
+      </p:nvGrpSpPr>
+      <p:grpSpPr>
+        <a:xfrm>
+          <a:off x="0" y="0"/>
+          <a:ext cx="0" cy="0"/>
+          <a:chOff x="0" y="0"/>
+          <a:chExt cx="0" cy="0"/>
+        </a:xfrm>
+      </p:grpSpPr>
+      <p:sp>
+        <p:nvSpPr>
+          <p:cNvPr id="108" name="Shape 108"/>
+          <p:cNvSpPr txBox="1"/>
+          <p:nvPr/>
+        </p:nvSpPr>
+        <p:spPr>
+          <a:xfrm>
+            <a:off x="3738150" y="2181000"/>
+            <a:ext cx="1667700" cy="781500"/>
+          </a:xfrm>
+          <a:prstGeom prst="rect">
+            <a:avLst/>
+          </a:prstGeom>
+          <a:noFill/>
+          <a:ln>
+            <a:noFill/>
+          </a:ln>
+        </p:spPr>
+        <p:txBody>
+          <a:bodyPr lIns="91425" tIns="91425" rIns="91425" bIns="91425" anchor="t" anchorCtr="0">
+            <a:noAutofit/>
+          </a:bodyPr>
+          <a:lstStyle/>
+          <a:p>
+            <a:pPr lvl="0">
+              <a:spcBef>
+                <a:spcPts val="0"/>
+              </a:spcBef>
+              <a:buNone/>
+            </a:pPr>
+            <a:r>
+              <a:rPr lang="en-GB" sz="4800" b="1"/>
+              <a:t>Q&amp;A</a:t>
+            </a:r>
+          </a:p>
+        </p:txBody>
+      </p:sp>
+      <p:sp>
+        <p:nvSpPr>
+          <p:cNvPr id="109" name="Shape 109"/>
+          <p:cNvSpPr txBox="1">
+            <a:spLocks noGrp="1"/>
+          </p:cNvSpPr>
+          <p:nvPr>
+            <p:ph type="sldNum" idx="12"/>
+          </p:nvPr>
+        </p:nvSpPr>
+        <p:spPr>
+          <a:xfrm>
+            <a:off x="8472457" y="4663216"/>
+            <a:ext cx="548700" cy="393600"/>
+          </a:xfrm>
+          <a:prstGeom prst="rect">
+            <a:avLst/>
+          </a:prstGeom>
+        </p:spPr>
+        <p:txBody>
+          <a:bodyPr lIns="91425" tIns="91425" rIns="91425" bIns="91425" anchor="ctr" anchorCtr="0">
+            <a:noAutofit/>
+          </a:bodyPr>
+          <a:lstStyle/>
+          <a:p>
+            <a:pPr lvl="0">
+              <a:spcBef>
+                <a:spcPts val="0"/>
+              </a:spcBef>
+              <a:buNone/>
+            </a:pPr>
+            <a:fld id="{00000000-1234-1234-1234-123412341234}" type="slidenum">
+              <a:rPr lang="en-GB"/>
+              <a:t>10</a:t>
+            </a:fld>
+            <a:endParaRPr lang="en-GB"/>
+          </a:p>
+        </p:txBody>
+      </p:sp>
+    </p:spTree>
+  </p:cSld>
+  <p:clrMapOvr>
+    <a:masterClrMapping/>
+  </p:clrMapOvr>
+  <p:timing>
+    <p:tnLst>
+      <p:par>
+        <p:cTn id="1" dur="indefinite" restart="never" nodeType="tmRoot"/>
+      </p:par>
+    </p:tnLst>
+  </p:timing>
+</p:sld>
+</file>
+
 <file path=ppt/slides/slide2.xml><?xml version="1.0" encoding="utf-8"?>
 <p:sld xmlns:a="http://schemas.openxmlformats.org/drawingml/2006/main" xmlns:r="http://schemas.openxmlformats.org/officeDocument/2006/relationships" xmlns:p="http://schemas.openxmlformats.org/presentationml/2006/main">
   <p:cSld>
@@ -5436,7 +5880,7 @@
   <p:cSld>
     <p:spTree>
       <p:nvGrpSpPr>
-        <p:cNvPr id="1" name="Shape 85"/>
+        <p:cNvPr id="1" name="Shape 79"/>
         <p:cNvGrpSpPr/>
         <p:nvPr/>
       </p:nvGrpSpPr>
@@ -5450,665 +5894,7 @@
       </p:grpSpPr>
       <p:sp>
         <p:nvSpPr>
-          <p:cNvPr id="86" name="Shape 86"/>
-          <p:cNvSpPr txBox="1"/>
-          <p:nvPr/>
-        </p:nvSpPr>
-        <p:spPr>
-          <a:xfrm>
-            <a:off x="524650" y="3622825"/>
-            <a:ext cx="7722000" cy="1032600"/>
-          </a:xfrm>
-          <a:prstGeom prst="rect">
-            <a:avLst/>
-          </a:prstGeom>
-          <a:noFill/>
-          <a:ln w="19050" cap="flat" cmpd="sng">
-            <a:solidFill>
-              <a:srgbClr val="000000"/>
-            </a:solidFill>
-            <a:prstDash val="dot"/>
-            <a:round/>
-            <a:headEnd type="none" w="med" len="med"/>
-            <a:tailEnd type="none" w="med" len="med"/>
-          </a:ln>
-        </p:spPr>
-        <p:txBody>
-          <a:bodyPr lIns="91425" tIns="91425" rIns="91425" bIns="91425" anchor="t" anchorCtr="0">
-            <a:noAutofit/>
-          </a:bodyPr>
-          <a:lstStyle/>
-          <a:p>
-            <a:pPr lvl="0" algn="ctr" rtl="0">
-              <a:spcBef>
-                <a:spcPts val="0"/>
-              </a:spcBef>
-              <a:buNone/>
-            </a:pPr>
-            <a:r>
-              <a:rPr lang="en-GB" b="1"/>
-              <a:t>Hibernate OGM Module for Concrete Storage </a:t>
-            </a:r>
-          </a:p>
-          <a:p>
-            <a:pPr lvl="0" rtl="0">
-              <a:spcBef>
-                <a:spcPts val="0"/>
-              </a:spcBef>
-              <a:buNone/>
-            </a:pPr>
-            <a:endParaRPr/>
-          </a:p>
-        </p:txBody>
-      </p:sp>
-      <p:sp>
-        <p:nvSpPr>
-          <p:cNvPr id="87" name="Shape 87"/>
-          <p:cNvSpPr txBox="1"/>
-          <p:nvPr/>
-        </p:nvSpPr>
-        <p:spPr>
-          <a:xfrm>
-            <a:off x="524850" y="431550"/>
-            <a:ext cx="8117700" cy="559800"/>
-          </a:xfrm>
-          <a:prstGeom prst="rect">
-            <a:avLst/>
-          </a:prstGeom>
-          <a:noFill/>
-          <a:ln>
-            <a:noFill/>
-          </a:ln>
-        </p:spPr>
-        <p:txBody>
-          <a:bodyPr lIns="91425" tIns="91425" rIns="91425" bIns="91425" anchor="t" anchorCtr="0">
-            <a:noAutofit/>
-          </a:bodyPr>
-          <a:lstStyle/>
-          <a:p>
-            <a:pPr marL="457200" lvl="0" indent="-355600" rtl="0">
-              <a:lnSpc>
-                <a:spcPct val="200000"/>
-              </a:lnSpc>
-              <a:spcBef>
-                <a:spcPts val="0"/>
-              </a:spcBef>
-              <a:buSzPct val="100000"/>
-              <a:buAutoNum type="arabicPeriod" startAt="3"/>
-            </a:pPr>
-            <a:r>
-              <a:rPr lang="en-GB" sz="2000" b="1"/>
-              <a:t>Architecture</a:t>
-            </a:r>
-          </a:p>
-          <a:p>
-            <a:pPr marL="457200" lvl="0" indent="0" rtl="0">
-              <a:lnSpc>
-                <a:spcPct val="150000"/>
-              </a:lnSpc>
-              <a:spcBef>
-                <a:spcPts val="0"/>
-              </a:spcBef>
-              <a:buNone/>
-            </a:pPr>
-            <a:endParaRPr sz="1800" b="1"/>
-          </a:p>
-        </p:txBody>
-      </p:sp>
-      <p:sp>
-        <p:nvSpPr>
-          <p:cNvPr id="88" name="Shape 88"/>
-          <p:cNvSpPr txBox="1"/>
-          <p:nvPr/>
-        </p:nvSpPr>
-        <p:spPr>
-          <a:xfrm>
-            <a:off x="5481725" y="1104948"/>
-            <a:ext cx="2765100" cy="647400"/>
-          </a:xfrm>
-          <a:prstGeom prst="rect">
-            <a:avLst/>
-          </a:prstGeom>
-          <a:noFill/>
-          <a:ln w="19050" cap="flat" cmpd="sng">
-            <a:solidFill>
-              <a:srgbClr val="000000"/>
-            </a:solidFill>
-            <a:prstDash val="solid"/>
-            <a:round/>
-            <a:headEnd type="none" w="med" len="med"/>
-            <a:tailEnd type="none" w="med" len="med"/>
-          </a:ln>
-        </p:spPr>
-        <p:txBody>
-          <a:bodyPr lIns="91425" tIns="91425" rIns="91425" bIns="91425" anchor="ctr" anchorCtr="0">
-            <a:noAutofit/>
-          </a:bodyPr>
-          <a:lstStyle/>
-          <a:p>
-            <a:pPr lvl="0" algn="ctr" rtl="0">
-              <a:spcBef>
-                <a:spcPts val="0"/>
-              </a:spcBef>
-              <a:buNone/>
-            </a:pPr>
-            <a:r>
-              <a:rPr lang="en-GB" sz="1800" b="1"/>
-              <a:t>Hibernate ORM Core</a:t>
-            </a:r>
-          </a:p>
-          <a:p>
-            <a:pPr lvl="0" rtl="0">
-              <a:spcBef>
-                <a:spcPts val="0"/>
-              </a:spcBef>
-              <a:buNone/>
-            </a:pPr>
-            <a:endParaRPr/>
-          </a:p>
-        </p:txBody>
-      </p:sp>
-      <p:sp>
-        <p:nvSpPr>
-          <p:cNvPr id="89" name="Shape 89"/>
-          <p:cNvSpPr txBox="1"/>
-          <p:nvPr/>
-        </p:nvSpPr>
-        <p:spPr>
-          <a:xfrm>
-            <a:off x="524850" y="1051025"/>
-            <a:ext cx="3627300" cy="750900"/>
-          </a:xfrm>
-          <a:prstGeom prst="rect">
-            <a:avLst/>
-          </a:prstGeom>
-          <a:noFill/>
-          <a:ln w="19050" cap="flat" cmpd="sng">
-            <a:solidFill>
-              <a:srgbClr val="000000"/>
-            </a:solidFill>
-            <a:prstDash val="solid"/>
-            <a:round/>
-            <a:headEnd type="none" w="med" len="med"/>
-            <a:tailEnd type="none" w="med" len="med"/>
-          </a:ln>
-        </p:spPr>
-        <p:txBody>
-          <a:bodyPr lIns="91425" tIns="91425" rIns="91425" bIns="91425" anchor="t" anchorCtr="0">
-            <a:noAutofit/>
-          </a:bodyPr>
-          <a:lstStyle/>
-          <a:p>
-            <a:pPr lvl="0">
-              <a:spcBef>
-                <a:spcPts val="0"/>
-              </a:spcBef>
-              <a:buClr>
-                <a:schemeClr val="dk1"/>
-              </a:buClr>
-              <a:buFont typeface="Arial"/>
-              <a:buNone/>
-            </a:pPr>
-            <a:r>
-              <a:rPr lang="en-GB"/>
-              <a:t>em.getTransaction().begin();</a:t>
-            </a:r>
-          </a:p>
-          <a:p>
-            <a:pPr lvl="0">
-              <a:spcBef>
-                <a:spcPts val="0"/>
-              </a:spcBef>
-              <a:buClr>
-                <a:schemeClr val="dk1"/>
-              </a:buClr>
-              <a:buFont typeface="Arial"/>
-              <a:buNone/>
-            </a:pPr>
-            <a:r>
-              <a:rPr lang="en-GB"/>
-              <a:t>em.persist(</a:t>
-            </a:r>
-            <a:r>
-              <a:rPr lang="en-GB">
-                <a:solidFill>
-                  <a:schemeClr val="dk1"/>
-                </a:solidFill>
-              </a:rPr>
-              <a:t>new Person("name1")</a:t>
-            </a:r>
-            <a:r>
-              <a:rPr lang="en-GB"/>
-              <a:t>);</a:t>
-            </a:r>
-          </a:p>
-          <a:p>
-            <a:pPr lvl="0">
-              <a:spcBef>
-                <a:spcPts val="0"/>
-              </a:spcBef>
-              <a:buClr>
-                <a:schemeClr val="dk1"/>
-              </a:buClr>
-              <a:buFont typeface="Arial"/>
-              <a:buNone/>
-            </a:pPr>
-            <a:r>
-              <a:rPr lang="en-GB"/>
-              <a:t>em.getTransaction().commit();</a:t>
-            </a:r>
-          </a:p>
-          <a:p>
-            <a:pPr lvl="0">
-              <a:spcBef>
-                <a:spcPts val="0"/>
-              </a:spcBef>
-              <a:buNone/>
-            </a:pPr>
-            <a:endParaRPr/>
-          </a:p>
-        </p:txBody>
-      </p:sp>
-      <p:cxnSp>
-        <p:nvCxnSpPr>
-          <p:cNvPr id="90" name="Shape 90"/>
-          <p:cNvCxnSpPr>
-            <a:stCxn id="89" idx="3"/>
-            <a:endCxn id="88" idx="1"/>
-          </p:cNvCxnSpPr>
-          <p:nvPr/>
-        </p:nvCxnSpPr>
-        <p:spPr>
-          <a:xfrm>
-            <a:off x="4152150" y="1426475"/>
-            <a:ext cx="1329600" cy="2100"/>
-          </a:xfrm>
-          <a:prstGeom prst="straightConnector1">
-            <a:avLst/>
-          </a:prstGeom>
-          <a:noFill/>
-          <a:ln w="28575" cap="flat" cmpd="sng">
-            <a:solidFill>
-              <a:schemeClr val="dk2"/>
-            </a:solidFill>
-            <a:prstDash val="solid"/>
-            <a:round/>
-            <a:headEnd type="none" w="lg" len="lg"/>
-            <a:tailEnd type="triangle" w="lg" len="lg"/>
-          </a:ln>
-        </p:spPr>
-      </p:cxnSp>
-      <p:sp>
-        <p:nvSpPr>
-          <p:cNvPr id="91" name="Shape 91"/>
-          <p:cNvSpPr txBox="1"/>
-          <p:nvPr/>
-        </p:nvSpPr>
-        <p:spPr>
-          <a:xfrm>
-            <a:off x="524850" y="2261050"/>
-            <a:ext cx="7722000" cy="647400"/>
-          </a:xfrm>
-          <a:prstGeom prst="rect">
-            <a:avLst/>
-          </a:prstGeom>
-          <a:noFill/>
-          <a:ln w="19050" cap="flat" cmpd="sng">
-            <a:solidFill>
-              <a:srgbClr val="000000"/>
-            </a:solidFill>
-            <a:prstDash val="solid"/>
-            <a:round/>
-            <a:headEnd type="none" w="med" len="med"/>
-            <a:tailEnd type="none" w="med" len="med"/>
-          </a:ln>
-        </p:spPr>
-        <p:txBody>
-          <a:bodyPr lIns="91425" tIns="91425" rIns="91425" bIns="91425" anchor="ctr" anchorCtr="0">
-            <a:noAutofit/>
-          </a:bodyPr>
-          <a:lstStyle/>
-          <a:p>
-            <a:pPr lvl="0" algn="ctr" rtl="0">
-              <a:spcBef>
-                <a:spcPts val="0"/>
-              </a:spcBef>
-              <a:buNone/>
-            </a:pPr>
-            <a:r>
-              <a:rPr lang="en-GB" sz="1800" b="1"/>
-              <a:t>Hibernate OGM Core</a:t>
-            </a:r>
-          </a:p>
-          <a:p>
-            <a:pPr lvl="0" rtl="0">
-              <a:spcBef>
-                <a:spcPts val="0"/>
-              </a:spcBef>
-              <a:buNone/>
-            </a:pPr>
-            <a:endParaRPr/>
-          </a:p>
-        </p:txBody>
-      </p:sp>
-      <p:cxnSp>
-        <p:nvCxnSpPr>
-          <p:cNvPr id="92" name="Shape 92"/>
-          <p:cNvCxnSpPr>
-            <a:stCxn id="88" idx="2"/>
-            <a:endCxn id="91" idx="0"/>
-          </p:cNvCxnSpPr>
-          <p:nvPr/>
-        </p:nvCxnSpPr>
-        <p:spPr>
-          <a:xfrm rot="5400000">
-            <a:off x="5370725" y="767598"/>
-            <a:ext cx="508800" cy="2478300"/>
-          </a:xfrm>
-          <a:prstGeom prst="bentConnector3">
-            <a:avLst>
-              <a:gd name="adj1" fmla="val 35235"/>
-            </a:avLst>
-          </a:prstGeom>
-          <a:noFill/>
-          <a:ln w="28575" cap="flat" cmpd="sng">
-            <a:solidFill>
-              <a:schemeClr val="dk2"/>
-            </a:solidFill>
-            <a:prstDash val="solid"/>
-            <a:round/>
-            <a:headEnd type="none" w="lg" len="lg"/>
-            <a:tailEnd type="triangle" w="lg" len="lg"/>
-          </a:ln>
-        </p:spPr>
-      </p:cxnSp>
-      <p:sp>
-        <p:nvSpPr>
-          <p:cNvPr id="93" name="Shape 93"/>
-          <p:cNvSpPr txBox="1"/>
-          <p:nvPr/>
-        </p:nvSpPr>
-        <p:spPr>
-          <a:xfrm>
-            <a:off x="4502025" y="4017952"/>
-            <a:ext cx="3627300" cy="502800"/>
-          </a:xfrm>
-          <a:prstGeom prst="rect">
-            <a:avLst/>
-          </a:prstGeom>
-          <a:noFill/>
-          <a:ln w="19050" cap="flat" cmpd="sng">
-            <a:solidFill>
-              <a:srgbClr val="000000"/>
-            </a:solidFill>
-            <a:prstDash val="solid"/>
-            <a:round/>
-            <a:headEnd type="none" w="med" len="med"/>
-            <a:tailEnd type="none" w="med" len="med"/>
-          </a:ln>
-        </p:spPr>
-        <p:txBody>
-          <a:bodyPr lIns="91425" tIns="91425" rIns="91425" bIns="91425" anchor="ctr" anchorCtr="0">
-            <a:noAutofit/>
-          </a:bodyPr>
-          <a:lstStyle/>
-          <a:p>
-            <a:pPr lvl="0" algn="ctr" rtl="0">
-              <a:spcBef>
-                <a:spcPts val="0"/>
-              </a:spcBef>
-              <a:buNone/>
-            </a:pPr>
-            <a:r>
-              <a:rPr lang="en-GB" sz="1800" b="1"/>
-              <a:t>DatastorageProvider</a:t>
-            </a:r>
-          </a:p>
-          <a:p>
-            <a:pPr lvl="0" rtl="0">
-              <a:spcBef>
-                <a:spcPts val="0"/>
-              </a:spcBef>
-              <a:buNone/>
-            </a:pPr>
-            <a:endParaRPr/>
-          </a:p>
-        </p:txBody>
-      </p:sp>
-      <p:sp>
-        <p:nvSpPr>
-          <p:cNvPr id="94" name="Shape 94"/>
-          <p:cNvSpPr txBox="1"/>
-          <p:nvPr/>
-        </p:nvSpPr>
-        <p:spPr>
-          <a:xfrm>
-            <a:off x="621235" y="4014950"/>
-            <a:ext cx="3486600" cy="502800"/>
-          </a:xfrm>
-          <a:prstGeom prst="rect">
-            <a:avLst/>
-          </a:prstGeom>
-          <a:noFill/>
-          <a:ln w="19050" cap="flat" cmpd="sng">
-            <a:solidFill>
-              <a:srgbClr val="000000"/>
-            </a:solidFill>
-            <a:prstDash val="solid"/>
-            <a:round/>
-            <a:headEnd type="none" w="med" len="med"/>
-            <a:tailEnd type="none" w="med" len="med"/>
-          </a:ln>
-        </p:spPr>
-        <p:txBody>
-          <a:bodyPr lIns="91425" tIns="91425" rIns="91425" bIns="91425" anchor="ctr" anchorCtr="0">
-            <a:noAutofit/>
-          </a:bodyPr>
-          <a:lstStyle/>
-          <a:p>
-            <a:pPr lvl="0" algn="ctr" rtl="0">
-              <a:spcBef>
-                <a:spcPts val="0"/>
-              </a:spcBef>
-              <a:buNone/>
-            </a:pPr>
-            <a:r>
-              <a:rPr lang="en-GB" sz="1800" b="1"/>
-              <a:t>GridDialect</a:t>
-            </a:r>
-          </a:p>
-          <a:p>
-            <a:pPr lvl="0" rtl="0">
-              <a:spcBef>
-                <a:spcPts val="0"/>
-              </a:spcBef>
-              <a:buNone/>
-            </a:pPr>
-            <a:endParaRPr/>
-          </a:p>
-        </p:txBody>
-      </p:sp>
-      <p:cxnSp>
-        <p:nvCxnSpPr>
-          <p:cNvPr id="95" name="Shape 95"/>
-          <p:cNvCxnSpPr/>
-          <p:nvPr/>
-        </p:nvCxnSpPr>
-        <p:spPr>
-          <a:xfrm>
-            <a:off x="7291473" y="2917175"/>
-            <a:ext cx="0" cy="688200"/>
-          </a:xfrm>
-          <a:prstGeom prst="straightConnector1">
-            <a:avLst/>
-          </a:prstGeom>
-          <a:noFill/>
-          <a:ln w="28575" cap="flat" cmpd="sng">
-            <a:solidFill>
-              <a:schemeClr val="dk2"/>
-            </a:solidFill>
-            <a:prstDash val="solid"/>
-            <a:round/>
-            <a:headEnd type="none" w="lg" len="lg"/>
-            <a:tailEnd type="triangle" w="lg" len="lg"/>
-          </a:ln>
-        </p:spPr>
-      </p:cxnSp>
-      <p:sp>
-        <p:nvSpPr>
-          <p:cNvPr id="96" name="Shape 96"/>
-          <p:cNvSpPr txBox="1"/>
-          <p:nvPr/>
-        </p:nvSpPr>
-        <p:spPr>
-          <a:xfrm>
-            <a:off x="7297103" y="3055050"/>
-            <a:ext cx="933600" cy="326400"/>
-          </a:xfrm>
-          <a:prstGeom prst="rect">
-            <a:avLst/>
-          </a:prstGeom>
-          <a:noFill/>
-          <a:ln>
-            <a:noFill/>
-          </a:ln>
-        </p:spPr>
-        <p:txBody>
-          <a:bodyPr lIns="91425" tIns="91425" rIns="91425" bIns="91425" anchor="t" anchorCtr="0">
-            <a:noAutofit/>
-          </a:bodyPr>
-          <a:lstStyle/>
-          <a:p>
-            <a:pPr lvl="0" algn="ctr">
-              <a:spcBef>
-                <a:spcPts val="0"/>
-              </a:spcBef>
-              <a:buNone/>
-            </a:pPr>
-            <a:r>
-              <a:rPr lang="en-GB"/>
-              <a:t>1.begin()</a:t>
-            </a:r>
-          </a:p>
-        </p:txBody>
-      </p:sp>
-      <p:sp>
-        <p:nvSpPr>
-          <p:cNvPr id="97" name="Shape 97"/>
-          <p:cNvSpPr txBox="1"/>
-          <p:nvPr/>
-        </p:nvSpPr>
-        <p:spPr>
-          <a:xfrm>
-            <a:off x="572095" y="3102437"/>
-            <a:ext cx="1166399" cy="326400"/>
-          </a:xfrm>
-          <a:prstGeom prst="rect">
-            <a:avLst/>
-          </a:prstGeom>
-          <a:noFill/>
-          <a:ln>
-            <a:noFill/>
-          </a:ln>
-        </p:spPr>
-        <p:txBody>
-          <a:bodyPr lIns="91425" tIns="91425" rIns="91425" bIns="91425" anchor="t" anchorCtr="0">
-            <a:noAutofit/>
-          </a:bodyPr>
-          <a:lstStyle/>
-          <a:p>
-            <a:pPr lvl="0" algn="ctr" rtl="0">
-              <a:spcBef>
-                <a:spcPts val="0"/>
-              </a:spcBef>
-              <a:buNone/>
-            </a:pPr>
-            <a:r>
-              <a:rPr lang="en-GB"/>
-              <a:t>4.commit()</a:t>
-            </a:r>
-          </a:p>
-        </p:txBody>
-      </p:sp>
-      <p:sp>
-        <p:nvSpPr>
-          <p:cNvPr id="98" name="Shape 98"/>
-          <p:cNvSpPr txBox="1"/>
-          <p:nvPr/>
-        </p:nvSpPr>
-        <p:spPr>
-          <a:xfrm>
-            <a:off x="5028994" y="3102450"/>
-            <a:ext cx="1449300" cy="326400"/>
-          </a:xfrm>
-          <a:prstGeom prst="rect">
-            <a:avLst/>
-          </a:prstGeom>
-          <a:noFill/>
-          <a:ln>
-            <a:noFill/>
-          </a:ln>
-        </p:spPr>
-        <p:txBody>
-          <a:bodyPr lIns="91425" tIns="91425" rIns="91425" bIns="91425" anchor="t" anchorCtr="0">
-            <a:noAutofit/>
-          </a:bodyPr>
-          <a:lstStyle/>
-          <a:p>
-            <a:pPr lvl="0" algn="ctr" rtl="0">
-              <a:spcBef>
-                <a:spcPts val="0"/>
-              </a:spcBef>
-              <a:buNone/>
-            </a:pPr>
-            <a:r>
-              <a:rPr lang="en-GB"/>
-              <a:t>2.createTuple()</a:t>
-            </a:r>
-          </a:p>
-        </p:txBody>
-      </p:sp>
-      <p:sp>
-        <p:nvSpPr>
-          <p:cNvPr id="99" name="Shape 99"/>
-          <p:cNvSpPr txBox="1"/>
-          <p:nvPr/>
-        </p:nvSpPr>
-        <p:spPr>
-          <a:xfrm>
-            <a:off x="2460783" y="3102450"/>
-            <a:ext cx="1354499" cy="326400"/>
-          </a:xfrm>
-          <a:prstGeom prst="rect">
-            <a:avLst/>
-          </a:prstGeom>
-          <a:noFill/>
-          <a:ln>
-            <a:noFill/>
-          </a:ln>
-        </p:spPr>
-        <p:txBody>
-          <a:bodyPr lIns="91425" tIns="91425" rIns="91425" bIns="91425" anchor="t" anchorCtr="0">
-            <a:noAutofit/>
-          </a:bodyPr>
-          <a:lstStyle/>
-          <a:p>
-            <a:pPr lvl="0" algn="ctr" rtl="0">
-              <a:spcBef>
-                <a:spcPts val="0"/>
-              </a:spcBef>
-              <a:buNone/>
-            </a:pPr>
-            <a:r>
-              <a:rPr lang="en-GB"/>
-              <a:t>3.insertTuple()</a:t>
-            </a:r>
-          </a:p>
-        </p:txBody>
-      </p:sp>
-      <p:sp>
-        <p:nvSpPr>
-          <p:cNvPr id="100" name="Shape 100"/>
+          <p:cNvPr id="80" name="Shape 80"/>
           <p:cNvSpPr txBox="1">
             <a:spLocks noGrp="1"/>
           </p:cNvSpPr>
@@ -6145,85 +5931,203 @@
           </a:p>
         </p:txBody>
       </p:sp>
-      <p:cxnSp>
-        <p:nvCxnSpPr>
-          <p:cNvPr id="101" name="Shape 101"/>
-          <p:cNvCxnSpPr/>
+      <p:sp>
+        <p:nvSpPr>
+          <p:cNvPr id="81" name="Shape 81"/>
+          <p:cNvSpPr txBox="1"/>
           <p:nvPr/>
-        </p:nvCxnSpPr>
-        <p:spPr>
-          <a:xfrm>
-            <a:off x="553170" y="2901145"/>
-            <a:ext cx="0" cy="688199"/>
-          </a:xfrm>
-          <a:prstGeom prst="straightConnector1">
+        </p:nvSpPr>
+        <p:spPr>
+          <a:xfrm>
+            <a:off x="524850" y="431550"/>
+            <a:ext cx="8117700" cy="4150724"/>
+          </a:xfrm>
+          <a:prstGeom prst="rect">
             <a:avLst/>
           </a:prstGeom>
           <a:noFill/>
-          <a:ln w="28575" cap="flat" cmpd="sng">
-            <a:solidFill>
-              <a:schemeClr val="dk2"/>
-            </a:solidFill>
-            <a:prstDash val="solid"/>
-            <a:round/>
-            <a:headEnd type="none" w="lg" len="lg"/>
-            <a:tailEnd type="triangle" w="lg" len="lg"/>
+          <a:ln>
+            <a:noFill/>
           </a:ln>
         </p:spPr>
-      </p:cxnSp>
-      <p:cxnSp>
-        <p:nvCxnSpPr>
-          <p:cNvPr id="102" name="Shape 102"/>
-          <p:cNvCxnSpPr/>
-          <p:nvPr/>
-        </p:nvCxnSpPr>
-        <p:spPr>
-          <a:xfrm>
-            <a:off x="5040719" y="2921537"/>
-            <a:ext cx="0" cy="688200"/>
-          </a:xfrm>
-          <a:prstGeom prst="straightConnector1">
-            <a:avLst/>
-          </a:prstGeom>
-          <a:noFill/>
-          <a:ln w="28575" cap="flat" cmpd="sng">
-            <a:solidFill>
-              <a:schemeClr val="dk2"/>
-            </a:solidFill>
-            <a:prstDash val="solid"/>
-            <a:round/>
-            <a:headEnd type="triangle" w="lg" len="lg"/>
-            <a:tailEnd type="triangle" w="lg" len="lg"/>
-          </a:ln>
-        </p:spPr>
-      </p:cxnSp>
-      <p:cxnSp>
-        <p:nvCxnSpPr>
-          <p:cNvPr id="103" name="Shape 103"/>
-          <p:cNvCxnSpPr/>
-          <p:nvPr/>
-        </p:nvCxnSpPr>
-        <p:spPr>
-          <a:xfrm>
-            <a:off x="2495070" y="2919394"/>
-            <a:ext cx="0" cy="688200"/>
-          </a:xfrm>
-          <a:prstGeom prst="straightConnector1">
-            <a:avLst/>
-          </a:prstGeom>
-          <a:noFill/>
-          <a:ln w="28575" cap="flat" cmpd="sng">
-            <a:solidFill>
-              <a:schemeClr val="dk2"/>
-            </a:solidFill>
-            <a:prstDash val="solid"/>
-            <a:round/>
-            <a:headEnd type="triangle" w="lg" len="lg"/>
-            <a:tailEnd type="triangle" w="lg" len="lg"/>
-          </a:ln>
-        </p:spPr>
-      </p:cxnSp>
+        <p:txBody>
+          <a:bodyPr lIns="91425" tIns="91425" rIns="91425" bIns="91425" numCol="1" anchor="t" anchorCtr="0">
+            <a:noAutofit/>
+          </a:bodyPr>
+          <a:lstStyle/>
+          <a:p>
+            <a:pPr marL="558800" lvl="1" indent="-457200">
+              <a:lnSpc>
+                <a:spcPct val="200000"/>
+              </a:lnSpc>
+              <a:buSzPct val="100000"/>
+              <a:buFont typeface="+mj-lt"/>
+              <a:buAutoNum type="arabicPeriod" startAt="4"/>
+            </a:pPr>
+            <a:r>
+              <a:rPr lang="en-GB" sz="2000" b="1" dirty="0"/>
+              <a:t>Supported </a:t>
+            </a:r>
+            <a:r>
+              <a:rPr lang="en-GB" sz="2000" b="1" dirty="0" smtClean="0"/>
+              <a:t>storages</a:t>
+            </a:r>
+            <a:endParaRPr lang="en-GB" sz="2000" b="1" dirty="0"/>
+          </a:p>
+          <a:p>
+            <a:pPr marL="914400" lvl="2" indent="-342900">
+              <a:lnSpc>
+                <a:spcPct val="150000"/>
+              </a:lnSpc>
+              <a:buSzPct val="100000"/>
+              <a:buFontTx/>
+              <a:buAutoNum type="arabicPeriod"/>
+            </a:pPr>
+            <a:r>
+              <a:rPr lang="en-GB" sz="1800" b="1" dirty="0" err="1" smtClean="0"/>
+              <a:t>Infispinian</a:t>
+            </a:r>
+            <a:r>
+              <a:rPr lang="en-GB" sz="1800" b="1" dirty="0" smtClean="0"/>
+              <a:t>, </a:t>
+            </a:r>
+            <a:r>
+              <a:rPr lang="en-GB" sz="1800" b="1" dirty="0" err="1" smtClean="0"/>
+              <a:t>Ehcache</a:t>
+            </a:r>
+            <a:r>
+              <a:rPr lang="en-GB" sz="1800" b="1" dirty="0" smtClean="0"/>
+              <a:t>,</a:t>
+            </a:r>
+            <a:r>
+              <a:rPr lang="en-GB" sz="1800" b="1" dirty="0"/>
+              <a:t> </a:t>
+            </a:r>
+            <a:r>
+              <a:rPr lang="en-GB" sz="1800" b="1" dirty="0" err="1"/>
+              <a:t>Redis</a:t>
+            </a:r>
+            <a:r>
+              <a:rPr lang="en-GB" sz="1800" b="1" dirty="0"/>
+              <a:t>(Experimental)</a:t>
+            </a:r>
+          </a:p>
+          <a:p>
+            <a:pPr marL="914400" lvl="2" indent="-342900">
+              <a:lnSpc>
+                <a:spcPct val="150000"/>
+              </a:lnSpc>
+              <a:buSzPct val="100000"/>
+              <a:buFontTx/>
+              <a:buAutoNum type="arabicPeriod"/>
+            </a:pPr>
+            <a:r>
+              <a:rPr lang="en-GB" sz="1800" b="1" dirty="0" smtClean="0"/>
+              <a:t>MongoDB</a:t>
+            </a:r>
+            <a:r>
+              <a:rPr lang="en-GB" sz="1800" b="1" dirty="0"/>
+              <a:t>, </a:t>
+            </a:r>
+            <a:r>
+              <a:rPr lang="en-GB" sz="1800" b="1" dirty="0" err="1" smtClean="0"/>
+              <a:t>CouchDB</a:t>
+            </a:r>
+            <a:r>
+              <a:rPr lang="en-GB" sz="1800" b="1" dirty="0" smtClean="0"/>
+              <a:t>(Experimental</a:t>
+            </a:r>
+            <a:r>
+              <a:rPr lang="en-GB" sz="1800" b="1" dirty="0"/>
+              <a:t>)</a:t>
+            </a:r>
+          </a:p>
+          <a:p>
+            <a:pPr marL="914400" lvl="2" indent="-342900">
+              <a:lnSpc>
+                <a:spcPct val="150000"/>
+              </a:lnSpc>
+              <a:buSzPct val="100000"/>
+              <a:buAutoNum type="arabicPeriod"/>
+            </a:pPr>
+            <a:r>
+              <a:rPr lang="en-GB" sz="1800" b="1" dirty="0" smtClean="0"/>
+              <a:t>Neo4j</a:t>
+            </a:r>
+          </a:p>
+          <a:p>
+            <a:pPr marL="914400" lvl="2" indent="-342900">
+              <a:lnSpc>
+                <a:spcPct val="150000"/>
+              </a:lnSpc>
+              <a:buSzPct val="100000"/>
+              <a:buAutoNum type="arabicPeriod"/>
+            </a:pPr>
+            <a:r>
+              <a:rPr lang="en-GB" sz="1800" b="1" dirty="0" smtClean="0"/>
+              <a:t>Cassandra(experimental)</a:t>
+            </a:r>
+          </a:p>
+          <a:p>
+            <a:pPr marL="914400" lvl="2" indent="-342900">
+              <a:lnSpc>
+                <a:spcPct val="150000"/>
+              </a:lnSpc>
+              <a:buSzPct val="100000"/>
+              <a:buAutoNum type="arabicPeriod"/>
+            </a:pPr>
+            <a:r>
+              <a:rPr lang="en-GB" sz="1800" i="1" dirty="0" err="1" smtClean="0"/>
+              <a:t>OrientDB</a:t>
+            </a:r>
+            <a:r>
+              <a:rPr lang="ru-RU" sz="1800" i="1" dirty="0" smtClean="0"/>
+              <a:t> (</a:t>
+            </a:r>
+            <a:r>
+              <a:rPr lang="en-US" sz="1800" i="1" dirty="0"/>
+              <a:t>preparing to release</a:t>
+            </a:r>
+            <a:r>
+              <a:rPr lang="ru-RU" sz="1800" i="1" dirty="0" smtClean="0"/>
+              <a:t>)</a:t>
+            </a:r>
+            <a:endParaRPr lang="en-GB" sz="1800" i="1" dirty="0" smtClean="0"/>
+          </a:p>
+          <a:p>
+            <a:pPr marL="914400" lvl="2" indent="-342900">
+              <a:lnSpc>
+                <a:spcPct val="150000"/>
+              </a:lnSpc>
+              <a:buSzPct val="100000"/>
+              <a:buAutoNum type="arabicPeriod"/>
+            </a:pPr>
+            <a:r>
+              <a:rPr lang="en-GB" sz="1800" i="1" dirty="0" smtClean="0"/>
+              <a:t>Apache Ignite</a:t>
+            </a:r>
+            <a:r>
+              <a:rPr lang="ru-RU" sz="1800" i="1" dirty="0" smtClean="0"/>
+              <a:t> (</a:t>
+            </a:r>
+            <a:r>
+              <a:rPr lang="en-US" sz="1800" i="1" dirty="0"/>
+              <a:t>preparing to release</a:t>
+            </a:r>
+            <a:r>
+              <a:rPr lang="ru-RU" sz="1800" i="1" dirty="0" smtClean="0"/>
+              <a:t>)</a:t>
+            </a:r>
+            <a:endParaRPr lang="en-GB" sz="1800" i="1" dirty="0"/>
+          </a:p>
+        </p:txBody>
+      </p:sp>
     </p:spTree>
+    <p:extLst>
+      <p:ext uri="{BB962C8B-B14F-4D97-AF65-F5344CB8AC3E}">
+        <p14:creationId xmlns:p14="http://schemas.microsoft.com/office/powerpoint/2010/main" val="985386761"/>
+      </p:ext>
+    </p:extLst>
   </p:cSld>
   <p:clrMapOvr>
     <a:masterClrMapping/>
@@ -6243,7 +6147,7 @@
   <p:cSld>
     <p:spTree>
       <p:nvGrpSpPr>
-        <p:cNvPr id="1" name="Shape 107"/>
+        <p:cNvPr id="1" name="Shape 79"/>
         <p:cNvGrpSpPr/>
         <p:nvPr/>
       </p:nvGrpSpPr>
@@ -6257,45 +6161,7 @@
       </p:grpSpPr>
       <p:sp>
         <p:nvSpPr>
-          <p:cNvPr id="108" name="Shape 108"/>
-          <p:cNvSpPr txBox="1"/>
-          <p:nvPr/>
-        </p:nvSpPr>
-        <p:spPr>
-          <a:xfrm>
-            <a:off x="3738150" y="2181000"/>
-            <a:ext cx="1667700" cy="781500"/>
-          </a:xfrm>
-          <a:prstGeom prst="rect">
-            <a:avLst/>
-          </a:prstGeom>
-          <a:noFill/>
-          <a:ln>
-            <a:noFill/>
-          </a:ln>
-        </p:spPr>
-        <p:txBody>
-          <a:bodyPr lIns="91425" tIns="91425" rIns="91425" bIns="91425" anchor="t" anchorCtr="0">
-            <a:noAutofit/>
-          </a:bodyPr>
-          <a:lstStyle/>
-          <a:p>
-            <a:pPr lvl="0">
-              <a:spcBef>
-                <a:spcPts val="0"/>
-              </a:spcBef>
-              <a:buNone/>
-            </a:pPr>
-            <a:r>
-              <a:rPr lang="en-GB" sz="4800" b="1"/>
-              <a:t>Q&amp;A</a:t>
-            </a:r>
-          </a:p>
-        </p:txBody>
-      </p:sp>
-      <p:sp>
-        <p:nvSpPr>
-          <p:cNvPr id="109" name="Shape 109"/>
+          <p:cNvPr id="80" name="Shape 80"/>
           <p:cNvSpPr txBox="1">
             <a:spLocks noGrp="1"/>
           </p:cNvSpPr>
@@ -6332,7 +6198,1146 @@
           </a:p>
         </p:txBody>
       </p:sp>
+      <p:sp>
+        <p:nvSpPr>
+          <p:cNvPr id="81" name="Shape 81"/>
+          <p:cNvSpPr txBox="1"/>
+          <p:nvPr/>
+        </p:nvSpPr>
+        <p:spPr>
+          <a:xfrm>
+            <a:off x="524850" y="431550"/>
+            <a:ext cx="8117700" cy="4150724"/>
+          </a:xfrm>
+          <a:prstGeom prst="rect">
+            <a:avLst/>
+          </a:prstGeom>
+          <a:noFill/>
+          <a:ln>
+            <a:noFill/>
+          </a:ln>
+        </p:spPr>
+        <p:txBody>
+          <a:bodyPr lIns="91425" tIns="91425" rIns="91425" bIns="91425" numCol="1" anchor="t" anchorCtr="0">
+            <a:noAutofit/>
+          </a:bodyPr>
+          <a:lstStyle/>
+          <a:p>
+            <a:pPr marL="558800" lvl="1" indent="-457200">
+              <a:lnSpc>
+                <a:spcPct val="200000"/>
+              </a:lnSpc>
+              <a:buSzPct val="100000"/>
+              <a:buFont typeface="+mj-lt"/>
+              <a:buAutoNum type="arabicPeriod" startAt="5"/>
+            </a:pPr>
+            <a:r>
+              <a:rPr lang="en-GB" sz="2000" b="1" dirty="0"/>
+              <a:t>Supported </a:t>
+            </a:r>
+            <a:r>
+              <a:rPr lang="en-GB" sz="2000" b="1" dirty="0" smtClean="0"/>
+              <a:t>features</a:t>
+            </a:r>
+            <a:endParaRPr lang="en-GB" sz="2000" b="1" dirty="0"/>
+          </a:p>
+        </p:txBody>
+      </p:sp>
+      <p:graphicFrame>
+        <p:nvGraphicFramePr>
+          <p:cNvPr id="2" name="Таблица 1"/>
+          <p:cNvGraphicFramePr>
+            <a:graphicFrameLocks noGrp="1"/>
+          </p:cNvGraphicFramePr>
+          <p:nvPr>
+            <p:extLst>
+              <p:ext uri="{D42A27DB-BD31-4B8C-83A1-F6EECF244321}">
+                <p14:modId xmlns:p14="http://schemas.microsoft.com/office/powerpoint/2010/main" val="2480743764"/>
+              </p:ext>
+            </p:extLst>
+          </p:nvPr>
+        </p:nvGraphicFramePr>
+        <p:xfrm>
+          <a:off x="650697" y="1166475"/>
+          <a:ext cx="7821760" cy="1112520"/>
+        </p:xfrm>
+        <a:graphic>
+          <a:graphicData uri="http://schemas.openxmlformats.org/drawingml/2006/table">
+            <a:tbl>
+              <a:tblPr firstRow="1" bandRow="1">
+                <a:tableStyleId>{21E4AEA4-8DFA-4A89-87EB-49C32662AFE0}</a:tableStyleId>
+              </a:tblPr>
+              <a:tblGrid>
+                <a:gridCol w="1955440"/>
+                <a:gridCol w="1955440"/>
+                <a:gridCol w="1955440"/>
+                <a:gridCol w="1955440"/>
+              </a:tblGrid>
+              <a:tr h="370840">
+                <a:tc>
+                  <a:txBody>
+                    <a:bodyPr/>
+                    <a:lstStyle/>
+                    <a:p>
+                      <a:r>
+                        <a:rPr lang="en-US" dirty="0" err="1" smtClean="0"/>
+                        <a:t>Datastorage</a:t>
+                      </a:r>
+                      <a:endParaRPr lang="ru-RU" dirty="0"/>
+                    </a:p>
+                  </a:txBody>
+                  <a:tcPr/>
+                </a:tc>
+                <a:tc>
+                  <a:txBody>
+                    <a:bodyPr/>
+                    <a:lstStyle/>
+                    <a:p>
+                      <a:endParaRPr lang="ru-RU"/>
+                    </a:p>
+                  </a:txBody>
+                  <a:tcPr/>
+                </a:tc>
+                <a:tc>
+                  <a:txBody>
+                    <a:bodyPr/>
+                    <a:lstStyle/>
+                    <a:p>
+                      <a:endParaRPr lang="ru-RU"/>
+                    </a:p>
+                  </a:txBody>
+                  <a:tcPr/>
+                </a:tc>
+                <a:tc>
+                  <a:txBody>
+                    <a:bodyPr/>
+                    <a:lstStyle/>
+                    <a:p>
+                      <a:endParaRPr lang="ru-RU"/>
+                    </a:p>
+                  </a:txBody>
+                  <a:tcPr/>
+                </a:tc>
+              </a:tr>
+              <a:tr h="370840">
+                <a:tc>
+                  <a:txBody>
+                    <a:bodyPr/>
+                    <a:lstStyle/>
+                    <a:p>
+                      <a:endParaRPr lang="ru-RU"/>
+                    </a:p>
+                  </a:txBody>
+                  <a:tcPr/>
+                </a:tc>
+                <a:tc>
+                  <a:txBody>
+                    <a:bodyPr/>
+                    <a:lstStyle/>
+                    <a:p>
+                      <a:endParaRPr lang="ru-RU"/>
+                    </a:p>
+                  </a:txBody>
+                  <a:tcPr/>
+                </a:tc>
+                <a:tc>
+                  <a:txBody>
+                    <a:bodyPr/>
+                    <a:lstStyle/>
+                    <a:p>
+                      <a:endParaRPr lang="ru-RU"/>
+                    </a:p>
+                  </a:txBody>
+                  <a:tcPr/>
+                </a:tc>
+                <a:tc>
+                  <a:txBody>
+                    <a:bodyPr/>
+                    <a:lstStyle/>
+                    <a:p>
+                      <a:endParaRPr lang="ru-RU"/>
+                    </a:p>
+                  </a:txBody>
+                  <a:tcPr/>
+                </a:tc>
+              </a:tr>
+              <a:tr h="370840">
+                <a:tc>
+                  <a:txBody>
+                    <a:bodyPr/>
+                    <a:lstStyle/>
+                    <a:p>
+                      <a:endParaRPr lang="ru-RU"/>
+                    </a:p>
+                  </a:txBody>
+                  <a:tcPr/>
+                </a:tc>
+                <a:tc>
+                  <a:txBody>
+                    <a:bodyPr/>
+                    <a:lstStyle/>
+                    <a:p>
+                      <a:endParaRPr lang="ru-RU"/>
+                    </a:p>
+                  </a:txBody>
+                  <a:tcPr/>
+                </a:tc>
+                <a:tc>
+                  <a:txBody>
+                    <a:bodyPr/>
+                    <a:lstStyle/>
+                    <a:p>
+                      <a:endParaRPr lang="ru-RU"/>
+                    </a:p>
+                  </a:txBody>
+                  <a:tcPr/>
+                </a:tc>
+                <a:tc>
+                  <a:txBody>
+                    <a:bodyPr/>
+                    <a:lstStyle/>
+                    <a:p>
+                      <a:endParaRPr lang="ru-RU" dirty="0"/>
+                    </a:p>
+                  </a:txBody>
+                  <a:tcPr/>
+                </a:tc>
+              </a:tr>
+            </a:tbl>
+          </a:graphicData>
+        </a:graphic>
+      </p:graphicFrame>
     </p:spTree>
+    <p:extLst>
+      <p:ext uri="{BB962C8B-B14F-4D97-AF65-F5344CB8AC3E}">
+        <p14:creationId xmlns:p14="http://schemas.microsoft.com/office/powerpoint/2010/main" val="4081336449"/>
+      </p:ext>
+    </p:extLst>
+  </p:cSld>
+  <p:clrMapOvr>
+    <a:masterClrMapping/>
+  </p:clrMapOvr>
+  <p:timing>
+    <p:tnLst>
+      <p:par>
+        <p:cTn id="1" dur="indefinite" restart="never" nodeType="tmRoot"/>
+      </p:par>
+    </p:tnLst>
+  </p:timing>
+</p:sld>
+</file>
+
+<file path=ppt/slides/slide8.xml><?xml version="1.0" encoding="utf-8"?>
+<p:sld xmlns:a="http://schemas.openxmlformats.org/drawingml/2006/main" xmlns:r="http://schemas.openxmlformats.org/officeDocument/2006/relationships" xmlns:p="http://schemas.openxmlformats.org/presentationml/2006/main">
+  <p:cSld>
+    <p:spTree>
+      <p:nvGrpSpPr>
+        <p:cNvPr id="1" name="Shape 85"/>
+        <p:cNvGrpSpPr/>
+        <p:nvPr/>
+      </p:nvGrpSpPr>
+      <p:grpSpPr>
+        <a:xfrm>
+          <a:off x="0" y="0"/>
+          <a:ext cx="0" cy="0"/>
+          <a:chOff x="0" y="0"/>
+          <a:chExt cx="0" cy="0"/>
+        </a:xfrm>
+      </p:grpSpPr>
+      <p:sp>
+        <p:nvSpPr>
+          <p:cNvPr id="86" name="Shape 86"/>
+          <p:cNvSpPr txBox="1"/>
+          <p:nvPr/>
+        </p:nvSpPr>
+        <p:spPr>
+          <a:xfrm>
+            <a:off x="524650" y="3622825"/>
+            <a:ext cx="7722000" cy="1032600"/>
+          </a:xfrm>
+          <a:prstGeom prst="rect">
+            <a:avLst/>
+          </a:prstGeom>
+          <a:noFill/>
+          <a:ln w="19050" cap="flat" cmpd="sng">
+            <a:solidFill>
+              <a:srgbClr val="000000"/>
+            </a:solidFill>
+            <a:prstDash val="dot"/>
+            <a:round/>
+            <a:headEnd type="none" w="med" len="med"/>
+            <a:tailEnd type="none" w="med" len="med"/>
+          </a:ln>
+        </p:spPr>
+        <p:txBody>
+          <a:bodyPr lIns="91425" tIns="91425" rIns="91425" bIns="91425" anchor="t" anchorCtr="0">
+            <a:noAutofit/>
+          </a:bodyPr>
+          <a:lstStyle/>
+          <a:p>
+            <a:pPr lvl="0" algn="ctr" rtl="0">
+              <a:spcBef>
+                <a:spcPts val="0"/>
+              </a:spcBef>
+              <a:buNone/>
+            </a:pPr>
+            <a:r>
+              <a:rPr lang="en-GB" b="1"/>
+              <a:t>Hibernate OGM Module for Concrete Storage </a:t>
+            </a:r>
+          </a:p>
+          <a:p>
+            <a:pPr lvl="0" rtl="0">
+              <a:spcBef>
+                <a:spcPts val="0"/>
+              </a:spcBef>
+              <a:buNone/>
+            </a:pPr>
+            <a:endParaRPr/>
+          </a:p>
+        </p:txBody>
+      </p:sp>
+      <p:sp>
+        <p:nvSpPr>
+          <p:cNvPr id="87" name="Shape 87"/>
+          <p:cNvSpPr txBox="1"/>
+          <p:nvPr/>
+        </p:nvSpPr>
+        <p:spPr>
+          <a:xfrm>
+            <a:off x="524850" y="431550"/>
+            <a:ext cx="8117700" cy="559800"/>
+          </a:xfrm>
+          <a:prstGeom prst="rect">
+            <a:avLst/>
+          </a:prstGeom>
+          <a:noFill/>
+          <a:ln>
+            <a:noFill/>
+          </a:ln>
+        </p:spPr>
+        <p:txBody>
+          <a:bodyPr lIns="91425" tIns="91425" rIns="91425" bIns="91425" anchor="t" anchorCtr="0">
+            <a:noAutofit/>
+          </a:bodyPr>
+          <a:lstStyle/>
+          <a:p>
+            <a:pPr marL="558800" lvl="0" indent="-457200" rtl="0">
+              <a:lnSpc>
+                <a:spcPct val="200000"/>
+              </a:lnSpc>
+              <a:spcBef>
+                <a:spcPts val="0"/>
+              </a:spcBef>
+              <a:buSzPct val="100000"/>
+              <a:buFont typeface="+mj-lt"/>
+              <a:buAutoNum type="arabicPeriod" startAt="6"/>
+            </a:pPr>
+            <a:r>
+              <a:rPr lang="en-GB" sz="2000" b="1" dirty="0"/>
+              <a:t>Architecture</a:t>
+            </a:r>
+          </a:p>
+          <a:p>
+            <a:pPr marL="457200" lvl="0" indent="0" rtl="0">
+              <a:lnSpc>
+                <a:spcPct val="150000"/>
+              </a:lnSpc>
+              <a:spcBef>
+                <a:spcPts val="0"/>
+              </a:spcBef>
+              <a:buNone/>
+            </a:pPr>
+            <a:endParaRPr sz="1800" b="1" dirty="0"/>
+          </a:p>
+        </p:txBody>
+      </p:sp>
+      <p:sp>
+        <p:nvSpPr>
+          <p:cNvPr id="88" name="Shape 88"/>
+          <p:cNvSpPr txBox="1"/>
+          <p:nvPr/>
+        </p:nvSpPr>
+        <p:spPr>
+          <a:xfrm>
+            <a:off x="5481725" y="1104948"/>
+            <a:ext cx="2765100" cy="647400"/>
+          </a:xfrm>
+          <a:prstGeom prst="rect">
+            <a:avLst/>
+          </a:prstGeom>
+          <a:noFill/>
+          <a:ln w="19050" cap="flat" cmpd="sng">
+            <a:solidFill>
+              <a:srgbClr val="000000"/>
+            </a:solidFill>
+            <a:prstDash val="solid"/>
+            <a:round/>
+            <a:headEnd type="none" w="med" len="med"/>
+            <a:tailEnd type="none" w="med" len="med"/>
+          </a:ln>
+        </p:spPr>
+        <p:txBody>
+          <a:bodyPr lIns="91425" tIns="91425" rIns="91425" bIns="91425" anchor="ctr" anchorCtr="0">
+            <a:noAutofit/>
+          </a:bodyPr>
+          <a:lstStyle/>
+          <a:p>
+            <a:pPr lvl="0" algn="ctr" rtl="0">
+              <a:spcBef>
+                <a:spcPts val="0"/>
+              </a:spcBef>
+              <a:buNone/>
+            </a:pPr>
+            <a:r>
+              <a:rPr lang="en-GB" sz="1800" b="1"/>
+              <a:t>Hibernate ORM Core</a:t>
+            </a:r>
+          </a:p>
+          <a:p>
+            <a:pPr lvl="0" rtl="0">
+              <a:spcBef>
+                <a:spcPts val="0"/>
+              </a:spcBef>
+              <a:buNone/>
+            </a:pPr>
+            <a:endParaRPr/>
+          </a:p>
+        </p:txBody>
+      </p:sp>
+      <p:sp>
+        <p:nvSpPr>
+          <p:cNvPr id="89" name="Shape 89"/>
+          <p:cNvSpPr txBox="1"/>
+          <p:nvPr/>
+        </p:nvSpPr>
+        <p:spPr>
+          <a:xfrm>
+            <a:off x="524850" y="1051025"/>
+            <a:ext cx="3627300" cy="750900"/>
+          </a:xfrm>
+          <a:prstGeom prst="rect">
+            <a:avLst/>
+          </a:prstGeom>
+          <a:noFill/>
+          <a:ln w="19050" cap="flat" cmpd="sng">
+            <a:solidFill>
+              <a:srgbClr val="000000"/>
+            </a:solidFill>
+            <a:prstDash val="solid"/>
+            <a:round/>
+            <a:headEnd type="none" w="med" len="med"/>
+            <a:tailEnd type="none" w="med" len="med"/>
+          </a:ln>
+        </p:spPr>
+        <p:txBody>
+          <a:bodyPr lIns="91425" tIns="91425" rIns="91425" bIns="91425" anchor="t" anchorCtr="0">
+            <a:noAutofit/>
+          </a:bodyPr>
+          <a:lstStyle/>
+          <a:p>
+            <a:pPr lvl="0">
+              <a:spcBef>
+                <a:spcPts val="0"/>
+              </a:spcBef>
+              <a:buClr>
+                <a:schemeClr val="dk1"/>
+              </a:buClr>
+              <a:buFont typeface="Arial"/>
+              <a:buNone/>
+            </a:pPr>
+            <a:r>
+              <a:rPr lang="en-GB"/>
+              <a:t>em.getTransaction().begin();</a:t>
+            </a:r>
+          </a:p>
+          <a:p>
+            <a:pPr lvl="0">
+              <a:spcBef>
+                <a:spcPts val="0"/>
+              </a:spcBef>
+              <a:buClr>
+                <a:schemeClr val="dk1"/>
+              </a:buClr>
+              <a:buFont typeface="Arial"/>
+              <a:buNone/>
+            </a:pPr>
+            <a:r>
+              <a:rPr lang="en-GB"/>
+              <a:t>em.persist(</a:t>
+            </a:r>
+            <a:r>
+              <a:rPr lang="en-GB">
+                <a:solidFill>
+                  <a:schemeClr val="dk1"/>
+                </a:solidFill>
+              </a:rPr>
+              <a:t>new Person("name1")</a:t>
+            </a:r>
+            <a:r>
+              <a:rPr lang="en-GB"/>
+              <a:t>);</a:t>
+            </a:r>
+          </a:p>
+          <a:p>
+            <a:pPr lvl="0">
+              <a:spcBef>
+                <a:spcPts val="0"/>
+              </a:spcBef>
+              <a:buClr>
+                <a:schemeClr val="dk1"/>
+              </a:buClr>
+              <a:buFont typeface="Arial"/>
+              <a:buNone/>
+            </a:pPr>
+            <a:r>
+              <a:rPr lang="en-GB"/>
+              <a:t>em.getTransaction().commit();</a:t>
+            </a:r>
+          </a:p>
+          <a:p>
+            <a:pPr lvl="0">
+              <a:spcBef>
+                <a:spcPts val="0"/>
+              </a:spcBef>
+              <a:buNone/>
+            </a:pPr>
+            <a:endParaRPr/>
+          </a:p>
+        </p:txBody>
+      </p:sp>
+      <p:cxnSp>
+        <p:nvCxnSpPr>
+          <p:cNvPr id="90" name="Shape 90"/>
+          <p:cNvCxnSpPr>
+            <a:stCxn id="89" idx="3"/>
+            <a:endCxn id="88" idx="1"/>
+          </p:cNvCxnSpPr>
+          <p:nvPr/>
+        </p:nvCxnSpPr>
+        <p:spPr>
+          <a:xfrm>
+            <a:off x="4152150" y="1426475"/>
+            <a:ext cx="1329600" cy="2100"/>
+          </a:xfrm>
+          <a:prstGeom prst="straightConnector1">
+            <a:avLst/>
+          </a:prstGeom>
+          <a:noFill/>
+          <a:ln w="28575" cap="flat" cmpd="sng">
+            <a:solidFill>
+              <a:schemeClr val="dk2"/>
+            </a:solidFill>
+            <a:prstDash val="solid"/>
+            <a:round/>
+            <a:headEnd type="none" w="lg" len="lg"/>
+            <a:tailEnd type="triangle" w="lg" len="lg"/>
+          </a:ln>
+        </p:spPr>
+      </p:cxnSp>
+      <p:sp>
+        <p:nvSpPr>
+          <p:cNvPr id="91" name="Shape 91"/>
+          <p:cNvSpPr txBox="1"/>
+          <p:nvPr/>
+        </p:nvSpPr>
+        <p:spPr>
+          <a:xfrm>
+            <a:off x="524850" y="2261050"/>
+            <a:ext cx="7722000" cy="647400"/>
+          </a:xfrm>
+          <a:prstGeom prst="rect">
+            <a:avLst/>
+          </a:prstGeom>
+          <a:noFill/>
+          <a:ln w="19050" cap="flat" cmpd="sng">
+            <a:solidFill>
+              <a:srgbClr val="000000"/>
+            </a:solidFill>
+            <a:prstDash val="solid"/>
+            <a:round/>
+            <a:headEnd type="none" w="med" len="med"/>
+            <a:tailEnd type="none" w="med" len="med"/>
+          </a:ln>
+        </p:spPr>
+        <p:txBody>
+          <a:bodyPr lIns="91425" tIns="91425" rIns="91425" bIns="91425" anchor="ctr" anchorCtr="0">
+            <a:noAutofit/>
+          </a:bodyPr>
+          <a:lstStyle/>
+          <a:p>
+            <a:pPr lvl="0" algn="ctr" rtl="0">
+              <a:spcBef>
+                <a:spcPts val="0"/>
+              </a:spcBef>
+              <a:buNone/>
+            </a:pPr>
+            <a:r>
+              <a:rPr lang="en-GB" sz="1800" b="1"/>
+              <a:t>Hibernate OGM Core</a:t>
+            </a:r>
+          </a:p>
+          <a:p>
+            <a:pPr lvl="0" rtl="0">
+              <a:spcBef>
+                <a:spcPts val="0"/>
+              </a:spcBef>
+              <a:buNone/>
+            </a:pPr>
+            <a:endParaRPr/>
+          </a:p>
+        </p:txBody>
+      </p:sp>
+      <p:cxnSp>
+        <p:nvCxnSpPr>
+          <p:cNvPr id="92" name="Shape 92"/>
+          <p:cNvCxnSpPr>
+            <a:stCxn id="88" idx="2"/>
+            <a:endCxn id="91" idx="0"/>
+          </p:cNvCxnSpPr>
+          <p:nvPr/>
+        </p:nvCxnSpPr>
+        <p:spPr>
+          <a:xfrm rot="5400000">
+            <a:off x="5370725" y="767598"/>
+            <a:ext cx="508800" cy="2478300"/>
+          </a:xfrm>
+          <a:prstGeom prst="bentConnector3">
+            <a:avLst>
+              <a:gd name="adj1" fmla="val 35235"/>
+            </a:avLst>
+          </a:prstGeom>
+          <a:noFill/>
+          <a:ln w="28575" cap="flat" cmpd="sng">
+            <a:solidFill>
+              <a:schemeClr val="dk2"/>
+            </a:solidFill>
+            <a:prstDash val="solid"/>
+            <a:round/>
+            <a:headEnd type="none" w="lg" len="lg"/>
+            <a:tailEnd type="triangle" w="lg" len="lg"/>
+          </a:ln>
+        </p:spPr>
+      </p:cxnSp>
+      <p:sp>
+        <p:nvSpPr>
+          <p:cNvPr id="93" name="Shape 93"/>
+          <p:cNvSpPr txBox="1"/>
+          <p:nvPr/>
+        </p:nvSpPr>
+        <p:spPr>
+          <a:xfrm>
+            <a:off x="4502025" y="4017952"/>
+            <a:ext cx="3627300" cy="502800"/>
+          </a:xfrm>
+          <a:prstGeom prst="rect">
+            <a:avLst/>
+          </a:prstGeom>
+          <a:noFill/>
+          <a:ln w="19050" cap="flat" cmpd="sng">
+            <a:solidFill>
+              <a:srgbClr val="000000"/>
+            </a:solidFill>
+            <a:prstDash val="solid"/>
+            <a:round/>
+            <a:headEnd type="none" w="med" len="med"/>
+            <a:tailEnd type="none" w="med" len="med"/>
+          </a:ln>
+        </p:spPr>
+        <p:txBody>
+          <a:bodyPr lIns="91425" tIns="91425" rIns="91425" bIns="91425" anchor="ctr" anchorCtr="0">
+            <a:noAutofit/>
+          </a:bodyPr>
+          <a:lstStyle/>
+          <a:p>
+            <a:pPr lvl="0" algn="ctr" rtl="0">
+              <a:spcBef>
+                <a:spcPts val="0"/>
+              </a:spcBef>
+              <a:buNone/>
+            </a:pPr>
+            <a:r>
+              <a:rPr lang="en-GB" sz="1800" b="1"/>
+              <a:t>DatastorageProvider</a:t>
+            </a:r>
+          </a:p>
+          <a:p>
+            <a:pPr lvl="0" rtl="0">
+              <a:spcBef>
+                <a:spcPts val="0"/>
+              </a:spcBef>
+              <a:buNone/>
+            </a:pPr>
+            <a:endParaRPr/>
+          </a:p>
+        </p:txBody>
+      </p:sp>
+      <p:sp>
+        <p:nvSpPr>
+          <p:cNvPr id="94" name="Shape 94"/>
+          <p:cNvSpPr txBox="1"/>
+          <p:nvPr/>
+        </p:nvSpPr>
+        <p:spPr>
+          <a:xfrm>
+            <a:off x="621235" y="4014950"/>
+            <a:ext cx="3486600" cy="502800"/>
+          </a:xfrm>
+          <a:prstGeom prst="rect">
+            <a:avLst/>
+          </a:prstGeom>
+          <a:noFill/>
+          <a:ln w="19050" cap="flat" cmpd="sng">
+            <a:solidFill>
+              <a:srgbClr val="000000"/>
+            </a:solidFill>
+            <a:prstDash val="solid"/>
+            <a:round/>
+            <a:headEnd type="none" w="med" len="med"/>
+            <a:tailEnd type="none" w="med" len="med"/>
+          </a:ln>
+        </p:spPr>
+        <p:txBody>
+          <a:bodyPr lIns="91425" tIns="91425" rIns="91425" bIns="91425" anchor="ctr" anchorCtr="0">
+            <a:noAutofit/>
+          </a:bodyPr>
+          <a:lstStyle/>
+          <a:p>
+            <a:pPr lvl="0" algn="ctr" rtl="0">
+              <a:spcBef>
+                <a:spcPts val="0"/>
+              </a:spcBef>
+              <a:buNone/>
+            </a:pPr>
+            <a:r>
+              <a:rPr lang="en-GB" sz="1800" b="1"/>
+              <a:t>GridDialect</a:t>
+            </a:r>
+          </a:p>
+          <a:p>
+            <a:pPr lvl="0" rtl="0">
+              <a:spcBef>
+                <a:spcPts val="0"/>
+              </a:spcBef>
+              <a:buNone/>
+            </a:pPr>
+            <a:endParaRPr/>
+          </a:p>
+        </p:txBody>
+      </p:sp>
+      <p:cxnSp>
+        <p:nvCxnSpPr>
+          <p:cNvPr id="95" name="Shape 95"/>
+          <p:cNvCxnSpPr/>
+          <p:nvPr/>
+        </p:nvCxnSpPr>
+        <p:spPr>
+          <a:xfrm>
+            <a:off x="7291473" y="2917175"/>
+            <a:ext cx="0" cy="688200"/>
+          </a:xfrm>
+          <a:prstGeom prst="straightConnector1">
+            <a:avLst/>
+          </a:prstGeom>
+          <a:noFill/>
+          <a:ln w="28575" cap="flat" cmpd="sng">
+            <a:solidFill>
+              <a:schemeClr val="dk2"/>
+            </a:solidFill>
+            <a:prstDash val="solid"/>
+            <a:round/>
+            <a:headEnd type="none" w="lg" len="lg"/>
+            <a:tailEnd type="triangle" w="lg" len="lg"/>
+          </a:ln>
+        </p:spPr>
+      </p:cxnSp>
+      <p:sp>
+        <p:nvSpPr>
+          <p:cNvPr id="96" name="Shape 96"/>
+          <p:cNvSpPr txBox="1"/>
+          <p:nvPr/>
+        </p:nvSpPr>
+        <p:spPr>
+          <a:xfrm>
+            <a:off x="7297103" y="3055050"/>
+            <a:ext cx="933600" cy="326400"/>
+          </a:xfrm>
+          <a:prstGeom prst="rect">
+            <a:avLst/>
+          </a:prstGeom>
+          <a:noFill/>
+          <a:ln>
+            <a:noFill/>
+          </a:ln>
+        </p:spPr>
+        <p:txBody>
+          <a:bodyPr lIns="91425" tIns="91425" rIns="91425" bIns="91425" anchor="t" anchorCtr="0">
+            <a:noAutofit/>
+          </a:bodyPr>
+          <a:lstStyle/>
+          <a:p>
+            <a:pPr lvl="0" algn="ctr">
+              <a:spcBef>
+                <a:spcPts val="0"/>
+              </a:spcBef>
+              <a:buNone/>
+            </a:pPr>
+            <a:r>
+              <a:rPr lang="en-GB"/>
+              <a:t>1.begin()</a:t>
+            </a:r>
+          </a:p>
+        </p:txBody>
+      </p:sp>
+      <p:sp>
+        <p:nvSpPr>
+          <p:cNvPr id="97" name="Shape 97"/>
+          <p:cNvSpPr txBox="1"/>
+          <p:nvPr/>
+        </p:nvSpPr>
+        <p:spPr>
+          <a:xfrm>
+            <a:off x="572095" y="3102437"/>
+            <a:ext cx="1166399" cy="326400"/>
+          </a:xfrm>
+          <a:prstGeom prst="rect">
+            <a:avLst/>
+          </a:prstGeom>
+          <a:noFill/>
+          <a:ln>
+            <a:noFill/>
+          </a:ln>
+        </p:spPr>
+        <p:txBody>
+          <a:bodyPr lIns="91425" tIns="91425" rIns="91425" bIns="91425" anchor="t" anchorCtr="0">
+            <a:noAutofit/>
+          </a:bodyPr>
+          <a:lstStyle/>
+          <a:p>
+            <a:pPr lvl="0" algn="ctr" rtl="0">
+              <a:spcBef>
+                <a:spcPts val="0"/>
+              </a:spcBef>
+              <a:buNone/>
+            </a:pPr>
+            <a:r>
+              <a:rPr lang="en-GB"/>
+              <a:t>4.commit()</a:t>
+            </a:r>
+          </a:p>
+        </p:txBody>
+      </p:sp>
+      <p:sp>
+        <p:nvSpPr>
+          <p:cNvPr id="98" name="Shape 98"/>
+          <p:cNvSpPr txBox="1"/>
+          <p:nvPr/>
+        </p:nvSpPr>
+        <p:spPr>
+          <a:xfrm>
+            <a:off x="5028994" y="3102450"/>
+            <a:ext cx="1449300" cy="326400"/>
+          </a:xfrm>
+          <a:prstGeom prst="rect">
+            <a:avLst/>
+          </a:prstGeom>
+          <a:noFill/>
+          <a:ln>
+            <a:noFill/>
+          </a:ln>
+        </p:spPr>
+        <p:txBody>
+          <a:bodyPr lIns="91425" tIns="91425" rIns="91425" bIns="91425" anchor="t" anchorCtr="0">
+            <a:noAutofit/>
+          </a:bodyPr>
+          <a:lstStyle/>
+          <a:p>
+            <a:pPr lvl="0" algn="ctr" rtl="0">
+              <a:spcBef>
+                <a:spcPts val="0"/>
+              </a:spcBef>
+              <a:buNone/>
+            </a:pPr>
+            <a:r>
+              <a:rPr lang="en-GB"/>
+              <a:t>2.createTuple()</a:t>
+            </a:r>
+          </a:p>
+        </p:txBody>
+      </p:sp>
+      <p:sp>
+        <p:nvSpPr>
+          <p:cNvPr id="99" name="Shape 99"/>
+          <p:cNvSpPr txBox="1"/>
+          <p:nvPr/>
+        </p:nvSpPr>
+        <p:spPr>
+          <a:xfrm>
+            <a:off x="2460783" y="3102450"/>
+            <a:ext cx="1354499" cy="326400"/>
+          </a:xfrm>
+          <a:prstGeom prst="rect">
+            <a:avLst/>
+          </a:prstGeom>
+          <a:noFill/>
+          <a:ln>
+            <a:noFill/>
+          </a:ln>
+        </p:spPr>
+        <p:txBody>
+          <a:bodyPr lIns="91425" tIns="91425" rIns="91425" bIns="91425" anchor="t" anchorCtr="0">
+            <a:noAutofit/>
+          </a:bodyPr>
+          <a:lstStyle/>
+          <a:p>
+            <a:pPr lvl="0" algn="ctr" rtl="0">
+              <a:spcBef>
+                <a:spcPts val="0"/>
+              </a:spcBef>
+              <a:buNone/>
+            </a:pPr>
+            <a:r>
+              <a:rPr lang="en-GB"/>
+              <a:t>3.insertTuple()</a:t>
+            </a:r>
+          </a:p>
+        </p:txBody>
+      </p:sp>
+      <p:sp>
+        <p:nvSpPr>
+          <p:cNvPr id="100" name="Shape 100"/>
+          <p:cNvSpPr txBox="1">
+            <a:spLocks noGrp="1"/>
+          </p:cNvSpPr>
+          <p:nvPr>
+            <p:ph type="sldNum" idx="12"/>
+          </p:nvPr>
+        </p:nvSpPr>
+        <p:spPr>
+          <a:xfrm>
+            <a:off x="8472457" y="4663216"/>
+            <a:ext cx="548700" cy="393600"/>
+          </a:xfrm>
+          <a:prstGeom prst="rect">
+            <a:avLst/>
+          </a:prstGeom>
+        </p:spPr>
+        <p:txBody>
+          <a:bodyPr lIns="91425" tIns="91425" rIns="91425" bIns="91425" anchor="ctr" anchorCtr="0">
+            <a:noAutofit/>
+          </a:bodyPr>
+          <a:lstStyle/>
+          <a:p>
+            <a:pPr lvl="0">
+              <a:spcBef>
+                <a:spcPts val="0"/>
+              </a:spcBef>
+              <a:buNone/>
+            </a:pPr>
+            <a:fld id="{00000000-1234-1234-1234-123412341234}" type="slidenum">
+              <a:rPr lang="en-GB"/>
+              <a:t>8</a:t>
+            </a:fld>
+            <a:endParaRPr lang="en-GB"/>
+          </a:p>
+        </p:txBody>
+      </p:sp>
+      <p:cxnSp>
+        <p:nvCxnSpPr>
+          <p:cNvPr id="101" name="Shape 101"/>
+          <p:cNvCxnSpPr/>
+          <p:nvPr/>
+        </p:nvCxnSpPr>
+        <p:spPr>
+          <a:xfrm>
+            <a:off x="553170" y="2901145"/>
+            <a:ext cx="0" cy="688199"/>
+          </a:xfrm>
+          <a:prstGeom prst="straightConnector1">
+            <a:avLst/>
+          </a:prstGeom>
+          <a:noFill/>
+          <a:ln w="28575" cap="flat" cmpd="sng">
+            <a:solidFill>
+              <a:schemeClr val="dk2"/>
+            </a:solidFill>
+            <a:prstDash val="solid"/>
+            <a:round/>
+            <a:headEnd type="none" w="lg" len="lg"/>
+            <a:tailEnd type="triangle" w="lg" len="lg"/>
+          </a:ln>
+        </p:spPr>
+      </p:cxnSp>
+      <p:cxnSp>
+        <p:nvCxnSpPr>
+          <p:cNvPr id="102" name="Shape 102"/>
+          <p:cNvCxnSpPr/>
+          <p:nvPr/>
+        </p:nvCxnSpPr>
+        <p:spPr>
+          <a:xfrm>
+            <a:off x="5040719" y="2921537"/>
+            <a:ext cx="0" cy="688200"/>
+          </a:xfrm>
+          <a:prstGeom prst="straightConnector1">
+            <a:avLst/>
+          </a:prstGeom>
+          <a:noFill/>
+          <a:ln w="28575" cap="flat" cmpd="sng">
+            <a:solidFill>
+              <a:schemeClr val="dk2"/>
+            </a:solidFill>
+            <a:prstDash val="solid"/>
+            <a:round/>
+            <a:headEnd type="triangle" w="lg" len="lg"/>
+            <a:tailEnd type="triangle" w="lg" len="lg"/>
+          </a:ln>
+        </p:spPr>
+      </p:cxnSp>
+      <p:cxnSp>
+        <p:nvCxnSpPr>
+          <p:cNvPr id="103" name="Shape 103"/>
+          <p:cNvCxnSpPr/>
+          <p:nvPr/>
+        </p:nvCxnSpPr>
+        <p:spPr>
+          <a:xfrm>
+            <a:off x="2495070" y="2919394"/>
+            <a:ext cx="0" cy="688200"/>
+          </a:xfrm>
+          <a:prstGeom prst="straightConnector1">
+            <a:avLst/>
+          </a:prstGeom>
+          <a:noFill/>
+          <a:ln w="28575" cap="flat" cmpd="sng">
+            <a:solidFill>
+              <a:schemeClr val="dk2"/>
+            </a:solidFill>
+            <a:prstDash val="solid"/>
+            <a:round/>
+            <a:headEnd type="triangle" w="lg" len="lg"/>
+            <a:tailEnd type="triangle" w="lg" len="lg"/>
+          </a:ln>
+        </p:spPr>
+      </p:cxnSp>
+    </p:spTree>
+  </p:cSld>
+  <p:clrMapOvr>
+    <a:masterClrMapping/>
+  </p:clrMapOvr>
+  <p:timing>
+    <p:tnLst>
+      <p:par>
+        <p:cTn id="1" dur="indefinite" restart="never" nodeType="tmRoot"/>
+      </p:par>
+    </p:tnLst>
+  </p:timing>
+</p:sld>
+</file>
+
+<file path=ppt/slides/slide9.xml><?xml version="1.0" encoding="utf-8"?>
+<p:sld xmlns:a="http://schemas.openxmlformats.org/drawingml/2006/main" xmlns:r="http://schemas.openxmlformats.org/officeDocument/2006/relationships" xmlns:p="http://schemas.openxmlformats.org/presentationml/2006/main">
+  <p:cSld>
+    <p:spTree>
+      <p:nvGrpSpPr>
+        <p:cNvPr id="1" name="Shape 79"/>
+        <p:cNvGrpSpPr/>
+        <p:nvPr/>
+      </p:nvGrpSpPr>
+      <p:grpSpPr>
+        <a:xfrm>
+          <a:off x="0" y="0"/>
+          <a:ext cx="0" cy="0"/>
+          <a:chOff x="0" y="0"/>
+          <a:chExt cx="0" cy="0"/>
+        </a:xfrm>
+      </p:grpSpPr>
+      <p:sp>
+        <p:nvSpPr>
+          <p:cNvPr id="80" name="Shape 80"/>
+          <p:cNvSpPr txBox="1">
+            <a:spLocks noGrp="1"/>
+          </p:cNvSpPr>
+          <p:nvPr>
+            <p:ph type="sldNum" idx="12"/>
+          </p:nvPr>
+        </p:nvSpPr>
+        <p:spPr>
+          <a:xfrm>
+            <a:off x="8472457" y="4663216"/>
+            <a:ext cx="548700" cy="393600"/>
+          </a:xfrm>
+          <a:prstGeom prst="rect">
+            <a:avLst/>
+          </a:prstGeom>
+        </p:spPr>
+        <p:txBody>
+          <a:bodyPr lIns="91425" tIns="91425" rIns="91425" bIns="91425" anchor="ctr" anchorCtr="0">
+            <a:noAutofit/>
+          </a:bodyPr>
+          <a:lstStyle/>
+          <a:p>
+            <a:pPr lvl="0">
+              <a:spcBef>
+                <a:spcPts val="0"/>
+              </a:spcBef>
+              <a:buNone/>
+            </a:pPr>
+            <a:fld id="{00000000-1234-1234-1234-123412341234}" type="slidenum">
+              <a:rPr lang="en-GB"/>
+              <a:t>9</a:t>
+            </a:fld>
+            <a:endParaRPr lang="en-GB"/>
+          </a:p>
+        </p:txBody>
+      </p:sp>
+      <p:sp>
+        <p:nvSpPr>
+          <p:cNvPr id="81" name="Shape 81"/>
+          <p:cNvSpPr txBox="1"/>
+          <p:nvPr/>
+        </p:nvSpPr>
+        <p:spPr>
+          <a:xfrm>
+            <a:off x="524850" y="431550"/>
+            <a:ext cx="8117700" cy="4150724"/>
+          </a:xfrm>
+          <a:prstGeom prst="rect">
+            <a:avLst/>
+          </a:prstGeom>
+          <a:noFill/>
+          <a:ln>
+            <a:noFill/>
+          </a:ln>
+        </p:spPr>
+        <p:txBody>
+          <a:bodyPr lIns="91425" tIns="91425" rIns="91425" bIns="91425" numCol="1" anchor="t" anchorCtr="0">
+            <a:noAutofit/>
+          </a:bodyPr>
+          <a:lstStyle/>
+          <a:p>
+            <a:pPr marL="558800" lvl="1" indent="-457200">
+              <a:lnSpc>
+                <a:spcPct val="200000"/>
+              </a:lnSpc>
+              <a:buSzPct val="100000"/>
+              <a:buFont typeface="+mj-lt"/>
+              <a:buAutoNum type="arabicPeriod" startAt="7"/>
+            </a:pPr>
+            <a:r>
+              <a:rPr lang="en-GB" sz="2000" b="1" dirty="0" smtClean="0"/>
+              <a:t>Performance</a:t>
+            </a:r>
+            <a:endParaRPr lang="en-GB" sz="2000" b="1" dirty="0"/>
+          </a:p>
+        </p:txBody>
+      </p:sp>
+    </p:spTree>
+    <p:extLst>
+      <p:ext uri="{BB962C8B-B14F-4D97-AF65-F5344CB8AC3E}">
+        <p14:creationId xmlns:p14="http://schemas.microsoft.com/office/powerpoint/2010/main" val="4148259363"/>
+      </p:ext>
+    </p:extLst>
   </p:cSld>
   <p:clrMapOvr>
     <a:masterClrMapping/>

--- a/presentation/jpoint2017.pptx
+++ b/presentation/jpoint2017.pptx
@@ -1397,9 +1397,14 @@
               <a:buNone/>
             </a:pPr>
             <a:r>
-              <a:rPr lang="en-GB"/>
-              <a:t>Talk about how each type store data </a:t>
+              <a:rPr lang="en-GB" dirty="0" smtClean="0"/>
+              <a:t>JP-QL</a:t>
             </a:r>
+            <a:r>
+              <a:rPr lang="en-GB" baseline="0" dirty="0" smtClean="0"/>
+              <a:t> supported by Hibernate Search</a:t>
+            </a:r>
+            <a:endParaRPr lang="en-GB" dirty="0"/>
           </a:p>
         </p:txBody>
       </p:sp>
@@ -6237,7 +6242,7 @@
             </a:r>
             <a:r>
               <a:rPr lang="en-GB" sz="2000" b="1" dirty="0" smtClean="0"/>
-              <a:t>features</a:t>
+              <a:t>features table</a:t>
             </a:r>
             <a:endParaRPr lang="en-GB" sz="2000" b="1" dirty="0"/>
           </a:p>
@@ -6252,14 +6257,14 @@
           <p:nvPr>
             <p:extLst>
               <p:ext uri="{D42A27DB-BD31-4B8C-83A1-F6EECF244321}">
-                <p14:modId xmlns:p14="http://schemas.microsoft.com/office/powerpoint/2010/main" val="2480743764"/>
+                <p14:modId xmlns:p14="http://schemas.microsoft.com/office/powerpoint/2010/main" val="1406288501"/>
               </p:ext>
             </p:extLst>
           </p:nvPr>
         </p:nvGraphicFramePr>
         <p:xfrm>
           <a:off x="650697" y="1166475"/>
-          <a:ext cx="7821760" cy="1112520"/>
+          <a:ext cx="7821759" cy="3423920"/>
         </p:xfrm>
         <a:graphic>
           <a:graphicData uri="http://schemas.openxmlformats.org/drawingml/2006/table">
@@ -6268,20 +6273,95 @@
                 <a:tableStyleId>{21E4AEA4-8DFA-4A89-87EB-49C32662AFE0}</a:tableStyleId>
               </a:tblPr>
               <a:tblGrid>
-                <a:gridCol w="1955440"/>
-                <a:gridCol w="1955440"/>
-                <a:gridCol w="1955440"/>
-                <a:gridCol w="1955440"/>
+                <a:gridCol w="1157555"/>
+                <a:gridCol w="1330895"/>
+                <a:gridCol w="1483181"/>
+                <a:gridCol w="1611724"/>
+                <a:gridCol w="2238404"/>
               </a:tblGrid>
               <a:tr h="370840">
+                <a:tc rowSpan="2">
+                  <a:txBody>
+                    <a:bodyPr/>
+                    <a:lstStyle/>
+                    <a:p>
+                      <a:pPr algn="ctr"/>
+                      <a:r>
+                        <a:rPr lang="en-US" dirty="0" smtClean="0"/>
+                        <a:t>Data storage</a:t>
+                      </a:r>
+                      <a:endParaRPr lang="ru-RU" dirty="0"/>
+                    </a:p>
+                  </a:txBody>
+                  <a:tcPr/>
+                </a:tc>
+                <a:tc gridSpan="4">
+                  <a:txBody>
+                    <a:bodyPr/>
+                    <a:lstStyle/>
+                    <a:p>
+                      <a:pPr algn="ctr"/>
+                      <a:r>
+                        <a:rPr lang="en-US" dirty="0" smtClean="0"/>
+                        <a:t>Features</a:t>
+                      </a:r>
+                      <a:endParaRPr lang="ru-RU" dirty="0"/>
+                    </a:p>
+                  </a:txBody>
+                  <a:tcPr/>
+                </a:tc>
+                <a:tc hMerge="1">
+                  <a:txBody>
+                    <a:bodyPr/>
+                    <a:lstStyle/>
+                    <a:p>
+                      <a:endParaRPr lang="ru-RU"/>
+                    </a:p>
+                  </a:txBody>
+                  <a:tcPr/>
+                </a:tc>
+                <a:tc hMerge="1">
+                  <a:txBody>
+                    <a:bodyPr/>
+                    <a:lstStyle/>
+                    <a:p>
+                      <a:endParaRPr lang="ru-RU" dirty="0"/>
+                    </a:p>
+                  </a:txBody>
+                  <a:tcPr/>
+                </a:tc>
+                <a:tc hMerge="1">
+                  <a:txBody>
+                    <a:bodyPr/>
+                    <a:lstStyle/>
+                    <a:p>
+                      <a:pPr algn="ctr"/>
+                      <a:endParaRPr lang="ru-RU" dirty="0"/>
+                    </a:p>
+                  </a:txBody>
+                  <a:tcPr/>
+                </a:tc>
+              </a:tr>
+              <a:tr h="370840">
+                <a:tc vMerge="1">
+                  <a:txBody>
+                    <a:bodyPr/>
+                    <a:lstStyle/>
+                    <a:p>
+                      <a:endParaRPr lang="ru-RU" dirty="0"/>
+                    </a:p>
+                  </a:txBody>
+                  <a:tcPr/>
+                </a:tc>
                 <a:tc>
                   <a:txBody>
                     <a:bodyPr/>
                     <a:lstStyle/>
                     <a:p>
+                      <a:pPr algn="ctr"/>
                       <a:r>
-                        <a:rPr lang="en-US" dirty="0" err="1" smtClean="0"/>
-                        <a:t>Datastorage</a:t>
+                        <a:rPr lang="en-US" dirty="0" smtClean="0"/>
+                        <a:t>Associations</a:t>
                       </a:r>
                       <a:endParaRPr lang="ru-RU" dirty="0"/>
                     </a:p>
@@ -6293,7 +6373,12 @@
                     <a:bodyPr/>
                     <a:lstStyle/>
                     <a:p>
-                      <a:endParaRPr lang="ru-RU"/>
+                      <a:pPr algn="ctr"/>
+                      <a:r>
+                        <a:rPr lang="en-US" dirty="0" smtClean="0"/>
+                        <a:t>Queries</a:t>
+                      </a:r>
+                      <a:endParaRPr lang="ru-RU" dirty="0"/>
                     </a:p>
                   </a:txBody>
                   <a:tcPr/>
@@ -6303,7 +6388,12 @@
                     <a:bodyPr/>
                     <a:lstStyle/>
                     <a:p>
-                      <a:endParaRPr lang="ru-RU"/>
+                      <a:pPr algn="ctr"/>
+                      <a:r>
+                        <a:rPr lang="en-US" dirty="0" smtClean="0"/>
+                        <a:t>Transactions</a:t>
+                      </a:r>
+                      <a:endParaRPr lang="ru-RU" dirty="0"/>
                     </a:p>
                   </a:txBody>
                   <a:tcPr/>
@@ -6313,7 +6403,12 @@
                     <a:bodyPr/>
                     <a:lstStyle/>
                     <a:p>
-                      <a:endParaRPr lang="ru-RU"/>
+                      <a:pPr algn="ctr"/>
+                      <a:r>
+                        <a:rPr lang="en-US" dirty="0" smtClean="0"/>
+                        <a:t>Remote/Embedded</a:t>
+                      </a:r>
+                      <a:endParaRPr lang="ru-RU" dirty="0"/>
                     </a:p>
                   </a:txBody>
                   <a:tcPr/>
@@ -6325,7 +6420,11 @@
                     <a:bodyPr/>
                     <a:lstStyle/>
                     <a:p>
-                      <a:endParaRPr lang="ru-RU"/>
+                      <a:r>
+                        <a:rPr lang="en-US" dirty="0" err="1" smtClean="0"/>
+                        <a:t>Mongodb</a:t>
+                      </a:r>
+                      <a:endParaRPr lang="ru-RU" dirty="0"/>
                     </a:p>
                   </a:txBody>
                   <a:tcPr/>
@@ -6335,7 +6434,12 @@
                     <a:bodyPr/>
                     <a:lstStyle/>
                     <a:p>
-                      <a:endParaRPr lang="ru-RU"/>
+                      <a:pPr algn="ctr"/>
+                      <a:r>
+                        <a:rPr lang="en-US" sz="1200" dirty="0" smtClean="0"/>
+                        <a:t>+</a:t>
+                      </a:r>
+                      <a:endParaRPr lang="ru-RU" sz="1200" dirty="0"/>
                     </a:p>
                   </a:txBody>
                   <a:tcPr/>
@@ -6345,7 +6449,12 @@
                     <a:bodyPr/>
                     <a:lstStyle/>
                     <a:p>
-                      <a:endParaRPr lang="ru-RU"/>
+                      <a:pPr algn="ctr"/>
+                      <a:r>
+                        <a:rPr lang="en-US" sz="1200" dirty="0" smtClean="0"/>
+                        <a:t>Native, JPQL</a:t>
+                      </a:r>
+                      <a:endParaRPr lang="ru-RU" sz="1200" dirty="0"/>
                     </a:p>
                   </a:txBody>
                   <a:tcPr/>
@@ -6355,7 +6464,27 @@
                     <a:bodyPr/>
                     <a:lstStyle/>
                     <a:p>
-                      <a:endParaRPr lang="ru-RU"/>
+                      <a:pPr algn="ctr"/>
+                      <a:r>
+                        <a:rPr lang="en-US" sz="1200" dirty="0" smtClean="0"/>
+                        <a:t>Emulation</a:t>
+                      </a:r>
+                      <a:endParaRPr lang="ru-RU" sz="1200" dirty="0"/>
+                    </a:p>
+                  </a:txBody>
+                  <a:tcPr/>
+                </a:tc>
+                <a:tc>
+                  <a:txBody>
+                    <a:bodyPr/>
+                    <a:lstStyle/>
+                    <a:p>
+                      <a:pPr algn="ctr"/>
+                      <a:r>
+                        <a:rPr lang="en-US" sz="1200" dirty="0" smtClean="0"/>
+                        <a:t>Remote</a:t>
+                      </a:r>
+                      <a:endParaRPr lang="ru-RU" sz="1200" dirty="0"/>
                     </a:p>
                   </a:txBody>
                   <a:tcPr/>
@@ -6367,7 +6496,11 @@
                     <a:bodyPr/>
                     <a:lstStyle/>
                     <a:p>
-                      <a:endParaRPr lang="ru-RU"/>
+                      <a:r>
+                        <a:rPr lang="en-US" dirty="0" err="1" smtClean="0"/>
+                        <a:t>CouchDB</a:t>
+                      </a:r>
+                      <a:endParaRPr lang="ru-RU" dirty="0"/>
                     </a:p>
                   </a:txBody>
                   <a:tcPr/>
@@ -6377,7 +6510,12 @@
                     <a:bodyPr/>
                     <a:lstStyle/>
                     <a:p>
-                      <a:endParaRPr lang="ru-RU"/>
+                      <a:pPr algn="ctr"/>
+                      <a:r>
+                        <a:rPr lang="en-US" sz="1200" dirty="0" smtClean="0"/>
+                        <a:t>+</a:t>
+                      </a:r>
+                      <a:endParaRPr lang="ru-RU" sz="1200" dirty="0"/>
                     </a:p>
                   </a:txBody>
                   <a:tcPr/>
@@ -6387,7 +6525,12 @@
                     <a:bodyPr/>
                     <a:lstStyle/>
                     <a:p>
-                      <a:endParaRPr lang="ru-RU"/>
+                      <a:pPr algn="ctr"/>
+                      <a:r>
+                        <a:rPr lang="en-US" sz="1200" dirty="0" smtClean="0"/>
+                        <a:t>Native</a:t>
+                      </a:r>
+                      <a:endParaRPr lang="ru-RU" sz="1200" dirty="0"/>
                     </a:p>
                   </a:txBody>
                   <a:tcPr/>
@@ -6397,7 +6540,427 @@
                     <a:bodyPr/>
                     <a:lstStyle/>
                     <a:p>
-                      <a:endParaRPr lang="ru-RU" dirty="0"/>
+                      <a:pPr algn="ctr"/>
+                      <a:r>
+                        <a:rPr lang="en-US" sz="1200" dirty="0" smtClean="0"/>
+                        <a:t>Emulation</a:t>
+                      </a:r>
+                      <a:endParaRPr lang="ru-RU" sz="1200" dirty="0"/>
+                    </a:p>
+                  </a:txBody>
+                  <a:tcPr/>
+                </a:tc>
+                <a:tc>
+                  <a:txBody>
+                    <a:bodyPr/>
+                    <a:lstStyle/>
+                    <a:p>
+                      <a:pPr algn="ctr"/>
+                      <a:r>
+                        <a:rPr lang="en-US" sz="1200" dirty="0" smtClean="0"/>
+                        <a:t>Remote</a:t>
+                      </a:r>
+                      <a:endParaRPr lang="ru-RU" sz="1200" dirty="0"/>
+                    </a:p>
+                  </a:txBody>
+                  <a:tcPr/>
+                </a:tc>
+              </a:tr>
+              <a:tr h="370840">
+                <a:tc>
+                  <a:txBody>
+                    <a:bodyPr/>
+                    <a:lstStyle/>
+                    <a:p>
+                      <a:r>
+                        <a:rPr lang="en-GB" sz="1400" b="0" dirty="0" err="1" smtClean="0"/>
+                        <a:t>Infispinian</a:t>
+                      </a:r>
+                      <a:endParaRPr lang="ru-RU" b="0" dirty="0"/>
+                    </a:p>
+                  </a:txBody>
+                  <a:tcPr/>
+                </a:tc>
+                <a:tc>
+                  <a:txBody>
+                    <a:bodyPr/>
+                    <a:lstStyle/>
+                    <a:p>
+                      <a:pPr algn="ctr"/>
+                      <a:r>
+                        <a:rPr lang="en-US" sz="1200" dirty="0" smtClean="0"/>
+                        <a:t>+</a:t>
+                      </a:r>
+                      <a:endParaRPr lang="ru-RU" sz="1200" dirty="0"/>
+                    </a:p>
+                  </a:txBody>
+                  <a:tcPr/>
+                </a:tc>
+                <a:tc>
+                  <a:txBody>
+                    <a:bodyPr/>
+                    <a:lstStyle/>
+                    <a:p>
+                      <a:pPr algn="ctr"/>
+                      <a:r>
+                        <a:rPr lang="en-US" sz="1200" dirty="0" smtClean="0"/>
+                        <a:t>JPQL</a:t>
+                      </a:r>
+                      <a:endParaRPr lang="ru-RU" sz="1200" dirty="0"/>
+                    </a:p>
+                  </a:txBody>
+                  <a:tcPr/>
+                </a:tc>
+                <a:tc>
+                  <a:txBody>
+                    <a:bodyPr/>
+                    <a:lstStyle/>
+                    <a:p>
+                      <a:pPr algn="ctr"/>
+                      <a:r>
+                        <a:rPr lang="en-US" sz="1200" dirty="0" smtClean="0"/>
+                        <a:t>JTA</a:t>
+                      </a:r>
+                      <a:endParaRPr lang="ru-RU" sz="1200" dirty="0"/>
+                    </a:p>
+                  </a:txBody>
+                  <a:tcPr/>
+                </a:tc>
+                <a:tc>
+                  <a:txBody>
+                    <a:bodyPr/>
+                    <a:lstStyle/>
+                    <a:p>
+                      <a:pPr algn="ctr"/>
+                      <a:r>
+                        <a:rPr lang="en-US" sz="1200" dirty="0" smtClean="0"/>
+                        <a:t>Remote/embedded</a:t>
+                      </a:r>
+                      <a:endParaRPr lang="ru-RU" sz="1200" dirty="0"/>
+                    </a:p>
+                  </a:txBody>
+                  <a:tcPr/>
+                </a:tc>
+              </a:tr>
+              <a:tr h="370840">
+                <a:tc>
+                  <a:txBody>
+                    <a:bodyPr/>
+                    <a:lstStyle/>
+                    <a:p>
+                      <a:r>
+                        <a:rPr lang="en-US" b="0" dirty="0" err="1" smtClean="0"/>
+                        <a:t>Ehcache</a:t>
+                      </a:r>
+                      <a:endParaRPr lang="ru-RU" b="0" dirty="0"/>
+                    </a:p>
+                  </a:txBody>
+                  <a:tcPr/>
+                </a:tc>
+                <a:tc>
+                  <a:txBody>
+                    <a:bodyPr/>
+                    <a:lstStyle/>
+                    <a:p>
+                      <a:pPr algn="ctr"/>
+                      <a:r>
+                        <a:rPr lang="en-US" sz="1200" dirty="0" smtClean="0"/>
+                        <a:t>+</a:t>
+                      </a:r>
+                      <a:endParaRPr lang="ru-RU" sz="1200" dirty="0"/>
+                    </a:p>
+                  </a:txBody>
+                  <a:tcPr/>
+                </a:tc>
+                <a:tc>
+                  <a:txBody>
+                    <a:bodyPr/>
+                    <a:lstStyle/>
+                    <a:p>
+                      <a:pPr algn="ctr"/>
+                      <a:r>
+                        <a:rPr lang="en-US" sz="1200" dirty="0" smtClean="0"/>
+                        <a:t>-</a:t>
+                      </a:r>
+                      <a:endParaRPr lang="ru-RU" sz="1200" dirty="0"/>
+                    </a:p>
+                  </a:txBody>
+                  <a:tcPr/>
+                </a:tc>
+                <a:tc>
+                  <a:txBody>
+                    <a:bodyPr/>
+                    <a:lstStyle/>
+                    <a:p>
+                      <a:pPr algn="ctr"/>
+                      <a:r>
+                        <a:rPr lang="en-US" sz="1200" dirty="0" smtClean="0"/>
+                        <a:t>-</a:t>
+                      </a:r>
+                      <a:endParaRPr lang="ru-RU" sz="1200" dirty="0"/>
+                    </a:p>
+                  </a:txBody>
+                  <a:tcPr/>
+                </a:tc>
+                <a:tc>
+                  <a:txBody>
+                    <a:bodyPr/>
+                    <a:lstStyle/>
+                    <a:p>
+                      <a:pPr algn="ctr"/>
+                      <a:r>
+                        <a:rPr lang="en-US" sz="1200" dirty="0" smtClean="0"/>
+                        <a:t>Remote</a:t>
+                      </a:r>
+                      <a:endParaRPr lang="ru-RU" sz="1200" dirty="0"/>
+                    </a:p>
+                  </a:txBody>
+                  <a:tcPr/>
+                </a:tc>
+              </a:tr>
+              <a:tr h="370840">
+                <a:tc>
+                  <a:txBody>
+                    <a:bodyPr/>
+                    <a:lstStyle/>
+                    <a:p>
+                      <a:r>
+                        <a:rPr lang="en-US" b="0" dirty="0" err="1" smtClean="0"/>
+                        <a:t>Redis</a:t>
+                      </a:r>
+                      <a:endParaRPr lang="ru-RU" b="0" dirty="0"/>
+                    </a:p>
+                  </a:txBody>
+                  <a:tcPr/>
+                </a:tc>
+                <a:tc>
+                  <a:txBody>
+                    <a:bodyPr/>
+                    <a:lstStyle/>
+                    <a:p>
+                      <a:pPr algn="ctr"/>
+                      <a:r>
+                        <a:rPr lang="en-US" sz="1200" dirty="0" smtClean="0"/>
+                        <a:t>+</a:t>
+                      </a:r>
+                      <a:endParaRPr lang="ru-RU" sz="1200" dirty="0"/>
+                    </a:p>
+                  </a:txBody>
+                  <a:tcPr/>
+                </a:tc>
+                <a:tc>
+                  <a:txBody>
+                    <a:bodyPr/>
+                    <a:lstStyle/>
+                    <a:p>
+                      <a:pPr algn="ctr"/>
+                      <a:r>
+                        <a:rPr lang="en-US" sz="1200" dirty="0" smtClean="0"/>
+                        <a:t>JPQL</a:t>
+                      </a:r>
+                      <a:endParaRPr lang="ru-RU" sz="1200" dirty="0"/>
+                    </a:p>
+                  </a:txBody>
+                  <a:tcPr/>
+                </a:tc>
+                <a:tc>
+                  <a:txBody>
+                    <a:bodyPr/>
+                    <a:lstStyle/>
+                    <a:p>
+                      <a:pPr algn="ctr"/>
+                      <a:r>
+                        <a:rPr lang="en-US" sz="1200" dirty="0" smtClean="0"/>
+                        <a:t>Emulation</a:t>
+                      </a:r>
+                      <a:endParaRPr lang="ru-RU" sz="1200" dirty="0"/>
+                    </a:p>
+                  </a:txBody>
+                  <a:tcPr/>
+                </a:tc>
+                <a:tc>
+                  <a:txBody>
+                    <a:bodyPr/>
+                    <a:lstStyle/>
+                    <a:p>
+                      <a:pPr algn="ctr"/>
+                      <a:r>
+                        <a:rPr lang="en-US" sz="1200" dirty="0" smtClean="0"/>
+                        <a:t>Remote</a:t>
+                      </a:r>
+                      <a:endParaRPr lang="ru-RU" sz="1200" dirty="0"/>
+                    </a:p>
+                  </a:txBody>
+                  <a:tcPr/>
+                </a:tc>
+              </a:tr>
+              <a:tr h="370840">
+                <a:tc>
+                  <a:txBody>
+                    <a:bodyPr/>
+                    <a:lstStyle/>
+                    <a:p>
+                      <a:r>
+                        <a:rPr lang="en-US" b="0" dirty="0" smtClean="0"/>
+                        <a:t>Neo4j</a:t>
+                      </a:r>
+                      <a:endParaRPr lang="ru-RU" b="0" dirty="0"/>
+                    </a:p>
+                  </a:txBody>
+                  <a:tcPr/>
+                </a:tc>
+                <a:tc>
+                  <a:txBody>
+                    <a:bodyPr/>
+                    <a:lstStyle/>
+                    <a:p>
+                      <a:pPr algn="ctr"/>
+                      <a:r>
+                        <a:rPr lang="en-US" sz="1200" dirty="0" smtClean="0"/>
+                        <a:t>+</a:t>
+                      </a:r>
+                      <a:endParaRPr lang="ru-RU" sz="1200" dirty="0"/>
+                    </a:p>
+                  </a:txBody>
+                  <a:tcPr/>
+                </a:tc>
+                <a:tc>
+                  <a:txBody>
+                    <a:bodyPr/>
+                    <a:lstStyle/>
+                    <a:p>
+                      <a:pPr marL="0" marR="0" lvl="0" indent="0" algn="ctr" defTabSz="914400" rtl="0" eaLnBrk="1" fontAlgn="auto" latinLnBrk="0" hangingPunct="1">
+                        <a:lnSpc>
+                          <a:spcPct val="100000"/>
+                        </a:lnSpc>
+                        <a:spcBef>
+                          <a:spcPts val="0"/>
+                        </a:spcBef>
+                        <a:spcAft>
+                          <a:spcPts val="0"/>
+                        </a:spcAft>
+                        <a:buClrTx/>
+                        <a:buSzTx/>
+                        <a:buFontTx/>
+                        <a:buNone/>
+                        <a:tabLst/>
+                        <a:defRPr/>
+                      </a:pPr>
+                      <a:r>
+                        <a:rPr lang="en-US" sz="1200" dirty="0" smtClean="0"/>
+                        <a:t>Native, JPQL</a:t>
+                      </a:r>
+                      <a:endParaRPr lang="ru-RU" sz="1200" dirty="0" smtClean="0"/>
+                    </a:p>
+                    <a:p>
+                      <a:pPr algn="ctr"/>
+                      <a:endParaRPr lang="ru-RU" sz="1200" dirty="0"/>
+                    </a:p>
+                  </a:txBody>
+                  <a:tcPr/>
+                </a:tc>
+                <a:tc>
+                  <a:txBody>
+                    <a:bodyPr/>
+                    <a:lstStyle/>
+                    <a:p>
+                      <a:pPr algn="ctr"/>
+                      <a:r>
+                        <a:rPr lang="en-US" sz="1200" dirty="0" smtClean="0"/>
+                        <a:t>Emulation</a:t>
+                      </a:r>
+                      <a:endParaRPr lang="ru-RU" sz="1200" dirty="0"/>
+                    </a:p>
+                  </a:txBody>
+                  <a:tcPr/>
+                </a:tc>
+                <a:tc>
+                  <a:txBody>
+                    <a:bodyPr/>
+                    <a:lstStyle/>
+                    <a:p>
+                      <a:pPr algn="ctr"/>
+                      <a:r>
+                        <a:rPr lang="en-US" sz="1200" dirty="0" smtClean="0"/>
+                        <a:t>Embedded</a:t>
+                      </a:r>
+                      <a:endParaRPr lang="ru-RU" sz="1200" dirty="0"/>
+                    </a:p>
+                  </a:txBody>
+                  <a:tcPr/>
+                </a:tc>
+              </a:tr>
+              <a:tr h="370840">
+                <a:tc>
+                  <a:txBody>
+                    <a:bodyPr/>
+                    <a:lstStyle/>
+                    <a:p>
+                      <a:r>
+                        <a:rPr lang="en-US" b="0" dirty="0" smtClean="0"/>
+                        <a:t>Cassandra</a:t>
+                      </a:r>
+                      <a:endParaRPr lang="ru-RU" b="0" dirty="0"/>
+                    </a:p>
+                  </a:txBody>
+                  <a:tcPr/>
+                </a:tc>
+                <a:tc>
+                  <a:txBody>
+                    <a:bodyPr/>
+                    <a:lstStyle/>
+                    <a:p>
+                      <a:pPr algn="ctr"/>
+                      <a:r>
+                        <a:rPr lang="en-US" sz="1200" dirty="0" smtClean="0"/>
+                        <a:t>+</a:t>
+                      </a:r>
+                      <a:endParaRPr lang="ru-RU" sz="1200" dirty="0"/>
+                    </a:p>
+                  </a:txBody>
+                  <a:tcPr/>
+                </a:tc>
+                <a:tc>
+                  <a:txBody>
+                    <a:bodyPr/>
+                    <a:lstStyle/>
+                    <a:p>
+                      <a:pPr algn="ctr"/>
+                      <a:r>
+                        <a:rPr lang="en-US" sz="1200" dirty="0" smtClean="0"/>
+                        <a:t>Native</a:t>
+                      </a:r>
+                      <a:endParaRPr lang="ru-RU" sz="1200" dirty="0"/>
+                    </a:p>
+                  </a:txBody>
+                  <a:tcPr/>
+                </a:tc>
+                <a:tc>
+                  <a:txBody>
+                    <a:bodyPr/>
+                    <a:lstStyle/>
+                    <a:p>
+                      <a:pPr algn="ctr"/>
+                      <a:r>
+                        <a:rPr lang="en-US" sz="1200" dirty="0" smtClean="0"/>
+                        <a:t>Emulation</a:t>
+                      </a:r>
+                      <a:endParaRPr lang="ru-RU" sz="1200" dirty="0"/>
+                    </a:p>
+                  </a:txBody>
+                  <a:tcPr/>
+                </a:tc>
+                <a:tc>
+                  <a:txBody>
+                    <a:bodyPr/>
+                    <a:lstStyle/>
+                    <a:p>
+                      <a:pPr algn="ctr"/>
+                      <a:r>
+                        <a:rPr lang="en-US" sz="1200" dirty="0" smtClean="0"/>
+                        <a:t>Remote</a:t>
+                      </a:r>
+                      <a:endParaRPr lang="ru-RU" sz="1200" dirty="0"/>
                     </a:p>
                   </a:txBody>
                   <a:tcPr/>

--- a/presentation/jpoint2017.pptx
+++ b/presentation/jpoint2017.pptx
@@ -16,7 +16,7 @@
     <p:sldId id="263" r:id="rId7"/>
     <p:sldId id="264" r:id="rId8"/>
     <p:sldId id="261" r:id="rId9"/>
-    <p:sldId id="265" r:id="rId10"/>
+    <p:sldId id="266" r:id="rId10"/>
     <p:sldId id="262" r:id="rId11"/>
   </p:sldIdLst>
   <p:sldSz cx="9144000" cy="5143500" type="screen16x9"/>
@@ -225,7 +225,18 @@
   </p:defaultTextStyle>
   <p:extLst>
     <p:ext uri="{EFAFB233-063F-42B5-8137-9DF3F51BA10A}">
-      <p15:sldGuideLst xmlns:p15="http://schemas.microsoft.com/office/powerpoint/2012/main"/>
+      <p15:sldGuideLst xmlns:p15="http://schemas.microsoft.com/office/powerpoint/2012/main">
+        <p15:guide id="1" orient="horz" pos="1620" userDrawn="1">
+          <p15:clr>
+            <a:srgbClr val="A4A3A4"/>
+          </p15:clr>
+        </p15:guide>
+        <p15:guide id="2" pos="2880" userDrawn="1">
+          <p15:clr>
+            <a:srgbClr val="A4A3A4"/>
+          </p15:clr>
+        </p15:guide>
+      </p15:sldGuideLst>
     </p:ext>
   </p:extLst>
 </p:presentation>
@@ -522,8 +533,8 @@
         </p:nvSpPr>
         <p:spPr>
           <a:xfrm>
-            <a:off x="381300" y="685800"/>
-            <a:ext cx="6096075" cy="3429000"/>
+            <a:off x="381000" y="685800"/>
+            <a:ext cx="6096000" cy="3429000"/>
           </a:xfrm>
           <a:custGeom>
             <a:avLst/>
@@ -1118,7 +1129,7 @@
         </p:nvSpPr>
         <p:spPr>
           <a:xfrm>
-            <a:off x="381300" y="685800"/>
+            <a:off x="381000" y="685800"/>
             <a:ext cx="6096000" cy="3429000"/>
           </a:xfrm>
           <a:custGeom>
@@ -1629,7 +1640,7 @@
     </p:spTree>
     <p:extLst>
       <p:ext uri="{BB962C8B-B14F-4D97-AF65-F5344CB8AC3E}">
-        <p14:creationId xmlns:p14="http://schemas.microsoft.com/office/powerpoint/2010/main" val="4260200067"/>
+        <p14:creationId xmlns:p14="http://schemas.microsoft.com/office/powerpoint/2010/main" val="2505164102"/>
       </p:ext>
     </p:extLst>
   </p:cSld>
@@ -4972,7 +4983,7 @@
         </p:nvSpPr>
         <p:spPr>
           <a:xfrm>
-            <a:off x="1233400" y="2821050"/>
+            <a:off x="725400" y="2436422"/>
             <a:ext cx="3641700" cy="1535100"/>
           </a:xfrm>
           <a:prstGeom prst="rect">
@@ -4996,7 +5007,7 @@
               <a:buNone/>
             </a:pPr>
             <a:r>
-              <a:rPr lang="en-GB" sz="1800"/>
+              <a:rPr lang="en-GB" sz="1800" dirty="0"/>
               <a:t>Sergey Chernolyas</a:t>
             </a:r>
           </a:p>
@@ -5008,7 +5019,7 @@
               <a:buNone/>
             </a:pPr>
             <a:r>
-              <a:rPr lang="en-GB" sz="1800"/>
+              <a:rPr lang="en-GB" sz="1800" dirty="0"/>
               <a:t>Contributor of Hibernate OGM</a:t>
             </a:r>
           </a:p>
@@ -5019,7 +5030,7 @@
               </a:spcBef>
               <a:buNone/>
             </a:pPr>
-            <a:endParaRPr sz="1800"/>
+            <a:endParaRPr sz="1800" dirty="0"/>
           </a:p>
           <a:p>
             <a:pPr lvl="0">
@@ -5029,7 +5040,7 @@
               <a:buNone/>
             </a:pPr>
             <a:r>
-              <a:rPr lang="en-GB" sz="1800"/>
+              <a:rPr lang="en-GB" sz="1800" dirty="0"/>
               <a:t>sergey.chernolyas@gmail.com</a:t>
             </a:r>
           </a:p>
@@ -5090,8 +5101,8 @@
         </p:blipFill>
         <p:spPr>
           <a:xfrm>
-            <a:off x="1714500" y="1868550"/>
-            <a:ext cx="5715000" cy="952500"/>
+            <a:off x="1434110" y="1022763"/>
+            <a:ext cx="6156862" cy="952500"/>
           </a:xfrm>
           <a:prstGeom prst="rect">
             <a:avLst/>
@@ -5100,6 +5111,36 @@
           <a:ln>
             <a:noFill/>
           </a:ln>
+        </p:spPr>
+      </p:pic>
+      <p:pic>
+        <p:nvPicPr>
+          <p:cNvPr id="2" name="Picture 1"/>
+          <p:cNvPicPr>
+            <a:picLocks noChangeAspect="1"/>
+          </p:cNvPicPr>
+          <p:nvPr/>
+        </p:nvPicPr>
+        <p:blipFill>
+          <a:blip r:embed="rId4">
+            <a:extLst>
+              <a:ext uri="{28A0092B-C50C-407E-A947-70E740481C1C}">
+                <a14:useLocalDpi xmlns:a14="http://schemas.microsoft.com/office/drawing/2010/main" val="0"/>
+              </a:ext>
+            </a:extLst>
+          </a:blip>
+          <a:stretch>
+            <a:fillRect/>
+          </a:stretch>
+        </p:blipFill>
+        <p:spPr>
+          <a:xfrm>
+            <a:off x="4944130" y="2122014"/>
+            <a:ext cx="3494027" cy="1600900"/>
+          </a:xfrm>
+          <a:prstGeom prst="rect">
+            <a:avLst/>
+          </a:prstGeom>
         </p:spPr>
       </p:pic>
     </p:spTree>
@@ -5795,7 +5836,7 @@
               <a:buAutoNum type="arabicPeriod" startAt="3"/>
             </a:pPr>
             <a:r>
-              <a:rPr lang="en-GB" sz="2000" b="1"/>
+              <a:rPr lang="en-GB" sz="2000" b="1" dirty="0"/>
               <a:t>Supported types of data storage</a:t>
             </a:r>
           </a:p>
@@ -5811,7 +5852,7 @@
               <a:buAutoNum type="arabicPeriod"/>
             </a:pPr>
             <a:r>
-              <a:rPr lang="en-GB" sz="1800" b="1"/>
+              <a:rPr lang="en-GB" sz="1800" b="1" dirty="0"/>
               <a:t>Graph storage</a:t>
             </a:r>
           </a:p>
@@ -5827,7 +5868,7 @@
               <a:buAutoNum type="arabicPeriod"/>
             </a:pPr>
             <a:r>
-              <a:rPr lang="en-GB" sz="1800" b="1"/>
+              <a:rPr lang="en-GB" sz="1800" b="1" dirty="0"/>
               <a:t>Document storage</a:t>
             </a:r>
           </a:p>
@@ -5843,7 +5884,7 @@
               <a:buAutoNum type="arabicPeriod"/>
             </a:pPr>
             <a:r>
-              <a:rPr lang="en-GB" sz="1800" b="1"/>
+              <a:rPr lang="en-GB" sz="1800" b="1" dirty="0"/>
               <a:t>Key-value storage</a:t>
             </a:r>
           </a:p>
@@ -5859,9 +5900,30 @@
               <a:buAutoNum type="arabicPeriod"/>
             </a:pPr>
             <a:r>
-              <a:rPr lang="en-GB" sz="1800" b="1"/>
-              <a:t>Column-oriented storage</a:t>
+              <a:rPr lang="en-GB" sz="1800" b="1" dirty="0"/>
+              <a:t>Column-oriented </a:t>
             </a:r>
+            <a:r>
+              <a:rPr lang="en-GB" sz="1800" b="1" dirty="0" smtClean="0"/>
+              <a:t>storage</a:t>
+            </a:r>
+          </a:p>
+          <a:p>
+            <a:pPr marL="914400" lvl="1" indent="-342900" rtl="0">
+              <a:lnSpc>
+                <a:spcPct val="150000"/>
+              </a:lnSpc>
+              <a:spcBef>
+                <a:spcPts val="0"/>
+              </a:spcBef>
+              <a:buSzPct val="100000"/>
+              <a:buAutoNum type="arabicPeriod"/>
+            </a:pPr>
+            <a:r>
+              <a:rPr lang="en-GB" sz="1800" i="1" dirty="0" smtClean="0"/>
+              <a:t>Multi-model storage</a:t>
+            </a:r>
+            <a:endParaRPr lang="en-GB" sz="1800" i="1" dirty="0"/>
           </a:p>
         </p:txBody>
       </p:sp>
@@ -6009,11 +6071,11 @@
               <a:t> </a:t>
             </a:r>
             <a:r>
-              <a:rPr lang="en-GB" sz="1800" b="1" dirty="0" err="1"/>
+              <a:rPr lang="en-GB" sz="1800" dirty="0" err="1"/>
               <a:t>Redis</a:t>
             </a:r>
             <a:r>
-              <a:rPr lang="en-GB" sz="1800" b="1" dirty="0"/>
+              <a:rPr lang="en-GB" sz="1800" dirty="0"/>
               <a:t>(Experimental)</a:t>
             </a:r>
           </a:p>
@@ -6035,15 +6097,15 @@
               <a:t>, </a:t>
             </a:r>
             <a:r>
-              <a:rPr lang="en-GB" sz="1800" b="1" dirty="0" err="1" smtClean="0"/>
+              <a:rPr lang="en-GB" sz="1800" dirty="0" err="1" smtClean="0"/>
               <a:t>CouchDB</a:t>
             </a:r>
             <a:r>
-              <a:rPr lang="en-GB" sz="1800" b="1" dirty="0" smtClean="0"/>
+              <a:rPr lang="en-GB" sz="1800" dirty="0" smtClean="0"/>
               <a:t>(Experimental</a:t>
             </a:r>
             <a:r>
-              <a:rPr lang="en-GB" sz="1800" b="1" dirty="0"/>
+              <a:rPr lang="en-GB" sz="1800" dirty="0"/>
               <a:t>)</a:t>
             </a:r>
           </a:p>
@@ -6069,7 +6131,7 @@
               <a:buAutoNum type="arabicPeriod"/>
             </a:pPr>
             <a:r>
-              <a:rPr lang="en-GB" sz="1800" b="1" dirty="0" smtClean="0"/>
+              <a:rPr lang="en-GB" sz="1800" dirty="0" smtClean="0"/>
               <a:t>Cassandra(experimental)</a:t>
             </a:r>
           </a:p>
@@ -6091,7 +6153,11 @@
             </a:r>
             <a:r>
               <a:rPr lang="en-US" sz="1800" i="1" dirty="0"/>
-              <a:t>preparing to release</a:t>
+              <a:t>preparing to </a:t>
+            </a:r>
+            <a:r>
+              <a:rPr lang="en-US" sz="1800" i="1" dirty="0" smtClean="0"/>
+              <a:t>release in version 5.2</a:t>
             </a:r>
             <a:r>
               <a:rPr lang="ru-RU" sz="1800" i="1" dirty="0" smtClean="0"/>
@@ -6273,11 +6339,41 @@
                 <a:tableStyleId>{21E4AEA4-8DFA-4A89-87EB-49C32662AFE0}</a:tableStyleId>
               </a:tblPr>
               <a:tblGrid>
-                <a:gridCol w="1157555"/>
-                <a:gridCol w="1330895"/>
-                <a:gridCol w="1483181"/>
-                <a:gridCol w="1611724"/>
-                <a:gridCol w="2238404"/>
+                <a:gridCol w="1157555">
+                  <a:extLst>
+                    <a:ext uri="{9D8B030D-6E8A-4147-A177-3AD203B41FA5}">
+                      <a16:colId xmlns:a16="http://schemas.microsoft.com/office/drawing/2014/main" val="20000"/>
+                    </a:ext>
+                  </a:extLst>
+                </a:gridCol>
+                <a:gridCol w="1330895">
+                  <a:extLst>
+                    <a:ext uri="{9D8B030D-6E8A-4147-A177-3AD203B41FA5}">
+                      <a16:colId xmlns:a16="http://schemas.microsoft.com/office/drawing/2014/main" val="20001"/>
+                    </a:ext>
+                  </a:extLst>
+                </a:gridCol>
+                <a:gridCol w="1483181">
+                  <a:extLst>
+                    <a:ext uri="{9D8B030D-6E8A-4147-A177-3AD203B41FA5}">
+                      <a16:colId xmlns:a16="http://schemas.microsoft.com/office/drawing/2014/main" val="20002"/>
+                    </a:ext>
+                  </a:extLst>
+                </a:gridCol>
+                <a:gridCol w="1611724">
+                  <a:extLst>
+                    <a:ext uri="{9D8B030D-6E8A-4147-A177-3AD203B41FA5}">
+                      <a16:colId xmlns:a16="http://schemas.microsoft.com/office/drawing/2014/main" val="20003"/>
+                    </a:ext>
+                  </a:extLst>
+                </a:gridCol>
+                <a:gridCol w="2238404">
+                  <a:extLst>
+                    <a:ext uri="{9D8B030D-6E8A-4147-A177-3AD203B41FA5}">
+                      <a16:colId xmlns:a16="http://schemas.microsoft.com/office/drawing/2014/main" val="20004"/>
+                    </a:ext>
+                  </a:extLst>
+                </a:gridCol>
               </a:tblGrid>
               <a:tr h="370840">
                 <a:tc rowSpan="2">
@@ -6341,6 +6437,11 @@
                   </a:txBody>
                   <a:tcPr/>
                 </a:tc>
+                <a:extLst>
+                  <a:ext uri="{0D108BD9-81ED-4DB2-BD59-A6C34878D82A}">
+                    <a16:rowId xmlns:a16="http://schemas.microsoft.com/office/drawing/2014/main" val="10000"/>
+                  </a:ext>
+                </a:extLst>
               </a:tr>
               <a:tr h="370840">
                 <a:tc vMerge="1">
@@ -6413,6 +6514,11 @@
                   </a:txBody>
                   <a:tcPr/>
                 </a:tc>
+                <a:extLst>
+                  <a:ext uri="{0D108BD9-81ED-4DB2-BD59-A6C34878D82A}">
+                    <a16:rowId xmlns:a16="http://schemas.microsoft.com/office/drawing/2014/main" val="10001"/>
+                  </a:ext>
+                </a:extLst>
               </a:tr>
               <a:tr h="370840">
                 <a:tc>
@@ -6489,6 +6595,11 @@
                   </a:txBody>
                   <a:tcPr/>
                 </a:tc>
+                <a:extLst>
+                  <a:ext uri="{0D108BD9-81ED-4DB2-BD59-A6C34878D82A}">
+                    <a16:rowId xmlns:a16="http://schemas.microsoft.com/office/drawing/2014/main" val="10002"/>
+                  </a:ext>
+                </a:extLst>
               </a:tr>
               <a:tr h="370840">
                 <a:tc>
@@ -6565,6 +6676,11 @@
                   </a:txBody>
                   <a:tcPr/>
                 </a:tc>
+                <a:extLst>
+                  <a:ext uri="{0D108BD9-81ED-4DB2-BD59-A6C34878D82A}">
+                    <a16:rowId xmlns:a16="http://schemas.microsoft.com/office/drawing/2014/main" val="10003"/>
+                  </a:ext>
+                </a:extLst>
               </a:tr>
               <a:tr h="370840">
                 <a:tc>
@@ -6641,6 +6757,11 @@
                   </a:txBody>
                   <a:tcPr/>
                 </a:tc>
+                <a:extLst>
+                  <a:ext uri="{0D108BD9-81ED-4DB2-BD59-A6C34878D82A}">
+                    <a16:rowId xmlns:a16="http://schemas.microsoft.com/office/drawing/2014/main" val="10004"/>
+                  </a:ext>
+                </a:extLst>
               </a:tr>
               <a:tr h="370840">
                 <a:tc>
@@ -6717,6 +6838,11 @@
                   </a:txBody>
                   <a:tcPr/>
                 </a:tc>
+                <a:extLst>
+                  <a:ext uri="{0D108BD9-81ED-4DB2-BD59-A6C34878D82A}">
+                    <a16:rowId xmlns:a16="http://schemas.microsoft.com/office/drawing/2014/main" val="10005"/>
+                  </a:ext>
+                </a:extLst>
               </a:tr>
               <a:tr h="370840">
                 <a:tc>
@@ -6793,6 +6919,11 @@
                   </a:txBody>
                   <a:tcPr/>
                 </a:tc>
+                <a:extLst>
+                  <a:ext uri="{0D108BD9-81ED-4DB2-BD59-A6C34878D82A}">
+                    <a16:rowId xmlns:a16="http://schemas.microsoft.com/office/drawing/2014/main" val="10006"/>
+                  </a:ext>
+                </a:extLst>
               </a:tr>
               <a:tr h="370840">
                 <a:tc>
@@ -6889,6 +7020,11 @@
                   </a:txBody>
                   <a:tcPr/>
                 </a:tc>
+                <a:extLst>
+                  <a:ext uri="{0D108BD9-81ED-4DB2-BD59-A6C34878D82A}">
+                    <a16:rowId xmlns:a16="http://schemas.microsoft.com/office/drawing/2014/main" val="10007"/>
+                  </a:ext>
+                </a:extLst>
               </a:tr>
               <a:tr h="370840">
                 <a:tc>
@@ -6965,6 +7101,11 @@
                   </a:txBody>
                   <a:tcPr/>
                 </a:tc>
+                <a:extLst>
+                  <a:ext uri="{0D108BD9-81ED-4DB2-BD59-A6C34878D82A}">
+                    <a16:rowId xmlns:a16="http://schemas.microsoft.com/office/drawing/2014/main" val="10008"/>
+                  </a:ext>
+                </a:extLst>
               </a:tr>
             </a:tbl>
           </a:graphicData>
@@ -7885,20 +8026,106 @@
               </a:lnSpc>
               <a:buSzPct val="100000"/>
               <a:buFont typeface="+mj-lt"/>
-              <a:buAutoNum type="arabicPeriod" startAt="7"/>
-            </a:pPr>
+              <a:buAutoNum type="arabicPeriod" startAt="4"/>
+            </a:pPr>
+            <a:r>
+              <a:rPr lang="en-GB" sz="2000" b="1" dirty="0" err="1" smtClean="0"/>
+              <a:t>OrientDB</a:t>
+            </a:r>
             <a:r>
               <a:rPr lang="en-GB" sz="2000" b="1" dirty="0" smtClean="0"/>
-              <a:t>Performance</a:t>
+              <a:t> database</a:t>
             </a:r>
             <a:endParaRPr lang="en-GB" sz="2000" b="1" dirty="0"/>
+          </a:p>
+          <a:p>
+            <a:pPr marL="914400" lvl="2" indent="-342900">
+              <a:lnSpc>
+                <a:spcPct val="150000"/>
+              </a:lnSpc>
+              <a:buSzPct val="100000"/>
+              <a:buFontTx/>
+              <a:buAutoNum type="arabicPeriod"/>
+            </a:pPr>
+            <a:r>
+              <a:rPr lang="en-GB" sz="1800" b="1" dirty="0" smtClean="0"/>
+              <a:t>Multi-model (document + graph) storage </a:t>
+            </a:r>
+            <a:endParaRPr lang="en-GB" sz="1800" dirty="0"/>
+          </a:p>
+          <a:p>
+            <a:pPr marL="914400" lvl="2" indent="-342900">
+              <a:lnSpc>
+                <a:spcPct val="150000"/>
+              </a:lnSpc>
+              <a:buSzPct val="100000"/>
+              <a:buFontTx/>
+              <a:buAutoNum type="arabicPeriod"/>
+            </a:pPr>
+            <a:r>
+              <a:rPr lang="en-GB" sz="1800" b="1" dirty="0" smtClean="0"/>
+              <a:t>SQL-like query language </a:t>
+            </a:r>
+          </a:p>
+          <a:p>
+            <a:pPr marL="914400" lvl="2" indent="-342900">
+              <a:lnSpc>
+                <a:spcPct val="150000"/>
+              </a:lnSpc>
+              <a:buSzPct val="100000"/>
+              <a:buFontTx/>
+              <a:buAutoNum type="arabicPeriod"/>
+            </a:pPr>
+            <a:r>
+              <a:rPr lang="en-GB" sz="1800" b="1" dirty="0" smtClean="0"/>
+              <a:t>Supports stored procedures (any JSR-223 language)</a:t>
+            </a:r>
+          </a:p>
+          <a:p>
+            <a:pPr marL="914400" lvl="2" indent="-342900">
+              <a:lnSpc>
+                <a:spcPct val="150000"/>
+              </a:lnSpc>
+              <a:buSzPct val="100000"/>
+              <a:buFontTx/>
+              <a:buAutoNum type="arabicPeriod"/>
+            </a:pPr>
+            <a:r>
+              <a:rPr lang="en-GB" sz="1800" b="1" dirty="0" smtClean="0"/>
+              <a:t>Multi-master replication</a:t>
+            </a:r>
+          </a:p>
+          <a:p>
+            <a:pPr marL="914400" lvl="2" indent="-342900">
+              <a:lnSpc>
+                <a:spcPct val="150000"/>
+              </a:lnSpc>
+              <a:buSzPct val="100000"/>
+              <a:buFontTx/>
+              <a:buAutoNum type="arabicPeriod"/>
+            </a:pPr>
+            <a:r>
+              <a:rPr lang="en-GB" sz="1800" b="1" dirty="0" smtClean="0"/>
+              <a:t>Part of table (cluster) as object for query language</a:t>
+            </a:r>
+          </a:p>
+          <a:p>
+            <a:pPr marL="914400" lvl="2" indent="-342900">
+              <a:lnSpc>
+                <a:spcPct val="150000"/>
+              </a:lnSpc>
+              <a:buSzPct val="100000"/>
+              <a:buFontTx/>
+              <a:buAutoNum type="arabicPeriod"/>
+            </a:pPr>
+            <a:endParaRPr lang="en-GB" sz="1800" dirty="0"/>
           </a:p>
         </p:txBody>
       </p:sp>
     </p:spTree>
     <p:extLst>
       <p:ext uri="{BB962C8B-B14F-4D97-AF65-F5344CB8AC3E}">
-        <p14:creationId xmlns:p14="http://schemas.microsoft.com/office/powerpoint/2010/main" val="4148259363"/>
+        <p14:creationId xmlns:p14="http://schemas.microsoft.com/office/powerpoint/2010/main" val="608987707"/>
       </p:ext>
     </p:extLst>
   </p:cSld>

--- a/presentation/jpoint2017.pptx
+++ b/presentation/jpoint2017.pptx
@@ -5,19 +5,23 @@
     <p:sldMasterId id="2147483659" r:id="rId1"/>
   </p:sldMasterIdLst>
   <p:notesMasterIdLst>
-    <p:notesMasterId r:id="rId12"/>
+    <p:notesMasterId r:id="rId16"/>
   </p:notesMasterIdLst>
   <p:sldIdLst>
     <p:sldId id="256" r:id="rId2"/>
     <p:sldId id="257" r:id="rId3"/>
-    <p:sldId id="258" r:id="rId4"/>
-    <p:sldId id="259" r:id="rId5"/>
-    <p:sldId id="260" r:id="rId6"/>
-    <p:sldId id="263" r:id="rId7"/>
-    <p:sldId id="264" r:id="rId8"/>
-    <p:sldId id="261" r:id="rId9"/>
-    <p:sldId id="266" r:id="rId10"/>
-    <p:sldId id="262" r:id="rId11"/>
+    <p:sldId id="267" r:id="rId4"/>
+    <p:sldId id="258" r:id="rId5"/>
+    <p:sldId id="259" r:id="rId6"/>
+    <p:sldId id="260" r:id="rId7"/>
+    <p:sldId id="263" r:id="rId8"/>
+    <p:sldId id="264" r:id="rId9"/>
+    <p:sldId id="261" r:id="rId10"/>
+    <p:sldId id="266" r:id="rId11"/>
+    <p:sldId id="268" r:id="rId12"/>
+    <p:sldId id="269" r:id="rId13"/>
+    <p:sldId id="270" r:id="rId14"/>
+    <p:sldId id="262" r:id="rId15"/>
   </p:sldIdLst>
   <p:sldSz cx="9144000" cy="5143500" type="screen16x9"/>
   <p:notesSz cx="6858000" cy="9144000"/>
@@ -615,6 +619,442 @@
   <p:cSld>
     <p:spTree>
       <p:nvGrpSpPr>
+        <p:cNvPr id="1" name="Shape 76"/>
+        <p:cNvGrpSpPr/>
+        <p:nvPr/>
+      </p:nvGrpSpPr>
+      <p:grpSpPr>
+        <a:xfrm>
+          <a:off x="0" y="0"/>
+          <a:ext cx="0" cy="0"/>
+          <a:chOff x="0" y="0"/>
+          <a:chExt cx="0" cy="0"/>
+        </a:xfrm>
+      </p:grpSpPr>
+      <p:sp>
+        <p:nvSpPr>
+          <p:cNvPr id="77" name="Shape 77"/>
+          <p:cNvSpPr>
+            <a:spLocks noGrp="1" noRot="1" noChangeAspect="1"/>
+          </p:cNvSpPr>
+          <p:nvPr>
+            <p:ph type="sldImg" idx="2"/>
+          </p:nvPr>
+        </p:nvSpPr>
+        <p:spPr>
+          <a:xfrm>
+            <a:off x="381000" y="685800"/>
+            <a:ext cx="6096000" cy="3429000"/>
+          </a:xfrm>
+          <a:custGeom>
+            <a:avLst/>
+            <a:gdLst/>
+            <a:ahLst/>
+            <a:cxnLst/>
+            <a:rect l="0" t="0" r="0" b="0"/>
+            <a:pathLst>
+              <a:path w="120000" h="120000" extrusionOk="0">
+                <a:moveTo>
+                  <a:pt x="0" y="0"/>
+                </a:moveTo>
+                <a:lnTo>
+                  <a:pt x="120000" y="0"/>
+                </a:lnTo>
+                <a:lnTo>
+                  <a:pt x="120000" y="120000"/>
+                </a:lnTo>
+                <a:lnTo>
+                  <a:pt x="0" y="120000"/>
+                </a:lnTo>
+                <a:close/>
+              </a:path>
+            </a:pathLst>
+          </a:custGeom>
+        </p:spPr>
+      </p:sp>
+      <p:sp>
+        <p:nvSpPr>
+          <p:cNvPr id="78" name="Shape 78"/>
+          <p:cNvSpPr txBox="1">
+            <a:spLocks noGrp="1"/>
+          </p:cNvSpPr>
+          <p:nvPr>
+            <p:ph type="body" idx="1"/>
+          </p:nvPr>
+        </p:nvSpPr>
+        <p:spPr>
+          <a:xfrm>
+            <a:off x="685800" y="4343400"/>
+            <a:ext cx="5486400" cy="4114800"/>
+          </a:xfrm>
+          <a:prstGeom prst="rect">
+            <a:avLst/>
+          </a:prstGeom>
+        </p:spPr>
+        <p:txBody>
+          <a:bodyPr lIns="91425" tIns="91425" rIns="91425" bIns="91425" anchor="t" anchorCtr="0">
+            <a:noAutofit/>
+          </a:bodyPr>
+          <a:lstStyle/>
+          <a:p>
+            <a:pPr lvl="0">
+              <a:spcBef>
+                <a:spcPts val="0"/>
+              </a:spcBef>
+              <a:buNone/>
+            </a:pPr>
+            <a:r>
+              <a:rPr lang="en-GB"/>
+              <a:t>Talk about how each type store data </a:t>
+            </a:r>
+          </a:p>
+        </p:txBody>
+      </p:sp>
+    </p:spTree>
+    <p:extLst>
+      <p:ext uri="{BB962C8B-B14F-4D97-AF65-F5344CB8AC3E}">
+        <p14:creationId xmlns:p14="http://schemas.microsoft.com/office/powerpoint/2010/main" val="2505164102"/>
+      </p:ext>
+    </p:extLst>
+  </p:cSld>
+  <p:clrMapOvr>
+    <a:masterClrMapping/>
+  </p:clrMapOvr>
+</p:notes>
+</file>
+
+<file path=ppt/notesSlides/notesSlide11.xml><?xml version="1.0" encoding="utf-8"?>
+<p:notes xmlns:a="http://schemas.openxmlformats.org/drawingml/2006/main" xmlns:r="http://schemas.openxmlformats.org/officeDocument/2006/relationships" xmlns:p="http://schemas.openxmlformats.org/presentationml/2006/main" showMasterSp="0" showMasterPhAnim="0">
+  <p:cSld>
+    <p:spTree>
+      <p:nvGrpSpPr>
+        <p:cNvPr id="1" name="Shape 76"/>
+        <p:cNvGrpSpPr/>
+        <p:nvPr/>
+      </p:nvGrpSpPr>
+      <p:grpSpPr>
+        <a:xfrm>
+          <a:off x="0" y="0"/>
+          <a:ext cx="0" cy="0"/>
+          <a:chOff x="0" y="0"/>
+          <a:chExt cx="0" cy="0"/>
+        </a:xfrm>
+      </p:grpSpPr>
+      <p:sp>
+        <p:nvSpPr>
+          <p:cNvPr id="77" name="Shape 77"/>
+          <p:cNvSpPr>
+            <a:spLocks noGrp="1" noRot="1" noChangeAspect="1"/>
+          </p:cNvSpPr>
+          <p:nvPr>
+            <p:ph type="sldImg" idx="2"/>
+          </p:nvPr>
+        </p:nvSpPr>
+        <p:spPr>
+          <a:xfrm>
+            <a:off x="381000" y="685800"/>
+            <a:ext cx="6096000" cy="3429000"/>
+          </a:xfrm>
+          <a:custGeom>
+            <a:avLst/>
+            <a:gdLst/>
+            <a:ahLst/>
+            <a:cxnLst/>
+            <a:rect l="0" t="0" r="0" b="0"/>
+            <a:pathLst>
+              <a:path w="120000" h="120000" extrusionOk="0">
+                <a:moveTo>
+                  <a:pt x="0" y="0"/>
+                </a:moveTo>
+                <a:lnTo>
+                  <a:pt x="120000" y="0"/>
+                </a:lnTo>
+                <a:lnTo>
+                  <a:pt x="120000" y="120000"/>
+                </a:lnTo>
+                <a:lnTo>
+                  <a:pt x="0" y="120000"/>
+                </a:lnTo>
+                <a:close/>
+              </a:path>
+            </a:pathLst>
+          </a:custGeom>
+        </p:spPr>
+      </p:sp>
+      <p:sp>
+        <p:nvSpPr>
+          <p:cNvPr id="78" name="Shape 78"/>
+          <p:cNvSpPr txBox="1">
+            <a:spLocks noGrp="1"/>
+          </p:cNvSpPr>
+          <p:nvPr>
+            <p:ph type="body" idx="1"/>
+          </p:nvPr>
+        </p:nvSpPr>
+        <p:spPr>
+          <a:xfrm>
+            <a:off x="685800" y="4343400"/>
+            <a:ext cx="5486400" cy="4114800"/>
+          </a:xfrm>
+          <a:prstGeom prst="rect">
+            <a:avLst/>
+          </a:prstGeom>
+        </p:spPr>
+        <p:txBody>
+          <a:bodyPr lIns="91425" tIns="91425" rIns="91425" bIns="91425" anchor="t" anchorCtr="0">
+            <a:noAutofit/>
+          </a:bodyPr>
+          <a:lstStyle/>
+          <a:p>
+            <a:pPr lvl="0">
+              <a:spcBef>
+                <a:spcPts val="0"/>
+              </a:spcBef>
+              <a:buNone/>
+            </a:pPr>
+            <a:r>
+              <a:rPr lang="en-GB"/>
+              <a:t>Talk about how each type store data </a:t>
+            </a:r>
+          </a:p>
+        </p:txBody>
+      </p:sp>
+    </p:spTree>
+    <p:extLst>
+      <p:ext uri="{BB962C8B-B14F-4D97-AF65-F5344CB8AC3E}">
+        <p14:creationId xmlns:p14="http://schemas.microsoft.com/office/powerpoint/2010/main" val="3657950722"/>
+      </p:ext>
+    </p:extLst>
+  </p:cSld>
+  <p:clrMapOvr>
+    <a:masterClrMapping/>
+  </p:clrMapOvr>
+</p:notes>
+</file>
+
+<file path=ppt/notesSlides/notesSlide12.xml><?xml version="1.0" encoding="utf-8"?>
+<p:notes xmlns:a="http://schemas.openxmlformats.org/drawingml/2006/main" xmlns:r="http://schemas.openxmlformats.org/officeDocument/2006/relationships" xmlns:p="http://schemas.openxmlformats.org/presentationml/2006/main" showMasterSp="0" showMasterPhAnim="0">
+  <p:cSld>
+    <p:spTree>
+      <p:nvGrpSpPr>
+        <p:cNvPr id="1" name="Shape 76"/>
+        <p:cNvGrpSpPr/>
+        <p:nvPr/>
+      </p:nvGrpSpPr>
+      <p:grpSpPr>
+        <a:xfrm>
+          <a:off x="0" y="0"/>
+          <a:ext cx="0" cy="0"/>
+          <a:chOff x="0" y="0"/>
+          <a:chExt cx="0" cy="0"/>
+        </a:xfrm>
+      </p:grpSpPr>
+      <p:sp>
+        <p:nvSpPr>
+          <p:cNvPr id="77" name="Shape 77"/>
+          <p:cNvSpPr>
+            <a:spLocks noGrp="1" noRot="1" noChangeAspect="1"/>
+          </p:cNvSpPr>
+          <p:nvPr>
+            <p:ph type="sldImg" idx="2"/>
+          </p:nvPr>
+        </p:nvSpPr>
+        <p:spPr>
+          <a:xfrm>
+            <a:off x="381000" y="685800"/>
+            <a:ext cx="6096000" cy="3429000"/>
+          </a:xfrm>
+          <a:custGeom>
+            <a:avLst/>
+            <a:gdLst/>
+            <a:ahLst/>
+            <a:cxnLst/>
+            <a:rect l="0" t="0" r="0" b="0"/>
+            <a:pathLst>
+              <a:path w="120000" h="120000" extrusionOk="0">
+                <a:moveTo>
+                  <a:pt x="0" y="0"/>
+                </a:moveTo>
+                <a:lnTo>
+                  <a:pt x="120000" y="0"/>
+                </a:lnTo>
+                <a:lnTo>
+                  <a:pt x="120000" y="120000"/>
+                </a:lnTo>
+                <a:lnTo>
+                  <a:pt x="0" y="120000"/>
+                </a:lnTo>
+                <a:close/>
+              </a:path>
+            </a:pathLst>
+          </a:custGeom>
+        </p:spPr>
+      </p:sp>
+      <p:sp>
+        <p:nvSpPr>
+          <p:cNvPr id="78" name="Shape 78"/>
+          <p:cNvSpPr txBox="1">
+            <a:spLocks noGrp="1"/>
+          </p:cNvSpPr>
+          <p:nvPr>
+            <p:ph type="body" idx="1"/>
+          </p:nvPr>
+        </p:nvSpPr>
+        <p:spPr>
+          <a:xfrm>
+            <a:off x="685800" y="4343400"/>
+            <a:ext cx="5486400" cy="4114800"/>
+          </a:xfrm>
+          <a:prstGeom prst="rect">
+            <a:avLst/>
+          </a:prstGeom>
+        </p:spPr>
+        <p:txBody>
+          <a:bodyPr lIns="91425" tIns="91425" rIns="91425" bIns="91425" anchor="t" anchorCtr="0">
+            <a:noAutofit/>
+          </a:bodyPr>
+          <a:lstStyle/>
+          <a:p>
+            <a:pPr lvl="0">
+              <a:spcBef>
+                <a:spcPts val="0"/>
+              </a:spcBef>
+              <a:buNone/>
+            </a:pPr>
+            <a:r>
+              <a:rPr lang="en-GB"/>
+              <a:t>Talk about how each type store data </a:t>
+            </a:r>
+          </a:p>
+        </p:txBody>
+      </p:sp>
+    </p:spTree>
+    <p:extLst>
+      <p:ext uri="{BB962C8B-B14F-4D97-AF65-F5344CB8AC3E}">
+        <p14:creationId xmlns:p14="http://schemas.microsoft.com/office/powerpoint/2010/main" val="2694853722"/>
+      </p:ext>
+    </p:extLst>
+  </p:cSld>
+  <p:clrMapOvr>
+    <a:masterClrMapping/>
+  </p:clrMapOvr>
+</p:notes>
+</file>
+
+<file path=ppt/notesSlides/notesSlide13.xml><?xml version="1.0" encoding="utf-8"?>
+<p:notes xmlns:a="http://schemas.openxmlformats.org/drawingml/2006/main" xmlns:r="http://schemas.openxmlformats.org/officeDocument/2006/relationships" xmlns:p="http://schemas.openxmlformats.org/presentationml/2006/main" showMasterSp="0" showMasterPhAnim="0">
+  <p:cSld>
+    <p:spTree>
+      <p:nvGrpSpPr>
+        <p:cNvPr id="1" name="Shape 76"/>
+        <p:cNvGrpSpPr/>
+        <p:nvPr/>
+      </p:nvGrpSpPr>
+      <p:grpSpPr>
+        <a:xfrm>
+          <a:off x="0" y="0"/>
+          <a:ext cx="0" cy="0"/>
+          <a:chOff x="0" y="0"/>
+          <a:chExt cx="0" cy="0"/>
+        </a:xfrm>
+      </p:grpSpPr>
+      <p:sp>
+        <p:nvSpPr>
+          <p:cNvPr id="77" name="Shape 77"/>
+          <p:cNvSpPr>
+            <a:spLocks noGrp="1" noRot="1" noChangeAspect="1"/>
+          </p:cNvSpPr>
+          <p:nvPr>
+            <p:ph type="sldImg" idx="2"/>
+          </p:nvPr>
+        </p:nvSpPr>
+        <p:spPr>
+          <a:xfrm>
+            <a:off x="381000" y="685800"/>
+            <a:ext cx="6096000" cy="3429000"/>
+          </a:xfrm>
+          <a:custGeom>
+            <a:avLst/>
+            <a:gdLst/>
+            <a:ahLst/>
+            <a:cxnLst/>
+            <a:rect l="0" t="0" r="0" b="0"/>
+            <a:pathLst>
+              <a:path w="120000" h="120000" extrusionOk="0">
+                <a:moveTo>
+                  <a:pt x="0" y="0"/>
+                </a:moveTo>
+                <a:lnTo>
+                  <a:pt x="120000" y="0"/>
+                </a:lnTo>
+                <a:lnTo>
+                  <a:pt x="120000" y="120000"/>
+                </a:lnTo>
+                <a:lnTo>
+                  <a:pt x="0" y="120000"/>
+                </a:lnTo>
+                <a:close/>
+              </a:path>
+            </a:pathLst>
+          </a:custGeom>
+        </p:spPr>
+      </p:sp>
+      <p:sp>
+        <p:nvSpPr>
+          <p:cNvPr id="78" name="Shape 78"/>
+          <p:cNvSpPr txBox="1">
+            <a:spLocks noGrp="1"/>
+          </p:cNvSpPr>
+          <p:nvPr>
+            <p:ph type="body" idx="1"/>
+          </p:nvPr>
+        </p:nvSpPr>
+        <p:spPr>
+          <a:xfrm>
+            <a:off x="685800" y="4343400"/>
+            <a:ext cx="5486400" cy="4114800"/>
+          </a:xfrm>
+          <a:prstGeom prst="rect">
+            <a:avLst/>
+          </a:prstGeom>
+        </p:spPr>
+        <p:txBody>
+          <a:bodyPr lIns="91425" tIns="91425" rIns="91425" bIns="91425" anchor="t" anchorCtr="0">
+            <a:noAutofit/>
+          </a:bodyPr>
+          <a:lstStyle/>
+          <a:p>
+            <a:pPr lvl="0">
+              <a:spcBef>
+                <a:spcPts val="0"/>
+              </a:spcBef>
+              <a:buNone/>
+            </a:pPr>
+            <a:r>
+              <a:rPr lang="en-GB"/>
+              <a:t>Talk about how each type store data </a:t>
+            </a:r>
+          </a:p>
+        </p:txBody>
+      </p:sp>
+    </p:spTree>
+    <p:extLst>
+      <p:ext uri="{BB962C8B-B14F-4D97-AF65-F5344CB8AC3E}">
+        <p14:creationId xmlns:p14="http://schemas.microsoft.com/office/powerpoint/2010/main" val="61143468"/>
+      </p:ext>
+    </p:extLst>
+  </p:cSld>
+  <p:clrMapOvr>
+    <a:masterClrMapping/>
+  </p:clrMapOvr>
+</p:notes>
+</file>
+
+<file path=ppt/notesSlides/notesSlide14.xml><?xml version="1.0" encoding="utf-8"?>
+<p:notes xmlns:a="http://schemas.openxmlformats.org/drawingml/2006/main" xmlns:r="http://schemas.openxmlformats.org/officeDocument/2006/relationships" xmlns:p="http://schemas.openxmlformats.org/presentationml/2006/main" showMasterSp="0" showMasterPhAnim="0">
+  <p:cSld>
+    <p:spTree>
+      <p:nvGrpSpPr>
         <p:cNvPr id="1" name="Shape 104"/>
         <p:cNvGrpSpPr/>
         <p:nvPr/>
@@ -745,7 +1185,7 @@
         </p:nvSpPr>
         <p:spPr>
           <a:xfrm>
-            <a:off x="381300" y="685800"/>
+            <a:off x="381000" y="685800"/>
             <a:ext cx="6096000" cy="3429000"/>
           </a:xfrm>
           <a:custGeom>
@@ -805,34 +1245,7 @@
               </a:spcBef>
               <a:buNone/>
             </a:pPr>
-            <a:r>
-              <a:rPr lang="en-GB"/>
-              <a:t>The slide for talk about:</a:t>
-            </a:r>
-          </a:p>
-          <a:p>
-            <a:pPr marL="457200" lvl="0" indent="-228600" rtl="0">
-              <a:spcBef>
-                <a:spcPts val="0"/>
-              </a:spcBef>
-              <a:buAutoNum type="arabicParenR"/>
-            </a:pPr>
-            <a:r>
-              <a:rPr lang="en-GB"/>
-              <a:t>Common problems in NoSQL</a:t>
-            </a:r>
-          </a:p>
-          <a:p>
-            <a:pPr marL="457200" lvl="0" indent="-228600">
-              <a:spcBef>
-                <a:spcPts val="0"/>
-              </a:spcBef>
-              <a:buAutoNum type="arabicParenR"/>
-            </a:pPr>
-            <a:r>
-              <a:rPr lang="en-GB"/>
-              <a:t>What  is JPA offers for solve the problems? </a:t>
-            </a:r>
+            <a:endParaRPr lang="en-GB" dirty="0"/>
           </a:p>
         </p:txBody>
       </p:sp>
@@ -854,7 +1267,7 @@
   <p:cSld>
     <p:spTree>
       <p:nvGrpSpPr>
-        <p:cNvPr id="1" name="Shape 63"/>
+        <p:cNvPr id="1" name="Shape 57"/>
         <p:cNvGrpSpPr/>
         <p:nvPr/>
       </p:nvGrpSpPr>
@@ -868,7 +1281,7 @@
       </p:grpSpPr>
       <p:sp>
         <p:nvSpPr>
-          <p:cNvPr id="64" name="Shape 64"/>
+          <p:cNvPr id="58" name="Shape 58"/>
           <p:cNvSpPr>
             <a:spLocks noGrp="1" noRot="1" noChangeAspect="1"/>
           </p:cNvSpPr>
@@ -878,7 +1291,7 @@
         </p:nvSpPr>
         <p:spPr>
           <a:xfrm>
-            <a:off x="381300" y="685800"/>
+            <a:off x="381000" y="685800"/>
             <a:ext cx="6096000" cy="3429000"/>
           </a:xfrm>
           <a:custGeom>
@@ -909,7 +1322,7 @@
       </p:sp>
       <p:sp>
         <p:nvSpPr>
-          <p:cNvPr id="65" name="Shape 65"/>
+          <p:cNvPr id="59" name="Shape 59"/>
           <p:cNvSpPr txBox="1">
             <a:spLocks noGrp="1"/>
           </p:cNvSpPr>
@@ -932,7 +1345,7 @@
           </a:bodyPr>
           <a:lstStyle/>
           <a:p>
-            <a:pPr lvl="0" rtl="0">
+            <a:pPr lvl="0">
               <a:spcBef>
                 <a:spcPts val="0"/>
               </a:spcBef>
@@ -952,11 +1365,11 @@
             </a:pPr>
             <a:r>
               <a:rPr lang="en-GB"/>
-              <a:t>Main goals </a:t>
-            </a:r>
-          </a:p>
-          <a:p>
-            <a:pPr marL="457200" lvl="0" indent="-228600" rtl="0">
+              <a:t>Common problems in NoSQL</a:t>
+            </a:r>
+          </a:p>
+          <a:p>
+            <a:pPr marL="457200" lvl="0" indent="-228600">
               <a:spcBef>
                 <a:spcPts val="0"/>
               </a:spcBef>
@@ -964,19 +1377,7 @@
             </a:pPr>
             <a:r>
               <a:rPr lang="en-GB"/>
-              <a:t>Main targets</a:t>
-            </a:r>
-          </a:p>
-          <a:p>
-            <a:pPr marL="457200" lvl="0" indent="-228600" rtl="0">
-              <a:spcBef>
-                <a:spcPts val="0"/>
-              </a:spcBef>
-              <a:buAutoNum type="arabicParenR"/>
-            </a:pPr>
-            <a:r>
-              <a:rPr lang="en-GB"/>
-              <a:t>Main achievments </a:t>
+              <a:t>What  is JPA offers for solve the problems? </a:t>
             </a:r>
           </a:p>
         </p:txBody>
@@ -984,7 +1385,7 @@
     </p:spTree>
     <p:extLst>
       <p:ext uri="{BB962C8B-B14F-4D97-AF65-F5344CB8AC3E}">
-        <p14:creationId xmlns:p14="http://schemas.microsoft.com/office/powerpoint/2010/main" val="21381396"/>
+        <p14:creationId xmlns:p14="http://schemas.microsoft.com/office/powerpoint/2010/main" val="2571313374"/>
       </p:ext>
     </p:extLst>
   </p:cSld>
@@ -999,7 +1400,7 @@
   <p:cSld>
     <p:spTree>
       <p:nvGrpSpPr>
-        <p:cNvPr id="1" name="Shape 69"/>
+        <p:cNvPr id="1" name="Shape 63"/>
         <p:cNvGrpSpPr/>
         <p:nvPr/>
       </p:nvGrpSpPr>
@@ -1013,7 +1414,7 @@
       </p:grpSpPr>
       <p:sp>
         <p:nvSpPr>
-          <p:cNvPr id="70" name="Shape 70"/>
+          <p:cNvPr id="64" name="Shape 64"/>
           <p:cNvSpPr>
             <a:spLocks noGrp="1" noRot="1" noChangeAspect="1"/>
           </p:cNvSpPr>
@@ -1054,7 +1455,7 @@
       </p:sp>
       <p:sp>
         <p:nvSpPr>
-          <p:cNvPr id="71" name="Shape 71"/>
+          <p:cNvPr id="65" name="Shape 65"/>
           <p:cNvSpPr txBox="1">
             <a:spLocks noGrp="1"/>
           </p:cNvSpPr>
@@ -1083,14 +1484,53 @@
               </a:spcBef>
               <a:buNone/>
             </a:pPr>
-            <a:endParaRPr/>
+            <a:r>
+              <a:rPr lang="en-GB"/>
+              <a:t>The slide for talk about:</a:t>
+            </a:r>
+          </a:p>
+          <a:p>
+            <a:pPr marL="457200" lvl="0" indent="-228600" rtl="0">
+              <a:spcBef>
+                <a:spcPts val="0"/>
+              </a:spcBef>
+              <a:buAutoNum type="arabicParenR"/>
+            </a:pPr>
+            <a:r>
+              <a:rPr lang="en-GB"/>
+              <a:t>Main goals </a:t>
+            </a:r>
+          </a:p>
+          <a:p>
+            <a:pPr marL="457200" lvl="0" indent="-228600" rtl="0">
+              <a:spcBef>
+                <a:spcPts val="0"/>
+              </a:spcBef>
+              <a:buAutoNum type="arabicParenR"/>
+            </a:pPr>
+            <a:r>
+              <a:rPr lang="en-GB"/>
+              <a:t>Main targets</a:t>
+            </a:r>
+          </a:p>
+          <a:p>
+            <a:pPr marL="457200" lvl="0" indent="-228600" rtl="0">
+              <a:spcBef>
+                <a:spcPts val="0"/>
+              </a:spcBef>
+              <a:buAutoNum type="arabicParenR"/>
+            </a:pPr>
+            <a:r>
+              <a:rPr lang="en-GB"/>
+              <a:t>Main achievments </a:t>
+            </a:r>
           </a:p>
         </p:txBody>
       </p:sp>
     </p:spTree>
     <p:extLst>
       <p:ext uri="{BB962C8B-B14F-4D97-AF65-F5344CB8AC3E}">
-        <p14:creationId xmlns:p14="http://schemas.microsoft.com/office/powerpoint/2010/main" val="156095509"/>
+        <p14:creationId xmlns:p14="http://schemas.microsoft.com/office/powerpoint/2010/main" val="21381396"/>
       </p:ext>
     </p:extLst>
   </p:cSld>
@@ -1105,7 +1545,7 @@
   <p:cSld>
     <p:spTree>
       <p:nvGrpSpPr>
-        <p:cNvPr id="1" name="Shape 76"/>
+        <p:cNvPr id="1" name="Shape 69"/>
         <p:cNvGrpSpPr/>
         <p:nvPr/>
       </p:nvGrpSpPr>
@@ -1119,7 +1559,7 @@
       </p:grpSpPr>
       <p:sp>
         <p:nvSpPr>
-          <p:cNvPr id="77" name="Shape 77"/>
+          <p:cNvPr id="70" name="Shape 70"/>
           <p:cNvSpPr>
             <a:spLocks noGrp="1" noRot="1" noChangeAspect="1"/>
           </p:cNvSpPr>
@@ -1160,7 +1600,7 @@
       </p:sp>
       <p:sp>
         <p:nvSpPr>
-          <p:cNvPr id="78" name="Shape 78"/>
+          <p:cNvPr id="71" name="Shape 71"/>
           <p:cNvSpPr txBox="1">
             <a:spLocks noGrp="1"/>
           </p:cNvSpPr>
@@ -1183,23 +1623,20 @@
           </a:bodyPr>
           <a:lstStyle/>
           <a:p>
-            <a:pPr lvl="0">
+            <a:pPr lvl="0" rtl="0">
               <a:spcBef>
                 <a:spcPts val="0"/>
               </a:spcBef>
               <a:buNone/>
             </a:pPr>
-            <a:r>
-              <a:rPr lang="en-GB"/>
-              <a:t>Talk about how each type store data </a:t>
-            </a:r>
+            <a:endParaRPr/>
           </a:p>
         </p:txBody>
       </p:sp>
     </p:spTree>
     <p:extLst>
       <p:ext uri="{BB962C8B-B14F-4D97-AF65-F5344CB8AC3E}">
-        <p14:creationId xmlns:p14="http://schemas.microsoft.com/office/powerpoint/2010/main" val="2132604076"/>
+        <p14:creationId xmlns:p14="http://schemas.microsoft.com/office/powerpoint/2010/main" val="156095509"/>
       </p:ext>
     </p:extLst>
   </p:cSld>
@@ -1308,7 +1745,7 @@
     </p:spTree>
     <p:extLst>
       <p:ext uri="{BB962C8B-B14F-4D97-AF65-F5344CB8AC3E}">
-        <p14:creationId xmlns:p14="http://schemas.microsoft.com/office/powerpoint/2010/main" val="2868767192"/>
+        <p14:creationId xmlns:p14="http://schemas.microsoft.com/office/powerpoint/2010/main" val="2132604076"/>
       </p:ext>
     </p:extLst>
   </p:cSld>
@@ -1408,21 +1845,16 @@
               <a:buNone/>
             </a:pPr>
             <a:r>
-              <a:rPr lang="en-GB" dirty="0" smtClean="0"/>
-              <a:t>JP-QL</a:t>
-            </a:r>
-            <a:r>
-              <a:rPr lang="en-GB" baseline="0" dirty="0" smtClean="0"/>
-              <a:t> supported by Hibernate Search</a:t>
-            </a:r>
-            <a:endParaRPr lang="en-GB" dirty="0"/>
+              <a:rPr lang="en-GB"/>
+              <a:t>Talk about how each type store data </a:t>
+            </a:r>
           </a:p>
         </p:txBody>
       </p:sp>
     </p:spTree>
     <p:extLst>
       <p:ext uri="{BB962C8B-B14F-4D97-AF65-F5344CB8AC3E}">
-        <p14:creationId xmlns:p14="http://schemas.microsoft.com/office/powerpoint/2010/main" val="4222113696"/>
+        <p14:creationId xmlns:p14="http://schemas.microsoft.com/office/powerpoint/2010/main" val="2868767192"/>
       </p:ext>
     </p:extLst>
   </p:cSld>
@@ -1437,7 +1869,7 @@
   <p:cSld>
     <p:spTree>
       <p:nvGrpSpPr>
-        <p:cNvPr id="1" name="Shape 82"/>
+        <p:cNvPr id="1" name="Shape 76"/>
         <p:cNvGrpSpPr/>
         <p:nvPr/>
       </p:nvGrpSpPr>
@@ -1451,7 +1883,7 @@
       </p:grpSpPr>
       <p:sp>
         <p:nvSpPr>
-          <p:cNvPr id="83" name="Shape 83"/>
+          <p:cNvPr id="77" name="Shape 77"/>
           <p:cNvSpPr>
             <a:spLocks noGrp="1" noRot="1" noChangeAspect="1"/>
           </p:cNvSpPr>
@@ -1492,7 +1924,7 @@
       </p:sp>
       <p:sp>
         <p:nvSpPr>
-          <p:cNvPr id="84" name="Shape 84"/>
+          <p:cNvPr id="78" name="Shape 78"/>
           <p:cNvSpPr txBox="1">
             <a:spLocks noGrp="1"/>
           </p:cNvSpPr>
@@ -1515,23 +1947,28 @@
           </a:bodyPr>
           <a:lstStyle/>
           <a:p>
-            <a:pPr lvl="0" rtl="0">
+            <a:pPr lvl="0">
               <a:spcBef>
                 <a:spcPts val="0"/>
               </a:spcBef>
               <a:buNone/>
             </a:pPr>
             <a:r>
-              <a:rPr lang="en-GB"/>
-              <a:t>Image with architecture of HIbernate OGM</a:t>
-            </a:r>
+              <a:rPr lang="en-GB" dirty="0" smtClean="0"/>
+              <a:t>JP-QL</a:t>
+            </a:r>
+            <a:r>
+              <a:rPr lang="en-GB" baseline="0" dirty="0" smtClean="0"/>
+              <a:t> supported by Hibernate Search</a:t>
+            </a:r>
+            <a:endParaRPr lang="en-GB" dirty="0"/>
           </a:p>
         </p:txBody>
       </p:sp>
     </p:spTree>
     <p:extLst>
       <p:ext uri="{BB962C8B-B14F-4D97-AF65-F5344CB8AC3E}">
-        <p14:creationId xmlns:p14="http://schemas.microsoft.com/office/powerpoint/2010/main" val="936217032"/>
+        <p14:creationId xmlns:p14="http://schemas.microsoft.com/office/powerpoint/2010/main" val="4222113696"/>
       </p:ext>
     </p:extLst>
   </p:cSld>
@@ -1546,7 +1983,7 @@
   <p:cSld>
     <p:spTree>
       <p:nvGrpSpPr>
-        <p:cNvPr id="1" name="Shape 76"/>
+        <p:cNvPr id="1" name="Shape 82"/>
         <p:cNvGrpSpPr/>
         <p:nvPr/>
       </p:nvGrpSpPr>
@@ -1560,7 +1997,7 @@
       </p:grpSpPr>
       <p:sp>
         <p:nvSpPr>
-          <p:cNvPr id="77" name="Shape 77"/>
+          <p:cNvPr id="83" name="Shape 83"/>
           <p:cNvSpPr>
             <a:spLocks noGrp="1" noRot="1" noChangeAspect="1"/>
           </p:cNvSpPr>
@@ -1601,7 +2038,7 @@
       </p:sp>
       <p:sp>
         <p:nvSpPr>
-          <p:cNvPr id="78" name="Shape 78"/>
+          <p:cNvPr id="84" name="Shape 84"/>
           <p:cNvSpPr txBox="1">
             <a:spLocks noGrp="1"/>
           </p:cNvSpPr>
@@ -1624,7 +2061,7 @@
           </a:bodyPr>
           <a:lstStyle/>
           <a:p>
-            <a:pPr lvl="0">
+            <a:pPr lvl="0" rtl="0">
               <a:spcBef>
                 <a:spcPts val="0"/>
               </a:spcBef>
@@ -1632,7 +2069,7 @@
             </a:pPr>
             <a:r>
               <a:rPr lang="en-GB"/>
-              <a:t>Talk about how each type store data </a:t>
+              <a:t>Image with architecture of HIbernate OGM</a:t>
             </a:r>
           </a:p>
         </p:txBody>
@@ -1640,7 +2077,7 @@
     </p:spTree>
     <p:extLst>
       <p:ext uri="{BB962C8B-B14F-4D97-AF65-F5344CB8AC3E}">
-        <p14:creationId xmlns:p14="http://schemas.microsoft.com/office/powerpoint/2010/main" val="2505164102"/>
+        <p14:creationId xmlns:p14="http://schemas.microsoft.com/office/powerpoint/2010/main" val="936217032"/>
       </p:ext>
     </p:extLst>
   </p:cSld>
@@ -5163,6 +5600,855 @@
   <p:cSld>
     <p:spTree>
       <p:nvGrpSpPr>
+        <p:cNvPr id="1" name="Shape 79"/>
+        <p:cNvGrpSpPr/>
+        <p:nvPr/>
+      </p:nvGrpSpPr>
+      <p:grpSpPr>
+        <a:xfrm>
+          <a:off x="0" y="0"/>
+          <a:ext cx="0" cy="0"/>
+          <a:chOff x="0" y="0"/>
+          <a:chExt cx="0" cy="0"/>
+        </a:xfrm>
+      </p:grpSpPr>
+      <p:sp>
+        <p:nvSpPr>
+          <p:cNvPr id="80" name="Shape 80"/>
+          <p:cNvSpPr txBox="1">
+            <a:spLocks noGrp="1"/>
+          </p:cNvSpPr>
+          <p:nvPr>
+            <p:ph type="sldNum" idx="12"/>
+          </p:nvPr>
+        </p:nvSpPr>
+        <p:spPr>
+          <a:xfrm>
+            <a:off x="8472457" y="4663216"/>
+            <a:ext cx="548700" cy="393600"/>
+          </a:xfrm>
+          <a:prstGeom prst="rect">
+            <a:avLst/>
+          </a:prstGeom>
+        </p:spPr>
+        <p:txBody>
+          <a:bodyPr lIns="91425" tIns="91425" rIns="91425" bIns="91425" anchor="ctr" anchorCtr="0">
+            <a:noAutofit/>
+          </a:bodyPr>
+          <a:lstStyle/>
+          <a:p>
+            <a:pPr lvl="0">
+              <a:spcBef>
+                <a:spcPts val="0"/>
+              </a:spcBef>
+              <a:buNone/>
+            </a:pPr>
+            <a:fld id="{00000000-1234-1234-1234-123412341234}" type="slidenum">
+              <a:rPr lang="en-GB"/>
+              <a:t>10</a:t>
+            </a:fld>
+            <a:endParaRPr lang="en-GB"/>
+          </a:p>
+        </p:txBody>
+      </p:sp>
+      <p:sp>
+        <p:nvSpPr>
+          <p:cNvPr id="81" name="Shape 81"/>
+          <p:cNvSpPr txBox="1"/>
+          <p:nvPr/>
+        </p:nvSpPr>
+        <p:spPr>
+          <a:xfrm>
+            <a:off x="524850" y="431550"/>
+            <a:ext cx="8117700" cy="4150724"/>
+          </a:xfrm>
+          <a:prstGeom prst="rect">
+            <a:avLst/>
+          </a:prstGeom>
+          <a:noFill/>
+          <a:ln>
+            <a:noFill/>
+          </a:ln>
+        </p:spPr>
+        <p:txBody>
+          <a:bodyPr lIns="91425" tIns="91425" rIns="91425" bIns="91425" numCol="1" anchor="t" anchorCtr="0">
+            <a:noAutofit/>
+          </a:bodyPr>
+          <a:lstStyle/>
+          <a:p>
+            <a:pPr marL="558800" lvl="1" indent="-457200">
+              <a:lnSpc>
+                <a:spcPct val="200000"/>
+              </a:lnSpc>
+              <a:buSzPct val="100000"/>
+              <a:buFont typeface="+mj-lt"/>
+              <a:buAutoNum type="arabicPeriod" startAt="7"/>
+            </a:pPr>
+            <a:r>
+              <a:rPr lang="en-GB" sz="2000" b="1" dirty="0" smtClean="0"/>
+              <a:t>OrientDB database </a:t>
+            </a:r>
+            <a:r>
+              <a:rPr lang="en-US" sz="2000" b="1" dirty="0" smtClean="0"/>
+              <a:t>advantages :</a:t>
+            </a:r>
+            <a:endParaRPr lang="en-GB" sz="2000" b="1" dirty="0"/>
+          </a:p>
+          <a:p>
+            <a:pPr marL="914400" lvl="2" indent="-342900">
+              <a:lnSpc>
+                <a:spcPct val="150000"/>
+              </a:lnSpc>
+              <a:buSzPct val="100000"/>
+              <a:buFontTx/>
+              <a:buAutoNum type="arabicPeriod"/>
+            </a:pPr>
+            <a:r>
+              <a:rPr lang="en-GB" sz="1800" b="1" dirty="0" smtClean="0"/>
+              <a:t>Developed </a:t>
+            </a:r>
+            <a:r>
+              <a:rPr lang="en-GB" sz="1800" b="1" smtClean="0"/>
+              <a:t>by Java</a:t>
+            </a:r>
+          </a:p>
+          <a:p>
+            <a:pPr marL="914400" lvl="2" indent="-342900">
+              <a:lnSpc>
+                <a:spcPct val="150000"/>
+              </a:lnSpc>
+              <a:buSzPct val="100000"/>
+              <a:buFontTx/>
+              <a:buAutoNum type="arabicPeriod"/>
+            </a:pPr>
+            <a:r>
+              <a:rPr lang="en-GB" sz="1800" b="1" dirty="0" smtClean="0"/>
+              <a:t>Multi-model </a:t>
+            </a:r>
+            <a:r>
+              <a:rPr lang="en-GB" sz="1800" b="1" dirty="0" smtClean="0"/>
+              <a:t>(document + graph) storage </a:t>
+            </a:r>
+            <a:endParaRPr lang="en-GB" sz="1800" dirty="0"/>
+          </a:p>
+          <a:p>
+            <a:pPr marL="914400" lvl="2" indent="-342900">
+              <a:lnSpc>
+                <a:spcPct val="150000"/>
+              </a:lnSpc>
+              <a:buSzPct val="100000"/>
+              <a:buFontTx/>
+              <a:buAutoNum type="arabicPeriod"/>
+            </a:pPr>
+            <a:r>
+              <a:rPr lang="en-GB" sz="1800" b="1" dirty="0" smtClean="0"/>
+              <a:t>SQL-like query language </a:t>
+            </a:r>
+          </a:p>
+          <a:p>
+            <a:pPr marL="914400" lvl="2" indent="-342900">
+              <a:lnSpc>
+                <a:spcPct val="150000"/>
+              </a:lnSpc>
+              <a:buSzPct val="100000"/>
+              <a:buFontTx/>
+              <a:buAutoNum type="arabicPeriod"/>
+            </a:pPr>
+            <a:r>
+              <a:rPr lang="en-GB" sz="1800" b="1" dirty="0" smtClean="0"/>
+              <a:t>Supports stored procedures (any JSR-223 language)</a:t>
+            </a:r>
+          </a:p>
+          <a:p>
+            <a:pPr marL="914400" lvl="2" indent="-342900">
+              <a:lnSpc>
+                <a:spcPct val="150000"/>
+              </a:lnSpc>
+              <a:buSzPct val="100000"/>
+              <a:buFontTx/>
+              <a:buAutoNum type="arabicPeriod"/>
+            </a:pPr>
+            <a:r>
+              <a:rPr lang="en-GB" sz="1800" b="1" dirty="0" smtClean="0"/>
+              <a:t>Multi-master replication</a:t>
+            </a:r>
+          </a:p>
+          <a:p>
+            <a:pPr marL="914400" lvl="2" indent="-342900">
+              <a:lnSpc>
+                <a:spcPct val="150000"/>
+              </a:lnSpc>
+              <a:buSzPct val="100000"/>
+              <a:buFontTx/>
+              <a:buAutoNum type="arabicPeriod"/>
+            </a:pPr>
+            <a:r>
+              <a:rPr lang="en-GB" sz="1800" b="1" dirty="0" smtClean="0"/>
+              <a:t>Part of table (</a:t>
+            </a:r>
+            <a:r>
+              <a:rPr lang="en-GB" sz="1800" b="1" dirty="0" smtClean="0"/>
+              <a:t>cluster and index) </a:t>
+            </a:r>
+            <a:r>
+              <a:rPr lang="en-GB" sz="1800" b="1" dirty="0" smtClean="0"/>
+              <a:t>as object for query </a:t>
+            </a:r>
+            <a:r>
+              <a:rPr lang="en-GB" sz="1800" b="1" dirty="0" smtClean="0"/>
+              <a:t>language</a:t>
+            </a:r>
+          </a:p>
+          <a:p>
+            <a:pPr marL="914400" lvl="2" indent="-342900">
+              <a:lnSpc>
+                <a:spcPct val="150000"/>
+              </a:lnSpc>
+              <a:buSzPct val="100000"/>
+              <a:buFontTx/>
+              <a:buAutoNum type="arabicPeriod"/>
+            </a:pPr>
+            <a:r>
+              <a:rPr lang="en-GB" sz="1800" b="1" dirty="0" smtClean="0"/>
+              <a:t>Excellent performance</a:t>
+            </a:r>
+          </a:p>
+          <a:p>
+            <a:pPr marL="914400" lvl="2" indent="-342900">
+              <a:lnSpc>
+                <a:spcPct val="150000"/>
+              </a:lnSpc>
+              <a:buSzPct val="100000"/>
+              <a:buFontTx/>
+              <a:buAutoNum type="arabicPeriod"/>
+            </a:pPr>
+            <a:r>
+              <a:rPr lang="en-GB" sz="1800" b="1" dirty="0" smtClean="0"/>
+              <a:t>API for many languages and frameworks</a:t>
+            </a:r>
+            <a:endParaRPr lang="en-GB" sz="1800" b="1" dirty="0" smtClean="0"/>
+          </a:p>
+          <a:p>
+            <a:pPr marL="914400" lvl="2" indent="-342900">
+              <a:lnSpc>
+                <a:spcPct val="150000"/>
+              </a:lnSpc>
+              <a:buSzPct val="100000"/>
+              <a:buFontTx/>
+              <a:buAutoNum type="arabicPeriod"/>
+            </a:pPr>
+            <a:endParaRPr lang="en-GB" sz="1800" dirty="0"/>
+          </a:p>
+        </p:txBody>
+      </p:sp>
+    </p:spTree>
+    <p:extLst>
+      <p:ext uri="{BB962C8B-B14F-4D97-AF65-F5344CB8AC3E}">
+        <p14:creationId xmlns:p14="http://schemas.microsoft.com/office/powerpoint/2010/main" val="608987707"/>
+      </p:ext>
+    </p:extLst>
+  </p:cSld>
+  <p:clrMapOvr>
+    <a:masterClrMapping/>
+  </p:clrMapOvr>
+  <p:timing>
+    <p:tnLst>
+      <p:par>
+        <p:cTn id="1" dur="indefinite" restart="never" nodeType="tmRoot"/>
+      </p:par>
+    </p:tnLst>
+  </p:timing>
+</p:sld>
+</file>
+
+<file path=ppt/slides/slide11.xml><?xml version="1.0" encoding="utf-8"?>
+<p:sld xmlns:a="http://schemas.openxmlformats.org/drawingml/2006/main" xmlns:r="http://schemas.openxmlformats.org/officeDocument/2006/relationships" xmlns:p="http://schemas.openxmlformats.org/presentationml/2006/main">
+  <p:cSld>
+    <p:spTree>
+      <p:nvGrpSpPr>
+        <p:cNvPr id="1" name="Shape 79"/>
+        <p:cNvGrpSpPr/>
+        <p:nvPr/>
+      </p:nvGrpSpPr>
+      <p:grpSpPr>
+        <a:xfrm>
+          <a:off x="0" y="0"/>
+          <a:ext cx="0" cy="0"/>
+          <a:chOff x="0" y="0"/>
+          <a:chExt cx="0" cy="0"/>
+        </a:xfrm>
+      </p:grpSpPr>
+      <p:sp>
+        <p:nvSpPr>
+          <p:cNvPr id="80" name="Shape 80"/>
+          <p:cNvSpPr txBox="1">
+            <a:spLocks noGrp="1"/>
+          </p:cNvSpPr>
+          <p:nvPr>
+            <p:ph type="sldNum" idx="12"/>
+          </p:nvPr>
+        </p:nvSpPr>
+        <p:spPr>
+          <a:xfrm>
+            <a:off x="8472457" y="4663216"/>
+            <a:ext cx="548700" cy="393600"/>
+          </a:xfrm>
+          <a:prstGeom prst="rect">
+            <a:avLst/>
+          </a:prstGeom>
+        </p:spPr>
+        <p:txBody>
+          <a:bodyPr lIns="91425" tIns="91425" rIns="91425" bIns="91425" anchor="ctr" anchorCtr="0">
+            <a:noAutofit/>
+          </a:bodyPr>
+          <a:lstStyle/>
+          <a:p>
+            <a:pPr lvl="0">
+              <a:spcBef>
+                <a:spcPts val="0"/>
+              </a:spcBef>
+              <a:buNone/>
+            </a:pPr>
+            <a:fld id="{00000000-1234-1234-1234-123412341234}" type="slidenum">
+              <a:rPr lang="en-GB"/>
+              <a:t>11</a:t>
+            </a:fld>
+            <a:endParaRPr lang="en-GB"/>
+          </a:p>
+        </p:txBody>
+      </p:sp>
+      <p:sp>
+        <p:nvSpPr>
+          <p:cNvPr id="81" name="Shape 81"/>
+          <p:cNvSpPr txBox="1"/>
+          <p:nvPr/>
+        </p:nvSpPr>
+        <p:spPr>
+          <a:xfrm>
+            <a:off x="524850" y="431550"/>
+            <a:ext cx="8117700" cy="4150724"/>
+          </a:xfrm>
+          <a:prstGeom prst="rect">
+            <a:avLst/>
+          </a:prstGeom>
+          <a:noFill/>
+          <a:ln>
+            <a:noFill/>
+          </a:ln>
+        </p:spPr>
+        <p:txBody>
+          <a:bodyPr lIns="91425" tIns="91425" rIns="91425" bIns="91425" numCol="1" anchor="t" anchorCtr="0">
+            <a:noAutofit/>
+          </a:bodyPr>
+          <a:lstStyle/>
+          <a:p>
+            <a:pPr marL="558800" lvl="1" indent="-457200">
+              <a:lnSpc>
+                <a:spcPct val="200000"/>
+              </a:lnSpc>
+              <a:buSzPct val="100000"/>
+              <a:buFont typeface="+mj-lt"/>
+              <a:buAutoNum type="arabicPeriod" startAt="7"/>
+            </a:pPr>
+            <a:r>
+              <a:rPr lang="en-GB" sz="2000" b="1" dirty="0" smtClean="0"/>
+              <a:t>OrientDB database </a:t>
+            </a:r>
+            <a:r>
+              <a:rPr lang="en-US" sz="2000" b="1" dirty="0" smtClean="0"/>
+              <a:t>disadvantages :</a:t>
+            </a:r>
+            <a:endParaRPr lang="en-GB" sz="2000" b="1" dirty="0"/>
+          </a:p>
+          <a:p>
+            <a:pPr marL="914400" lvl="2" indent="-342900">
+              <a:lnSpc>
+                <a:spcPct val="150000"/>
+              </a:lnSpc>
+              <a:buSzPct val="100000"/>
+              <a:buFontTx/>
+              <a:buAutoNum type="arabicPeriod"/>
+            </a:pPr>
+            <a:r>
+              <a:rPr lang="en-GB" sz="1800" b="1" dirty="0" smtClean="0"/>
+              <a:t>Small team and community</a:t>
+            </a:r>
+          </a:p>
+          <a:p>
+            <a:pPr marL="914400" lvl="2" indent="-342900">
+              <a:lnSpc>
+                <a:spcPct val="150000"/>
+              </a:lnSpc>
+              <a:buSzPct val="100000"/>
+              <a:buFontTx/>
+              <a:buAutoNum type="arabicPeriod"/>
+            </a:pPr>
+            <a:r>
+              <a:rPr lang="en-GB" sz="1800" b="1" dirty="0" smtClean="0"/>
+              <a:t>Implementation is enough green ( current state: 3.0.0-snapshot)</a:t>
+            </a:r>
+            <a:endParaRPr lang="en-GB" sz="1800" dirty="0"/>
+          </a:p>
+          <a:p>
+            <a:pPr marL="914400" lvl="2" indent="-342900">
+              <a:lnSpc>
+                <a:spcPct val="150000"/>
+              </a:lnSpc>
+              <a:buSzPct val="100000"/>
+              <a:buFontTx/>
+              <a:buAutoNum type="arabicPeriod"/>
+            </a:pPr>
+            <a:endParaRPr lang="en-GB" sz="1800" dirty="0"/>
+          </a:p>
+        </p:txBody>
+      </p:sp>
+    </p:spTree>
+    <p:extLst>
+      <p:ext uri="{BB962C8B-B14F-4D97-AF65-F5344CB8AC3E}">
+        <p14:creationId xmlns:p14="http://schemas.microsoft.com/office/powerpoint/2010/main" val="3077043136"/>
+      </p:ext>
+    </p:extLst>
+  </p:cSld>
+  <p:clrMapOvr>
+    <a:masterClrMapping/>
+  </p:clrMapOvr>
+  <p:timing>
+    <p:tnLst>
+      <p:par>
+        <p:cTn id="1" dur="indefinite" restart="never" nodeType="tmRoot"/>
+      </p:par>
+    </p:tnLst>
+  </p:timing>
+</p:sld>
+</file>
+
+<file path=ppt/slides/slide12.xml><?xml version="1.0" encoding="utf-8"?>
+<p:sld xmlns:a="http://schemas.openxmlformats.org/drawingml/2006/main" xmlns:r="http://schemas.openxmlformats.org/officeDocument/2006/relationships" xmlns:p="http://schemas.openxmlformats.org/presentationml/2006/main">
+  <p:cSld>
+    <p:spTree>
+      <p:nvGrpSpPr>
+        <p:cNvPr id="1" name="Shape 79"/>
+        <p:cNvGrpSpPr/>
+        <p:nvPr/>
+      </p:nvGrpSpPr>
+      <p:grpSpPr>
+        <a:xfrm>
+          <a:off x="0" y="0"/>
+          <a:ext cx="0" cy="0"/>
+          <a:chOff x="0" y="0"/>
+          <a:chExt cx="0" cy="0"/>
+        </a:xfrm>
+      </p:grpSpPr>
+      <p:sp>
+        <p:nvSpPr>
+          <p:cNvPr id="80" name="Shape 80"/>
+          <p:cNvSpPr txBox="1">
+            <a:spLocks noGrp="1"/>
+          </p:cNvSpPr>
+          <p:nvPr>
+            <p:ph type="sldNum" idx="12"/>
+          </p:nvPr>
+        </p:nvSpPr>
+        <p:spPr>
+          <a:xfrm>
+            <a:off x="8472457" y="4663216"/>
+            <a:ext cx="548700" cy="393600"/>
+          </a:xfrm>
+          <a:prstGeom prst="rect">
+            <a:avLst/>
+          </a:prstGeom>
+        </p:spPr>
+        <p:txBody>
+          <a:bodyPr lIns="91425" tIns="91425" rIns="91425" bIns="91425" anchor="ctr" anchorCtr="0">
+            <a:noAutofit/>
+          </a:bodyPr>
+          <a:lstStyle/>
+          <a:p>
+            <a:pPr lvl="0">
+              <a:spcBef>
+                <a:spcPts val="0"/>
+              </a:spcBef>
+              <a:buNone/>
+            </a:pPr>
+            <a:fld id="{00000000-1234-1234-1234-123412341234}" type="slidenum">
+              <a:rPr lang="en-GB"/>
+              <a:t>12</a:t>
+            </a:fld>
+            <a:endParaRPr lang="en-GB"/>
+          </a:p>
+        </p:txBody>
+      </p:sp>
+      <p:sp>
+        <p:nvSpPr>
+          <p:cNvPr id="81" name="Shape 81"/>
+          <p:cNvSpPr txBox="1"/>
+          <p:nvPr/>
+        </p:nvSpPr>
+        <p:spPr>
+          <a:xfrm>
+            <a:off x="524850" y="431550"/>
+            <a:ext cx="8117700" cy="4150724"/>
+          </a:xfrm>
+          <a:prstGeom prst="rect">
+            <a:avLst/>
+          </a:prstGeom>
+          <a:noFill/>
+          <a:ln>
+            <a:noFill/>
+          </a:ln>
+        </p:spPr>
+        <p:txBody>
+          <a:bodyPr lIns="91425" tIns="91425" rIns="91425" bIns="91425" numCol="1" anchor="t" anchorCtr="0">
+            <a:noAutofit/>
+          </a:bodyPr>
+          <a:lstStyle/>
+          <a:p>
+            <a:pPr marL="558800" lvl="1" indent="-457200">
+              <a:lnSpc>
+                <a:spcPct val="200000"/>
+              </a:lnSpc>
+              <a:buSzPct val="100000"/>
+              <a:buFont typeface="+mj-lt"/>
+              <a:buAutoNum type="arabicPeriod" startAt="8"/>
+            </a:pPr>
+            <a:r>
+              <a:rPr lang="en-GB" sz="2000" b="1" dirty="0" smtClean="0"/>
+              <a:t>Hibernate OGM for Orient DB</a:t>
+            </a:r>
+            <a:r>
+              <a:rPr lang="en-US" sz="2000" b="1" dirty="0" smtClean="0"/>
+              <a:t> </a:t>
+            </a:r>
+          </a:p>
+          <a:p>
+            <a:pPr marL="101600" lvl="1">
+              <a:lnSpc>
+                <a:spcPct val="200000"/>
+              </a:lnSpc>
+              <a:buSzPct val="100000"/>
+            </a:pPr>
+            <a:r>
+              <a:rPr lang="en-US" sz="2000" b="1" dirty="0" smtClean="0"/>
+              <a:t>Supports:</a:t>
+            </a:r>
+            <a:endParaRPr lang="en-GB" sz="2000" b="1" dirty="0"/>
+          </a:p>
+          <a:p>
+            <a:pPr marL="914400" lvl="2" indent="-342900">
+              <a:lnSpc>
+                <a:spcPct val="150000"/>
+              </a:lnSpc>
+              <a:buSzPct val="100000"/>
+              <a:buFontTx/>
+              <a:buAutoNum type="arabicPeriod"/>
+            </a:pPr>
+            <a:r>
+              <a:rPr lang="en-GB" sz="1800" b="1" dirty="0" smtClean="0"/>
+              <a:t>embedded and remote modes</a:t>
+            </a:r>
+          </a:p>
+          <a:p>
+            <a:pPr marL="914400" lvl="2" indent="-342900">
+              <a:lnSpc>
+                <a:spcPct val="150000"/>
+              </a:lnSpc>
+              <a:buSzPct val="100000"/>
+              <a:buFontTx/>
+              <a:buAutoNum type="arabicPeriod"/>
+            </a:pPr>
+            <a:r>
+              <a:rPr lang="en-GB" sz="1800" b="1" dirty="0" smtClean="0"/>
+              <a:t>document model</a:t>
+            </a:r>
+          </a:p>
+          <a:p>
+            <a:pPr marL="914400" lvl="2" indent="-342900">
+              <a:lnSpc>
+                <a:spcPct val="150000"/>
+              </a:lnSpc>
+              <a:buSzPct val="100000"/>
+              <a:buFontTx/>
+              <a:buAutoNum type="arabicPeriod"/>
+            </a:pPr>
+            <a:r>
+              <a:rPr lang="en-GB" sz="1800" b="1" dirty="0" smtClean="0"/>
+              <a:t>Transactions by emulation</a:t>
+            </a:r>
+          </a:p>
+          <a:p>
+            <a:pPr marL="914400" lvl="2" indent="-342900">
+              <a:lnSpc>
+                <a:spcPct val="150000"/>
+              </a:lnSpc>
+              <a:buSzPct val="100000"/>
+              <a:buFontTx/>
+              <a:buAutoNum type="arabicPeriod"/>
+            </a:pPr>
+            <a:r>
+              <a:rPr lang="en-GB" sz="1800" b="1" dirty="0" smtClean="0"/>
+              <a:t>Associations ( one-to-one, one-to-many, many-to-many )</a:t>
+            </a:r>
+          </a:p>
+          <a:p>
+            <a:pPr marL="914400" lvl="2" indent="-342900">
+              <a:lnSpc>
+                <a:spcPct val="150000"/>
+              </a:lnSpc>
+              <a:buSzPct val="100000"/>
+              <a:buFontTx/>
+              <a:buAutoNum type="arabicPeriod"/>
+            </a:pPr>
+            <a:r>
+              <a:rPr lang="en-GB" sz="1800" b="1" dirty="0" smtClean="0"/>
+              <a:t>Embedded objects ( limitedly )</a:t>
+            </a:r>
+          </a:p>
+          <a:p>
+            <a:pPr marL="914400" lvl="2" indent="-342900">
+              <a:lnSpc>
+                <a:spcPct val="150000"/>
+              </a:lnSpc>
+              <a:buSzPct val="100000"/>
+              <a:buFontTx/>
+              <a:buAutoNum type="arabicPeriod"/>
+            </a:pPr>
+            <a:endParaRPr lang="en-GB" sz="1800" dirty="0"/>
+          </a:p>
+          <a:p>
+            <a:pPr marL="914400" lvl="2" indent="-342900">
+              <a:lnSpc>
+                <a:spcPct val="150000"/>
+              </a:lnSpc>
+              <a:buSzPct val="100000"/>
+              <a:buFontTx/>
+              <a:buAutoNum type="arabicPeriod"/>
+            </a:pPr>
+            <a:endParaRPr lang="en-GB" sz="1800" dirty="0"/>
+          </a:p>
+        </p:txBody>
+      </p:sp>
+    </p:spTree>
+    <p:extLst>
+      <p:ext uri="{BB962C8B-B14F-4D97-AF65-F5344CB8AC3E}">
+        <p14:creationId xmlns:p14="http://schemas.microsoft.com/office/powerpoint/2010/main" val="623140805"/>
+      </p:ext>
+    </p:extLst>
+  </p:cSld>
+  <p:clrMapOvr>
+    <a:masterClrMapping/>
+  </p:clrMapOvr>
+  <p:timing>
+    <p:tnLst>
+      <p:par>
+        <p:cTn id="1" dur="indefinite" restart="never" nodeType="tmRoot"/>
+      </p:par>
+    </p:tnLst>
+  </p:timing>
+</p:sld>
+</file>
+
+<file path=ppt/slides/slide13.xml><?xml version="1.0" encoding="utf-8"?>
+<p:sld xmlns:a="http://schemas.openxmlformats.org/drawingml/2006/main" xmlns:r="http://schemas.openxmlformats.org/officeDocument/2006/relationships" xmlns:p="http://schemas.openxmlformats.org/presentationml/2006/main">
+  <p:cSld>
+    <p:spTree>
+      <p:nvGrpSpPr>
+        <p:cNvPr id="1" name="Shape 79"/>
+        <p:cNvGrpSpPr/>
+        <p:nvPr/>
+      </p:nvGrpSpPr>
+      <p:grpSpPr>
+        <a:xfrm>
+          <a:off x="0" y="0"/>
+          <a:ext cx="0" cy="0"/>
+          <a:chOff x="0" y="0"/>
+          <a:chExt cx="0" cy="0"/>
+        </a:xfrm>
+      </p:grpSpPr>
+      <p:sp>
+        <p:nvSpPr>
+          <p:cNvPr id="80" name="Shape 80"/>
+          <p:cNvSpPr txBox="1">
+            <a:spLocks noGrp="1"/>
+          </p:cNvSpPr>
+          <p:nvPr>
+            <p:ph type="sldNum" idx="12"/>
+          </p:nvPr>
+        </p:nvSpPr>
+        <p:spPr>
+          <a:xfrm>
+            <a:off x="8472457" y="4663216"/>
+            <a:ext cx="548700" cy="393600"/>
+          </a:xfrm>
+          <a:prstGeom prst="rect">
+            <a:avLst/>
+          </a:prstGeom>
+        </p:spPr>
+        <p:txBody>
+          <a:bodyPr lIns="91425" tIns="91425" rIns="91425" bIns="91425" anchor="ctr" anchorCtr="0">
+            <a:noAutofit/>
+          </a:bodyPr>
+          <a:lstStyle/>
+          <a:p>
+            <a:pPr lvl="0">
+              <a:spcBef>
+                <a:spcPts val="0"/>
+              </a:spcBef>
+              <a:buNone/>
+            </a:pPr>
+            <a:fld id="{00000000-1234-1234-1234-123412341234}" type="slidenum">
+              <a:rPr lang="en-GB"/>
+              <a:t>13</a:t>
+            </a:fld>
+            <a:endParaRPr lang="en-GB"/>
+          </a:p>
+        </p:txBody>
+      </p:sp>
+      <p:sp>
+        <p:nvSpPr>
+          <p:cNvPr id="81" name="Shape 81"/>
+          <p:cNvSpPr txBox="1"/>
+          <p:nvPr/>
+        </p:nvSpPr>
+        <p:spPr>
+          <a:xfrm>
+            <a:off x="524850" y="431550"/>
+            <a:ext cx="8117700" cy="4150724"/>
+          </a:xfrm>
+          <a:prstGeom prst="rect">
+            <a:avLst/>
+          </a:prstGeom>
+          <a:noFill/>
+          <a:ln>
+            <a:noFill/>
+          </a:ln>
+        </p:spPr>
+        <p:txBody>
+          <a:bodyPr lIns="91425" tIns="91425" rIns="91425" bIns="91425" numCol="1" anchor="t" anchorCtr="0">
+            <a:noAutofit/>
+          </a:bodyPr>
+          <a:lstStyle/>
+          <a:p>
+            <a:pPr marL="558800" lvl="1" indent="-457200">
+              <a:lnSpc>
+                <a:spcPct val="200000"/>
+              </a:lnSpc>
+              <a:buSzPct val="100000"/>
+              <a:buFont typeface="+mj-lt"/>
+              <a:buAutoNum type="arabicPeriod" startAt="8"/>
+            </a:pPr>
+            <a:r>
+              <a:rPr lang="en-GB" sz="2000" b="1" dirty="0" smtClean="0"/>
+              <a:t>Hibernate OGM for Orient DB</a:t>
+            </a:r>
+            <a:r>
+              <a:rPr lang="en-US" sz="2000" b="1" dirty="0" smtClean="0"/>
+              <a:t> </a:t>
+            </a:r>
+          </a:p>
+          <a:p>
+            <a:pPr marL="101600" lvl="1">
+              <a:lnSpc>
+                <a:spcPct val="200000"/>
+              </a:lnSpc>
+              <a:buSzPct val="100000"/>
+            </a:pPr>
+            <a:r>
+              <a:rPr lang="en-US" sz="2000" b="1" dirty="0" smtClean="0"/>
+              <a:t>Plans:</a:t>
+            </a:r>
+            <a:endParaRPr lang="en-GB" sz="2000" b="1" dirty="0"/>
+          </a:p>
+          <a:p>
+            <a:pPr marL="914400" lvl="2" indent="-342900">
+              <a:lnSpc>
+                <a:spcPct val="150000"/>
+              </a:lnSpc>
+              <a:buSzPct val="100000"/>
+              <a:buFontTx/>
+              <a:buAutoNum type="arabicPeriod"/>
+            </a:pPr>
+            <a:r>
+              <a:rPr lang="en-GB" sz="1800" b="1" dirty="0" smtClean="0"/>
+              <a:t>Using @RID as primary key for best performance</a:t>
+            </a:r>
+          </a:p>
+          <a:p>
+            <a:pPr marL="914400" lvl="2" indent="-342900">
+              <a:lnSpc>
+                <a:spcPct val="150000"/>
+              </a:lnSpc>
+              <a:buSzPct val="100000"/>
+              <a:buFontTx/>
+              <a:buAutoNum type="arabicPeriod"/>
+            </a:pPr>
+            <a:r>
+              <a:rPr lang="en-GB" sz="1800" b="1" dirty="0" smtClean="0"/>
+              <a:t>Graph model</a:t>
+            </a:r>
+          </a:p>
+          <a:p>
+            <a:pPr marL="914400" lvl="2" indent="-342900">
+              <a:lnSpc>
+                <a:spcPct val="150000"/>
+              </a:lnSpc>
+              <a:buSzPct val="100000"/>
+              <a:buFontTx/>
+              <a:buAutoNum type="arabicPeriod"/>
+            </a:pPr>
+            <a:r>
+              <a:rPr lang="en-GB" sz="1800" b="1" dirty="0" smtClean="0"/>
+              <a:t>Embedded objects as primary keys </a:t>
+            </a:r>
+          </a:p>
+          <a:p>
+            <a:pPr marL="914400" lvl="2" indent="-342900">
+              <a:lnSpc>
+                <a:spcPct val="150000"/>
+              </a:lnSpc>
+              <a:buSzPct val="100000"/>
+              <a:buFontTx/>
+              <a:buAutoNum type="arabicPeriod"/>
+            </a:pPr>
+            <a:endParaRPr lang="en-GB" sz="1800" dirty="0"/>
+          </a:p>
+          <a:p>
+            <a:pPr marL="914400" lvl="2" indent="-342900">
+              <a:lnSpc>
+                <a:spcPct val="150000"/>
+              </a:lnSpc>
+              <a:buSzPct val="100000"/>
+              <a:buFontTx/>
+              <a:buAutoNum type="arabicPeriod"/>
+            </a:pPr>
+            <a:endParaRPr lang="en-GB" sz="1800" dirty="0"/>
+          </a:p>
+        </p:txBody>
+      </p:sp>
+    </p:spTree>
+    <p:extLst>
+      <p:ext uri="{BB962C8B-B14F-4D97-AF65-F5344CB8AC3E}">
+        <p14:creationId xmlns:p14="http://schemas.microsoft.com/office/powerpoint/2010/main" val="1503853525"/>
+      </p:ext>
+    </p:extLst>
+  </p:cSld>
+  <p:clrMapOvr>
+    <a:masterClrMapping/>
+  </p:clrMapOvr>
+  <p:timing>
+    <p:tnLst>
+      <p:par>
+        <p:cTn id="1" dur="indefinite" restart="never" nodeType="tmRoot"/>
+      </p:par>
+    </p:tnLst>
+  </p:timing>
+</p:sld>
+</file>
+
+<file path=ppt/slides/slide14.xml><?xml version="1.0" encoding="utf-8"?>
+<p:sld xmlns:a="http://schemas.openxmlformats.org/drawingml/2006/main" xmlns:r="http://schemas.openxmlformats.org/officeDocument/2006/relationships" xmlns:p="http://schemas.openxmlformats.org/presentationml/2006/main">
+  <p:cSld>
+    <p:spTree>
+      <p:nvGrpSpPr>
         <p:cNvPr id="1" name="Shape 107"/>
         <p:cNvGrpSpPr/>
         <p:nvPr/>
@@ -5246,7 +6532,7 @@
             </a:pPr>
             <a:fld id="{00000000-1234-1234-1234-123412341234}" type="slidenum">
               <a:rPr lang="en-GB"/>
-              <a:t>10</a:t>
+              <a:t>14</a:t>
             </a:fld>
             <a:endParaRPr lang="en-GB"/>
           </a:p>
@@ -5309,7 +6595,7 @@
           </a:bodyPr>
           <a:lstStyle/>
           <a:p>
-            <a:pPr marL="457200" lvl="0" indent="-355600">
+            <a:pPr marL="101600" lvl="0">
               <a:lnSpc>
                 <a:spcPct val="200000"/>
               </a:lnSpc>
@@ -5317,12 +6603,12 @@
                 <a:spcPts val="0"/>
               </a:spcBef>
               <a:buSzPct val="100000"/>
-              <a:buAutoNum type="arabicPeriod"/>
-            </a:pPr>
-            <a:r>
-              <a:rPr lang="en-GB" sz="2000" b="1"/>
-              <a:t>Why JPA for NoSQL storages?</a:t>
-            </a:r>
+            </a:pPr>
+            <a:r>
+              <a:rPr lang="en-US" sz="2000" b="1" dirty="0" smtClean="0"/>
+              <a:t>Subjects:</a:t>
+            </a:r>
+            <a:endParaRPr lang="en-GB" sz="2000" b="1" dirty="0"/>
           </a:p>
           <a:p>
             <a:pPr marL="914400" lvl="1" indent="-342900" rtl="0">
@@ -5336,9 +6622,10 @@
               <a:buAutoNum type="arabicPeriod"/>
             </a:pPr>
             <a:r>
-              <a:rPr lang="en-GB" sz="1800" b="1"/>
-              <a:t>Standard way for declare and describe domain model</a:t>
-            </a:r>
+              <a:rPr lang="en-GB" sz="1800" b="1" dirty="0" smtClean="0"/>
+              <a:t>JPA for NoSQL</a:t>
+            </a:r>
+            <a:endParaRPr lang="en-GB" sz="1800" b="1" dirty="0"/>
           </a:p>
           <a:p>
             <a:pPr marL="914400" lvl="1" indent="-342900" rtl="0">
@@ -5352,9 +6639,10 @@
               <a:buAutoNum type="arabicPeriod"/>
             </a:pPr>
             <a:r>
-              <a:rPr lang="en-GB" sz="1800" b="1"/>
-              <a:t>Common way for working with entities</a:t>
-            </a:r>
+              <a:rPr lang="en-GB" sz="1800" b="1" dirty="0" smtClean="0"/>
+              <a:t>Hibernate OGM presentation</a:t>
+            </a:r>
+            <a:endParaRPr lang="en-GB" sz="1800" b="1" dirty="0"/>
           </a:p>
           <a:p>
             <a:pPr marL="914400" lvl="1" indent="-342900">
@@ -5368,9 +6656,26 @@
               <a:buAutoNum type="arabicPeriod"/>
             </a:pPr>
             <a:r>
-              <a:rPr lang="en-GB" sz="1800" b="1"/>
-              <a:t>One way for working with different storages </a:t>
-            </a:r>
+              <a:rPr lang="en-GB" sz="1800" b="1" dirty="0" smtClean="0"/>
+              <a:t>OrientDB presentation</a:t>
+            </a:r>
+          </a:p>
+          <a:p>
+            <a:pPr marL="914400" lvl="1" indent="-342900">
+              <a:lnSpc>
+                <a:spcPct val="150000"/>
+              </a:lnSpc>
+              <a:spcBef>
+                <a:spcPts val="0"/>
+              </a:spcBef>
+              <a:buSzPct val="100000"/>
+              <a:buAutoNum type="arabicPeriod"/>
+            </a:pPr>
+            <a:r>
+              <a:rPr lang="en-GB" sz="1800" b="1" dirty="0" smtClean="0"/>
+              <a:t>My contribution for Hibernate OGM (module for OrientDB )</a:t>
+            </a:r>
+            <a:endParaRPr lang="en-GB" sz="1800" b="1" dirty="0"/>
           </a:p>
         </p:txBody>
       </p:sp>
@@ -5433,7 +6738,7 @@
   <p:cSld>
     <p:spTree>
       <p:nvGrpSpPr>
-        <p:cNvPr id="1" name="Shape 66"/>
+        <p:cNvPr id="1" name="Shape 60"/>
         <p:cNvGrpSpPr/>
         <p:nvPr/>
       </p:nvGrpSpPr>
@@ -5447,7 +6752,7 @@
       </p:grpSpPr>
       <p:sp>
         <p:nvSpPr>
-          <p:cNvPr id="67" name="Shape 67"/>
+          <p:cNvPr id="61" name="Shape 61"/>
           <p:cNvSpPr txBox="1"/>
           <p:nvPr/>
         </p:nvSpPr>
@@ -5470,7 +6775,7 @@
           </a:bodyPr>
           <a:lstStyle/>
           <a:p>
-            <a:pPr marL="457200" lvl="0" indent="-355600" rtl="0">
+            <a:pPr marL="457200" lvl="0" indent="-355600">
               <a:lnSpc>
                 <a:spcPct val="200000"/>
               </a:lnSpc>
@@ -5478,11 +6783,11 @@
                 <a:spcPts val="0"/>
               </a:spcBef>
               <a:buSzPct val="100000"/>
-              <a:buAutoNum type="arabicPeriod" startAt="2"/>
+              <a:buAutoNum type="arabicPeriod"/>
             </a:pPr>
             <a:r>
               <a:rPr lang="en-GB" sz="2000" b="1"/>
-              <a:t>Introduction the project</a:t>
+              <a:t>Why JPA for NoSQL storages?</a:t>
             </a:r>
           </a:p>
           <a:p>
@@ -5498,7 +6803,7 @@
             </a:pPr>
             <a:r>
               <a:rPr lang="en-GB" sz="1800" b="1"/>
-              <a:t>Main goals</a:t>
+              <a:t>Standard way for declare and describe domain model</a:t>
             </a:r>
           </a:p>
           <a:p>
@@ -5514,11 +6819,11 @@
             </a:pPr>
             <a:r>
               <a:rPr lang="en-GB" sz="1800" b="1"/>
-              <a:t>Main targets</a:t>
-            </a:r>
-          </a:p>
-          <a:p>
-            <a:pPr marL="914400" lvl="1" indent="-342900" rtl="0">
+              <a:t>Common way for working with entities</a:t>
+            </a:r>
+          </a:p>
+          <a:p>
+            <a:pPr marL="914400" lvl="1" indent="-342900">
               <a:lnSpc>
                 <a:spcPct val="150000"/>
               </a:lnSpc>
@@ -5530,14 +6835,14 @@
             </a:pPr>
             <a:r>
               <a:rPr lang="en-GB" sz="1800" b="1"/>
-              <a:t>Main achievements </a:t>
+              <a:t>One way for working with different storages </a:t>
             </a:r>
           </a:p>
         </p:txBody>
       </p:sp>
       <p:sp>
         <p:nvSpPr>
-          <p:cNvPr id="68" name="Shape 68"/>
+          <p:cNvPr id="62" name="Shape 62"/>
           <p:cNvSpPr txBox="1">
             <a:spLocks noGrp="1"/>
           </p:cNvSpPr>
@@ -5575,6 +6880,11 @@
         </p:txBody>
       </p:sp>
     </p:spTree>
+    <p:extLst>
+      <p:ext uri="{BB962C8B-B14F-4D97-AF65-F5344CB8AC3E}">
+        <p14:creationId xmlns:p14="http://schemas.microsoft.com/office/powerpoint/2010/main" val="2415731025"/>
+      </p:ext>
+    </p:extLst>
   </p:cSld>
   <p:clrMapOvr>
     <a:masterClrMapping/>
@@ -5594,6 +6904,167 @@
   <p:cSld>
     <p:spTree>
       <p:nvGrpSpPr>
+        <p:cNvPr id="1" name="Shape 66"/>
+        <p:cNvGrpSpPr/>
+        <p:nvPr/>
+      </p:nvGrpSpPr>
+      <p:grpSpPr>
+        <a:xfrm>
+          <a:off x="0" y="0"/>
+          <a:ext cx="0" cy="0"/>
+          <a:chOff x="0" y="0"/>
+          <a:chExt cx="0" cy="0"/>
+        </a:xfrm>
+      </p:grpSpPr>
+      <p:sp>
+        <p:nvSpPr>
+          <p:cNvPr id="67" name="Shape 67"/>
+          <p:cNvSpPr txBox="1"/>
+          <p:nvPr/>
+        </p:nvSpPr>
+        <p:spPr>
+          <a:xfrm>
+            <a:off x="524850" y="431550"/>
+            <a:ext cx="8117700" cy="3627300"/>
+          </a:xfrm>
+          <a:prstGeom prst="rect">
+            <a:avLst/>
+          </a:prstGeom>
+          <a:noFill/>
+          <a:ln>
+            <a:noFill/>
+          </a:ln>
+        </p:spPr>
+        <p:txBody>
+          <a:bodyPr lIns="91425" tIns="91425" rIns="91425" bIns="91425" anchor="t" anchorCtr="0">
+            <a:noAutofit/>
+          </a:bodyPr>
+          <a:lstStyle/>
+          <a:p>
+            <a:pPr marL="457200" lvl="0" indent="-355600" rtl="0">
+              <a:lnSpc>
+                <a:spcPct val="200000"/>
+              </a:lnSpc>
+              <a:spcBef>
+                <a:spcPts val="0"/>
+              </a:spcBef>
+              <a:buSzPct val="100000"/>
+              <a:buAutoNum type="arabicPeriod" startAt="2"/>
+            </a:pPr>
+            <a:r>
+              <a:rPr lang="en-GB" sz="2000" b="1"/>
+              <a:t>Introduction the project</a:t>
+            </a:r>
+          </a:p>
+          <a:p>
+            <a:pPr marL="914400" lvl="1" indent="-342900" rtl="0">
+              <a:lnSpc>
+                <a:spcPct val="150000"/>
+              </a:lnSpc>
+              <a:spcBef>
+                <a:spcPts val="0"/>
+              </a:spcBef>
+              <a:buSzPct val="100000"/>
+              <a:buAutoNum type="arabicPeriod"/>
+            </a:pPr>
+            <a:r>
+              <a:rPr lang="en-GB" sz="1800" b="1"/>
+              <a:t>Main goals</a:t>
+            </a:r>
+          </a:p>
+          <a:p>
+            <a:pPr marL="914400" lvl="1" indent="-342900" rtl="0">
+              <a:lnSpc>
+                <a:spcPct val="150000"/>
+              </a:lnSpc>
+              <a:spcBef>
+                <a:spcPts val="0"/>
+              </a:spcBef>
+              <a:buSzPct val="100000"/>
+              <a:buAutoNum type="arabicPeriod"/>
+            </a:pPr>
+            <a:r>
+              <a:rPr lang="en-GB" sz="1800" b="1"/>
+              <a:t>Main targets</a:t>
+            </a:r>
+          </a:p>
+          <a:p>
+            <a:pPr marL="914400" lvl="1" indent="-342900" rtl="0">
+              <a:lnSpc>
+                <a:spcPct val="150000"/>
+              </a:lnSpc>
+              <a:spcBef>
+                <a:spcPts val="0"/>
+              </a:spcBef>
+              <a:buSzPct val="100000"/>
+              <a:buAutoNum type="arabicPeriod"/>
+            </a:pPr>
+            <a:r>
+              <a:rPr lang="en-GB" sz="1800" b="1"/>
+              <a:t>Main achievements </a:t>
+            </a:r>
+          </a:p>
+        </p:txBody>
+      </p:sp>
+      <p:sp>
+        <p:nvSpPr>
+          <p:cNvPr id="68" name="Shape 68"/>
+          <p:cNvSpPr txBox="1">
+            <a:spLocks noGrp="1"/>
+          </p:cNvSpPr>
+          <p:nvPr>
+            <p:ph type="sldNum" idx="12"/>
+          </p:nvPr>
+        </p:nvSpPr>
+        <p:spPr>
+          <a:xfrm>
+            <a:off x="8472457" y="4663216"/>
+            <a:ext cx="548700" cy="393600"/>
+          </a:xfrm>
+          <a:prstGeom prst="rect">
+            <a:avLst/>
+          </a:prstGeom>
+        </p:spPr>
+        <p:txBody>
+          <a:bodyPr lIns="91425" tIns="91425" rIns="91425" bIns="91425" anchor="ctr" anchorCtr="0">
+            <a:noAutofit/>
+          </a:bodyPr>
+          <a:lstStyle/>
+          <a:p>
+            <a:pPr lvl="0">
+              <a:spcBef>
+                <a:spcPts val="0"/>
+              </a:spcBef>
+              <a:buNone/>
+            </a:pPr>
+            <a:fld id="{00000000-1234-1234-1234-123412341234}" type="slidenum">
+              <a:rPr lang="en-GB"/>
+              <a:t>4</a:t>
+            </a:fld>
+            <a:endParaRPr lang="en-GB"/>
+          </a:p>
+        </p:txBody>
+      </p:sp>
+    </p:spTree>
+  </p:cSld>
+  <p:clrMapOvr>
+    <a:masterClrMapping/>
+  </p:clrMapOvr>
+  <p:timing>
+    <p:tnLst>
+      <p:par>
+        <p:cTn id="1" dur="indefinite" restart="never" nodeType="tmRoot"/>
+      </p:par>
+    </p:tnLst>
+  </p:timing>
+</p:sld>
+</file>
+
+<file path=ppt/slides/slide5.xml><?xml version="1.0" encoding="utf-8"?>
+<p:sld xmlns:a="http://schemas.openxmlformats.org/drawingml/2006/main" xmlns:r="http://schemas.openxmlformats.org/officeDocument/2006/relationships" xmlns:p="http://schemas.openxmlformats.org/presentationml/2006/main">
+  <p:cSld>
+    <p:spTree>
+      <p:nvGrpSpPr>
         <p:cNvPr id="1" name="Shape 72"/>
         <p:cNvGrpSpPr/>
         <p:nvPr/>
@@ -5693,7 +7164,7 @@
             </a:pPr>
             <a:fld id="{00000000-1234-1234-1234-123412341234}" type="slidenum">
               <a:rPr lang="en-GB"/>
-              <a:t>4</a:t>
+              <a:t>5</a:t>
             </a:fld>
             <a:endParaRPr lang="en-GB"/>
           </a:p>
@@ -5729,204 +7200,6 @@
           </a:prstGeom>
         </p:spPr>
       </p:pic>
-    </p:spTree>
-  </p:cSld>
-  <p:clrMapOvr>
-    <a:masterClrMapping/>
-  </p:clrMapOvr>
-  <p:timing>
-    <p:tnLst>
-      <p:par>
-        <p:cTn id="1" dur="indefinite" restart="never" nodeType="tmRoot"/>
-      </p:par>
-    </p:tnLst>
-  </p:timing>
-</p:sld>
-</file>
-
-<file path=ppt/slides/slide5.xml><?xml version="1.0" encoding="utf-8"?>
-<p:sld xmlns:a="http://schemas.openxmlformats.org/drawingml/2006/main" xmlns:r="http://schemas.openxmlformats.org/officeDocument/2006/relationships" xmlns:p="http://schemas.openxmlformats.org/presentationml/2006/main">
-  <p:cSld>
-    <p:spTree>
-      <p:nvGrpSpPr>
-        <p:cNvPr id="1" name="Shape 79"/>
-        <p:cNvGrpSpPr/>
-        <p:nvPr/>
-      </p:nvGrpSpPr>
-      <p:grpSpPr>
-        <a:xfrm>
-          <a:off x="0" y="0"/>
-          <a:ext cx="0" cy="0"/>
-          <a:chOff x="0" y="0"/>
-          <a:chExt cx="0" cy="0"/>
-        </a:xfrm>
-      </p:grpSpPr>
-      <p:sp>
-        <p:nvSpPr>
-          <p:cNvPr id="80" name="Shape 80"/>
-          <p:cNvSpPr txBox="1">
-            <a:spLocks noGrp="1"/>
-          </p:cNvSpPr>
-          <p:nvPr>
-            <p:ph type="sldNum" idx="12"/>
-          </p:nvPr>
-        </p:nvSpPr>
-        <p:spPr>
-          <a:xfrm>
-            <a:off x="8472457" y="4663216"/>
-            <a:ext cx="548700" cy="393600"/>
-          </a:xfrm>
-          <a:prstGeom prst="rect">
-            <a:avLst/>
-          </a:prstGeom>
-        </p:spPr>
-        <p:txBody>
-          <a:bodyPr lIns="91425" tIns="91425" rIns="91425" bIns="91425" anchor="ctr" anchorCtr="0">
-            <a:noAutofit/>
-          </a:bodyPr>
-          <a:lstStyle/>
-          <a:p>
-            <a:pPr lvl="0">
-              <a:spcBef>
-                <a:spcPts val="0"/>
-              </a:spcBef>
-              <a:buNone/>
-            </a:pPr>
-            <a:fld id="{00000000-1234-1234-1234-123412341234}" type="slidenum">
-              <a:rPr lang="en-GB"/>
-              <a:t>5</a:t>
-            </a:fld>
-            <a:endParaRPr lang="en-GB"/>
-          </a:p>
-        </p:txBody>
-      </p:sp>
-      <p:sp>
-        <p:nvSpPr>
-          <p:cNvPr id="81" name="Shape 81"/>
-          <p:cNvSpPr txBox="1"/>
-          <p:nvPr/>
-        </p:nvSpPr>
-        <p:spPr>
-          <a:xfrm>
-            <a:off x="524850" y="431550"/>
-            <a:ext cx="8117700" cy="3627300"/>
-          </a:xfrm>
-          <a:prstGeom prst="rect">
-            <a:avLst/>
-          </a:prstGeom>
-          <a:noFill/>
-          <a:ln>
-            <a:noFill/>
-          </a:ln>
-        </p:spPr>
-        <p:txBody>
-          <a:bodyPr lIns="91425" tIns="91425" rIns="91425" bIns="91425" anchor="t" anchorCtr="0">
-            <a:noAutofit/>
-          </a:bodyPr>
-          <a:lstStyle/>
-          <a:p>
-            <a:pPr marL="457200" lvl="0" indent="-355600" rtl="0">
-              <a:lnSpc>
-                <a:spcPct val="200000"/>
-              </a:lnSpc>
-              <a:spcBef>
-                <a:spcPts val="0"/>
-              </a:spcBef>
-              <a:buSzPct val="100000"/>
-              <a:buAutoNum type="arabicPeriod" startAt="3"/>
-            </a:pPr>
-            <a:r>
-              <a:rPr lang="en-GB" sz="2000" b="1" dirty="0"/>
-              <a:t>Supported types of data storage</a:t>
-            </a:r>
-          </a:p>
-          <a:p>
-            <a:pPr marL="914400" lvl="1" indent="-342900" rtl="0">
-              <a:lnSpc>
-                <a:spcPct val="150000"/>
-              </a:lnSpc>
-              <a:spcBef>
-                <a:spcPts val="0"/>
-              </a:spcBef>
-              <a:buSzPct val="100000"/>
-              <a:buAutoNum type="arabicPeriod"/>
-            </a:pPr>
-            <a:r>
-              <a:rPr lang="en-GB" sz="1800" b="1" dirty="0"/>
-              <a:t>Graph storage</a:t>
-            </a:r>
-          </a:p>
-          <a:p>
-            <a:pPr marL="914400" lvl="1" indent="-342900" rtl="0">
-              <a:lnSpc>
-                <a:spcPct val="150000"/>
-              </a:lnSpc>
-              <a:spcBef>
-                <a:spcPts val="0"/>
-              </a:spcBef>
-              <a:buSzPct val="100000"/>
-              <a:buAutoNum type="arabicPeriod"/>
-            </a:pPr>
-            <a:r>
-              <a:rPr lang="en-GB" sz="1800" b="1" dirty="0"/>
-              <a:t>Document storage</a:t>
-            </a:r>
-          </a:p>
-          <a:p>
-            <a:pPr marL="914400" lvl="1" indent="-342900" rtl="0">
-              <a:lnSpc>
-                <a:spcPct val="150000"/>
-              </a:lnSpc>
-              <a:spcBef>
-                <a:spcPts val="0"/>
-              </a:spcBef>
-              <a:buSzPct val="100000"/>
-              <a:buAutoNum type="arabicPeriod"/>
-            </a:pPr>
-            <a:r>
-              <a:rPr lang="en-GB" sz="1800" b="1" dirty="0"/>
-              <a:t>Key-value storage</a:t>
-            </a:r>
-          </a:p>
-          <a:p>
-            <a:pPr marL="914400" lvl="1" indent="-342900" rtl="0">
-              <a:lnSpc>
-                <a:spcPct val="150000"/>
-              </a:lnSpc>
-              <a:spcBef>
-                <a:spcPts val="0"/>
-              </a:spcBef>
-              <a:buSzPct val="100000"/>
-              <a:buAutoNum type="arabicPeriod"/>
-            </a:pPr>
-            <a:r>
-              <a:rPr lang="en-GB" sz="1800" b="1" dirty="0"/>
-              <a:t>Column-oriented </a:t>
-            </a:r>
-            <a:r>
-              <a:rPr lang="en-GB" sz="1800" b="1" dirty="0" smtClean="0"/>
-              <a:t>storage</a:t>
-            </a:r>
-          </a:p>
-          <a:p>
-            <a:pPr marL="914400" lvl="1" indent="-342900" rtl="0">
-              <a:lnSpc>
-                <a:spcPct val="150000"/>
-              </a:lnSpc>
-              <a:spcBef>
-                <a:spcPts val="0"/>
-              </a:spcBef>
-              <a:buSzPct val="100000"/>
-              <a:buAutoNum type="arabicPeriod"/>
-            </a:pPr>
-            <a:r>
-              <a:rPr lang="en-GB" sz="1800" i="1" dirty="0" smtClean="0"/>
-              <a:t>Multi-model storage</a:t>
-            </a:r>
-            <a:endParaRPr lang="en-GB" sz="1800" i="1" dirty="0"/>
-          </a:p>
-        </p:txBody>
-      </p:sp>
     </p:spTree>
   </p:cSld>
   <p:clrMapOvr>
@@ -6007,7 +7280,7 @@
         <p:spPr>
           <a:xfrm>
             <a:off x="524850" y="431550"/>
-            <a:ext cx="8117700" cy="4150724"/>
+            <a:ext cx="8117700" cy="3627300"/>
           </a:xfrm>
           <a:prstGeom prst="rect">
             <a:avLst/>
@@ -6018,187 +7291,114 @@
           </a:ln>
         </p:spPr>
         <p:txBody>
-          <a:bodyPr lIns="91425" tIns="91425" rIns="91425" bIns="91425" numCol="1" anchor="t" anchorCtr="0">
+          <a:bodyPr lIns="91425" tIns="91425" rIns="91425" bIns="91425" anchor="t" anchorCtr="0">
             <a:noAutofit/>
           </a:bodyPr>
           <a:lstStyle/>
           <a:p>
-            <a:pPr marL="558800" lvl="1" indent="-457200">
+            <a:pPr marL="457200" lvl="0" indent="-355600" rtl="0">
               <a:lnSpc>
                 <a:spcPct val="200000"/>
               </a:lnSpc>
-              <a:buSzPct val="100000"/>
-              <a:buFont typeface="+mj-lt"/>
-              <a:buAutoNum type="arabicPeriod" startAt="4"/>
+              <a:spcBef>
+                <a:spcPts val="0"/>
+              </a:spcBef>
+              <a:buSzPct val="100000"/>
+              <a:buAutoNum type="arabicPeriod" startAt="3"/>
             </a:pPr>
             <a:r>
               <a:rPr lang="en-GB" sz="2000" b="1" dirty="0"/>
-              <a:t>Supported </a:t>
-            </a:r>
-            <a:r>
-              <a:rPr lang="en-GB" sz="2000" b="1" dirty="0" smtClean="0"/>
-              <a:t>storages</a:t>
-            </a:r>
-            <a:endParaRPr lang="en-GB" sz="2000" b="1" dirty="0"/>
-          </a:p>
-          <a:p>
-            <a:pPr marL="914400" lvl="2" indent="-342900">
+              <a:t>Supported types of data storage</a:t>
+            </a:r>
+          </a:p>
+          <a:p>
+            <a:pPr marL="914400" lvl="1" indent="-342900" rtl="0">
               <a:lnSpc>
                 <a:spcPct val="150000"/>
               </a:lnSpc>
-              <a:buSzPct val="100000"/>
-              <a:buFontTx/>
+              <a:spcBef>
+                <a:spcPts val="0"/>
+              </a:spcBef>
+              <a:buSzPct val="100000"/>
               <a:buAutoNum type="arabicPeriod"/>
             </a:pPr>
             <a:r>
-              <a:rPr lang="en-GB" sz="1800" b="1" dirty="0" err="1" smtClean="0"/>
-              <a:t>Infispinian</a:t>
-            </a:r>
-            <a:r>
-              <a:rPr lang="en-GB" sz="1800" b="1" dirty="0" smtClean="0"/>
-              <a:t>, </a:t>
-            </a:r>
-            <a:r>
-              <a:rPr lang="en-GB" sz="1800" b="1" dirty="0" err="1" smtClean="0"/>
-              <a:t>Ehcache</a:t>
-            </a:r>
-            <a:r>
-              <a:rPr lang="en-GB" sz="1800" b="1" dirty="0" smtClean="0"/>
-              <a:t>,</a:t>
-            </a:r>
-            <a:r>
               <a:rPr lang="en-GB" sz="1800" b="1" dirty="0"/>
-              <a:t> </a:t>
-            </a:r>
-            <a:r>
-              <a:rPr lang="en-GB" sz="1800" dirty="0" err="1"/>
-              <a:t>Redis</a:t>
-            </a:r>
-            <a:r>
-              <a:rPr lang="en-GB" sz="1800" dirty="0"/>
-              <a:t>(Experimental)</a:t>
-            </a:r>
-          </a:p>
-          <a:p>
-            <a:pPr marL="914400" lvl="2" indent="-342900">
+              <a:t>Graph storage</a:t>
+            </a:r>
+          </a:p>
+          <a:p>
+            <a:pPr marL="914400" lvl="1" indent="-342900" rtl="0">
               <a:lnSpc>
                 <a:spcPct val="150000"/>
               </a:lnSpc>
-              <a:buSzPct val="100000"/>
-              <a:buFontTx/>
+              <a:spcBef>
+                <a:spcPts val="0"/>
+              </a:spcBef>
+              <a:buSzPct val="100000"/>
               <a:buAutoNum type="arabicPeriod"/>
             </a:pPr>
             <a:r>
-              <a:rPr lang="en-GB" sz="1800" b="1" dirty="0" smtClean="0"/>
-              <a:t>MongoDB</a:t>
-            </a:r>
-            <a:r>
               <a:rPr lang="en-GB" sz="1800" b="1" dirty="0"/>
-              <a:t>, </a:t>
-            </a:r>
-            <a:r>
-              <a:rPr lang="en-GB" sz="1800" dirty="0" err="1" smtClean="0"/>
-              <a:t>CouchDB</a:t>
-            </a:r>
-            <a:r>
-              <a:rPr lang="en-GB" sz="1800" dirty="0" smtClean="0"/>
-              <a:t>(Experimental</a:t>
-            </a:r>
-            <a:r>
-              <a:rPr lang="en-GB" sz="1800" dirty="0"/>
-              <a:t>)</a:t>
-            </a:r>
-          </a:p>
-          <a:p>
-            <a:pPr marL="914400" lvl="2" indent="-342900">
+              <a:t>Document storage</a:t>
+            </a:r>
+          </a:p>
+          <a:p>
+            <a:pPr marL="914400" lvl="1" indent="-342900" rtl="0">
               <a:lnSpc>
                 <a:spcPct val="150000"/>
               </a:lnSpc>
+              <a:spcBef>
+                <a:spcPts val="0"/>
+              </a:spcBef>
               <a:buSzPct val="100000"/>
               <a:buAutoNum type="arabicPeriod"/>
             </a:pPr>
             <a:r>
-              <a:rPr lang="en-GB" sz="1800" b="1" dirty="0" smtClean="0"/>
-              <a:t>Neo4j</a:t>
-            </a:r>
-          </a:p>
-          <a:p>
-            <a:pPr marL="914400" lvl="2" indent="-342900">
+              <a:rPr lang="en-GB" sz="1800" b="1" dirty="0"/>
+              <a:t>Key-value storage</a:t>
+            </a:r>
+          </a:p>
+          <a:p>
+            <a:pPr marL="914400" lvl="1" indent="-342900" rtl="0">
               <a:lnSpc>
                 <a:spcPct val="150000"/>
               </a:lnSpc>
+              <a:spcBef>
+                <a:spcPts val="0"/>
+              </a:spcBef>
               <a:buSzPct val="100000"/>
               <a:buAutoNum type="arabicPeriod"/>
             </a:pPr>
             <a:r>
-              <a:rPr lang="en-GB" sz="1800" dirty="0" smtClean="0"/>
-              <a:t>Cassandra(experimental)</a:t>
-            </a:r>
-          </a:p>
-          <a:p>
-            <a:pPr marL="914400" lvl="2" indent="-342900">
+              <a:rPr lang="en-GB" sz="1800" b="1" dirty="0"/>
+              <a:t>Column-oriented </a:t>
+            </a:r>
+            <a:r>
+              <a:rPr lang="en-GB" sz="1800" b="1" dirty="0" smtClean="0"/>
+              <a:t>storage</a:t>
+            </a:r>
+          </a:p>
+          <a:p>
+            <a:pPr marL="914400" lvl="1" indent="-342900" rtl="0">
               <a:lnSpc>
                 <a:spcPct val="150000"/>
               </a:lnSpc>
+              <a:spcBef>
+                <a:spcPts val="0"/>
+              </a:spcBef>
               <a:buSzPct val="100000"/>
               <a:buAutoNum type="arabicPeriod"/>
             </a:pPr>
             <a:r>
-              <a:rPr lang="en-GB" sz="1800" i="1" dirty="0" err="1" smtClean="0"/>
-              <a:t>OrientDB</a:t>
-            </a:r>
-            <a:r>
-              <a:rPr lang="ru-RU" sz="1800" i="1" dirty="0" smtClean="0"/>
-              <a:t> (</a:t>
-            </a:r>
-            <a:r>
-              <a:rPr lang="en-US" sz="1800" i="1" dirty="0"/>
-              <a:t>preparing to </a:t>
-            </a:r>
-            <a:r>
-              <a:rPr lang="en-US" sz="1800" i="1" dirty="0" smtClean="0"/>
-              <a:t>release in version 5.2</a:t>
-            </a:r>
-            <a:r>
-              <a:rPr lang="ru-RU" sz="1800" i="1" dirty="0" smtClean="0"/>
-              <a:t>)</a:t>
-            </a:r>
-            <a:endParaRPr lang="en-GB" sz="1800" i="1" dirty="0" smtClean="0"/>
-          </a:p>
-          <a:p>
-            <a:pPr marL="914400" lvl="2" indent="-342900">
-              <a:lnSpc>
-                <a:spcPct val="150000"/>
-              </a:lnSpc>
-              <a:buSzPct val="100000"/>
-              <a:buAutoNum type="arabicPeriod"/>
-            </a:pPr>
-            <a:r>
               <a:rPr lang="en-GB" sz="1800" i="1" dirty="0" smtClean="0"/>
-              <a:t>Apache Ignite</a:t>
-            </a:r>
-            <a:r>
-              <a:rPr lang="ru-RU" sz="1800" i="1" dirty="0" smtClean="0"/>
-              <a:t> (</a:t>
-            </a:r>
-            <a:r>
-              <a:rPr lang="en-US" sz="1800" i="1" dirty="0"/>
-              <a:t>preparing to release</a:t>
-            </a:r>
-            <a:r>
-              <a:rPr lang="ru-RU" sz="1800" i="1" dirty="0" smtClean="0"/>
-              <a:t>)</a:t>
+              <a:t>Multi-model storage</a:t>
             </a:r>
             <a:endParaRPr lang="en-GB" sz="1800" i="1" dirty="0"/>
           </a:p>
         </p:txBody>
       </p:sp>
     </p:spTree>
-    <p:extLst>
-      <p:ext uri="{BB962C8B-B14F-4D97-AF65-F5344CB8AC3E}">
-        <p14:creationId xmlns:p14="http://schemas.microsoft.com/office/powerpoint/2010/main" val="985386761"/>
-      </p:ext>
-    </p:extLst>
   </p:cSld>
   <p:clrMapOvr>
     <a:masterClrMapping/>
@@ -6300,6 +7500,277 @@
               </a:lnSpc>
               <a:buSzPct val="100000"/>
               <a:buFont typeface="+mj-lt"/>
+              <a:buAutoNum type="arabicPeriod" startAt="4"/>
+            </a:pPr>
+            <a:r>
+              <a:rPr lang="en-GB" sz="2000" b="1" dirty="0"/>
+              <a:t>Supported </a:t>
+            </a:r>
+            <a:r>
+              <a:rPr lang="en-GB" sz="2000" b="1" dirty="0" smtClean="0"/>
+              <a:t>storages</a:t>
+            </a:r>
+            <a:endParaRPr lang="en-GB" sz="2000" b="1" dirty="0"/>
+          </a:p>
+          <a:p>
+            <a:pPr marL="914400" lvl="2" indent="-342900">
+              <a:lnSpc>
+                <a:spcPct val="150000"/>
+              </a:lnSpc>
+              <a:buSzPct val="100000"/>
+              <a:buFontTx/>
+              <a:buAutoNum type="arabicPeriod"/>
+            </a:pPr>
+            <a:r>
+              <a:rPr lang="en-GB" sz="1800" b="1" dirty="0" err="1" smtClean="0"/>
+              <a:t>Infispinian</a:t>
+            </a:r>
+            <a:r>
+              <a:rPr lang="en-GB" sz="1800" b="1" dirty="0" smtClean="0"/>
+              <a:t>, </a:t>
+            </a:r>
+            <a:r>
+              <a:rPr lang="en-GB" sz="1800" b="1" dirty="0" err="1" smtClean="0"/>
+              <a:t>Ehcache</a:t>
+            </a:r>
+            <a:r>
+              <a:rPr lang="en-GB" sz="1800" b="1" dirty="0" smtClean="0"/>
+              <a:t>,</a:t>
+            </a:r>
+            <a:r>
+              <a:rPr lang="en-GB" sz="1800" b="1" dirty="0"/>
+              <a:t> </a:t>
+            </a:r>
+            <a:r>
+              <a:rPr lang="en-GB" sz="1800" dirty="0" err="1"/>
+              <a:t>Redis</a:t>
+            </a:r>
+            <a:r>
+              <a:rPr lang="en-GB" sz="1800" dirty="0"/>
+              <a:t>(Experimental)</a:t>
+            </a:r>
+          </a:p>
+          <a:p>
+            <a:pPr marL="914400" lvl="2" indent="-342900">
+              <a:lnSpc>
+                <a:spcPct val="150000"/>
+              </a:lnSpc>
+              <a:buSzPct val="100000"/>
+              <a:buFontTx/>
+              <a:buAutoNum type="arabicPeriod"/>
+            </a:pPr>
+            <a:r>
+              <a:rPr lang="en-GB" sz="1800" b="1" dirty="0" smtClean="0"/>
+              <a:t>MongoDB</a:t>
+            </a:r>
+            <a:r>
+              <a:rPr lang="en-GB" sz="1800" b="1" dirty="0"/>
+              <a:t>, </a:t>
+            </a:r>
+            <a:r>
+              <a:rPr lang="en-GB" sz="1800" dirty="0" err="1" smtClean="0"/>
+              <a:t>CouchDB</a:t>
+            </a:r>
+            <a:r>
+              <a:rPr lang="en-GB" sz="1800" dirty="0" smtClean="0"/>
+              <a:t>(Experimental</a:t>
+            </a:r>
+            <a:r>
+              <a:rPr lang="en-GB" sz="1800" dirty="0"/>
+              <a:t>)</a:t>
+            </a:r>
+          </a:p>
+          <a:p>
+            <a:pPr marL="914400" lvl="2" indent="-342900">
+              <a:lnSpc>
+                <a:spcPct val="150000"/>
+              </a:lnSpc>
+              <a:buSzPct val="100000"/>
+              <a:buAutoNum type="arabicPeriod"/>
+            </a:pPr>
+            <a:r>
+              <a:rPr lang="en-GB" sz="1800" b="1" dirty="0" smtClean="0"/>
+              <a:t>Neo4j</a:t>
+            </a:r>
+          </a:p>
+          <a:p>
+            <a:pPr marL="914400" lvl="2" indent="-342900">
+              <a:lnSpc>
+                <a:spcPct val="150000"/>
+              </a:lnSpc>
+              <a:buSzPct val="100000"/>
+              <a:buAutoNum type="arabicPeriod"/>
+            </a:pPr>
+            <a:r>
+              <a:rPr lang="en-GB" sz="1800" dirty="0" smtClean="0"/>
+              <a:t>Cassandra(experimental)</a:t>
+            </a:r>
+          </a:p>
+          <a:p>
+            <a:pPr marL="914400" lvl="2" indent="-342900">
+              <a:lnSpc>
+                <a:spcPct val="150000"/>
+              </a:lnSpc>
+              <a:buSzPct val="100000"/>
+              <a:buAutoNum type="arabicPeriod"/>
+            </a:pPr>
+            <a:r>
+              <a:rPr lang="en-GB" sz="1800" i="1" dirty="0" smtClean="0"/>
+              <a:t>OrientDB</a:t>
+            </a:r>
+            <a:r>
+              <a:rPr lang="ru-RU" sz="1800" i="1" dirty="0" smtClean="0"/>
+              <a:t> (</a:t>
+            </a:r>
+            <a:r>
+              <a:rPr lang="en-US" sz="1800" i="1" dirty="0"/>
+              <a:t>preparing to </a:t>
+            </a:r>
+            <a:r>
+              <a:rPr lang="en-US" sz="1800" i="1" dirty="0" smtClean="0"/>
+              <a:t>release in version 5.2</a:t>
+            </a:r>
+            <a:r>
+              <a:rPr lang="ru-RU" sz="1800" i="1" dirty="0" smtClean="0"/>
+              <a:t>)</a:t>
+            </a:r>
+            <a:endParaRPr lang="en-GB" sz="1800" i="1" dirty="0" smtClean="0"/>
+          </a:p>
+          <a:p>
+            <a:pPr marL="914400" lvl="2" indent="-342900">
+              <a:lnSpc>
+                <a:spcPct val="150000"/>
+              </a:lnSpc>
+              <a:buSzPct val="100000"/>
+              <a:buAutoNum type="arabicPeriod"/>
+            </a:pPr>
+            <a:r>
+              <a:rPr lang="en-GB" sz="1800" i="1" dirty="0" smtClean="0"/>
+              <a:t>Apache Ignite</a:t>
+            </a:r>
+            <a:r>
+              <a:rPr lang="ru-RU" sz="1800" i="1" dirty="0" smtClean="0"/>
+              <a:t> (</a:t>
+            </a:r>
+            <a:r>
+              <a:rPr lang="en-US" sz="1800" i="1" dirty="0"/>
+              <a:t>preparing to release</a:t>
+            </a:r>
+            <a:r>
+              <a:rPr lang="ru-RU" sz="1800" i="1" dirty="0" smtClean="0"/>
+              <a:t>)</a:t>
+            </a:r>
+            <a:endParaRPr lang="en-GB" sz="1800" i="1" dirty="0"/>
+          </a:p>
+        </p:txBody>
+      </p:sp>
+    </p:spTree>
+    <p:extLst>
+      <p:ext uri="{BB962C8B-B14F-4D97-AF65-F5344CB8AC3E}">
+        <p14:creationId xmlns:p14="http://schemas.microsoft.com/office/powerpoint/2010/main" val="985386761"/>
+      </p:ext>
+    </p:extLst>
+  </p:cSld>
+  <p:clrMapOvr>
+    <a:masterClrMapping/>
+  </p:clrMapOvr>
+  <p:timing>
+    <p:tnLst>
+      <p:par>
+        <p:cTn id="1" dur="indefinite" restart="never" nodeType="tmRoot"/>
+      </p:par>
+    </p:tnLst>
+  </p:timing>
+</p:sld>
+</file>
+
+<file path=ppt/slides/slide8.xml><?xml version="1.0" encoding="utf-8"?>
+<p:sld xmlns:a="http://schemas.openxmlformats.org/drawingml/2006/main" xmlns:r="http://schemas.openxmlformats.org/officeDocument/2006/relationships" xmlns:p="http://schemas.openxmlformats.org/presentationml/2006/main">
+  <p:cSld>
+    <p:spTree>
+      <p:nvGrpSpPr>
+        <p:cNvPr id="1" name="Shape 79"/>
+        <p:cNvGrpSpPr/>
+        <p:nvPr/>
+      </p:nvGrpSpPr>
+      <p:grpSpPr>
+        <a:xfrm>
+          <a:off x="0" y="0"/>
+          <a:ext cx="0" cy="0"/>
+          <a:chOff x="0" y="0"/>
+          <a:chExt cx="0" cy="0"/>
+        </a:xfrm>
+      </p:grpSpPr>
+      <p:sp>
+        <p:nvSpPr>
+          <p:cNvPr id="80" name="Shape 80"/>
+          <p:cNvSpPr txBox="1">
+            <a:spLocks noGrp="1"/>
+          </p:cNvSpPr>
+          <p:nvPr>
+            <p:ph type="sldNum" idx="12"/>
+          </p:nvPr>
+        </p:nvSpPr>
+        <p:spPr>
+          <a:xfrm>
+            <a:off x="8472457" y="4663216"/>
+            <a:ext cx="548700" cy="393600"/>
+          </a:xfrm>
+          <a:prstGeom prst="rect">
+            <a:avLst/>
+          </a:prstGeom>
+        </p:spPr>
+        <p:txBody>
+          <a:bodyPr lIns="91425" tIns="91425" rIns="91425" bIns="91425" anchor="ctr" anchorCtr="0">
+            <a:noAutofit/>
+          </a:bodyPr>
+          <a:lstStyle/>
+          <a:p>
+            <a:pPr lvl="0">
+              <a:spcBef>
+                <a:spcPts val="0"/>
+              </a:spcBef>
+              <a:buNone/>
+            </a:pPr>
+            <a:fld id="{00000000-1234-1234-1234-123412341234}" type="slidenum">
+              <a:rPr lang="en-GB"/>
+              <a:t>8</a:t>
+            </a:fld>
+            <a:endParaRPr lang="en-GB"/>
+          </a:p>
+        </p:txBody>
+      </p:sp>
+      <p:sp>
+        <p:nvSpPr>
+          <p:cNvPr id="81" name="Shape 81"/>
+          <p:cNvSpPr txBox="1"/>
+          <p:nvPr/>
+        </p:nvSpPr>
+        <p:spPr>
+          <a:xfrm>
+            <a:off x="524850" y="431550"/>
+            <a:ext cx="8117700" cy="4150724"/>
+          </a:xfrm>
+          <a:prstGeom prst="rect">
+            <a:avLst/>
+          </a:prstGeom>
+          <a:noFill/>
+          <a:ln>
+            <a:noFill/>
+          </a:ln>
+        </p:spPr>
+        <p:txBody>
+          <a:bodyPr lIns="91425" tIns="91425" rIns="91425" bIns="91425" numCol="1" anchor="t" anchorCtr="0">
+            <a:noAutofit/>
+          </a:bodyPr>
+          <a:lstStyle/>
+          <a:p>
+            <a:pPr marL="558800" lvl="1" indent="-457200">
+              <a:lnSpc>
+                <a:spcPct val="200000"/>
+              </a:lnSpc>
+              <a:buSzPct val="100000"/>
+              <a:buFont typeface="+mj-lt"/>
               <a:buAutoNum type="arabicPeriod" startAt="5"/>
             </a:pPr>
             <a:r>
@@ -6323,7 +7794,7 @@
           <p:nvPr>
             <p:extLst>
               <p:ext uri="{D42A27DB-BD31-4B8C-83A1-F6EECF244321}">
-                <p14:modId xmlns:p14="http://schemas.microsoft.com/office/powerpoint/2010/main" val="1406288501"/>
+                <p14:modId xmlns:p14="http://schemas.microsoft.com/office/powerpoint/2010/main" val="1045932012"/>
               </p:ext>
             </p:extLst>
           </p:nvPr>
@@ -7064,7 +8535,7 @@
                       <a:pPr algn="ctr"/>
                       <a:r>
                         <a:rPr lang="en-US" sz="1200" dirty="0" smtClean="0"/>
-                        <a:t>Native</a:t>
+                        <a:t>Native, JPQL</a:t>
                       </a:r>
                       <a:endParaRPr lang="ru-RU" sz="1200" dirty="0"/>
                     </a:p>
@@ -7131,7 +8602,7 @@
 </p:sld>
 </file>
 
-<file path=ppt/slides/slide8.xml><?xml version="1.0" encoding="utf-8"?>
+<file path=ppt/slides/slide9.xml><?xml version="1.0" encoding="utf-8"?>
 <p:sld xmlns:a="http://schemas.openxmlformats.org/drawingml/2006/main" xmlns:r="http://schemas.openxmlformats.org/officeDocument/2006/relationships" xmlns:p="http://schemas.openxmlformats.org/presentationml/2006/main">
   <p:cSld>
     <p:spTree>
@@ -7840,7 +9311,7 @@
             </a:pPr>
             <a:fld id="{00000000-1234-1234-1234-123412341234}" type="slidenum">
               <a:rPr lang="en-GB"/>
-              <a:t>8</a:t>
+              <a:t>9</a:t>
             </a:fld>
             <a:endParaRPr lang="en-GB"/>
           </a:p>
@@ -7925,209 +9396,6 @@
         </p:spPr>
       </p:cxnSp>
     </p:spTree>
-  </p:cSld>
-  <p:clrMapOvr>
-    <a:masterClrMapping/>
-  </p:clrMapOvr>
-  <p:timing>
-    <p:tnLst>
-      <p:par>
-        <p:cTn id="1" dur="indefinite" restart="never" nodeType="tmRoot"/>
-      </p:par>
-    </p:tnLst>
-  </p:timing>
-</p:sld>
-</file>
-
-<file path=ppt/slides/slide9.xml><?xml version="1.0" encoding="utf-8"?>
-<p:sld xmlns:a="http://schemas.openxmlformats.org/drawingml/2006/main" xmlns:r="http://schemas.openxmlformats.org/officeDocument/2006/relationships" xmlns:p="http://schemas.openxmlformats.org/presentationml/2006/main">
-  <p:cSld>
-    <p:spTree>
-      <p:nvGrpSpPr>
-        <p:cNvPr id="1" name="Shape 79"/>
-        <p:cNvGrpSpPr/>
-        <p:nvPr/>
-      </p:nvGrpSpPr>
-      <p:grpSpPr>
-        <a:xfrm>
-          <a:off x="0" y="0"/>
-          <a:ext cx="0" cy="0"/>
-          <a:chOff x="0" y="0"/>
-          <a:chExt cx="0" cy="0"/>
-        </a:xfrm>
-      </p:grpSpPr>
-      <p:sp>
-        <p:nvSpPr>
-          <p:cNvPr id="80" name="Shape 80"/>
-          <p:cNvSpPr txBox="1">
-            <a:spLocks noGrp="1"/>
-          </p:cNvSpPr>
-          <p:nvPr>
-            <p:ph type="sldNum" idx="12"/>
-          </p:nvPr>
-        </p:nvSpPr>
-        <p:spPr>
-          <a:xfrm>
-            <a:off x="8472457" y="4663216"/>
-            <a:ext cx="548700" cy="393600"/>
-          </a:xfrm>
-          <a:prstGeom prst="rect">
-            <a:avLst/>
-          </a:prstGeom>
-        </p:spPr>
-        <p:txBody>
-          <a:bodyPr lIns="91425" tIns="91425" rIns="91425" bIns="91425" anchor="ctr" anchorCtr="0">
-            <a:noAutofit/>
-          </a:bodyPr>
-          <a:lstStyle/>
-          <a:p>
-            <a:pPr lvl="0">
-              <a:spcBef>
-                <a:spcPts val="0"/>
-              </a:spcBef>
-              <a:buNone/>
-            </a:pPr>
-            <a:fld id="{00000000-1234-1234-1234-123412341234}" type="slidenum">
-              <a:rPr lang="en-GB"/>
-              <a:t>9</a:t>
-            </a:fld>
-            <a:endParaRPr lang="en-GB"/>
-          </a:p>
-        </p:txBody>
-      </p:sp>
-      <p:sp>
-        <p:nvSpPr>
-          <p:cNvPr id="81" name="Shape 81"/>
-          <p:cNvSpPr txBox="1"/>
-          <p:nvPr/>
-        </p:nvSpPr>
-        <p:spPr>
-          <a:xfrm>
-            <a:off x="524850" y="431550"/>
-            <a:ext cx="8117700" cy="4150724"/>
-          </a:xfrm>
-          <a:prstGeom prst="rect">
-            <a:avLst/>
-          </a:prstGeom>
-          <a:noFill/>
-          <a:ln>
-            <a:noFill/>
-          </a:ln>
-        </p:spPr>
-        <p:txBody>
-          <a:bodyPr lIns="91425" tIns="91425" rIns="91425" bIns="91425" numCol="1" anchor="t" anchorCtr="0">
-            <a:noAutofit/>
-          </a:bodyPr>
-          <a:lstStyle/>
-          <a:p>
-            <a:pPr marL="558800" lvl="1" indent="-457200">
-              <a:lnSpc>
-                <a:spcPct val="200000"/>
-              </a:lnSpc>
-              <a:buSzPct val="100000"/>
-              <a:buFont typeface="+mj-lt"/>
-              <a:buAutoNum type="arabicPeriod" startAt="4"/>
-            </a:pPr>
-            <a:r>
-              <a:rPr lang="en-GB" sz="2000" b="1" dirty="0" err="1" smtClean="0"/>
-              <a:t>OrientDB</a:t>
-            </a:r>
-            <a:r>
-              <a:rPr lang="en-GB" sz="2000" b="1" dirty="0" smtClean="0"/>
-              <a:t> database</a:t>
-            </a:r>
-            <a:endParaRPr lang="en-GB" sz="2000" b="1" dirty="0"/>
-          </a:p>
-          <a:p>
-            <a:pPr marL="914400" lvl="2" indent="-342900">
-              <a:lnSpc>
-                <a:spcPct val="150000"/>
-              </a:lnSpc>
-              <a:buSzPct val="100000"/>
-              <a:buFontTx/>
-              <a:buAutoNum type="arabicPeriod"/>
-            </a:pPr>
-            <a:r>
-              <a:rPr lang="en-GB" sz="1800" b="1" dirty="0" smtClean="0"/>
-              <a:t>Multi-model (document + graph) storage </a:t>
-            </a:r>
-            <a:endParaRPr lang="en-GB" sz="1800" dirty="0"/>
-          </a:p>
-          <a:p>
-            <a:pPr marL="914400" lvl="2" indent="-342900">
-              <a:lnSpc>
-                <a:spcPct val="150000"/>
-              </a:lnSpc>
-              <a:buSzPct val="100000"/>
-              <a:buFontTx/>
-              <a:buAutoNum type="arabicPeriod"/>
-            </a:pPr>
-            <a:r>
-              <a:rPr lang="en-GB" sz="1800" b="1" dirty="0" smtClean="0"/>
-              <a:t>SQL-like query language </a:t>
-            </a:r>
-          </a:p>
-          <a:p>
-            <a:pPr marL="914400" lvl="2" indent="-342900">
-              <a:lnSpc>
-                <a:spcPct val="150000"/>
-              </a:lnSpc>
-              <a:buSzPct val="100000"/>
-              <a:buFontTx/>
-              <a:buAutoNum type="arabicPeriod"/>
-            </a:pPr>
-            <a:r>
-              <a:rPr lang="en-GB" sz="1800" b="1" dirty="0" smtClean="0"/>
-              <a:t>Supports stored procedures (any JSR-223 language)</a:t>
-            </a:r>
-          </a:p>
-          <a:p>
-            <a:pPr marL="914400" lvl="2" indent="-342900">
-              <a:lnSpc>
-                <a:spcPct val="150000"/>
-              </a:lnSpc>
-              <a:buSzPct val="100000"/>
-              <a:buFontTx/>
-              <a:buAutoNum type="arabicPeriod"/>
-            </a:pPr>
-            <a:r>
-              <a:rPr lang="en-GB" sz="1800" b="1" dirty="0" smtClean="0"/>
-              <a:t>Multi-master replication</a:t>
-            </a:r>
-          </a:p>
-          <a:p>
-            <a:pPr marL="914400" lvl="2" indent="-342900">
-              <a:lnSpc>
-                <a:spcPct val="150000"/>
-              </a:lnSpc>
-              <a:buSzPct val="100000"/>
-              <a:buFontTx/>
-              <a:buAutoNum type="arabicPeriod"/>
-            </a:pPr>
-            <a:r>
-              <a:rPr lang="en-GB" sz="1800" b="1" dirty="0" smtClean="0"/>
-              <a:t>Part of table (cluster) as object for query language</a:t>
-            </a:r>
-          </a:p>
-          <a:p>
-            <a:pPr marL="914400" lvl="2" indent="-342900">
-              <a:lnSpc>
-                <a:spcPct val="150000"/>
-              </a:lnSpc>
-              <a:buSzPct val="100000"/>
-              <a:buFontTx/>
-              <a:buAutoNum type="arabicPeriod"/>
-            </a:pPr>
-            <a:endParaRPr lang="en-GB" sz="1800" dirty="0"/>
-          </a:p>
-        </p:txBody>
-      </p:sp>
-    </p:spTree>
-    <p:extLst>
-      <p:ext uri="{BB962C8B-B14F-4D97-AF65-F5344CB8AC3E}">
-        <p14:creationId xmlns:p14="http://schemas.microsoft.com/office/powerpoint/2010/main" val="608987707"/>
-      </p:ext>
-    </p:extLst>
   </p:cSld>
   <p:clrMapOvr>
     <a:masterClrMapping/>

--- a/presentation/jpoint2017.pptx
+++ b/presentation/jpoint2017.pptx
@@ -704,9 +704,14 @@
               <a:buNone/>
             </a:pPr>
             <a:r>
-              <a:rPr lang="en-GB"/>
-              <a:t>Talk about how each type store data </a:t>
-            </a:r>
+              <a:rPr lang="en-GB" smtClean="0"/>
+              <a:t>Add links </a:t>
+            </a:r>
+            <a:r>
+              <a:rPr lang="en-GB" dirty="0" smtClean="0"/>
+              <a:t>to performance test.</a:t>
+            </a:r>
+            <a:endParaRPr lang="en-GB" dirty="0"/>
           </a:p>
         </p:txBody>
       </p:sp>
@@ -1959,7 +1964,23 @@
             </a:r>
             <a:r>
               <a:rPr lang="en-GB" baseline="0" dirty="0" smtClean="0"/>
-              <a:t> supported by Hibernate Search</a:t>
+              <a:t> supported by Hibernate </a:t>
+            </a:r>
+            <a:r>
+              <a:rPr lang="en-GB" baseline="0" dirty="0" smtClean="0"/>
+              <a:t>Search</a:t>
+            </a:r>
+          </a:p>
+          <a:p>
+            <a:pPr lvl="0">
+              <a:spcBef>
+                <a:spcPts val="0"/>
+              </a:spcBef>
+              <a:buNone/>
+            </a:pPr>
+            <a:r>
+              <a:rPr lang="en-GB" baseline="0" dirty="0" smtClean="0"/>
+              <a:t>Emulation is not traditional JTA and deferent with storage</a:t>
             </a:r>
             <a:endParaRPr lang="en-GB" dirty="0"/>
           </a:p>
@@ -5723,11 +5744,7 @@
             </a:pPr>
             <a:r>
               <a:rPr lang="en-GB" sz="1800" b="1" dirty="0" smtClean="0"/>
-              <a:t>Multi-model </a:t>
-            </a:r>
-            <a:r>
-              <a:rPr lang="en-GB" sz="1800" b="1" dirty="0" smtClean="0"/>
-              <a:t>(document + graph) storage </a:t>
+              <a:t>Multi-model (document + graph) storage </a:t>
             </a:r>
             <a:endParaRPr lang="en-GB" sz="1800" dirty="0"/>
           </a:p>
@@ -5784,19 +5801,7 @@
             </a:pPr>
             <a:r>
               <a:rPr lang="en-GB" sz="1800" b="1" dirty="0" smtClean="0"/>
-              <a:t>Part of table (</a:t>
-            </a:r>
-            <a:r>
-              <a:rPr lang="en-GB" sz="1800" b="1" dirty="0" smtClean="0"/>
-              <a:t>cluster and index) </a:t>
-            </a:r>
-            <a:r>
-              <a:rPr lang="en-GB" sz="1800" b="1" dirty="0" smtClean="0"/>
-              <a:t>as object for query </a:t>
-            </a:r>
-            <a:r>
-              <a:rPr lang="en-GB" sz="1800" b="1" dirty="0" smtClean="0"/>
-              <a:t>language</a:t>
+              <a:t>Part of table (cluster and index) as object for query language</a:t>
             </a:r>
           </a:p>
           <a:p>
@@ -5826,7 +5831,6 @@
               <a:rPr lang="en-GB" sz="1800" b="1" dirty="0" smtClean="0"/>
               <a:t>API for many languages and frameworks</a:t>
             </a:r>
-            <a:endParaRPr lang="en-GB" sz="1800" b="1" dirty="0" smtClean="0"/>
           </a:p>
           <a:p>
             <a:pPr marL="914400" lvl="2" indent="-342900">
